--- a/D99压测分享会.pptx
+++ b/D99压测分享会.pptx
@@ -1,20 +1,26 @@
 
 <file path=ppt/presentation.xml><?xml version="1.0" encoding="utf-8"?>
-<p:presentation xmlns:a="http://schemas.openxmlformats.org/drawingml/2006/main" xmlns:r="http://schemas.openxmlformats.org/officeDocument/2006/relationships" xmlns:p="http://schemas.openxmlformats.org/presentationml/2006/main" saveSubsetFonts="1" autoCompressPictures="0">
+<p:presentation xmlns:a="http://schemas.openxmlformats.org/drawingml/2006/main" xmlns:r="http://schemas.openxmlformats.org/officeDocument/2006/relationships" xmlns:p="http://schemas.openxmlformats.org/presentationml/2006/main" autoCompressPictures="0">
   <p:sldMasterIdLst>
     <p:sldMasterId id="2147483648" r:id="rId1"/>
   </p:sldMasterIdLst>
   <p:notesMasterIdLst>
-    <p:notesMasterId r:id="rId9"/>
+    <p:notesMasterId r:id="rId5"/>
   </p:notesMasterIdLst>
   <p:sldIdLst>
-    <p:sldId id="256" r:id="rId2"/>
-    <p:sldId id="257" r:id="rId3"/>
-    <p:sldId id="258" r:id="rId4"/>
-    <p:sldId id="259" r:id="rId5"/>
-    <p:sldId id="260" r:id="rId6"/>
-    <p:sldId id="261" r:id="rId7"/>
-    <p:sldId id="262" r:id="rId8"/>
+    <p:sldId id="256" r:id="rId3"/>
+    <p:sldId id="257" r:id="rId4"/>
+    <p:sldId id="258" r:id="rId6"/>
+    <p:sldId id="259" r:id="rId7"/>
+    <p:sldId id="260" r:id="rId8"/>
+    <p:sldId id="261" r:id="rId9"/>
+    <p:sldId id="263" r:id="rId10"/>
+    <p:sldId id="264" r:id="rId11"/>
+    <p:sldId id="265" r:id="rId12"/>
+    <p:sldId id="266" r:id="rId13"/>
+    <p:sldId id="267" r:id="rId14"/>
+    <p:sldId id="268" r:id="rId15"/>
+    <p:sldId id="269" r:id="rId16"/>
   </p:sldIdLst>
   <p:sldSz cx="12192000" cy="6858000"/>
   <p:notesSz cx="6858000" cy="9144000"/>
@@ -113,23 +119,12 @@
       </a:defRPr>
     </a:lvl9pPr>
   </p:defaultTextStyle>
-  <p:extLst>
-    <p:ext uri="{EFAFB233-063F-42B5-8137-9DF3F51BA10A}">
-      <p15:sldGuideLst xmlns:p15="http://schemas.microsoft.com/office/powerpoint/2012/main"/>
-    </p:ext>
-  </p:extLst>
 </p:presentation>
 </file>
 
 <file path=ppt/commentAuthors.xml><?xml version="1.0" encoding="utf-8"?>
 <p:cmAuthorLst xmlns:a="http://schemas.openxmlformats.org/drawingml/2006/main" xmlns:r="http://schemas.openxmlformats.org/officeDocument/2006/relationships" xmlns:p="http://schemas.openxmlformats.org/presentationml/2006/main">
-  <p:cmAuthor id="1" name="Renfei Wang" initials="RW" lastIdx="3" clrIdx="0">
-    <p:extLst>
-      <p:ext uri="{19B8F6BF-5375-455C-9EA6-DF929625EA0E}">
-        <p15:presenceInfo xmlns:p15="http://schemas.microsoft.com/office/powerpoint/2012/main" userId="S::renfei.wang@dena.com::98a73bb0-20be-405f-b49e-c0295050e5c6" providerId="AD"/>
-      </p:ext>
-    </p:extLst>
-  </p:cmAuthor>
+  <p:cmAuthor id="1" name="Renfei Wang" initials="RW" lastIdx="3" clrIdx="0"/>
 </p:cmAuthorLst>
 </file>
 
@@ -140,117 +135,39 @@
   <dgm:catLst>
     <dgm:cat type="accent1" pri="11200"/>
   </dgm:catLst>
-  <dgm:styleLbl name="node0">
+  <dgm:styleLbl name="alignAcc1">
     <dgm:fillClrLst meth="repeat">
-      <a:schemeClr val="accent1"/>
-    </dgm:fillClrLst>
-    <dgm:linClrLst meth="repeat">
-      <a:schemeClr val="lt1"/>
-    </dgm:linClrLst>
-    <dgm:effectClrLst/>
-    <dgm:txLinClrLst/>
-    <dgm:txFillClrLst/>
-    <dgm:txEffectClrLst/>
-  </dgm:styleLbl>
-  <dgm:styleLbl name="alignNode1">
-    <dgm:fillClrLst meth="repeat">
-      <a:schemeClr val="accent1"/>
+      <a:schemeClr val="lt1">
+        <a:alpha val="90000"/>
+      </a:schemeClr>
     </dgm:fillClrLst>
     <dgm:linClrLst meth="repeat">
       <a:schemeClr val="accent1"/>
     </dgm:linClrLst>
     <dgm:effectClrLst/>
     <dgm:txLinClrLst/>
-    <dgm:txFillClrLst/>
+    <dgm:txFillClrLst meth="repeat">
+      <a:schemeClr val="dk1"/>
+    </dgm:txFillClrLst>
     <dgm:txEffectClrLst/>
   </dgm:styleLbl>
-  <dgm:styleLbl name="node1">
-    <dgm:fillClrLst meth="repeat">
-      <a:schemeClr val="accent1"/>
-    </dgm:fillClrLst>
-    <dgm:linClrLst meth="repeat">
-      <a:schemeClr val="lt1"/>
-    </dgm:linClrLst>
-    <dgm:effectClrLst/>
-    <dgm:txLinClrLst/>
-    <dgm:txFillClrLst/>
-    <dgm:txEffectClrLst/>
-  </dgm:styleLbl>
-  <dgm:styleLbl name="lnNode1">
-    <dgm:fillClrLst meth="repeat">
-      <a:schemeClr val="accent1"/>
-    </dgm:fillClrLst>
-    <dgm:linClrLst meth="repeat">
-      <a:schemeClr val="lt1"/>
-    </dgm:linClrLst>
-    <dgm:effectClrLst/>
-    <dgm:txLinClrLst/>
-    <dgm:txFillClrLst/>
-    <dgm:txEffectClrLst/>
-  </dgm:styleLbl>
-  <dgm:styleLbl name="vennNode1">
+  <dgm:styleLbl name="alignAccFollowNode1">
     <dgm:fillClrLst meth="repeat">
       <a:schemeClr val="accent1">
-        <a:alpha val="50000"/>
+        <a:alpha val="90000"/>
+        <a:tint val="40000"/>
       </a:schemeClr>
     </dgm:fillClrLst>
     <dgm:linClrLst meth="repeat">
-      <a:schemeClr val="lt1"/>
-    </dgm:linClrLst>
-    <dgm:effectClrLst/>
-    <dgm:txLinClrLst/>
-    <dgm:txFillClrLst/>
-    <dgm:txEffectClrLst/>
-  </dgm:styleLbl>
-  <dgm:styleLbl name="node2">
-    <dgm:fillClrLst meth="repeat">
-      <a:schemeClr val="accent1"/>
-    </dgm:fillClrLst>
-    <dgm:linClrLst meth="repeat">
-      <a:schemeClr val="lt1"/>
-    </dgm:linClrLst>
-    <dgm:effectClrLst/>
-    <dgm:txLinClrLst/>
-    <dgm:txFillClrLst/>
-    <dgm:txEffectClrLst/>
-  </dgm:styleLbl>
-  <dgm:styleLbl name="node3">
-    <dgm:fillClrLst meth="repeat">
-      <a:schemeClr val="accent1"/>
-    </dgm:fillClrLst>
-    <dgm:linClrLst meth="repeat">
-      <a:schemeClr val="lt1"/>
-    </dgm:linClrLst>
-    <dgm:effectClrLst/>
-    <dgm:txLinClrLst/>
-    <dgm:txFillClrLst/>
-    <dgm:txEffectClrLst/>
-  </dgm:styleLbl>
-  <dgm:styleLbl name="node4">
-    <dgm:fillClrLst meth="repeat">
-      <a:schemeClr val="accent1"/>
-    </dgm:fillClrLst>
-    <dgm:linClrLst meth="repeat">
-      <a:schemeClr val="lt1"/>
-    </dgm:linClrLst>
-    <dgm:effectClrLst/>
-    <dgm:txLinClrLst/>
-    <dgm:txFillClrLst/>
-    <dgm:txEffectClrLst/>
-  </dgm:styleLbl>
-  <dgm:styleLbl name="fgImgPlace1">
-    <dgm:fillClrLst meth="repeat">
       <a:schemeClr val="accent1">
-        <a:tint val="50000"/>
+        <a:alpha val="90000"/>
+        <a:tint val="40000"/>
       </a:schemeClr>
-    </dgm:fillClrLst>
-    <dgm:linClrLst meth="repeat">
-      <a:schemeClr val="lt1"/>
     </dgm:linClrLst>
     <dgm:effectClrLst/>
     <dgm:txLinClrLst/>
     <dgm:txFillClrLst meth="repeat">
-      <a:schemeClr val="lt1"/>
+      <a:schemeClr val="dk1"/>
     </dgm:txFillClrLst>
     <dgm:txEffectClrLst/>
   </dgm:styleLbl>
@@ -270,71 +187,7 @@
     </dgm:txFillClrLst>
     <dgm:txEffectClrLst/>
   </dgm:styleLbl>
-  <dgm:styleLbl name="bgImgPlace1">
-    <dgm:fillClrLst meth="repeat">
-      <a:schemeClr val="accent1">
-        <a:tint val="50000"/>
-      </a:schemeClr>
-    </dgm:fillClrLst>
-    <dgm:linClrLst meth="repeat">
-      <a:schemeClr val="lt1"/>
-    </dgm:linClrLst>
-    <dgm:effectClrLst/>
-    <dgm:txLinClrLst/>
-    <dgm:txFillClrLst meth="repeat">
-      <a:schemeClr val="lt1"/>
-    </dgm:txFillClrLst>
-    <dgm:txEffectClrLst/>
-  </dgm:styleLbl>
-  <dgm:styleLbl name="sibTrans2D1">
-    <dgm:fillClrLst meth="repeat">
-      <a:schemeClr val="accent1">
-        <a:tint val="60000"/>
-      </a:schemeClr>
-    </dgm:fillClrLst>
-    <dgm:linClrLst meth="repeat">
-      <a:schemeClr val="accent1">
-        <a:tint val="60000"/>
-      </a:schemeClr>
-    </dgm:linClrLst>
-    <dgm:effectClrLst/>
-    <dgm:txLinClrLst/>
-    <dgm:txFillClrLst/>
-    <dgm:txEffectClrLst/>
-  </dgm:styleLbl>
-  <dgm:styleLbl name="fgSibTrans2D1">
-    <dgm:fillClrLst meth="repeat">
-      <a:schemeClr val="accent1">
-        <a:tint val="60000"/>
-      </a:schemeClr>
-    </dgm:fillClrLst>
-    <dgm:linClrLst meth="repeat">
-      <a:schemeClr val="accent1">
-        <a:tint val="60000"/>
-      </a:schemeClr>
-    </dgm:linClrLst>
-    <dgm:effectClrLst/>
-    <dgm:txLinClrLst/>
-    <dgm:txFillClrLst/>
-    <dgm:txEffectClrLst/>
-  </dgm:styleLbl>
-  <dgm:styleLbl name="bgSibTrans2D1">
-    <dgm:fillClrLst meth="repeat">
-      <a:schemeClr val="accent1">
-        <a:tint val="60000"/>
-      </a:schemeClr>
-    </dgm:fillClrLst>
-    <dgm:linClrLst meth="repeat">
-      <a:schemeClr val="accent1">
-        <a:tint val="60000"/>
-      </a:schemeClr>
-    </dgm:linClrLst>
-    <dgm:effectClrLst/>
-    <dgm:txLinClrLst/>
-    <dgm:txFillClrLst/>
-    <dgm:txEffectClrLst/>
-  </dgm:styleLbl>
-  <dgm:styleLbl name="sibTrans1D1">
+  <dgm:styleLbl name="alignNode1">
     <dgm:fillClrLst meth="repeat">
       <a:schemeClr val="accent1"/>
     </dgm:fillClrLst>
@@ -343,25 +196,7 @@
     </dgm:linClrLst>
     <dgm:effectClrLst/>
     <dgm:txLinClrLst/>
-    <dgm:txFillClrLst meth="repeat">
-      <a:schemeClr val="tx1"/>
-    </dgm:txFillClrLst>
-    <dgm:txEffectClrLst/>
-  </dgm:styleLbl>
-  <dgm:styleLbl name="callout">
-    <dgm:fillClrLst meth="repeat">
-      <a:schemeClr val="accent1"/>
-    </dgm:fillClrLst>
-    <dgm:linClrLst meth="repeat">
-      <a:schemeClr val="accent1">
-        <a:tint val="50000"/>
-      </a:schemeClr>
-    </dgm:linClrLst>
-    <dgm:effectClrLst/>
-    <dgm:txLinClrLst/>
-    <dgm:txFillClrLst meth="repeat">
-      <a:schemeClr val="tx1"/>
-    </dgm:txFillClrLst>
+    <dgm:txFillClrLst/>
     <dgm:txEffectClrLst/>
   </dgm:styleLbl>
   <dgm:styleLbl name="asst0">
@@ -424,7 +259,75 @@
     <dgm:txFillClrLst/>
     <dgm:txEffectClrLst/>
   </dgm:styleLbl>
-  <dgm:styleLbl name="parChTrans2D1">
+  <dgm:styleLbl name="bgAcc1">
+    <dgm:fillClrLst meth="repeat">
+      <a:schemeClr val="lt1">
+        <a:alpha val="90000"/>
+      </a:schemeClr>
+    </dgm:fillClrLst>
+    <dgm:linClrLst meth="repeat">
+      <a:schemeClr val="accent1"/>
+    </dgm:linClrLst>
+    <dgm:effectClrLst/>
+    <dgm:txLinClrLst/>
+    <dgm:txFillClrLst meth="repeat">
+      <a:schemeClr val="dk1"/>
+    </dgm:txFillClrLst>
+    <dgm:txEffectClrLst/>
+  </dgm:styleLbl>
+  <dgm:styleLbl name="bgAccFollowNode1">
+    <dgm:fillClrLst meth="repeat">
+      <a:schemeClr val="accent1">
+        <a:alpha val="90000"/>
+        <a:tint val="40000"/>
+      </a:schemeClr>
+    </dgm:fillClrLst>
+    <dgm:linClrLst meth="repeat">
+      <a:schemeClr val="accent1">
+        <a:alpha val="90000"/>
+        <a:tint val="40000"/>
+      </a:schemeClr>
+    </dgm:linClrLst>
+    <dgm:effectClrLst/>
+    <dgm:txLinClrLst/>
+    <dgm:txFillClrLst meth="repeat">
+      <a:schemeClr val="dk1"/>
+    </dgm:txFillClrLst>
+    <dgm:txEffectClrLst/>
+  </dgm:styleLbl>
+  <dgm:styleLbl name="bgImgPlace1">
+    <dgm:fillClrLst meth="repeat">
+      <a:schemeClr val="accent1">
+        <a:tint val="50000"/>
+      </a:schemeClr>
+    </dgm:fillClrLst>
+    <dgm:linClrLst meth="repeat">
+      <a:schemeClr val="lt1"/>
+    </dgm:linClrLst>
+    <dgm:effectClrLst/>
+    <dgm:txLinClrLst/>
+    <dgm:txFillClrLst meth="repeat">
+      <a:schemeClr val="lt1"/>
+    </dgm:txFillClrLst>
+    <dgm:txEffectClrLst/>
+  </dgm:styleLbl>
+  <dgm:styleLbl name="bgShp">
+    <dgm:fillClrLst meth="repeat">
+      <a:schemeClr val="accent1">
+        <a:tint val="40000"/>
+      </a:schemeClr>
+    </dgm:fillClrLst>
+    <dgm:linClrLst meth="repeat">
+      <a:schemeClr val="accent1"/>
+    </dgm:linClrLst>
+    <dgm:effectClrLst/>
+    <dgm:txLinClrLst/>
+    <dgm:txFillClrLst meth="repeat">
+      <a:schemeClr val="dk1"/>
+    </dgm:txFillClrLst>
+    <dgm:txEffectClrLst/>
+  </dgm:styleLbl>
+  <dgm:styleLbl name="bgSibTrans2D1">
     <dgm:fillClrLst meth="repeat">
       <a:schemeClr val="accent1">
         <a:tint val="60000"/>
@@ -437,14 +340,46 @@
     </dgm:linClrLst>
     <dgm:effectClrLst/>
     <dgm:txLinClrLst/>
+    <dgm:txFillClrLst/>
+    <dgm:txEffectClrLst/>
+  </dgm:styleLbl>
+  <dgm:styleLbl name="callout">
+    <dgm:fillClrLst meth="repeat">
+      <a:schemeClr val="accent1"/>
+    </dgm:fillClrLst>
+    <dgm:linClrLst meth="repeat">
+      <a:schemeClr val="accent1">
+        <a:tint val="50000"/>
+      </a:schemeClr>
+    </dgm:linClrLst>
+    <dgm:effectClrLst/>
+    <dgm:txLinClrLst/>
     <dgm:txFillClrLst meth="repeat">
-      <a:schemeClr val="lt1"/>
+      <a:schemeClr val="tx1"/>
     </dgm:txFillClrLst>
     <dgm:txEffectClrLst/>
   </dgm:styleLbl>
-  <dgm:styleLbl name="parChTrans2D2">
+  <dgm:styleLbl name="conFgAcc1">
     <dgm:fillClrLst meth="repeat">
+      <a:schemeClr val="lt1">
+        <a:alpha val="90000"/>
+      </a:schemeClr>
+    </dgm:fillClrLst>
+    <dgm:linClrLst meth="repeat">
       <a:schemeClr val="accent1"/>
+    </dgm:linClrLst>
+    <dgm:effectClrLst/>
+    <dgm:txLinClrLst/>
+    <dgm:txFillClrLst meth="repeat">
+      <a:schemeClr val="dk1"/>
+    </dgm:txFillClrLst>
+    <dgm:txEffectClrLst/>
+  </dgm:styleLbl>
+  <dgm:styleLbl name="dkBgShp">
+    <dgm:fillClrLst meth="repeat">
+      <a:schemeClr val="accent1">
+        <a:shade val="80000"/>
+      </a:schemeClr>
     </dgm:fillClrLst>
     <dgm:linClrLst meth="repeat">
       <a:schemeClr val="accent1"/>
@@ -456,12 +391,114 @@
     </dgm:txFillClrLst>
     <dgm:txEffectClrLst/>
   </dgm:styleLbl>
-  <dgm:styleLbl name="parChTrans2D3">
+  <dgm:styleLbl name="fgAcc0">
     <dgm:fillClrLst meth="repeat">
-      <a:schemeClr val="accent1"/>
+      <a:schemeClr val="lt1">
+        <a:alpha val="90000"/>
+      </a:schemeClr>
     </dgm:fillClrLst>
     <dgm:linClrLst meth="repeat">
       <a:schemeClr val="accent1"/>
+    </dgm:linClrLst>
+    <dgm:effectClrLst/>
+    <dgm:txLinClrLst/>
+    <dgm:txFillClrLst meth="repeat">
+      <a:schemeClr val="dk1"/>
+    </dgm:txFillClrLst>
+    <dgm:txEffectClrLst/>
+  </dgm:styleLbl>
+  <dgm:styleLbl name="fgAcc1">
+    <dgm:fillClrLst meth="repeat">
+      <a:schemeClr val="lt1">
+        <a:alpha val="90000"/>
+      </a:schemeClr>
+    </dgm:fillClrLst>
+    <dgm:linClrLst meth="repeat">
+      <a:schemeClr val="accent1"/>
+    </dgm:linClrLst>
+    <dgm:effectClrLst/>
+    <dgm:txLinClrLst/>
+    <dgm:txFillClrLst meth="repeat">
+      <a:schemeClr val="dk1"/>
+    </dgm:txFillClrLst>
+    <dgm:txEffectClrLst/>
+  </dgm:styleLbl>
+  <dgm:styleLbl name="fgAcc2">
+    <dgm:fillClrLst meth="repeat">
+      <a:schemeClr val="lt1">
+        <a:alpha val="90000"/>
+      </a:schemeClr>
+    </dgm:fillClrLst>
+    <dgm:linClrLst meth="repeat">
+      <a:schemeClr val="accent1"/>
+    </dgm:linClrLst>
+    <dgm:effectClrLst/>
+    <dgm:txLinClrLst/>
+    <dgm:txFillClrLst meth="repeat">
+      <a:schemeClr val="dk1"/>
+    </dgm:txFillClrLst>
+    <dgm:txEffectClrLst/>
+  </dgm:styleLbl>
+  <dgm:styleLbl name="fgAcc3">
+    <dgm:fillClrLst meth="repeat">
+      <a:schemeClr val="lt1">
+        <a:alpha val="90000"/>
+      </a:schemeClr>
+    </dgm:fillClrLst>
+    <dgm:linClrLst meth="repeat">
+      <a:schemeClr val="accent1"/>
+    </dgm:linClrLst>
+    <dgm:effectClrLst/>
+    <dgm:txLinClrLst/>
+    <dgm:txFillClrLst meth="repeat">
+      <a:schemeClr val="dk1"/>
+    </dgm:txFillClrLst>
+    <dgm:txEffectClrLst/>
+  </dgm:styleLbl>
+  <dgm:styleLbl name="fgAcc4">
+    <dgm:fillClrLst meth="repeat">
+      <a:schemeClr val="lt1">
+        <a:alpha val="90000"/>
+      </a:schemeClr>
+    </dgm:fillClrLst>
+    <dgm:linClrLst meth="repeat">
+      <a:schemeClr val="accent1"/>
+    </dgm:linClrLst>
+    <dgm:effectClrLst/>
+    <dgm:txLinClrLst/>
+    <dgm:txFillClrLst meth="repeat">
+      <a:schemeClr val="dk1"/>
+    </dgm:txFillClrLst>
+    <dgm:txEffectClrLst/>
+  </dgm:styleLbl>
+  <dgm:styleLbl name="fgAccFollowNode1">
+    <dgm:fillClrLst meth="repeat">
+      <a:schemeClr val="accent1">
+        <a:alpha val="90000"/>
+        <a:tint val="40000"/>
+      </a:schemeClr>
+    </dgm:fillClrLst>
+    <dgm:linClrLst meth="repeat">
+      <a:schemeClr val="accent1">
+        <a:alpha val="90000"/>
+        <a:tint val="40000"/>
+      </a:schemeClr>
+    </dgm:linClrLst>
+    <dgm:effectClrLst/>
+    <dgm:txLinClrLst/>
+    <dgm:txFillClrLst meth="repeat">
+      <a:schemeClr val="dk1"/>
+    </dgm:txFillClrLst>
+    <dgm:txEffectClrLst/>
+  </dgm:styleLbl>
+  <dgm:styleLbl name="fgImgPlace1">
+    <dgm:fillClrLst meth="repeat">
+      <a:schemeClr val="accent1">
+        <a:tint val="50000"/>
+      </a:schemeClr>
+    </dgm:fillClrLst>
+    <dgm:linClrLst meth="repeat">
+      <a:schemeClr val="lt1"/>
     </dgm:linClrLst>
     <dgm:effectClrLst/>
     <dgm:txLinClrLst/>
@@ -470,18 +507,108 @@
     </dgm:txFillClrLst>
     <dgm:txEffectClrLst/>
   </dgm:styleLbl>
-  <dgm:styleLbl name="parChTrans2D4">
+  <dgm:styleLbl name="fgShp">
+    <dgm:fillClrLst meth="repeat">
+      <a:schemeClr val="accent1">
+        <a:tint val="60000"/>
+      </a:schemeClr>
+    </dgm:fillClrLst>
+    <dgm:linClrLst meth="repeat">
+      <a:schemeClr val="lt1"/>
+    </dgm:linClrLst>
+    <dgm:effectClrLst/>
+    <dgm:txLinClrLst/>
+    <dgm:txFillClrLst meth="repeat">
+      <a:schemeClr val="dk1"/>
+    </dgm:txFillClrLst>
+    <dgm:txEffectClrLst/>
+  </dgm:styleLbl>
+  <dgm:styleLbl name="fgSibTrans2D1">
+    <dgm:fillClrLst meth="repeat">
+      <a:schemeClr val="accent1">
+        <a:tint val="60000"/>
+      </a:schemeClr>
+    </dgm:fillClrLst>
+    <dgm:linClrLst meth="repeat">
+      <a:schemeClr val="accent1">
+        <a:tint val="60000"/>
+      </a:schemeClr>
+    </dgm:linClrLst>
+    <dgm:effectClrLst/>
+    <dgm:txLinClrLst/>
+    <dgm:txFillClrLst/>
+    <dgm:txEffectClrLst/>
+  </dgm:styleLbl>
+  <dgm:styleLbl name="lnNode1">
     <dgm:fillClrLst meth="repeat">
       <a:schemeClr val="accent1"/>
     </dgm:fillClrLst>
     <dgm:linClrLst meth="repeat">
-      <a:schemeClr val="accent1"/>
+      <a:schemeClr val="lt1"/>
     </dgm:linClrLst>
     <dgm:effectClrLst/>
     <dgm:txLinClrLst/>
-    <dgm:txFillClrLst meth="repeat">
+    <dgm:txFillClrLst/>
+    <dgm:txEffectClrLst/>
+  </dgm:styleLbl>
+  <dgm:styleLbl name="node0">
+    <dgm:fillClrLst meth="repeat">
+      <a:schemeClr val="accent1"/>
+    </dgm:fillClrLst>
+    <dgm:linClrLst meth="repeat">
       <a:schemeClr val="lt1"/>
-    </dgm:txFillClrLst>
+    </dgm:linClrLst>
+    <dgm:effectClrLst/>
+    <dgm:txLinClrLst/>
+    <dgm:txFillClrLst/>
+    <dgm:txEffectClrLst/>
+  </dgm:styleLbl>
+  <dgm:styleLbl name="node1">
+    <dgm:fillClrLst meth="repeat">
+      <a:schemeClr val="accent1"/>
+    </dgm:fillClrLst>
+    <dgm:linClrLst meth="repeat">
+      <a:schemeClr val="lt1"/>
+    </dgm:linClrLst>
+    <dgm:effectClrLst/>
+    <dgm:txLinClrLst/>
+    <dgm:txFillClrLst/>
+    <dgm:txEffectClrLst/>
+  </dgm:styleLbl>
+  <dgm:styleLbl name="node2">
+    <dgm:fillClrLst meth="repeat">
+      <a:schemeClr val="accent1"/>
+    </dgm:fillClrLst>
+    <dgm:linClrLst meth="repeat">
+      <a:schemeClr val="lt1"/>
+    </dgm:linClrLst>
+    <dgm:effectClrLst/>
+    <dgm:txLinClrLst/>
+    <dgm:txFillClrLst/>
+    <dgm:txEffectClrLst/>
+  </dgm:styleLbl>
+  <dgm:styleLbl name="node3">
+    <dgm:fillClrLst meth="repeat">
+      <a:schemeClr val="accent1"/>
+    </dgm:fillClrLst>
+    <dgm:linClrLst meth="repeat">
+      <a:schemeClr val="lt1"/>
+    </dgm:linClrLst>
+    <dgm:effectClrLst/>
+    <dgm:txLinClrLst/>
+    <dgm:txFillClrLst/>
+    <dgm:txEffectClrLst/>
+  </dgm:styleLbl>
+  <dgm:styleLbl name="node4">
+    <dgm:fillClrLst meth="repeat">
+      <a:schemeClr val="accent1"/>
+    </dgm:fillClrLst>
+    <dgm:linClrLst meth="repeat">
+      <a:schemeClr val="lt1"/>
+    </dgm:linClrLst>
+    <dgm:effectClrLst/>
+    <dgm:txLinClrLst/>
+    <dgm:txFillClrLst/>
     <dgm:txEffectClrLst/>
   </dgm:styleLbl>
   <dgm:styleLbl name="parChTrans1D1">
@@ -548,11 +675,27 @@
     </dgm:txFillClrLst>
     <dgm:txEffectClrLst/>
   </dgm:styleLbl>
-  <dgm:styleLbl name="fgAcc1">
+  <dgm:styleLbl name="parChTrans2D1">
     <dgm:fillClrLst meth="repeat">
-      <a:schemeClr val="lt1">
-        <a:alpha val="90000"/>
+      <a:schemeClr val="accent1">
+        <a:tint val="60000"/>
       </a:schemeClr>
+    </dgm:fillClrLst>
+    <dgm:linClrLst meth="repeat">
+      <a:schemeClr val="accent1">
+        <a:tint val="60000"/>
+      </a:schemeClr>
+    </dgm:linClrLst>
+    <dgm:effectClrLst/>
+    <dgm:txLinClrLst/>
+    <dgm:txFillClrLst meth="repeat">
+      <a:schemeClr val="lt1"/>
+    </dgm:txFillClrLst>
+    <dgm:txEffectClrLst/>
+  </dgm:styleLbl>
+  <dgm:styleLbl name="parChTrans2D2">
+    <dgm:fillClrLst meth="repeat">
+      <a:schemeClr val="accent1"/>
     </dgm:fillClrLst>
     <dgm:linClrLst meth="repeat">
       <a:schemeClr val="accent1"/>
@@ -560,15 +703,13 @@
     <dgm:effectClrLst/>
     <dgm:txLinClrLst/>
     <dgm:txFillClrLst meth="repeat">
-      <a:schemeClr val="dk1"/>
+      <a:schemeClr val="lt1"/>
     </dgm:txFillClrLst>
     <dgm:txEffectClrLst/>
   </dgm:styleLbl>
-  <dgm:styleLbl name="conFgAcc1">
+  <dgm:styleLbl name="parChTrans2D3">
     <dgm:fillClrLst meth="repeat">
-      <a:schemeClr val="lt1">
-        <a:alpha val="90000"/>
-      </a:schemeClr>
+      <a:schemeClr val="accent1"/>
     </dgm:fillClrLst>
     <dgm:linClrLst meth="repeat">
       <a:schemeClr val="accent1"/>
@@ -576,15 +717,13 @@
     <dgm:effectClrLst/>
     <dgm:txLinClrLst/>
     <dgm:txFillClrLst meth="repeat">
-      <a:schemeClr val="dk1"/>
+      <a:schemeClr val="lt1"/>
     </dgm:txFillClrLst>
     <dgm:txEffectClrLst/>
   </dgm:styleLbl>
-  <dgm:styleLbl name="alignAcc1">
+  <dgm:styleLbl name="parChTrans2D4">
     <dgm:fillClrLst meth="repeat">
-      <a:schemeClr val="lt1">
-        <a:alpha val="90000"/>
-      </a:schemeClr>
+      <a:schemeClr val="accent1"/>
     </dgm:fillClrLst>
     <dgm:linClrLst meth="repeat">
       <a:schemeClr val="accent1"/>
@@ -592,15 +731,31 @@
     <dgm:effectClrLst/>
     <dgm:txLinClrLst/>
     <dgm:txFillClrLst meth="repeat">
-      <a:schemeClr val="dk1"/>
+      <a:schemeClr val="lt1"/>
     </dgm:txFillClrLst>
     <dgm:txEffectClrLst/>
   </dgm:styleLbl>
-  <dgm:styleLbl name="trAlignAcc1">
+  <dgm:styleLbl name="revTx">
     <dgm:fillClrLst meth="repeat">
       <a:schemeClr val="lt1">
-        <a:alpha val="40000"/>
+        <a:alpha val="0"/>
       </a:schemeClr>
+    </dgm:fillClrLst>
+    <dgm:linClrLst meth="repeat">
+      <a:schemeClr val="dk1">
+        <a:alpha val="0"/>
+      </a:schemeClr>
+    </dgm:linClrLst>
+    <dgm:effectClrLst/>
+    <dgm:txLinClrLst/>
+    <dgm:txFillClrLst meth="repeat">
+      <a:schemeClr val="tx1"/>
+    </dgm:txFillClrLst>
+    <dgm:txEffectClrLst/>
+  </dgm:styleLbl>
+  <dgm:styleLbl name="sibTrans1D1">
+    <dgm:fillClrLst meth="repeat">
+      <a:schemeClr val="accent1"/>
     </dgm:fillClrLst>
     <dgm:linClrLst meth="repeat">
       <a:schemeClr val="accent1"/>
@@ -608,38 +763,24 @@
     <dgm:effectClrLst/>
     <dgm:txLinClrLst/>
     <dgm:txFillClrLst meth="repeat">
-      <a:schemeClr val="dk1"/>
+      <a:schemeClr val="tx1"/>
     </dgm:txFillClrLst>
     <dgm:txEffectClrLst/>
   </dgm:styleLbl>
-  <dgm:styleLbl name="bgAcc1">
+  <dgm:styleLbl name="sibTrans2D1">
     <dgm:fillClrLst meth="repeat">
-      <a:schemeClr val="lt1">
-        <a:alpha val="90000"/>
+      <a:schemeClr val="accent1">
+        <a:tint val="60000"/>
       </a:schemeClr>
     </dgm:fillClrLst>
     <dgm:linClrLst meth="repeat">
-      <a:schemeClr val="accent1"/>
+      <a:schemeClr val="accent1">
+        <a:tint val="60000"/>
+      </a:schemeClr>
     </dgm:linClrLst>
     <dgm:effectClrLst/>
     <dgm:txLinClrLst/>
-    <dgm:txFillClrLst meth="repeat">
-      <a:schemeClr val="dk1"/>
-    </dgm:txFillClrLst>
-    <dgm:txEffectClrLst/>
-  </dgm:styleLbl>
-  <dgm:styleLbl name="solidFgAcc1">
-    <dgm:fillClrLst meth="repeat">
-      <a:schemeClr val="lt1"/>
-    </dgm:fillClrLst>
-    <dgm:linClrLst meth="repeat">
-      <a:schemeClr val="accent1"/>
-    </dgm:linClrLst>
-    <dgm:effectClrLst/>
-    <dgm:txLinClrLst/>
-    <dgm:txFillClrLst meth="repeat">
-      <a:schemeClr val="dk1"/>
-    </dgm:txFillClrLst>
+    <dgm:txFillClrLst/>
     <dgm:txEffectClrLst/>
   </dgm:styleLbl>
   <dgm:styleLbl name="solidAlignAcc1">
@@ -670,71 +811,9 @@
     </dgm:txFillClrLst>
     <dgm:txEffectClrLst/>
   </dgm:styleLbl>
-  <dgm:styleLbl name="fgAccFollowNode1">
+  <dgm:styleLbl name="solidFgAcc1">
     <dgm:fillClrLst meth="repeat">
-      <a:schemeClr val="accent1">
-        <a:alpha val="90000"/>
-        <a:tint val="40000"/>
-      </a:schemeClr>
-    </dgm:fillClrLst>
-    <dgm:linClrLst meth="repeat">
-      <a:schemeClr val="accent1">
-        <a:alpha val="90000"/>
-        <a:tint val="40000"/>
-      </a:schemeClr>
-    </dgm:linClrLst>
-    <dgm:effectClrLst/>
-    <dgm:txLinClrLst/>
-    <dgm:txFillClrLst meth="repeat">
-      <a:schemeClr val="dk1"/>
-    </dgm:txFillClrLst>
-    <dgm:txEffectClrLst/>
-  </dgm:styleLbl>
-  <dgm:styleLbl name="alignAccFollowNode1">
-    <dgm:fillClrLst meth="repeat">
-      <a:schemeClr val="accent1">
-        <a:alpha val="90000"/>
-        <a:tint val="40000"/>
-      </a:schemeClr>
-    </dgm:fillClrLst>
-    <dgm:linClrLst meth="repeat">
-      <a:schemeClr val="accent1">
-        <a:alpha val="90000"/>
-        <a:tint val="40000"/>
-      </a:schemeClr>
-    </dgm:linClrLst>
-    <dgm:effectClrLst/>
-    <dgm:txLinClrLst/>
-    <dgm:txFillClrLst meth="repeat">
-      <a:schemeClr val="dk1"/>
-    </dgm:txFillClrLst>
-    <dgm:txEffectClrLst/>
-  </dgm:styleLbl>
-  <dgm:styleLbl name="bgAccFollowNode1">
-    <dgm:fillClrLst meth="repeat">
-      <a:schemeClr val="accent1">
-        <a:alpha val="90000"/>
-        <a:tint val="40000"/>
-      </a:schemeClr>
-    </dgm:fillClrLst>
-    <dgm:linClrLst meth="repeat">
-      <a:schemeClr val="accent1">
-        <a:alpha val="90000"/>
-        <a:tint val="40000"/>
-      </a:schemeClr>
-    </dgm:linClrLst>
-    <dgm:effectClrLst/>
-    <dgm:txLinClrLst/>
-    <dgm:txFillClrLst meth="repeat">
-      <a:schemeClr val="dk1"/>
-    </dgm:txFillClrLst>
-    <dgm:txEffectClrLst/>
-  </dgm:styleLbl>
-  <dgm:styleLbl name="fgAcc0">
-    <dgm:fillClrLst meth="repeat">
-      <a:schemeClr val="lt1">
-        <a:alpha val="90000"/>
-      </a:schemeClr>
+      <a:schemeClr val="lt1"/>
     </dgm:fillClrLst>
     <dgm:linClrLst meth="repeat">
       <a:schemeClr val="accent1"/>
@@ -746,10 +825,10 @@
     </dgm:txFillClrLst>
     <dgm:txEffectClrLst/>
   </dgm:styleLbl>
-  <dgm:styleLbl name="fgAcc2">
+  <dgm:styleLbl name="trAlignAcc1">
     <dgm:fillClrLst meth="repeat">
       <a:schemeClr val="lt1">
-        <a:alpha val="90000"/>
+        <a:alpha val="40000"/>
       </a:schemeClr>
     </dgm:fillClrLst>
     <dgm:linClrLst meth="repeat">
@@ -759,70 +838,6 @@
     <dgm:txLinClrLst/>
     <dgm:txFillClrLst meth="repeat">
       <a:schemeClr val="dk1"/>
-    </dgm:txFillClrLst>
-    <dgm:txEffectClrLst/>
-  </dgm:styleLbl>
-  <dgm:styleLbl name="fgAcc3">
-    <dgm:fillClrLst meth="repeat">
-      <a:schemeClr val="lt1">
-        <a:alpha val="90000"/>
-      </a:schemeClr>
-    </dgm:fillClrLst>
-    <dgm:linClrLst meth="repeat">
-      <a:schemeClr val="accent1"/>
-    </dgm:linClrLst>
-    <dgm:effectClrLst/>
-    <dgm:txLinClrLst/>
-    <dgm:txFillClrLst meth="repeat">
-      <a:schemeClr val="dk1"/>
-    </dgm:txFillClrLst>
-    <dgm:txEffectClrLst/>
-  </dgm:styleLbl>
-  <dgm:styleLbl name="fgAcc4">
-    <dgm:fillClrLst meth="repeat">
-      <a:schemeClr val="lt1">
-        <a:alpha val="90000"/>
-      </a:schemeClr>
-    </dgm:fillClrLst>
-    <dgm:linClrLst meth="repeat">
-      <a:schemeClr val="accent1"/>
-    </dgm:linClrLst>
-    <dgm:effectClrLst/>
-    <dgm:txLinClrLst/>
-    <dgm:txFillClrLst meth="repeat">
-      <a:schemeClr val="dk1"/>
-    </dgm:txFillClrLst>
-    <dgm:txEffectClrLst/>
-  </dgm:styleLbl>
-  <dgm:styleLbl name="bgShp">
-    <dgm:fillClrLst meth="repeat">
-      <a:schemeClr val="accent1">
-        <a:tint val="40000"/>
-      </a:schemeClr>
-    </dgm:fillClrLst>
-    <dgm:linClrLst meth="repeat">
-      <a:schemeClr val="accent1"/>
-    </dgm:linClrLst>
-    <dgm:effectClrLst/>
-    <dgm:txLinClrLst/>
-    <dgm:txFillClrLst meth="repeat">
-      <a:schemeClr val="dk1"/>
-    </dgm:txFillClrLst>
-    <dgm:txEffectClrLst/>
-  </dgm:styleLbl>
-  <dgm:styleLbl name="dkBgShp">
-    <dgm:fillClrLst meth="repeat">
-      <a:schemeClr val="accent1">
-        <a:shade val="80000"/>
-      </a:schemeClr>
-    </dgm:fillClrLst>
-    <dgm:linClrLst meth="repeat">
-      <a:schemeClr val="accent1"/>
-    </dgm:linClrLst>
-    <dgm:effectClrLst/>
-    <dgm:txLinClrLst/>
-    <dgm:txFillClrLst meth="repeat">
-      <a:schemeClr val="lt1"/>
     </dgm:txFillClrLst>
     <dgm:txEffectClrLst/>
   </dgm:styleLbl>
@@ -843,10 +858,10 @@
     </dgm:txFillClrLst>
     <dgm:txEffectClrLst/>
   </dgm:styleLbl>
-  <dgm:styleLbl name="fgShp">
+  <dgm:styleLbl name="vennNode1">
     <dgm:fillClrLst meth="repeat">
       <a:schemeClr val="accent1">
-        <a:tint val="60000"/>
+        <a:alpha val="50000"/>
       </a:schemeClr>
     </dgm:fillClrLst>
     <dgm:linClrLst meth="repeat">
@@ -854,27 +869,7 @@
     </dgm:linClrLst>
     <dgm:effectClrLst/>
     <dgm:txLinClrLst/>
-    <dgm:txFillClrLst meth="repeat">
-      <a:schemeClr val="dk1"/>
-    </dgm:txFillClrLst>
-    <dgm:txEffectClrLst/>
-  </dgm:styleLbl>
-  <dgm:styleLbl name="revTx">
-    <dgm:fillClrLst meth="repeat">
-      <a:schemeClr val="lt1">
-        <a:alpha val="0"/>
-      </a:schemeClr>
-    </dgm:fillClrLst>
-    <dgm:linClrLst meth="repeat">
-      <a:schemeClr val="dk1">
-        <a:alpha val="0"/>
-      </a:schemeClr>
-    </dgm:linClrLst>
-    <dgm:effectClrLst/>
-    <dgm:txLinClrLst/>
-    <dgm:txFillClrLst meth="repeat">
-      <a:schemeClr val="tx1"/>
-    </dgm:txFillClrLst>
+    <dgm:txFillClrLst/>
     <dgm:txEffectClrLst/>
   </dgm:styleLbl>
 </dgm:colorsDef>
@@ -909,7 +904,7 @@
         </a:p>
       </dgm:t>
     </dgm:pt>
-    <dgm:pt modelId="{EF3298D2-831F-46B7-80F9-A7A506C6D7BB}" type="parTrans" cxnId="{5A6A4FB4-9686-49CF-8E5A-11B4531B5E9B}">
+    <dgm:pt modelId="{EF3298D2-831F-46B7-80F9-A7A506C6D7BB}" cxnId="{C0BCEC63-491A-421E-A49F-2494622A5435}" type="parTrans">
       <dgm:prSet/>
       <dgm:spPr/>
       <dgm:t>
@@ -920,7 +915,7 @@
         </a:p>
       </dgm:t>
     </dgm:pt>
-    <dgm:pt modelId="{190A2223-7014-42C9-BAFD-EA733D5391E1}" type="sibTrans" cxnId="{5A6A4FB4-9686-49CF-8E5A-11B4531B5E9B}">
+    <dgm:pt modelId="{190A2223-7014-42C9-BAFD-EA733D5391E1}" cxnId="{C0BCEC63-491A-421E-A49F-2494622A5435}" type="sibTrans">
       <dgm:prSet/>
       <dgm:spPr/>
       <dgm:t>
@@ -946,7 +941,7 @@
         </a:p>
       </dgm:t>
     </dgm:pt>
-    <dgm:pt modelId="{8CA28267-75A8-4BF6-A2F8-60ACABC07CE2}" type="parTrans" cxnId="{96EC06D0-4CAE-42D7-A09E-276AE17EEDD6}">
+    <dgm:pt modelId="{8CA28267-75A8-4BF6-A2F8-60ACABC07CE2}" cxnId="{B6FC03CF-0718-4084-AC96-A56C12249744}" type="parTrans">
       <dgm:prSet/>
       <dgm:spPr/>
       <dgm:t>
@@ -957,7 +952,7 @@
         </a:p>
       </dgm:t>
     </dgm:pt>
-    <dgm:pt modelId="{0868423C-CC63-4AEE-B611-22FF95B5DDC9}" type="sibTrans" cxnId="{96EC06D0-4CAE-42D7-A09E-276AE17EEDD6}">
+    <dgm:pt modelId="{0868423C-CC63-4AEE-B611-22FF95B5DDC9}" cxnId="{B6FC03CF-0718-4084-AC96-A56C12249744}" type="sibTrans">
       <dgm:prSet/>
       <dgm:spPr/>
       <dgm:t>
@@ -983,7 +978,7 @@
         </a:p>
       </dgm:t>
     </dgm:pt>
-    <dgm:pt modelId="{C73681AC-2BCE-4A8D-A65E-19A98932E76B}" type="parTrans" cxnId="{469CCED1-367B-4E0D-9982-FE99135D9722}">
+    <dgm:pt modelId="{C73681AC-2BCE-4A8D-A65E-19A98932E76B}" cxnId="{A00FB372-34F5-4D13-BF51-77F7993E2665}" type="parTrans">
       <dgm:prSet/>
       <dgm:spPr/>
       <dgm:t>
@@ -994,7 +989,7 @@
         </a:p>
       </dgm:t>
     </dgm:pt>
-    <dgm:pt modelId="{768D4C53-426C-4E6E-8FE2-3D213D9A2672}" type="sibTrans" cxnId="{469CCED1-367B-4E0D-9982-FE99135D9722}">
+    <dgm:pt modelId="{768D4C53-426C-4E6E-8FE2-3D213D9A2672}" cxnId="{A00FB372-34F5-4D13-BF51-77F7993E2665}" type="sibTrans">
       <dgm:prSet/>
       <dgm:spPr/>
       <dgm:t>
@@ -1020,7 +1015,7 @@
         </a:p>
       </dgm:t>
     </dgm:pt>
-    <dgm:pt modelId="{98FE4A24-4E70-40AD-AA3C-9E599280E4B2}" type="parTrans" cxnId="{6661724C-51FF-4446-934F-068E8C0D3984}">
+    <dgm:pt modelId="{98FE4A24-4E70-40AD-AA3C-9E599280E4B2}" cxnId="{20F856D2-75AA-4F77-A297-2A27CC571DFD}" type="parTrans">
       <dgm:prSet/>
       <dgm:spPr/>
       <dgm:t>
@@ -1031,7 +1026,7 @@
         </a:p>
       </dgm:t>
     </dgm:pt>
-    <dgm:pt modelId="{60DDC569-18AB-4DD7-9271-6D78F4C44FF3}" type="sibTrans" cxnId="{6661724C-51FF-4446-934F-068E8C0D3984}">
+    <dgm:pt modelId="{60DDC569-18AB-4DD7-9271-6D78F4C44FF3}" cxnId="{20F856D2-75AA-4F77-A297-2A27CC571DFD}" type="sibTrans">
       <dgm:prSet/>
       <dgm:spPr/>
       <dgm:t>
@@ -1043,12 +1038,22 @@
       </dgm:t>
     </dgm:pt>
     <dgm:pt modelId="{7106390C-1EC2-42A5-B33B-4ECE2F3C9402}">
-      <dgm:prSet/>
+      <dgm:prSet phldr="0" custT="0"/>
       <dgm:spPr/>
       <dgm:t>
-        <a:bodyPr/>
-        <a:lstStyle/>
+        <a:bodyPr vert="horz" wrap="square"/>
         <a:p>
+          <a:pPr>
+            <a:lnSpc>
+              <a:spcPct val="100000"/>
+            </a:lnSpc>
+            <a:spcBef>
+              <a:spcPct val="0"/>
+            </a:spcBef>
+            <a:spcAft>
+              <a:spcPct val="15000"/>
+            </a:spcAft>
+          </a:pPr>
           <a:r>
             <a:rPr kumimoji="1" lang="zh-CN"/>
             <a:t>原因</a:t>
@@ -1067,37 +1072,21 @@
           </a:r>
           <a:r>
             <a:rPr kumimoji="1" lang="zh-CN"/>
-            <a:t>做过防代理抓包处理，且部分</a:t>
-          </a:r>
-          <a:r>
-            <a:rPr kumimoji="1" lang="en-US"/>
-            <a:t>API</a:t>
+            <a:t>做过防代理抓包处理，</a:t>
           </a:r>
           <a:r>
             <a:rPr kumimoji="1" lang="zh-CN"/>
-            <a:t>调用被封装，无法直接通过</a:t>
+            <a:t>没有暴露的接口可被抓取</a:t>
           </a:r>
           <a:r>
-            <a:rPr kumimoji="1" lang="en-US"/>
-            <a:t>charles</a:t>
+            <a:rPr kumimoji="1" lang="zh-CN" altLang="en-US"/>
+            <a:t/>
           </a:r>
-          <a:r>
-            <a:rPr kumimoji="1" lang="zh-CN"/>
-            <a:t>等抓包软件截取</a:t>
-          </a:r>
-          <a:r>
-            <a:rPr kumimoji="1" lang="en-US"/>
-            <a:t>http</a:t>
-          </a:r>
-          <a:r>
-            <a:rPr kumimoji="1" lang="zh-CN"/>
-            <a:t>请求。</a:t>
-          </a:r>
-          <a:endParaRPr lang="en-US"/>
+          <a:endParaRPr kumimoji="1" lang="zh-CN" altLang="en-US"/>
         </a:p>
       </dgm:t>
     </dgm:pt>
-    <dgm:pt modelId="{4D323E42-EE8C-4B12-B508-7913A9028CCE}" type="parTrans" cxnId="{30596D9E-8CCA-4F73-911F-BABE8E3FDEE9}">
+    <dgm:pt modelId="{4D323E42-EE8C-4B12-B508-7913A9028CCE}" cxnId="{954B9177-9298-4EA5-A37D-9CACFF32334C}" type="parTrans">
       <dgm:prSet/>
       <dgm:spPr/>
       <dgm:t>
@@ -1108,7 +1097,7 @@
         </a:p>
       </dgm:t>
     </dgm:pt>
-    <dgm:pt modelId="{0A373FCB-35C6-4CD5-ADE7-5A778D982171}" type="sibTrans" cxnId="{30596D9E-8CCA-4F73-911F-BABE8E3FDEE9}">
+    <dgm:pt modelId="{0A373FCB-35C6-4CD5-ADE7-5A778D982171}" cxnId="{954B9177-9298-4EA5-A37D-9CACFF32334C}" type="sibTrans">
       <dgm:prSet/>
       <dgm:spPr/>
       <dgm:t>
@@ -1134,7 +1123,7 @@
       <dgm:spPr/>
     </dgm:pt>
     <dgm:pt modelId="{04BEF436-76D4-DD43-AF38-81215E71F517}" type="pres">
-      <dgm:prSet presAssocID="{EB5BBAB7-0BE4-47BF-ADA1-D7A6CB7383DA}" presName="parentLeftMargin" presStyleLbl="node1" presStyleIdx="0" presStyleCnt="2"/>
+      <dgm:prSet presAssocID="{EB5BBAB7-0BE4-47BF-ADA1-D7A6CB7383DA}" presName="parentLeftMargin" presStyleCnt="0"/>
       <dgm:spPr/>
     </dgm:pt>
     <dgm:pt modelId="{75033B60-58AB-3D42-B6F2-B5729337FCA0}" type="pres">
@@ -1167,7 +1156,7 @@
       <dgm:spPr/>
     </dgm:pt>
     <dgm:pt modelId="{5E351FF4-20C9-2940-A566-0DDBD98199A9}" type="pres">
-      <dgm:prSet presAssocID="{DFFB2F7D-E3AD-4D75-9080-DE16D509EF7B}" presName="parentLeftMargin" presStyleLbl="node1" presStyleIdx="0" presStyleCnt="2"/>
+      <dgm:prSet presAssocID="{DFFB2F7D-E3AD-4D75-9080-DE16D509EF7B}" presName="parentLeftMargin" presStyleCnt="0"/>
       <dgm:spPr/>
     </dgm:pt>
     <dgm:pt modelId="{73E0C5FE-C3E8-184A-98F9-2C4871630BEE}" type="pres">
@@ -1193,36 +1182,36 @@
     </dgm:pt>
   </dgm:ptLst>
   <dgm:cxnLst>
-    <dgm:cxn modelId="{35181D12-F179-944F-B979-DC5FDDC29820}" type="presOf" srcId="{EB5BBAB7-0BE4-47BF-ADA1-D7A6CB7383DA}" destId="{04BEF436-76D4-DD43-AF38-81215E71F517}" srcOrd="0" destOrd="0" presId="urn:microsoft.com/office/officeart/2005/8/layout/list1"/>
-    <dgm:cxn modelId="{31BE4E1F-20C4-1D43-BE73-F88F348C4B6A}" type="presOf" srcId="{F91952BC-5703-4DF9-8022-A78FD4AADE09}" destId="{69FC335D-5D8C-0844-8105-C9CA909C37D4}" srcOrd="0" destOrd="0" presId="urn:microsoft.com/office/officeart/2005/8/layout/list1"/>
-    <dgm:cxn modelId="{6661724C-51FF-4446-934F-068E8C0D3984}" srcId="{53C61AFD-BF02-4CEA-8BC5-45076E5F983B}" destId="{DFFB2F7D-E3AD-4D75-9080-DE16D509EF7B}" srcOrd="1" destOrd="0" parTransId="{98FE4A24-4E70-40AD-AA3C-9E599280E4B2}" sibTransId="{60DDC569-18AB-4DD7-9271-6D78F4C44FF3}"/>
-    <dgm:cxn modelId="{9AEE035E-8512-CD48-BF61-2196EF47DA24}" type="presOf" srcId="{EB5BBAB7-0BE4-47BF-ADA1-D7A6CB7383DA}" destId="{75033B60-58AB-3D42-B6F2-B5729337FCA0}" srcOrd="1" destOrd="0" presId="urn:microsoft.com/office/officeart/2005/8/layout/list1"/>
-    <dgm:cxn modelId="{F7032A8B-FF83-C046-B9D6-77542B0119C6}" type="presOf" srcId="{DFFB2F7D-E3AD-4D75-9080-DE16D509EF7B}" destId="{73E0C5FE-C3E8-184A-98F9-2C4871630BEE}" srcOrd="1" destOrd="0" presId="urn:microsoft.com/office/officeart/2005/8/layout/list1"/>
-    <dgm:cxn modelId="{7B4AFE8E-D27C-8D43-8F71-8E5C73BA8DA6}" type="presOf" srcId="{7106390C-1EC2-42A5-B33B-4ECE2F3C9402}" destId="{9439D4AF-B75A-CE48-BB03-CD98C1E5656B}" srcOrd="0" destOrd="0" presId="urn:microsoft.com/office/officeart/2005/8/layout/list1"/>
-    <dgm:cxn modelId="{30596D9E-8CCA-4F73-911F-BABE8E3FDEE9}" srcId="{DFFB2F7D-E3AD-4D75-9080-DE16D509EF7B}" destId="{7106390C-1EC2-42A5-B33B-4ECE2F3C9402}" srcOrd="0" destOrd="0" parTransId="{4D323E42-EE8C-4B12-B508-7913A9028CCE}" sibTransId="{0A373FCB-35C6-4CD5-ADE7-5A778D982171}"/>
-    <dgm:cxn modelId="{D7E108AA-2292-0E44-8697-093BD3A9C99E}" type="presOf" srcId="{DFFB2F7D-E3AD-4D75-9080-DE16D509EF7B}" destId="{5E351FF4-20C9-2940-A566-0DDBD98199A9}" srcOrd="0" destOrd="0" presId="urn:microsoft.com/office/officeart/2005/8/layout/list1"/>
-    <dgm:cxn modelId="{5A6A4FB4-9686-49CF-8E5A-11B4531B5E9B}" srcId="{53C61AFD-BF02-4CEA-8BC5-45076E5F983B}" destId="{EB5BBAB7-0BE4-47BF-ADA1-D7A6CB7383DA}" srcOrd="0" destOrd="0" parTransId="{EF3298D2-831F-46B7-80F9-A7A506C6D7BB}" sibTransId="{190A2223-7014-42C9-BAFD-EA733D5391E1}"/>
-    <dgm:cxn modelId="{6264EFC9-4CC0-524E-B9FF-F5C1D4B34EF9}" type="presOf" srcId="{2AA60B37-9D95-44FD-AA2B-FA26A542C3B9}" destId="{69FC335D-5D8C-0844-8105-C9CA909C37D4}" srcOrd="0" destOrd="1" presId="urn:microsoft.com/office/officeart/2005/8/layout/list1"/>
-    <dgm:cxn modelId="{96EC06D0-4CAE-42D7-A09E-276AE17EEDD6}" srcId="{EB5BBAB7-0BE4-47BF-ADA1-D7A6CB7383DA}" destId="{F91952BC-5703-4DF9-8022-A78FD4AADE09}" srcOrd="0" destOrd="0" parTransId="{8CA28267-75A8-4BF6-A2F8-60ACABC07CE2}" sibTransId="{0868423C-CC63-4AEE-B611-22FF95B5DDC9}"/>
-    <dgm:cxn modelId="{469CCED1-367B-4E0D-9982-FE99135D9722}" srcId="{EB5BBAB7-0BE4-47BF-ADA1-D7A6CB7383DA}" destId="{2AA60B37-9D95-44FD-AA2B-FA26A542C3B9}" srcOrd="1" destOrd="0" parTransId="{C73681AC-2BCE-4A8D-A65E-19A98932E76B}" sibTransId="{768D4C53-426C-4E6E-8FE2-3D213D9A2672}"/>
-    <dgm:cxn modelId="{32E251FA-AC5C-284D-BE2F-DFA61633EF47}" type="presOf" srcId="{53C61AFD-BF02-4CEA-8BC5-45076E5F983B}" destId="{BF6D18C5-CE76-5047-AC26-83D573811973}" srcOrd="0" destOrd="0" presId="urn:microsoft.com/office/officeart/2005/8/layout/list1"/>
-    <dgm:cxn modelId="{19BCBB59-01CB-8046-923B-7F84CA6E544F}" type="presParOf" srcId="{BF6D18C5-CE76-5047-AC26-83D573811973}" destId="{FE7E5729-1420-3046-A05C-A0F61D91C497}" srcOrd="0" destOrd="0" presId="urn:microsoft.com/office/officeart/2005/8/layout/list1"/>
-    <dgm:cxn modelId="{91E3C107-1400-EB43-B43C-9E570EB28E21}" type="presParOf" srcId="{FE7E5729-1420-3046-A05C-A0F61D91C497}" destId="{04BEF436-76D4-DD43-AF38-81215E71F517}" srcOrd="0" destOrd="0" presId="urn:microsoft.com/office/officeart/2005/8/layout/list1"/>
-    <dgm:cxn modelId="{725F056A-262F-7A47-A5A9-8F954502E093}" type="presParOf" srcId="{FE7E5729-1420-3046-A05C-A0F61D91C497}" destId="{75033B60-58AB-3D42-B6F2-B5729337FCA0}" srcOrd="1" destOrd="0" presId="urn:microsoft.com/office/officeart/2005/8/layout/list1"/>
-    <dgm:cxn modelId="{494D4682-026B-CD4B-846F-11F33BF13750}" type="presParOf" srcId="{BF6D18C5-CE76-5047-AC26-83D573811973}" destId="{7F9BFAA0-2091-334F-9D8A-3F57078568E2}" srcOrd="1" destOrd="0" presId="urn:microsoft.com/office/officeart/2005/8/layout/list1"/>
-    <dgm:cxn modelId="{9B51C883-4C1C-B540-8801-F6327F4D4377}" type="presParOf" srcId="{BF6D18C5-CE76-5047-AC26-83D573811973}" destId="{69FC335D-5D8C-0844-8105-C9CA909C37D4}" srcOrd="2" destOrd="0" presId="urn:microsoft.com/office/officeart/2005/8/layout/list1"/>
-    <dgm:cxn modelId="{1DCA2D34-32DF-B746-97B7-B32A67FFB456}" type="presParOf" srcId="{BF6D18C5-CE76-5047-AC26-83D573811973}" destId="{C8D89F54-E658-A74D-BEC8-3EABA66B1385}" srcOrd="3" destOrd="0" presId="urn:microsoft.com/office/officeart/2005/8/layout/list1"/>
-    <dgm:cxn modelId="{559A74D6-7E67-4F49-860C-F6002E5B451D}" type="presParOf" srcId="{BF6D18C5-CE76-5047-AC26-83D573811973}" destId="{8B768019-6F58-6644-A28C-DBB1B19E9692}" srcOrd="4" destOrd="0" presId="urn:microsoft.com/office/officeart/2005/8/layout/list1"/>
-    <dgm:cxn modelId="{EFBB4009-EDEF-E443-9920-06FE5153CF4F}" type="presParOf" srcId="{8B768019-6F58-6644-A28C-DBB1B19E9692}" destId="{5E351FF4-20C9-2940-A566-0DDBD98199A9}" srcOrd="0" destOrd="0" presId="urn:microsoft.com/office/officeart/2005/8/layout/list1"/>
-    <dgm:cxn modelId="{B35713D4-4411-E447-9600-6328D83C2A96}" type="presParOf" srcId="{8B768019-6F58-6644-A28C-DBB1B19E9692}" destId="{73E0C5FE-C3E8-184A-98F9-2C4871630BEE}" srcOrd="1" destOrd="0" presId="urn:microsoft.com/office/officeart/2005/8/layout/list1"/>
-    <dgm:cxn modelId="{70D94CB8-A41D-2B42-93B3-13BEDD0FC88A}" type="presParOf" srcId="{BF6D18C5-CE76-5047-AC26-83D573811973}" destId="{E094EFAF-8FF9-9246-BC63-10D27C2C2455}" srcOrd="5" destOrd="0" presId="urn:microsoft.com/office/officeart/2005/8/layout/list1"/>
-    <dgm:cxn modelId="{D3F58BD7-B1B5-B14A-9007-B0EDAD1234AD}" type="presParOf" srcId="{BF6D18C5-CE76-5047-AC26-83D573811973}" destId="{9439D4AF-B75A-CE48-BB03-CD98C1E5656B}" srcOrd="6" destOrd="0" presId="urn:microsoft.com/office/officeart/2005/8/layout/list1"/>
+    <dgm:cxn modelId="{C0BCEC63-491A-421E-A49F-2494622A5435}" srcId="{53C61AFD-BF02-4CEA-8BC5-45076E5F983B}" destId="{EB5BBAB7-0BE4-47BF-ADA1-D7A6CB7383DA}" srcOrd="0" destOrd="0" parTransId="{EF3298D2-831F-46B7-80F9-A7A506C6D7BB}" sibTransId="{190A2223-7014-42C9-BAFD-EA733D5391E1}"/>
+    <dgm:cxn modelId="{B6FC03CF-0718-4084-AC96-A56C12249744}" srcId="{EB5BBAB7-0BE4-47BF-ADA1-D7A6CB7383DA}" destId="{F91952BC-5703-4DF9-8022-A78FD4AADE09}" srcOrd="0" destOrd="0" parTransId="{8CA28267-75A8-4BF6-A2F8-60ACABC07CE2}" sibTransId="{0868423C-CC63-4AEE-B611-22FF95B5DDC9}"/>
+    <dgm:cxn modelId="{A00FB372-34F5-4D13-BF51-77F7993E2665}" srcId="{EB5BBAB7-0BE4-47BF-ADA1-D7A6CB7383DA}" destId="{2AA60B37-9D95-44FD-AA2B-FA26A542C3B9}" srcOrd="1" destOrd="0" parTransId="{C73681AC-2BCE-4A8D-A65E-19A98932E76B}" sibTransId="{768D4C53-426C-4E6E-8FE2-3D213D9A2672}"/>
+    <dgm:cxn modelId="{20F856D2-75AA-4F77-A297-2A27CC571DFD}" srcId="{53C61AFD-BF02-4CEA-8BC5-45076E5F983B}" destId="{DFFB2F7D-E3AD-4D75-9080-DE16D509EF7B}" srcOrd="1" destOrd="0" parTransId="{98FE4A24-4E70-40AD-AA3C-9E599280E4B2}" sibTransId="{60DDC569-18AB-4DD7-9271-6D78F4C44FF3}"/>
+    <dgm:cxn modelId="{954B9177-9298-4EA5-A37D-9CACFF32334C}" srcId="{DFFB2F7D-E3AD-4D75-9080-DE16D509EF7B}" destId="{7106390C-1EC2-42A5-B33B-4ECE2F3C9402}" srcOrd="0" destOrd="1" parTransId="{4D323E42-EE8C-4B12-B508-7913A9028CCE}" sibTransId="{0A373FCB-35C6-4CD5-ADE7-5A778D982171}"/>
+    <dgm:cxn modelId="{DEC540FA-341C-4383-AE7F-783DC8864515}" type="presOf" srcId="{53C61AFD-BF02-4CEA-8BC5-45076E5F983B}" destId="{BF6D18C5-CE76-5047-AC26-83D573811973}" srcOrd="0" destOrd="0" presId="urn:microsoft.com/office/officeart/2005/8/layout/list1"/>
+    <dgm:cxn modelId="{24FB8171-BE75-42A8-AD85-489C714B484A}" type="presParOf" srcId="{BF6D18C5-CE76-5047-AC26-83D573811973}" destId="{FE7E5729-1420-3046-A05C-A0F61D91C497}" srcOrd="0" destOrd="0" presId="urn:microsoft.com/office/officeart/2005/8/layout/list1"/>
+    <dgm:cxn modelId="{C668D5A3-DED2-4CDC-AA5D-E2574E64D148}" type="presParOf" srcId="{FE7E5729-1420-3046-A05C-A0F61D91C497}" destId="{04BEF436-76D4-DD43-AF38-81215E71F517}" srcOrd="0" destOrd="0" presId="urn:microsoft.com/office/officeart/2005/8/layout/list1"/>
+    <dgm:cxn modelId="{74C6DF29-5980-4E5C-ADB6-7C992CF1ECA7}" type="presOf" srcId="{EB5BBAB7-0BE4-47BF-ADA1-D7A6CB7383DA}" destId="{04BEF436-76D4-DD43-AF38-81215E71F517}" srcOrd="0" destOrd="0" presId="urn:microsoft.com/office/officeart/2005/8/layout/list1"/>
+    <dgm:cxn modelId="{E47E7463-6D54-4A53-B1C7-2493BB852AFB}" type="presParOf" srcId="{FE7E5729-1420-3046-A05C-A0F61D91C497}" destId="{75033B60-58AB-3D42-B6F2-B5729337FCA0}" srcOrd="1" destOrd="0" presId="urn:microsoft.com/office/officeart/2005/8/layout/list1"/>
+    <dgm:cxn modelId="{132B5594-3ABA-42D0-B0A4-F66F6F9A02D7}" type="presOf" srcId="{EB5BBAB7-0BE4-47BF-ADA1-D7A6CB7383DA}" destId="{75033B60-58AB-3D42-B6F2-B5729337FCA0}" srcOrd="0" destOrd="0" presId="urn:microsoft.com/office/officeart/2005/8/layout/list1"/>
+    <dgm:cxn modelId="{052903F6-894C-4E3D-89C8-EFC66F4DB618}" type="presParOf" srcId="{BF6D18C5-CE76-5047-AC26-83D573811973}" destId="{7F9BFAA0-2091-334F-9D8A-3F57078568E2}" srcOrd="1" destOrd="0" presId="urn:microsoft.com/office/officeart/2005/8/layout/list1"/>
+    <dgm:cxn modelId="{82B905DF-990D-428C-812E-34BDB5ED580F}" type="presParOf" srcId="{BF6D18C5-CE76-5047-AC26-83D573811973}" destId="{69FC335D-5D8C-0844-8105-C9CA909C37D4}" srcOrd="2" destOrd="0" presId="urn:microsoft.com/office/officeart/2005/8/layout/list1"/>
+    <dgm:cxn modelId="{91CA122F-7BC2-4116-9139-B8DC7644C071}" type="presOf" srcId="{F91952BC-5703-4DF9-8022-A78FD4AADE09}" destId="{69FC335D-5D8C-0844-8105-C9CA909C37D4}" srcOrd="0" destOrd="0" presId="urn:microsoft.com/office/officeart/2005/8/layout/list1"/>
+    <dgm:cxn modelId="{4EDC2BEA-CDF4-418E-81DC-177C5A0579A3}" type="presOf" srcId="{2AA60B37-9D95-44FD-AA2B-FA26A542C3B9}" destId="{69FC335D-5D8C-0844-8105-C9CA909C37D4}" srcOrd="0" destOrd="1" presId="urn:microsoft.com/office/officeart/2005/8/layout/list1"/>
+    <dgm:cxn modelId="{70584E86-01CE-487D-B586-9BD8EC223F51}" type="presParOf" srcId="{BF6D18C5-CE76-5047-AC26-83D573811973}" destId="{C8D89F54-E658-A74D-BEC8-3EABA66B1385}" srcOrd="3" destOrd="0" presId="urn:microsoft.com/office/officeart/2005/8/layout/list1"/>
+    <dgm:cxn modelId="{C1C839AF-B703-4BD7-9023-514E946E9C3A}" type="presParOf" srcId="{BF6D18C5-CE76-5047-AC26-83D573811973}" destId="{8B768019-6F58-6644-A28C-DBB1B19E9692}" srcOrd="4" destOrd="0" presId="urn:microsoft.com/office/officeart/2005/8/layout/list1"/>
+    <dgm:cxn modelId="{8A9045B0-B806-42A0-9894-64AFDD6442C7}" type="presParOf" srcId="{8B768019-6F58-6644-A28C-DBB1B19E9692}" destId="{5E351FF4-20C9-2940-A566-0DDBD98199A9}" srcOrd="0" destOrd="4" presId="urn:microsoft.com/office/officeart/2005/8/layout/list1"/>
+    <dgm:cxn modelId="{6C000174-0D09-4481-9921-C1ED492A09D6}" type="presOf" srcId="{DFFB2F7D-E3AD-4D75-9080-DE16D509EF7B}" destId="{5E351FF4-20C9-2940-A566-0DDBD98199A9}" srcOrd="0" destOrd="0" presId="urn:microsoft.com/office/officeart/2005/8/layout/list1"/>
+    <dgm:cxn modelId="{FC5A21D4-DE0A-48A1-BA52-AC8172A1D166}" type="presParOf" srcId="{8B768019-6F58-6644-A28C-DBB1B19E9692}" destId="{73E0C5FE-C3E8-184A-98F9-2C4871630BEE}" srcOrd="1" destOrd="4" presId="urn:microsoft.com/office/officeart/2005/8/layout/list1"/>
+    <dgm:cxn modelId="{892862CA-77DC-4339-B78B-B99181582B9C}" type="presOf" srcId="{DFFB2F7D-E3AD-4D75-9080-DE16D509EF7B}" destId="{73E0C5FE-C3E8-184A-98F9-2C4871630BEE}" srcOrd="0" destOrd="0" presId="urn:microsoft.com/office/officeart/2005/8/layout/list1"/>
+    <dgm:cxn modelId="{EE400BB2-3381-491C-B816-5465108127D1}" type="presParOf" srcId="{BF6D18C5-CE76-5047-AC26-83D573811973}" destId="{E094EFAF-8FF9-9246-BC63-10D27C2C2455}" srcOrd="5" destOrd="0" presId="urn:microsoft.com/office/officeart/2005/8/layout/list1"/>
+    <dgm:cxn modelId="{054AFA89-80BA-48FE-BE1C-DC64AFA2FFDC}" type="presParOf" srcId="{BF6D18C5-CE76-5047-AC26-83D573811973}" destId="{9439D4AF-B75A-CE48-BB03-CD98C1E5656B}" srcOrd="6" destOrd="0" presId="urn:microsoft.com/office/officeart/2005/8/layout/list1"/>
+    <dgm:cxn modelId="{4E35C39B-892F-4BA5-BC27-C42DBCB01C8C}" type="presOf" srcId="{7106390C-1EC2-42A5-B33B-4ECE2F3C9402}" destId="{9439D4AF-B75A-CE48-BB03-CD98C1E5656B}" srcOrd="0" destOrd="0" presId="urn:microsoft.com/office/officeart/2005/8/layout/list1"/>
   </dgm:cxnLst>
   <dgm:bg/>
   <dgm:whole/>
   <dgm:extLst>
     <a:ext uri="http://schemas.microsoft.com/office/drawing/2008/diagram">
-      <dsp:dataModelExt xmlns:dsp="http://schemas.microsoft.com/office/drawing/2008/diagram" relId="rId7" minVer="http://schemas.openxmlformats.org/drawingml/2006/diagram"/>
+      <dsp:dataModelExt xmlns:dsp="http://schemas.microsoft.com/office/drawing/2008/diagram" relId="rId5" minVer="http://schemas.openxmlformats.org/drawingml/2006/diagram"/>
     </a:ext>
   </dgm:extLst>
 </dgm:dataModel>
@@ -1646,7 +1635,9 @@
   <dgm:styleData>
     <dgm:dataModel>
       <dgm:ptLst>
-        <dgm:pt modelId="0" type="doc"/>
+        <dgm:pt modelId="0" type="doc">
+          <dgm:prSet qsTypeId="urn:microsoft.com/office/officeart/2005/8/quickstyle/simple5"/>
+        </dgm:pt>
         <dgm:pt modelId="1"/>
         <dgm:pt modelId="2"/>
       </dgm:ptLst>
@@ -1688,16 +1679,16 @@
         <dgm:alg type="lin">
           <dgm:param type="linDir" val="fromT"/>
           <dgm:param type="vertAlign" val="mid"/>
+          <dgm:param type="nodeHorzAlign" val="l"/>
           <dgm:param type="horzAlign" val="l"/>
-          <dgm:param type="nodeHorzAlign" val="l"/>
         </dgm:alg>
       </dgm:if>
       <dgm:else name="Name2">
         <dgm:alg type="lin">
           <dgm:param type="linDir" val="fromT"/>
           <dgm:param type="vertAlign" val="mid"/>
+          <dgm:param type="nodeHorzAlign" val="r"/>
           <dgm:param type="horzAlign" val="r"/>
-          <dgm:param type="nodeHorzAlign" val="r"/>
         </dgm:alg>
       </dgm:else>
     </dgm:choose>
@@ -1736,15 +1727,15 @@
           <dgm:if name="Name5" func="var" arg="dir" op="equ" val="norm">
             <dgm:alg type="lin">
               <dgm:param type="linDir" val="fromL"/>
+              <dgm:param type="nodeHorzAlign" val="l"/>
               <dgm:param type="horzAlign" val="l"/>
-              <dgm:param type="nodeHorzAlign" val="l"/>
             </dgm:alg>
           </dgm:if>
           <dgm:else name="Name6">
             <dgm:alg type="lin">
               <dgm:param type="linDir" val="fromR"/>
+              <dgm:param type="nodeHorzAlign" val="r"/>
               <dgm:param type="horzAlign" val="r"/>
-              <dgm:param type="nodeHorzAlign" val="r"/>
             </dgm:alg>
           </dgm:else>
         </dgm:choose>
@@ -1849,15 +1840,503 @@
     <a:camera prst="orthographicFront"/>
     <a:lightRig rig="threePt" dir="t"/>
   </dgm:scene3d>
-  <dgm:styleLbl name="node0">
+  <dgm:styleLbl name="alignAcc1">
     <dgm:scene3d>
       <a:camera prst="orthographicFront"/>
       <a:lightRig rig="threePt" dir="t"/>
     </dgm:scene3d>
-    <dgm:sp3d/>
     <dgm:txPr/>
     <dgm:style>
       <a:lnRef idx="2">
+        <a:scrgbClr r="0" g="0" b="0"/>
+      </a:lnRef>
+      <a:fillRef idx="1">
+        <a:scrgbClr r="0" g="0" b="0"/>
+      </a:fillRef>
+      <a:effectRef idx="0">
+        <a:scrgbClr r="0" g="0" b="0"/>
+      </a:effectRef>
+      <a:fontRef idx="minor"/>
+    </dgm:style>
+  </dgm:styleLbl>
+  <dgm:styleLbl name="alignAccFollowNode1">
+    <dgm:scene3d>
+      <a:camera prst="orthographicFront"/>
+      <a:lightRig rig="threePt" dir="t"/>
+    </dgm:scene3d>
+    <dgm:txPr/>
+    <dgm:style>
+      <a:lnRef idx="2">
+        <a:scrgbClr r="0" g="0" b="0"/>
+      </a:lnRef>
+      <a:fillRef idx="1">
+        <a:scrgbClr r="0" g="0" b="0"/>
+      </a:fillRef>
+      <a:effectRef idx="0">
+        <a:scrgbClr r="0" g="0" b="0"/>
+      </a:effectRef>
+      <a:fontRef idx="minor"/>
+    </dgm:style>
+  </dgm:styleLbl>
+  <dgm:styleLbl name="alignImgPlace1">
+    <dgm:scene3d>
+      <a:camera prst="orthographicFront"/>
+      <a:lightRig rig="threePt" dir="t"/>
+    </dgm:scene3d>
+    <dgm:txPr/>
+    <dgm:style>
+      <a:lnRef idx="2">
+        <a:scrgbClr r="0" g="0" b="0"/>
+      </a:lnRef>
+      <a:fillRef idx="1">
+        <a:scrgbClr r="0" g="0" b="0"/>
+      </a:fillRef>
+      <a:effectRef idx="0">
+        <a:scrgbClr r="0" g="0" b="0"/>
+      </a:effectRef>
+      <a:fontRef idx="minor"/>
+    </dgm:style>
+  </dgm:styleLbl>
+  <dgm:styleLbl name="alignNode1">
+    <dgm:scene3d>
+      <a:camera prst="orthographicFront"/>
+      <a:lightRig rig="threePt" dir="t"/>
+    </dgm:scene3d>
+    <dgm:txPr/>
+    <dgm:style>
+      <a:lnRef idx="2">
+        <a:scrgbClr r="0" g="0" b="0"/>
+      </a:lnRef>
+      <a:fillRef idx="1">
+        <a:scrgbClr r="0" g="0" b="0"/>
+      </a:fillRef>
+      <a:effectRef idx="0">
+        <a:scrgbClr r="0" g="0" b="0"/>
+      </a:effectRef>
+      <a:fontRef idx="minor">
+        <a:schemeClr val="lt1"/>
+      </a:fontRef>
+    </dgm:style>
+  </dgm:styleLbl>
+  <dgm:styleLbl name="asst0">
+    <dgm:scene3d>
+      <a:camera prst="orthographicFront"/>
+      <a:lightRig rig="threePt" dir="t"/>
+    </dgm:scene3d>
+    <dgm:txPr/>
+    <dgm:style>
+      <a:lnRef idx="2">
+        <a:scrgbClr r="0" g="0" b="0"/>
+      </a:lnRef>
+      <a:fillRef idx="1">
+        <a:scrgbClr r="0" g="0" b="0"/>
+      </a:fillRef>
+      <a:effectRef idx="0">
+        <a:scrgbClr r="0" g="0" b="0"/>
+      </a:effectRef>
+      <a:fontRef idx="minor">
+        <a:schemeClr val="lt1"/>
+      </a:fontRef>
+    </dgm:style>
+  </dgm:styleLbl>
+  <dgm:styleLbl name="asst1">
+    <dgm:scene3d>
+      <a:camera prst="orthographicFront"/>
+      <a:lightRig rig="threePt" dir="t"/>
+    </dgm:scene3d>
+    <dgm:txPr/>
+    <dgm:style>
+      <a:lnRef idx="2">
+        <a:scrgbClr r="0" g="0" b="0"/>
+      </a:lnRef>
+      <a:fillRef idx="1">
+        <a:scrgbClr r="0" g="0" b="0"/>
+      </a:fillRef>
+      <a:effectRef idx="0">
+        <a:scrgbClr r="0" g="0" b="0"/>
+      </a:effectRef>
+      <a:fontRef idx="minor">
+        <a:schemeClr val="lt1"/>
+      </a:fontRef>
+    </dgm:style>
+  </dgm:styleLbl>
+  <dgm:styleLbl name="asst2">
+    <dgm:scene3d>
+      <a:camera prst="orthographicFront"/>
+      <a:lightRig rig="threePt" dir="t"/>
+    </dgm:scene3d>
+    <dgm:txPr/>
+    <dgm:style>
+      <a:lnRef idx="2">
+        <a:scrgbClr r="0" g="0" b="0"/>
+      </a:lnRef>
+      <a:fillRef idx="1">
+        <a:scrgbClr r="0" g="0" b="0"/>
+      </a:fillRef>
+      <a:effectRef idx="0">
+        <a:scrgbClr r="0" g="0" b="0"/>
+      </a:effectRef>
+      <a:fontRef idx="minor">
+        <a:schemeClr val="lt1"/>
+      </a:fontRef>
+    </dgm:style>
+  </dgm:styleLbl>
+  <dgm:styleLbl name="asst3">
+    <dgm:scene3d>
+      <a:camera prst="orthographicFront"/>
+      <a:lightRig rig="threePt" dir="t"/>
+    </dgm:scene3d>
+    <dgm:txPr/>
+    <dgm:style>
+      <a:lnRef idx="2">
+        <a:scrgbClr r="0" g="0" b="0"/>
+      </a:lnRef>
+      <a:fillRef idx="1">
+        <a:scrgbClr r="0" g="0" b="0"/>
+      </a:fillRef>
+      <a:effectRef idx="0">
+        <a:scrgbClr r="0" g="0" b="0"/>
+      </a:effectRef>
+      <a:fontRef idx="minor">
+        <a:schemeClr val="lt1"/>
+      </a:fontRef>
+    </dgm:style>
+  </dgm:styleLbl>
+  <dgm:styleLbl name="asst4">
+    <dgm:scene3d>
+      <a:camera prst="orthographicFront"/>
+      <a:lightRig rig="threePt" dir="t"/>
+    </dgm:scene3d>
+    <dgm:txPr/>
+    <dgm:style>
+      <a:lnRef idx="2">
+        <a:scrgbClr r="0" g="0" b="0"/>
+      </a:lnRef>
+      <a:fillRef idx="1">
+        <a:scrgbClr r="0" g="0" b="0"/>
+      </a:fillRef>
+      <a:effectRef idx="0">
+        <a:scrgbClr r="0" g="0" b="0"/>
+      </a:effectRef>
+      <a:fontRef idx="minor">
+        <a:schemeClr val="lt1"/>
+      </a:fontRef>
+    </dgm:style>
+  </dgm:styleLbl>
+  <dgm:styleLbl name="bgAcc1">
+    <dgm:scene3d>
+      <a:camera prst="orthographicFront"/>
+      <a:lightRig rig="threePt" dir="t"/>
+    </dgm:scene3d>
+    <dgm:txPr/>
+    <dgm:style>
+      <a:lnRef idx="2">
+        <a:scrgbClr r="0" g="0" b="0"/>
+      </a:lnRef>
+      <a:fillRef idx="1">
+        <a:scrgbClr r="0" g="0" b="0"/>
+      </a:fillRef>
+      <a:effectRef idx="0">
+        <a:scrgbClr r="0" g="0" b="0"/>
+      </a:effectRef>
+      <a:fontRef idx="minor"/>
+    </dgm:style>
+  </dgm:styleLbl>
+  <dgm:styleLbl name="bgAccFollowNode1">
+    <dgm:scene3d>
+      <a:camera prst="orthographicFront"/>
+      <a:lightRig rig="threePt" dir="t"/>
+    </dgm:scene3d>
+    <dgm:txPr/>
+    <dgm:style>
+      <a:lnRef idx="2">
+        <a:scrgbClr r="0" g="0" b="0"/>
+      </a:lnRef>
+      <a:fillRef idx="1">
+        <a:scrgbClr r="0" g="0" b="0"/>
+      </a:fillRef>
+      <a:effectRef idx="0">
+        <a:scrgbClr r="0" g="0" b="0"/>
+      </a:effectRef>
+      <a:fontRef idx="minor"/>
+    </dgm:style>
+  </dgm:styleLbl>
+  <dgm:styleLbl name="bgImgPlace1">
+    <dgm:scene3d>
+      <a:camera prst="orthographicFront"/>
+      <a:lightRig rig="threePt" dir="t"/>
+    </dgm:scene3d>
+    <dgm:txPr/>
+    <dgm:style>
+      <a:lnRef idx="2">
+        <a:scrgbClr r="0" g="0" b="0"/>
+      </a:lnRef>
+      <a:fillRef idx="1">
+        <a:scrgbClr r="0" g="0" b="0"/>
+      </a:fillRef>
+      <a:effectRef idx="0">
+        <a:scrgbClr r="0" g="0" b="0"/>
+      </a:effectRef>
+      <a:fontRef idx="minor"/>
+    </dgm:style>
+  </dgm:styleLbl>
+  <dgm:styleLbl name="bgShp">
+    <dgm:scene3d>
+      <a:camera prst="orthographicFront"/>
+      <a:lightRig rig="threePt" dir="t"/>
+    </dgm:scene3d>
+    <dgm:txPr/>
+    <dgm:style>
+      <a:lnRef idx="0">
+        <a:scrgbClr r="0" g="0" b="0"/>
+      </a:lnRef>
+      <a:fillRef idx="1">
+        <a:scrgbClr r="0" g="0" b="0"/>
+      </a:fillRef>
+      <a:effectRef idx="0">
+        <a:scrgbClr r="0" g="0" b="0"/>
+      </a:effectRef>
+      <a:fontRef idx="minor"/>
+    </dgm:style>
+  </dgm:styleLbl>
+  <dgm:styleLbl name="bgSibTrans2D1">
+    <dgm:scene3d>
+      <a:camera prst="orthographicFront"/>
+      <a:lightRig rig="threePt" dir="t"/>
+    </dgm:scene3d>
+    <dgm:txPr/>
+    <dgm:style>
+      <a:lnRef idx="0">
+        <a:scrgbClr r="0" g="0" b="0"/>
+      </a:lnRef>
+      <a:fillRef idx="1">
+        <a:scrgbClr r="0" g="0" b="0"/>
+      </a:fillRef>
+      <a:effectRef idx="0">
+        <a:scrgbClr r="0" g="0" b="0"/>
+      </a:effectRef>
+      <a:fontRef idx="minor">
+        <a:schemeClr val="lt1"/>
+      </a:fontRef>
+    </dgm:style>
+  </dgm:styleLbl>
+  <dgm:styleLbl name="callout">
+    <dgm:scene3d>
+      <a:camera prst="orthographicFront"/>
+      <a:lightRig rig="threePt" dir="t"/>
+    </dgm:scene3d>
+    <dgm:txPr/>
+    <dgm:style>
+      <a:lnRef idx="2">
+        <a:scrgbClr r="0" g="0" b="0"/>
+      </a:lnRef>
+      <a:fillRef idx="1">
+        <a:scrgbClr r="0" g="0" b="0"/>
+      </a:fillRef>
+      <a:effectRef idx="0">
+        <a:scrgbClr r="0" g="0" b="0"/>
+      </a:effectRef>
+      <a:fontRef idx="minor"/>
+    </dgm:style>
+  </dgm:styleLbl>
+  <dgm:styleLbl name="conFgAcc1">
+    <dgm:scene3d>
+      <a:camera prst="orthographicFront"/>
+      <a:lightRig rig="threePt" dir="t"/>
+    </dgm:scene3d>
+    <dgm:txPr/>
+    <dgm:style>
+      <a:lnRef idx="2">
+        <a:scrgbClr r="0" g="0" b="0"/>
+      </a:lnRef>
+      <a:fillRef idx="1">
+        <a:scrgbClr r="0" g="0" b="0"/>
+      </a:fillRef>
+      <a:effectRef idx="0">
+        <a:scrgbClr r="0" g="0" b="0"/>
+      </a:effectRef>
+      <a:fontRef idx="minor"/>
+    </dgm:style>
+  </dgm:styleLbl>
+  <dgm:styleLbl name="dkBgShp">
+    <dgm:scene3d>
+      <a:camera prst="orthographicFront"/>
+      <a:lightRig rig="threePt" dir="t"/>
+    </dgm:scene3d>
+    <dgm:txPr/>
+    <dgm:style>
+      <a:lnRef idx="0">
+        <a:scrgbClr r="0" g="0" b="0"/>
+      </a:lnRef>
+      <a:fillRef idx="1">
+        <a:scrgbClr r="0" g="0" b="0"/>
+      </a:fillRef>
+      <a:effectRef idx="0">
+        <a:scrgbClr r="0" g="0" b="0"/>
+      </a:effectRef>
+      <a:fontRef idx="minor"/>
+    </dgm:style>
+  </dgm:styleLbl>
+  <dgm:styleLbl name="fgAcc0">
+    <dgm:scene3d>
+      <a:camera prst="orthographicFront"/>
+      <a:lightRig rig="threePt" dir="t"/>
+    </dgm:scene3d>
+    <dgm:txPr/>
+    <dgm:style>
+      <a:lnRef idx="2">
+        <a:scrgbClr r="0" g="0" b="0"/>
+      </a:lnRef>
+      <a:fillRef idx="1">
+        <a:scrgbClr r="0" g="0" b="0"/>
+      </a:fillRef>
+      <a:effectRef idx="0">
+        <a:scrgbClr r="0" g="0" b="0"/>
+      </a:effectRef>
+      <a:fontRef idx="minor"/>
+    </dgm:style>
+  </dgm:styleLbl>
+  <dgm:styleLbl name="fgAcc1">
+    <dgm:scene3d>
+      <a:camera prst="orthographicFront"/>
+      <a:lightRig rig="threePt" dir="t"/>
+    </dgm:scene3d>
+    <dgm:txPr/>
+    <dgm:style>
+      <a:lnRef idx="2">
+        <a:scrgbClr r="0" g="0" b="0"/>
+      </a:lnRef>
+      <a:fillRef idx="1">
+        <a:scrgbClr r="0" g="0" b="0"/>
+      </a:fillRef>
+      <a:effectRef idx="0">
+        <a:scrgbClr r="0" g="0" b="0"/>
+      </a:effectRef>
+      <a:fontRef idx="minor"/>
+    </dgm:style>
+  </dgm:styleLbl>
+  <dgm:styleLbl name="fgAcc2">
+    <dgm:scene3d>
+      <a:camera prst="orthographicFront"/>
+      <a:lightRig rig="threePt" dir="t"/>
+    </dgm:scene3d>
+    <dgm:txPr/>
+    <dgm:style>
+      <a:lnRef idx="2">
+        <a:scrgbClr r="0" g="0" b="0"/>
+      </a:lnRef>
+      <a:fillRef idx="1">
+        <a:scrgbClr r="0" g="0" b="0"/>
+      </a:fillRef>
+      <a:effectRef idx="0">
+        <a:scrgbClr r="0" g="0" b="0"/>
+      </a:effectRef>
+      <a:fontRef idx="minor"/>
+    </dgm:style>
+  </dgm:styleLbl>
+  <dgm:styleLbl name="fgAcc3">
+    <dgm:scene3d>
+      <a:camera prst="orthographicFront"/>
+      <a:lightRig rig="threePt" dir="t"/>
+    </dgm:scene3d>
+    <dgm:txPr/>
+    <dgm:style>
+      <a:lnRef idx="2">
+        <a:scrgbClr r="0" g="0" b="0"/>
+      </a:lnRef>
+      <a:fillRef idx="1">
+        <a:scrgbClr r="0" g="0" b="0"/>
+      </a:fillRef>
+      <a:effectRef idx="0">
+        <a:scrgbClr r="0" g="0" b="0"/>
+      </a:effectRef>
+      <a:fontRef idx="minor"/>
+    </dgm:style>
+  </dgm:styleLbl>
+  <dgm:styleLbl name="fgAcc4">
+    <dgm:scene3d>
+      <a:camera prst="orthographicFront"/>
+      <a:lightRig rig="threePt" dir="t"/>
+    </dgm:scene3d>
+    <dgm:txPr/>
+    <dgm:style>
+      <a:lnRef idx="2">
+        <a:scrgbClr r="0" g="0" b="0"/>
+      </a:lnRef>
+      <a:fillRef idx="1">
+        <a:scrgbClr r="0" g="0" b="0"/>
+      </a:fillRef>
+      <a:effectRef idx="0">
+        <a:scrgbClr r="0" g="0" b="0"/>
+      </a:effectRef>
+      <a:fontRef idx="minor"/>
+    </dgm:style>
+  </dgm:styleLbl>
+  <dgm:styleLbl name="fgAccFollowNode1">
+    <dgm:scene3d>
+      <a:camera prst="orthographicFront"/>
+      <a:lightRig rig="threePt" dir="t"/>
+    </dgm:scene3d>
+    <dgm:txPr/>
+    <dgm:style>
+      <a:lnRef idx="2">
+        <a:scrgbClr r="0" g="0" b="0"/>
+      </a:lnRef>
+      <a:fillRef idx="1">
+        <a:scrgbClr r="0" g="0" b="0"/>
+      </a:fillRef>
+      <a:effectRef idx="0">
+        <a:scrgbClr r="0" g="0" b="0"/>
+      </a:effectRef>
+      <a:fontRef idx="minor"/>
+    </dgm:style>
+  </dgm:styleLbl>
+  <dgm:styleLbl name="fgImgPlace1">
+    <dgm:scene3d>
+      <a:camera prst="orthographicFront"/>
+      <a:lightRig rig="threePt" dir="t"/>
+    </dgm:scene3d>
+    <dgm:txPr/>
+    <dgm:style>
+      <a:lnRef idx="2">
+        <a:scrgbClr r="0" g="0" b="0"/>
+      </a:lnRef>
+      <a:fillRef idx="1">
+        <a:scrgbClr r="0" g="0" b="0"/>
+      </a:fillRef>
+      <a:effectRef idx="0">
+        <a:scrgbClr r="0" g="0" b="0"/>
+      </a:effectRef>
+      <a:fontRef idx="minor"/>
+    </dgm:style>
+  </dgm:styleLbl>
+  <dgm:styleLbl name="fgShp">
+    <dgm:scene3d>
+      <a:camera prst="orthographicFront"/>
+      <a:lightRig rig="threePt" dir="t"/>
+    </dgm:scene3d>
+    <dgm:txPr/>
+    <dgm:style>
+      <a:lnRef idx="2">
+        <a:scrgbClr r="0" g="0" b="0"/>
+      </a:lnRef>
+      <a:fillRef idx="1">
+        <a:scrgbClr r="0" g="0" b="0"/>
+      </a:fillRef>
+      <a:effectRef idx="0">
+        <a:scrgbClr r="0" g="0" b="0"/>
+      </a:effectRef>
+      <a:fontRef idx="minor"/>
+    </dgm:style>
+  </dgm:styleLbl>
+  <dgm:styleLbl name="fgSibTrans2D1">
+    <dgm:scene3d>
+      <a:camera prst="orthographicFront"/>
+      <a:lightRig rig="threePt" dir="t"/>
+    </dgm:scene3d>
+    <dgm:txPr/>
+    <dgm:style>
+      <a:lnRef idx="0">
         <a:scrgbClr r="0" g="0" b="0"/>
       </a:lnRef>
       <a:fillRef idx="1">
@@ -1876,7 +2355,6 @@
       <a:camera prst="orthographicFront"/>
       <a:lightRig rig="threePt" dir="t"/>
     </dgm:scene3d>
-    <dgm:sp3d/>
     <dgm:txPr/>
     <dgm:style>
       <a:lnRef idx="2">
@@ -1893,34 +2371,11 @@
       </a:fontRef>
     </dgm:style>
   </dgm:styleLbl>
-  <dgm:styleLbl name="vennNode1">
+  <dgm:styleLbl name="node0">
     <dgm:scene3d>
       <a:camera prst="orthographicFront"/>
       <a:lightRig rig="threePt" dir="t"/>
     </dgm:scene3d>
-    <dgm:sp3d/>
-    <dgm:txPr/>
-    <dgm:style>
-      <a:lnRef idx="2">
-        <a:scrgbClr r="0" g="0" b="0"/>
-      </a:lnRef>
-      <a:fillRef idx="1">
-        <a:scrgbClr r="0" g="0" b="0"/>
-      </a:fillRef>
-      <a:effectRef idx="0">
-        <a:scrgbClr r="0" g="0" b="0"/>
-      </a:effectRef>
-      <a:fontRef idx="minor">
-        <a:schemeClr val="tx1"/>
-      </a:fontRef>
-    </dgm:style>
-  </dgm:styleLbl>
-  <dgm:styleLbl name="alignNode1">
-    <dgm:scene3d>
-      <a:camera prst="orthographicFront"/>
-      <a:lightRig rig="threePt" dir="t"/>
-    </dgm:scene3d>
-    <dgm:sp3d/>
     <dgm:txPr/>
     <dgm:style>
       <a:lnRef idx="2">
@@ -1942,7 +2397,6 @@
       <a:camera prst="orthographicFront"/>
       <a:lightRig rig="threePt" dir="t"/>
     </dgm:scene3d>
-    <dgm:sp3d/>
     <dgm:txPr/>
     <dgm:style>
       <a:lnRef idx="2">
@@ -1964,7 +2418,6 @@
       <a:camera prst="orthographicFront"/>
       <a:lightRig rig="threePt" dir="t"/>
     </dgm:scene3d>
-    <dgm:sp3d/>
     <dgm:txPr/>
     <dgm:style>
       <a:lnRef idx="2">
@@ -1986,7 +2439,6 @@
       <a:camera prst="orthographicFront"/>
       <a:lightRig rig="threePt" dir="t"/>
     </dgm:scene3d>
-    <dgm:sp3d/>
     <dgm:txPr/>
     <dgm:style>
       <a:lnRef idx="2">
@@ -2008,7 +2460,6 @@
       <a:camera prst="orthographicFront"/>
       <a:lightRig rig="threePt" dir="t"/>
     </dgm:scene3d>
-    <dgm:sp3d/>
     <dgm:txPr/>
     <dgm:style>
       <a:lnRef idx="2">
@@ -2025,18 +2476,17 @@
       </a:fontRef>
     </dgm:style>
   </dgm:styleLbl>
-  <dgm:styleLbl name="fgImgPlace1">
+  <dgm:styleLbl name="parChTrans1D1">
     <dgm:scene3d>
       <a:camera prst="orthographicFront"/>
       <a:lightRig rig="threePt" dir="t"/>
     </dgm:scene3d>
-    <dgm:sp3d/>
     <dgm:txPr/>
     <dgm:style>
       <a:lnRef idx="2">
         <a:scrgbClr r="0" g="0" b="0"/>
       </a:lnRef>
-      <a:fillRef idx="1">
+      <a:fillRef idx="0">
         <a:scrgbClr r="0" g="0" b="0"/>
       </a:fillRef>
       <a:effectRef idx="0">
@@ -2045,18 +2495,17 @@
       <a:fontRef idx="minor"/>
     </dgm:style>
   </dgm:styleLbl>
-  <dgm:styleLbl name="alignImgPlace1">
+  <dgm:styleLbl name="parChTrans1D2">
     <dgm:scene3d>
       <a:camera prst="orthographicFront"/>
       <a:lightRig rig="threePt" dir="t"/>
     </dgm:scene3d>
-    <dgm:sp3d/>
     <dgm:txPr/>
     <dgm:style>
       <a:lnRef idx="2">
         <a:scrgbClr r="0" g="0" b="0"/>
       </a:lnRef>
-      <a:fillRef idx="1">
+      <a:fillRef idx="0">
         <a:scrgbClr r="0" g="0" b="0"/>
       </a:fillRef>
       <a:effectRef idx="0">
@@ -2065,18 +2514,17 @@
       <a:fontRef idx="minor"/>
     </dgm:style>
   </dgm:styleLbl>
-  <dgm:styleLbl name="bgImgPlace1">
+  <dgm:styleLbl name="parChTrans1D3">
     <dgm:scene3d>
       <a:camera prst="orthographicFront"/>
       <a:lightRig rig="threePt" dir="t"/>
     </dgm:scene3d>
-    <dgm:sp3d/>
     <dgm:txPr/>
     <dgm:style>
       <a:lnRef idx="2">
         <a:scrgbClr r="0" g="0" b="0"/>
       </a:lnRef>
-      <a:fillRef idx="1">
+      <a:fillRef idx="0">
         <a:scrgbClr r="0" g="0" b="0"/>
       </a:fillRef>
       <a:effectRef idx="0">
@@ -2085,220 +2533,23 @@
       <a:fontRef idx="minor"/>
     </dgm:style>
   </dgm:styleLbl>
-  <dgm:styleLbl name="sibTrans2D1">
+  <dgm:styleLbl name="parChTrans1D4">
     <dgm:scene3d>
       <a:camera prst="orthographicFront"/>
       <a:lightRig rig="threePt" dir="t"/>
     </dgm:scene3d>
-    <dgm:sp3d/>
-    <dgm:txPr/>
-    <dgm:style>
-      <a:lnRef idx="0">
-        <a:scrgbClr r="0" g="0" b="0"/>
-      </a:lnRef>
-      <a:fillRef idx="1">
-        <a:scrgbClr r="0" g="0" b="0"/>
-      </a:fillRef>
-      <a:effectRef idx="0">
-        <a:scrgbClr r="0" g="0" b="0"/>
-      </a:effectRef>
-      <a:fontRef idx="minor">
-        <a:schemeClr val="lt1"/>
-      </a:fontRef>
-    </dgm:style>
-  </dgm:styleLbl>
-  <dgm:styleLbl name="fgSibTrans2D1">
-    <dgm:scene3d>
-      <a:camera prst="orthographicFront"/>
-      <a:lightRig rig="threePt" dir="t"/>
-    </dgm:scene3d>
-    <dgm:sp3d/>
-    <dgm:txPr/>
-    <dgm:style>
-      <a:lnRef idx="0">
-        <a:scrgbClr r="0" g="0" b="0"/>
-      </a:lnRef>
-      <a:fillRef idx="1">
-        <a:scrgbClr r="0" g="0" b="0"/>
-      </a:fillRef>
-      <a:effectRef idx="0">
-        <a:scrgbClr r="0" g="0" b="0"/>
-      </a:effectRef>
-      <a:fontRef idx="minor">
-        <a:schemeClr val="lt1"/>
-      </a:fontRef>
-    </dgm:style>
-  </dgm:styleLbl>
-  <dgm:styleLbl name="bgSibTrans2D1">
-    <dgm:scene3d>
-      <a:camera prst="orthographicFront"/>
-      <a:lightRig rig="threePt" dir="t"/>
-    </dgm:scene3d>
-    <dgm:sp3d/>
-    <dgm:txPr/>
-    <dgm:style>
-      <a:lnRef idx="0">
-        <a:scrgbClr r="0" g="0" b="0"/>
-      </a:lnRef>
-      <a:fillRef idx="1">
-        <a:scrgbClr r="0" g="0" b="0"/>
-      </a:fillRef>
-      <a:effectRef idx="0">
-        <a:scrgbClr r="0" g="0" b="0"/>
-      </a:effectRef>
-      <a:fontRef idx="minor">
-        <a:schemeClr val="lt1"/>
-      </a:fontRef>
-    </dgm:style>
-  </dgm:styleLbl>
-  <dgm:styleLbl name="sibTrans1D1">
-    <dgm:scene3d>
-      <a:camera prst="orthographicFront"/>
-      <a:lightRig rig="threePt" dir="t"/>
-    </dgm:scene3d>
-    <dgm:sp3d/>
-    <dgm:txPr/>
-    <dgm:style>
-      <a:lnRef idx="1">
-        <a:scrgbClr r="0" g="0" b="0"/>
-      </a:lnRef>
-      <a:fillRef idx="0">
-        <a:scrgbClr r="0" g="0" b="0"/>
-      </a:fillRef>
-      <a:effectRef idx="0">
-        <a:scrgbClr r="0" g="0" b="0"/>
-      </a:effectRef>
-      <a:fontRef idx="minor"/>
-    </dgm:style>
-  </dgm:styleLbl>
-  <dgm:styleLbl name="callout">
-    <dgm:scene3d>
-      <a:camera prst="orthographicFront"/>
-      <a:lightRig rig="threePt" dir="t"/>
-    </dgm:scene3d>
-    <dgm:sp3d/>
     <dgm:txPr/>
     <dgm:style>
       <a:lnRef idx="2">
         <a:scrgbClr r="0" g="0" b="0"/>
       </a:lnRef>
-      <a:fillRef idx="1">
+      <a:fillRef idx="0">
         <a:scrgbClr r="0" g="0" b="0"/>
       </a:fillRef>
       <a:effectRef idx="0">
         <a:scrgbClr r="0" g="0" b="0"/>
       </a:effectRef>
       <a:fontRef idx="minor"/>
-    </dgm:style>
-  </dgm:styleLbl>
-  <dgm:styleLbl name="asst0">
-    <dgm:scene3d>
-      <a:camera prst="orthographicFront"/>
-      <a:lightRig rig="threePt" dir="t"/>
-    </dgm:scene3d>
-    <dgm:sp3d/>
-    <dgm:txPr/>
-    <dgm:style>
-      <a:lnRef idx="2">
-        <a:scrgbClr r="0" g="0" b="0"/>
-      </a:lnRef>
-      <a:fillRef idx="1">
-        <a:scrgbClr r="0" g="0" b="0"/>
-      </a:fillRef>
-      <a:effectRef idx="0">
-        <a:scrgbClr r="0" g="0" b="0"/>
-      </a:effectRef>
-      <a:fontRef idx="minor">
-        <a:schemeClr val="lt1"/>
-      </a:fontRef>
-    </dgm:style>
-  </dgm:styleLbl>
-  <dgm:styleLbl name="asst1">
-    <dgm:scene3d>
-      <a:camera prst="orthographicFront"/>
-      <a:lightRig rig="threePt" dir="t"/>
-    </dgm:scene3d>
-    <dgm:sp3d/>
-    <dgm:txPr/>
-    <dgm:style>
-      <a:lnRef idx="2">
-        <a:scrgbClr r="0" g="0" b="0"/>
-      </a:lnRef>
-      <a:fillRef idx="1">
-        <a:scrgbClr r="0" g="0" b="0"/>
-      </a:fillRef>
-      <a:effectRef idx="0">
-        <a:scrgbClr r="0" g="0" b="0"/>
-      </a:effectRef>
-      <a:fontRef idx="minor">
-        <a:schemeClr val="lt1"/>
-      </a:fontRef>
-    </dgm:style>
-  </dgm:styleLbl>
-  <dgm:styleLbl name="asst2">
-    <dgm:scene3d>
-      <a:camera prst="orthographicFront"/>
-      <a:lightRig rig="threePt" dir="t"/>
-    </dgm:scene3d>
-    <dgm:sp3d/>
-    <dgm:txPr/>
-    <dgm:style>
-      <a:lnRef idx="2">
-        <a:scrgbClr r="0" g="0" b="0"/>
-      </a:lnRef>
-      <a:fillRef idx="1">
-        <a:scrgbClr r="0" g="0" b="0"/>
-      </a:fillRef>
-      <a:effectRef idx="0">
-        <a:scrgbClr r="0" g="0" b="0"/>
-      </a:effectRef>
-      <a:fontRef idx="minor">
-        <a:schemeClr val="lt1"/>
-      </a:fontRef>
-    </dgm:style>
-  </dgm:styleLbl>
-  <dgm:styleLbl name="asst3">
-    <dgm:scene3d>
-      <a:camera prst="orthographicFront"/>
-      <a:lightRig rig="threePt" dir="t"/>
-    </dgm:scene3d>
-    <dgm:sp3d/>
-    <dgm:txPr/>
-    <dgm:style>
-      <a:lnRef idx="2">
-        <a:scrgbClr r="0" g="0" b="0"/>
-      </a:lnRef>
-      <a:fillRef idx="1">
-        <a:scrgbClr r="0" g="0" b="0"/>
-      </a:fillRef>
-      <a:effectRef idx="0">
-        <a:scrgbClr r="0" g="0" b="0"/>
-      </a:effectRef>
-      <a:fontRef idx="minor">
-        <a:schemeClr val="lt1"/>
-      </a:fontRef>
-    </dgm:style>
-  </dgm:styleLbl>
-  <dgm:styleLbl name="asst4">
-    <dgm:scene3d>
-      <a:camera prst="orthographicFront"/>
-      <a:lightRig rig="threePt" dir="t"/>
-    </dgm:scene3d>
-    <dgm:sp3d/>
-    <dgm:txPr/>
-    <dgm:style>
-      <a:lnRef idx="2">
-        <a:scrgbClr r="0" g="0" b="0"/>
-      </a:lnRef>
-      <a:fillRef idx="1">
-        <a:scrgbClr r="0" g="0" b="0"/>
-      </a:fillRef>
-      <a:effectRef idx="0">
-        <a:scrgbClr r="0" g="0" b="0"/>
-      </a:effectRef>
-      <a:fontRef idx="minor">
-        <a:schemeClr val="lt1"/>
-      </a:fontRef>
     </dgm:style>
   </dgm:styleLbl>
   <dgm:styleLbl name="parChTrans2D1">
@@ -2306,7 +2557,6 @@
       <a:camera prst="orthographicFront"/>
       <a:lightRig rig="threePt" dir="t"/>
     </dgm:scene3d>
-    <dgm:sp3d/>
     <dgm:txPr/>
     <dgm:style>
       <a:lnRef idx="2">
@@ -2328,7 +2578,6 @@
       <a:camera prst="orthographicFront"/>
       <a:lightRig rig="threePt" dir="t"/>
     </dgm:scene3d>
-    <dgm:sp3d/>
     <dgm:txPr/>
     <dgm:style>
       <a:lnRef idx="2">
@@ -2350,7 +2599,6 @@
       <a:camera prst="orthographicFront"/>
       <a:lightRig rig="threePt" dir="t"/>
     </dgm:scene3d>
-    <dgm:sp3d/>
     <dgm:txPr/>
     <dgm:style>
       <a:lnRef idx="2">
@@ -2372,7 +2620,6 @@
       <a:camera prst="orthographicFront"/>
       <a:lightRig rig="threePt" dir="t"/>
     </dgm:scene3d>
-    <dgm:sp3d/>
     <dgm:txPr/>
     <dgm:style>
       <a:lnRef idx="2">
@@ -2389,15 +2636,14 @@
       </a:fontRef>
     </dgm:style>
   </dgm:styleLbl>
-  <dgm:styleLbl name="parChTrans1D1">
+  <dgm:styleLbl name="revTx">
     <dgm:scene3d>
       <a:camera prst="orthographicFront"/>
       <a:lightRig rig="threePt" dir="t"/>
     </dgm:scene3d>
-    <dgm:sp3d/>
     <dgm:txPr/>
     <dgm:style>
-      <a:lnRef idx="2">
+      <a:lnRef idx="0">
         <a:scrgbClr r="0" g="0" b="0"/>
       </a:lnRef>
       <a:fillRef idx="0">
@@ -2409,15 +2655,14 @@
       <a:fontRef idx="minor"/>
     </dgm:style>
   </dgm:styleLbl>
-  <dgm:styleLbl name="parChTrans1D2">
+  <dgm:styleLbl name="sibTrans1D1">
     <dgm:scene3d>
       <a:camera prst="orthographicFront"/>
       <a:lightRig rig="threePt" dir="t"/>
     </dgm:scene3d>
-    <dgm:sp3d/>
     <dgm:txPr/>
     <dgm:style>
-      <a:lnRef idx="2">
+      <a:lnRef idx="1">
         <a:scrgbClr r="0" g="0" b="0"/>
       </a:lnRef>
       <a:fillRef idx="0">
@@ -2429,18 +2674,38 @@
       <a:fontRef idx="minor"/>
     </dgm:style>
   </dgm:styleLbl>
-  <dgm:styleLbl name="parChTrans1D3">
+  <dgm:styleLbl name="sibTrans2D1">
     <dgm:scene3d>
       <a:camera prst="orthographicFront"/>
       <a:lightRig rig="threePt" dir="t"/>
     </dgm:scene3d>
-    <dgm:sp3d/>
+    <dgm:txPr/>
+    <dgm:style>
+      <a:lnRef idx="0">
+        <a:scrgbClr r="0" g="0" b="0"/>
+      </a:lnRef>
+      <a:fillRef idx="1">
+        <a:scrgbClr r="0" g="0" b="0"/>
+      </a:fillRef>
+      <a:effectRef idx="0">
+        <a:scrgbClr r="0" g="0" b="0"/>
+      </a:effectRef>
+      <a:fontRef idx="minor">
+        <a:schemeClr val="lt1"/>
+      </a:fontRef>
+    </dgm:style>
+  </dgm:styleLbl>
+  <dgm:styleLbl name="solidAlignAcc1">
+    <dgm:scene3d>
+      <a:camera prst="orthographicFront"/>
+      <a:lightRig rig="threePt" dir="t"/>
+    </dgm:scene3d>
     <dgm:txPr/>
     <dgm:style>
       <a:lnRef idx="2">
         <a:scrgbClr r="0" g="0" b="0"/>
       </a:lnRef>
-      <a:fillRef idx="0">
+      <a:fillRef idx="1">
         <a:scrgbClr r="0" g="0" b="0"/>
       </a:fillRef>
       <a:effectRef idx="0">
@@ -2449,18 +2714,17 @@
       <a:fontRef idx="minor"/>
     </dgm:style>
   </dgm:styleLbl>
-  <dgm:styleLbl name="parChTrans1D4">
+  <dgm:styleLbl name="solidBgAcc1">
     <dgm:scene3d>
       <a:camera prst="orthographicFront"/>
       <a:lightRig rig="threePt" dir="t"/>
     </dgm:scene3d>
-    <dgm:sp3d/>
     <dgm:txPr/>
     <dgm:style>
       <a:lnRef idx="2">
         <a:scrgbClr r="0" g="0" b="0"/>
       </a:lnRef>
-      <a:fillRef idx="0">
+      <a:fillRef idx="1">
         <a:scrgbClr r="0" g="0" b="0"/>
       </a:fillRef>
       <a:effectRef idx="0">
@@ -2469,52 +2733,11 @@
       <a:fontRef idx="minor"/>
     </dgm:style>
   </dgm:styleLbl>
-  <dgm:styleLbl name="fgAcc1">
+  <dgm:styleLbl name="solidFgAcc1">
     <dgm:scene3d>
       <a:camera prst="orthographicFront"/>
       <a:lightRig rig="threePt" dir="t"/>
     </dgm:scene3d>
-    <dgm:sp3d/>
-    <dgm:txPr/>
-    <dgm:style>
-      <a:lnRef idx="2">
-        <a:scrgbClr r="0" g="0" b="0"/>
-      </a:lnRef>
-      <a:fillRef idx="1">
-        <a:scrgbClr r="0" g="0" b="0"/>
-      </a:fillRef>
-      <a:effectRef idx="0">
-        <a:scrgbClr r="0" g="0" b="0"/>
-      </a:effectRef>
-      <a:fontRef idx="minor"/>
-    </dgm:style>
-  </dgm:styleLbl>
-  <dgm:styleLbl name="conFgAcc1">
-    <dgm:scene3d>
-      <a:camera prst="orthographicFront"/>
-      <a:lightRig rig="threePt" dir="t"/>
-    </dgm:scene3d>
-    <dgm:sp3d/>
-    <dgm:txPr/>
-    <dgm:style>
-      <a:lnRef idx="2">
-        <a:scrgbClr r="0" g="0" b="0"/>
-      </a:lnRef>
-      <a:fillRef idx="1">
-        <a:scrgbClr r="0" g="0" b="0"/>
-      </a:fillRef>
-      <a:effectRef idx="0">
-        <a:scrgbClr r="0" g="0" b="0"/>
-      </a:effectRef>
-      <a:fontRef idx="minor"/>
-    </dgm:style>
-  </dgm:styleLbl>
-  <dgm:styleLbl name="alignAcc1">
-    <dgm:scene3d>
-      <a:camera prst="orthographicFront"/>
-      <a:lightRig rig="threePt" dir="t"/>
-    </dgm:scene3d>
-    <dgm:sp3d/>
     <dgm:txPr/>
     <dgm:style>
       <a:lnRef idx="2">
@@ -2534,270 +2757,9 @@
       <a:camera prst="orthographicFront"/>
       <a:lightRig rig="threePt" dir="t"/>
     </dgm:scene3d>
-    <dgm:sp3d/>
     <dgm:txPr/>
     <dgm:style>
       <a:lnRef idx="1">
-        <a:scrgbClr r="0" g="0" b="0"/>
-      </a:lnRef>
-      <a:fillRef idx="1">
-        <a:scrgbClr r="0" g="0" b="0"/>
-      </a:fillRef>
-      <a:effectRef idx="0">
-        <a:scrgbClr r="0" g="0" b="0"/>
-      </a:effectRef>
-      <a:fontRef idx="minor"/>
-    </dgm:style>
-  </dgm:styleLbl>
-  <dgm:styleLbl name="bgAcc1">
-    <dgm:scene3d>
-      <a:camera prst="orthographicFront"/>
-      <a:lightRig rig="threePt" dir="t"/>
-    </dgm:scene3d>
-    <dgm:sp3d/>
-    <dgm:txPr/>
-    <dgm:style>
-      <a:lnRef idx="2">
-        <a:scrgbClr r="0" g="0" b="0"/>
-      </a:lnRef>
-      <a:fillRef idx="1">
-        <a:scrgbClr r="0" g="0" b="0"/>
-      </a:fillRef>
-      <a:effectRef idx="0">
-        <a:scrgbClr r="0" g="0" b="0"/>
-      </a:effectRef>
-      <a:fontRef idx="minor"/>
-    </dgm:style>
-  </dgm:styleLbl>
-  <dgm:styleLbl name="solidFgAcc1">
-    <dgm:scene3d>
-      <a:camera prst="orthographicFront"/>
-      <a:lightRig rig="threePt" dir="t"/>
-    </dgm:scene3d>
-    <dgm:sp3d/>
-    <dgm:txPr/>
-    <dgm:style>
-      <a:lnRef idx="2">
-        <a:scrgbClr r="0" g="0" b="0"/>
-      </a:lnRef>
-      <a:fillRef idx="1">
-        <a:scrgbClr r="0" g="0" b="0"/>
-      </a:fillRef>
-      <a:effectRef idx="0">
-        <a:scrgbClr r="0" g="0" b="0"/>
-      </a:effectRef>
-      <a:fontRef idx="minor"/>
-    </dgm:style>
-  </dgm:styleLbl>
-  <dgm:styleLbl name="solidAlignAcc1">
-    <dgm:scene3d>
-      <a:camera prst="orthographicFront"/>
-      <a:lightRig rig="threePt" dir="t"/>
-    </dgm:scene3d>
-    <dgm:sp3d/>
-    <dgm:txPr/>
-    <dgm:style>
-      <a:lnRef idx="2">
-        <a:scrgbClr r="0" g="0" b="0"/>
-      </a:lnRef>
-      <a:fillRef idx="1">
-        <a:scrgbClr r="0" g="0" b="0"/>
-      </a:fillRef>
-      <a:effectRef idx="0">
-        <a:scrgbClr r="0" g="0" b="0"/>
-      </a:effectRef>
-      <a:fontRef idx="minor"/>
-    </dgm:style>
-  </dgm:styleLbl>
-  <dgm:styleLbl name="solidBgAcc1">
-    <dgm:scene3d>
-      <a:camera prst="orthographicFront"/>
-      <a:lightRig rig="threePt" dir="t"/>
-    </dgm:scene3d>
-    <dgm:sp3d/>
-    <dgm:txPr/>
-    <dgm:style>
-      <a:lnRef idx="2">
-        <a:scrgbClr r="0" g="0" b="0"/>
-      </a:lnRef>
-      <a:fillRef idx="1">
-        <a:scrgbClr r="0" g="0" b="0"/>
-      </a:fillRef>
-      <a:effectRef idx="0">
-        <a:scrgbClr r="0" g="0" b="0"/>
-      </a:effectRef>
-      <a:fontRef idx="minor"/>
-    </dgm:style>
-  </dgm:styleLbl>
-  <dgm:styleLbl name="fgAccFollowNode1">
-    <dgm:scene3d>
-      <a:camera prst="orthographicFront"/>
-      <a:lightRig rig="threePt" dir="t"/>
-    </dgm:scene3d>
-    <dgm:sp3d/>
-    <dgm:txPr/>
-    <dgm:style>
-      <a:lnRef idx="2">
-        <a:scrgbClr r="0" g="0" b="0"/>
-      </a:lnRef>
-      <a:fillRef idx="1">
-        <a:scrgbClr r="0" g="0" b="0"/>
-      </a:fillRef>
-      <a:effectRef idx="0">
-        <a:scrgbClr r="0" g="0" b="0"/>
-      </a:effectRef>
-      <a:fontRef idx="minor"/>
-    </dgm:style>
-  </dgm:styleLbl>
-  <dgm:styleLbl name="alignAccFollowNode1">
-    <dgm:scene3d>
-      <a:camera prst="orthographicFront"/>
-      <a:lightRig rig="threePt" dir="t"/>
-    </dgm:scene3d>
-    <dgm:sp3d/>
-    <dgm:txPr/>
-    <dgm:style>
-      <a:lnRef idx="2">
-        <a:scrgbClr r="0" g="0" b="0"/>
-      </a:lnRef>
-      <a:fillRef idx="1">
-        <a:scrgbClr r="0" g="0" b="0"/>
-      </a:fillRef>
-      <a:effectRef idx="0">
-        <a:scrgbClr r="0" g="0" b="0"/>
-      </a:effectRef>
-      <a:fontRef idx="minor"/>
-    </dgm:style>
-  </dgm:styleLbl>
-  <dgm:styleLbl name="bgAccFollowNode1">
-    <dgm:scene3d>
-      <a:camera prst="orthographicFront"/>
-      <a:lightRig rig="threePt" dir="t"/>
-    </dgm:scene3d>
-    <dgm:sp3d/>
-    <dgm:txPr/>
-    <dgm:style>
-      <a:lnRef idx="2">
-        <a:scrgbClr r="0" g="0" b="0"/>
-      </a:lnRef>
-      <a:fillRef idx="1">
-        <a:scrgbClr r="0" g="0" b="0"/>
-      </a:fillRef>
-      <a:effectRef idx="0">
-        <a:scrgbClr r="0" g="0" b="0"/>
-      </a:effectRef>
-      <a:fontRef idx="minor"/>
-    </dgm:style>
-  </dgm:styleLbl>
-  <dgm:styleLbl name="fgAcc0">
-    <dgm:scene3d>
-      <a:camera prst="orthographicFront"/>
-      <a:lightRig rig="threePt" dir="t"/>
-    </dgm:scene3d>
-    <dgm:sp3d/>
-    <dgm:txPr/>
-    <dgm:style>
-      <a:lnRef idx="2">
-        <a:scrgbClr r="0" g="0" b="0"/>
-      </a:lnRef>
-      <a:fillRef idx="1">
-        <a:scrgbClr r="0" g="0" b="0"/>
-      </a:fillRef>
-      <a:effectRef idx="0">
-        <a:scrgbClr r="0" g="0" b="0"/>
-      </a:effectRef>
-      <a:fontRef idx="minor"/>
-    </dgm:style>
-  </dgm:styleLbl>
-  <dgm:styleLbl name="fgAcc2">
-    <dgm:scene3d>
-      <a:camera prst="orthographicFront"/>
-      <a:lightRig rig="threePt" dir="t"/>
-    </dgm:scene3d>
-    <dgm:sp3d/>
-    <dgm:txPr/>
-    <dgm:style>
-      <a:lnRef idx="2">
-        <a:scrgbClr r="0" g="0" b="0"/>
-      </a:lnRef>
-      <a:fillRef idx="1">
-        <a:scrgbClr r="0" g="0" b="0"/>
-      </a:fillRef>
-      <a:effectRef idx="0">
-        <a:scrgbClr r="0" g="0" b="0"/>
-      </a:effectRef>
-      <a:fontRef idx="minor"/>
-    </dgm:style>
-  </dgm:styleLbl>
-  <dgm:styleLbl name="fgAcc3">
-    <dgm:scene3d>
-      <a:camera prst="orthographicFront"/>
-      <a:lightRig rig="threePt" dir="t"/>
-    </dgm:scene3d>
-    <dgm:sp3d/>
-    <dgm:txPr/>
-    <dgm:style>
-      <a:lnRef idx="2">
-        <a:scrgbClr r="0" g="0" b="0"/>
-      </a:lnRef>
-      <a:fillRef idx="1">
-        <a:scrgbClr r="0" g="0" b="0"/>
-      </a:fillRef>
-      <a:effectRef idx="0">
-        <a:scrgbClr r="0" g="0" b="0"/>
-      </a:effectRef>
-      <a:fontRef idx="minor"/>
-    </dgm:style>
-  </dgm:styleLbl>
-  <dgm:styleLbl name="fgAcc4">
-    <dgm:scene3d>
-      <a:camera prst="orthographicFront"/>
-      <a:lightRig rig="threePt" dir="t"/>
-    </dgm:scene3d>
-    <dgm:sp3d/>
-    <dgm:txPr/>
-    <dgm:style>
-      <a:lnRef idx="2">
-        <a:scrgbClr r="0" g="0" b="0"/>
-      </a:lnRef>
-      <a:fillRef idx="1">
-        <a:scrgbClr r="0" g="0" b="0"/>
-      </a:fillRef>
-      <a:effectRef idx="0">
-        <a:scrgbClr r="0" g="0" b="0"/>
-      </a:effectRef>
-      <a:fontRef idx="minor"/>
-    </dgm:style>
-  </dgm:styleLbl>
-  <dgm:styleLbl name="bgShp">
-    <dgm:scene3d>
-      <a:camera prst="orthographicFront"/>
-      <a:lightRig rig="threePt" dir="t"/>
-    </dgm:scene3d>
-    <dgm:sp3d/>
-    <dgm:txPr/>
-    <dgm:style>
-      <a:lnRef idx="0">
-        <a:scrgbClr r="0" g="0" b="0"/>
-      </a:lnRef>
-      <a:fillRef idx="1">
-        <a:scrgbClr r="0" g="0" b="0"/>
-      </a:fillRef>
-      <a:effectRef idx="0">
-        <a:scrgbClr r="0" g="0" b="0"/>
-      </a:effectRef>
-      <a:fontRef idx="minor"/>
-    </dgm:style>
-  </dgm:styleLbl>
-  <dgm:styleLbl name="dkBgShp">
-    <dgm:scene3d>
-      <a:camera prst="orthographicFront"/>
-      <a:lightRig rig="threePt" dir="t"/>
-    </dgm:scene3d>
-    <dgm:sp3d/>
-    <dgm:txPr/>
-    <dgm:style>
-      <a:lnRef idx="0">
         <a:scrgbClr r="0" g="0" b="0"/>
       </a:lnRef>
       <a:fillRef idx="1">
@@ -2814,7 +2776,6 @@
       <a:camera prst="orthographicFront"/>
       <a:lightRig rig="threePt" dir="t"/>
     </dgm:scene3d>
-    <dgm:sp3d/>
     <dgm:txPr/>
     <dgm:style>
       <a:lnRef idx="0">
@@ -2829,12 +2790,11 @@
       <a:fontRef idx="minor"/>
     </dgm:style>
   </dgm:styleLbl>
-  <dgm:styleLbl name="fgShp">
+  <dgm:styleLbl name="vennNode1">
     <dgm:scene3d>
       <a:camera prst="orthographicFront"/>
       <a:lightRig rig="threePt" dir="t"/>
     </dgm:scene3d>
-    <dgm:sp3d/>
     <dgm:txPr/>
     <dgm:style>
       <a:lnRef idx="2">
@@ -2846,27 +2806,9 @@
       <a:effectRef idx="0">
         <a:scrgbClr r="0" g="0" b="0"/>
       </a:effectRef>
-      <a:fontRef idx="minor"/>
-    </dgm:style>
-  </dgm:styleLbl>
-  <dgm:styleLbl name="revTx">
-    <dgm:scene3d>
-      <a:camera prst="orthographicFront"/>
-      <a:lightRig rig="threePt" dir="t"/>
-    </dgm:scene3d>
-    <dgm:sp3d/>
-    <dgm:txPr/>
-    <dgm:style>
-      <a:lnRef idx="0">
-        <a:scrgbClr r="0" g="0" b="0"/>
-      </a:lnRef>
-      <a:fillRef idx="0">
-        <a:scrgbClr r="0" g="0" b="0"/>
-      </a:fillRef>
-      <a:effectRef idx="0">
-        <a:scrgbClr r="0" g="0" b="0"/>
-      </a:effectRef>
-      <a:fontRef idx="minor"/>
+      <a:fontRef idx="minor">
+        <a:schemeClr val="tx1"/>
+      </a:fontRef>
     </dgm:style>
   </dgm:styleLbl>
 </dgm:styleDef>
@@ -2954,7 +2896,6 @@
           <a:p>
             <a:fld id="{D9A3BA49-6A69-CE49-AA12-691E61A9F13F}" type="datetimeFigureOut">
               <a:rPr kumimoji="1" lang="zh-CN" altLang="en-US" smtClean="0"/>
-              <a:t>2021/8/10</a:t>
             </a:fld>
             <a:endParaRPr kumimoji="1" lang="zh-CN" altLang="en-US"/>
           </a:p>
@@ -3021,6 +2962,7 @@
               <a:rPr kumimoji="1" lang="zh-CN" altLang="en-US"/>
               <a:t>单击此处编辑母版文本样式</a:t>
             </a:r>
+            <a:endParaRPr kumimoji="1" lang="zh-CN" altLang="en-US"/>
           </a:p>
           <a:p>
             <a:pPr lvl="1"/>
@@ -3028,6 +2970,7 @@
               <a:rPr kumimoji="1" lang="zh-CN" altLang="en-US"/>
               <a:t>二级</a:t>
             </a:r>
+            <a:endParaRPr kumimoji="1" lang="zh-CN" altLang="en-US"/>
           </a:p>
           <a:p>
             <a:pPr lvl="2"/>
@@ -3035,6 +2978,7 @@
               <a:rPr kumimoji="1" lang="zh-CN" altLang="en-US"/>
               <a:t>三级</a:t>
             </a:r>
+            <a:endParaRPr kumimoji="1" lang="zh-CN" altLang="en-US"/>
           </a:p>
           <a:p>
             <a:pPr lvl="3"/>
@@ -3042,6 +2986,7 @@
               <a:rPr kumimoji="1" lang="zh-CN" altLang="en-US"/>
               <a:t>四级</a:t>
             </a:r>
+            <a:endParaRPr kumimoji="1" lang="zh-CN" altLang="en-US"/>
           </a:p>
           <a:p>
             <a:pPr lvl="4"/>
@@ -3049,6 +2994,7 @@
               <a:rPr kumimoji="1" lang="zh-CN" altLang="en-US"/>
               <a:t>五级</a:t>
             </a:r>
+            <a:endParaRPr kumimoji="1" lang="zh-CN" altLang="en-US"/>
           </a:p>
         </p:txBody>
       </p:sp>
@@ -3112,18 +3058,12 @@
           <a:p>
             <a:fld id="{9D47ADAC-F727-DF42-84A1-53F383BC088E}" type="slidenum">
               <a:rPr kumimoji="1" lang="zh-CN" altLang="en-US" smtClean="0"/>
-              <a:t>‹#›</a:t>
             </a:fld>
             <a:endParaRPr kumimoji="1" lang="zh-CN" altLang="en-US"/>
           </a:p>
         </p:txBody>
       </p:sp>
     </p:spTree>
-    <p:extLst>
-      <p:ext uri="{BB962C8B-B14F-4D97-AF65-F5344CB8AC3E}">
-        <p14:creationId xmlns:p14="http://schemas.microsoft.com/office/powerpoint/2010/main" val="1724863177"/>
-      </p:ext>
-    </p:extLst>
   </p:cSld>
   <p:clrMap bg1="lt1" tx1="dk1" bg2="lt2" tx2="dk2" accent1="accent1" accent2="accent2" accent3="accent3" accent4="accent4" accent5="accent5" accent6="accent6" hlink="hlink" folHlink="folHlink"/>
   <p:notesStyle>
@@ -3269,12 +3209,70 @@
               <a:rPr kumimoji="1" lang="zh-CN" altLang="en-US" dirty="0"/>
               <a:t>第三方研发进度有限，针对后面开展的测试活动进行了一次通气会；</a:t>
             </a:r>
+            <a:endParaRPr kumimoji="1" lang="zh-CN" altLang="en-US" dirty="0"/>
+          </a:p>
+          <a:p>
+            <a:r>
+              <a:rPr kumimoji="1" lang="en-US" altLang="zh-CN" dirty="0"/>
+              <a:t>QA</a:t>
+            </a:r>
+            <a:r>
+              <a:rPr kumimoji="1" lang="zh-CN" altLang="en-US" dirty="0"/>
+              <a:t>首次接触、询问业务链路，</a:t>
+            </a:r>
+            <a:r>
+              <a:rPr kumimoji="1" lang="en-US" altLang="zh-CN" dirty="0"/>
+              <a:t>  </a:t>
+            </a:r>
+            <a:r>
+              <a:rPr kumimoji="1" lang="zh-CN" altLang="en-US" dirty="0"/>
+              <a:t>得到需求，</a:t>
+            </a:r>
+            <a:r>
+              <a:rPr kumimoji="1" lang="en-US" altLang="zh-CN" dirty="0"/>
+              <a:t>  </a:t>
+            </a:r>
+            <a:r>
+              <a:rPr kumimoji="1" lang="zh-CN" altLang="en-US" dirty="0"/>
+              <a:t>补充背景</a:t>
+            </a:r>
+            <a:endParaRPr kumimoji="1" lang="zh-CN" altLang="en-US" dirty="0"/>
+          </a:p>
+          <a:p>
+            <a:endParaRPr kumimoji="1" lang="zh-CN" altLang="en-US" dirty="0"/>
+          </a:p>
+          <a:p>
+            <a:r>
+              <a:rPr kumimoji="1" lang="zh-CN" altLang="en-US" dirty="0"/>
+              <a:t>询问压测使用数据的来源（由</a:t>
+            </a:r>
+            <a:r>
+              <a:rPr kumimoji="1" lang="en-US" altLang="zh-CN" dirty="0"/>
+              <a:t>dmp</a:t>
+            </a:r>
+            <a:r>
+              <a:rPr kumimoji="1" lang="zh-CN" altLang="en-US" dirty="0"/>
+              <a:t>提供）</a:t>
+            </a:r>
+            <a:endParaRPr kumimoji="1" lang="zh-CN" altLang="en-US" dirty="0"/>
+          </a:p>
+          <a:p>
+            <a:r>
+              <a:rPr kumimoji="1" lang="zh-CN" altLang="en-US" dirty="0"/>
+              <a:t>询问压测使用环境</a:t>
+            </a:r>
+            <a:endParaRPr kumimoji="1" lang="zh-CN" altLang="en-US" dirty="0"/>
+          </a:p>
+          <a:p>
+            <a:endParaRPr kumimoji="1" lang="zh-CN" altLang="en-US" dirty="0"/>
+          </a:p>
+          <a:p>
             <a:endParaRPr kumimoji="1" lang="en-US" altLang="zh-CN" dirty="0"/>
           </a:p>
           <a:p>
             <a:r>
               <a:rPr kumimoji="1" lang="zh-CN" altLang="en-US" dirty="0"/>
-              <a:t>此时没有接口文档，研发方也提供不了。</a:t>
+              <a:t>问题：此时没有接口文档，研发方也提供不了。</a:t>
             </a:r>
             <a:endParaRPr kumimoji="1" lang="en-US" altLang="zh-CN" dirty="0"/>
           </a:p>
@@ -3284,7 +3282,7 @@
           <a:p>
             <a:r>
               <a:rPr kumimoji="1" lang="zh-CN" altLang="en-US" dirty="0"/>
-              <a:t>故产生遗留问题</a:t>
+              <a:t>故产生遗留问题，需要梳理接口目录</a:t>
             </a:r>
             <a:endParaRPr kumimoji="1" lang="en-US" altLang="zh-CN" dirty="0"/>
           </a:p>
@@ -3307,18 +3305,199 @@
           <a:p>
             <a:fld id="{9D47ADAC-F727-DF42-84A1-53F383BC088E}" type="slidenum">
               <a:rPr kumimoji="1" lang="zh-CN" altLang="en-US" smtClean="0"/>
-              <a:t>2</a:t>
             </a:fld>
             <a:endParaRPr kumimoji="1" lang="zh-CN" altLang="en-US"/>
           </a:p>
         </p:txBody>
       </p:sp>
     </p:spTree>
-    <p:extLst>
-      <p:ext uri="{BB962C8B-B14F-4D97-AF65-F5344CB8AC3E}">
-        <p14:creationId xmlns:p14="http://schemas.microsoft.com/office/powerpoint/2010/main" val="3203161136"/>
-      </p:ext>
-    </p:extLst>
+  </p:cSld>
+  <p:clrMapOvr>
+    <a:masterClrMapping/>
+  </p:clrMapOvr>
+</p:notes>
+</file>
+
+<file path=ppt/notesSlides/notesSlide10.xml><?xml version="1.0" encoding="utf-8"?>
+<p:notes xmlns:a="http://schemas.openxmlformats.org/drawingml/2006/main" xmlns:r="http://schemas.openxmlformats.org/officeDocument/2006/relationships" xmlns:p="http://schemas.openxmlformats.org/presentationml/2006/main">
+  <p:cSld>
+    <p:spTree>
+      <p:nvGrpSpPr>
+        <p:cNvPr id="1" name=""/>
+        <p:cNvGrpSpPr/>
+        <p:nvPr/>
+      </p:nvGrpSpPr>
+      <p:grpSpPr/>
+      <p:sp>
+        <p:nvSpPr>
+          <p:cNvPr id="2" name="幻灯片图像占位符 1"/>
+          <p:cNvSpPr/>
+          <p:nvPr>
+            <p:ph type="sldImg" idx="2"/>
+          </p:nvPr>
+        </p:nvSpPr>
+        <p:spPr/>
+      </p:sp>
+      <p:sp>
+        <p:nvSpPr>
+          <p:cNvPr id="3" name="文本占位符 2"/>
+          <p:cNvSpPr/>
+          <p:nvPr>
+            <p:ph type="body" idx="3"/>
+          </p:nvPr>
+        </p:nvSpPr>
+        <p:spPr/>
+        <p:txBody>
+          <a:bodyPr/>
+          <a:p>
+            <a:r>
+              <a:rPr lang="zh-CN" altLang="en-US"/>
+              <a:t>之前压测都是零散的小项目</a:t>
+            </a:r>
+            <a:endParaRPr lang="zh-CN" altLang="en-US"/>
+          </a:p>
+          <a:p>
+            <a:endParaRPr lang="zh-CN" altLang="en-US"/>
+          </a:p>
+          <a:p>
+            <a:r>
+              <a:rPr lang="zh-CN" altLang="en-US"/>
+              <a:t>首次独立负责完整项目的压测</a:t>
+            </a:r>
+            <a:endParaRPr lang="zh-CN" altLang="en-US"/>
+          </a:p>
+          <a:p>
+            <a:endParaRPr lang="zh-CN" altLang="en-US"/>
+          </a:p>
+          <a:p>
+            <a:r>
+              <a:rPr lang="zh-CN" altLang="en-US"/>
+              <a:t>前期：</a:t>
+            </a:r>
+            <a:r>
+              <a:rPr lang="en-US" altLang="zh-CN"/>
+              <a:t> </a:t>
+            </a:r>
+            <a:r>
+              <a:rPr lang="zh-CN" altLang="en-US"/>
+              <a:t>知道要干什么</a:t>
+            </a:r>
+            <a:r>
+              <a:rPr lang="en-US" altLang="zh-CN"/>
+              <a:t>  </a:t>
+            </a:r>
+            <a:r>
+              <a:rPr lang="zh-CN" altLang="en-US"/>
+              <a:t>怎么干</a:t>
+            </a:r>
+            <a:r>
+              <a:rPr lang="en-US" altLang="zh-CN"/>
+              <a:t>    </a:t>
+            </a:r>
+            <a:r>
+              <a:rPr lang="zh-CN" altLang="en-US"/>
+              <a:t>干成什么样，</a:t>
+            </a:r>
+            <a:r>
+              <a:rPr lang="en-US" altLang="zh-CN"/>
+              <a:t>  </a:t>
+            </a:r>
+            <a:r>
+              <a:rPr lang="zh-CN" altLang="en-US"/>
+              <a:t>应花最多时间在分析业务链路和制定压测目标</a:t>
+            </a:r>
+            <a:endParaRPr lang="zh-CN" altLang="en-US"/>
+          </a:p>
+          <a:p>
+            <a:r>
+              <a:rPr lang="zh-CN" altLang="en-US"/>
+              <a:t>理清链路有助</a:t>
+            </a:r>
+            <a:r>
+              <a:rPr lang="en-US" altLang="zh-CN"/>
+              <a:t> </a:t>
+            </a:r>
+            <a:r>
+              <a:rPr lang="zh-CN" altLang="en-US"/>
+              <a:t>定位问题；制定目标</a:t>
+            </a:r>
+            <a:r>
+              <a:rPr lang="en-US" altLang="zh-CN"/>
+              <a:t>   </a:t>
+            </a:r>
+            <a:r>
+              <a:rPr lang="zh-CN" altLang="en-US"/>
+              <a:t>使结果有实际价值</a:t>
+            </a:r>
+            <a:endParaRPr lang="zh-CN" altLang="en-US"/>
+          </a:p>
+          <a:p>
+            <a:endParaRPr lang="zh-CN" altLang="en-US"/>
+          </a:p>
+          <a:p>
+            <a:r>
+              <a:rPr lang="zh-CN" altLang="en-US"/>
+              <a:t>中期：按部就班</a:t>
+            </a:r>
+            <a:r>
+              <a:rPr lang="en-US" altLang="zh-CN"/>
+              <a:t> </a:t>
+            </a:r>
+            <a:r>
+              <a:rPr lang="zh-CN" altLang="en-US"/>
+              <a:t>，</a:t>
+            </a:r>
+            <a:r>
+              <a:rPr lang="en-US" altLang="zh-CN"/>
+              <a:t> </a:t>
+            </a:r>
+            <a:r>
+              <a:rPr lang="zh-CN" altLang="en-US"/>
+              <a:t>实际在前期工作基础上进行操作</a:t>
+            </a:r>
+            <a:endParaRPr lang="zh-CN" altLang="en-US"/>
+          </a:p>
+          <a:p>
+            <a:endParaRPr lang="zh-CN" altLang="en-US"/>
+          </a:p>
+          <a:p>
+            <a:r>
+              <a:rPr lang="zh-CN" altLang="en-US"/>
+              <a:t>后期：准确阐述结果，</a:t>
+            </a:r>
+            <a:r>
+              <a:rPr lang="en-US" altLang="zh-CN"/>
+              <a:t> </a:t>
+            </a:r>
+            <a:r>
+              <a:rPr lang="zh-CN" altLang="en-US"/>
+              <a:t>并提供评估意见，</a:t>
+            </a:r>
+            <a:r>
+              <a:rPr lang="en-US" altLang="zh-CN"/>
+              <a:t>  </a:t>
+            </a:r>
+            <a:r>
+              <a:rPr lang="zh-CN" altLang="en-US"/>
+              <a:t>才使压测结果有意义</a:t>
+            </a:r>
+            <a:endParaRPr lang="zh-CN" altLang="en-US"/>
+          </a:p>
+          <a:p>
+            <a:endParaRPr lang="zh-CN" altLang="en-US"/>
+          </a:p>
+          <a:p>
+            <a:endParaRPr lang="zh-CN" altLang="en-US"/>
+          </a:p>
+          <a:p>
+            <a:endParaRPr lang="zh-CN" altLang="en-US"/>
+          </a:p>
+          <a:p>
+            <a:endParaRPr lang="zh-CN" altLang="en-US"/>
+          </a:p>
+        </p:txBody>
+      </p:sp>
+    </p:spTree>
   </p:cSld>
   <p:clrMapOvr>
     <a:masterClrMapping/>
@@ -3370,6 +3549,69 @@
           <a:bodyPr/>
           <a:lstStyle/>
           <a:p>
+            <a:r>
+              <a:rPr kumimoji="1" lang="zh-CN" altLang="en-US" dirty="0"/>
+              <a:t>为何梳理初期没了解：</a:t>
+            </a:r>
+            <a:r>
+              <a:rPr kumimoji="1" lang="en-US" altLang="zh-CN" dirty="0"/>
+              <a:t> </a:t>
+            </a:r>
+            <a:r>
+              <a:rPr kumimoji="1" lang="zh-CN" altLang="en-US" dirty="0"/>
+              <a:t>沟通时效长，所以工作前置。</a:t>
+            </a:r>
+            <a:endParaRPr kumimoji="1" lang="zh-CN" altLang="en-US" dirty="0"/>
+          </a:p>
+          <a:p>
+            <a:endParaRPr kumimoji="1" lang="zh-CN" altLang="en-US" dirty="0"/>
+          </a:p>
+          <a:p>
+            <a:endParaRPr kumimoji="1" lang="zh-CN" altLang="en-US" dirty="0"/>
+          </a:p>
+          <a:p>
+            <a:r>
+              <a:rPr kumimoji="1" lang="zh-CN" altLang="en-US" dirty="0"/>
+              <a:t>原计划：梳理后</a:t>
+            </a:r>
+            <a:r>
+              <a:rPr kumimoji="1" lang="en-US" altLang="zh-CN" dirty="0"/>
+              <a:t> </a:t>
+            </a:r>
+            <a:r>
+              <a:rPr kumimoji="1" lang="zh-CN" altLang="en-US" dirty="0"/>
+              <a:t>和研发进行核对。</a:t>
+            </a:r>
+            <a:r>
+              <a:rPr kumimoji="1" lang="en-US" altLang="zh-CN" dirty="0"/>
+              <a:t>  </a:t>
+            </a:r>
+            <a:endParaRPr kumimoji="1" lang="en-US" altLang="zh-CN" dirty="0"/>
+          </a:p>
+          <a:p>
+            <a:endParaRPr kumimoji="1" lang="zh-CN" altLang="en-US" dirty="0"/>
+          </a:p>
+          <a:p>
+            <a:r>
+              <a:rPr kumimoji="1" lang="zh-CN" altLang="en-US" dirty="0"/>
+              <a:t>小结一下：</a:t>
+            </a:r>
+            <a:r>
+              <a:rPr kumimoji="1" lang="en-US" altLang="zh-CN" dirty="0"/>
+              <a:t> </a:t>
+            </a:r>
+            <a:r>
+              <a:rPr kumimoji="1" lang="zh-CN" altLang="en-US" dirty="0"/>
+              <a:t>压测前要取得完整准确的接口文档，</a:t>
+            </a:r>
+            <a:r>
+              <a:rPr kumimoji="1" lang="en-US" altLang="zh-CN" dirty="0"/>
+              <a:t>   </a:t>
+            </a:r>
+            <a:r>
+              <a:rPr kumimoji="1" lang="zh-CN" altLang="en-US" dirty="0"/>
+              <a:t>否则耽误时间。</a:t>
+            </a:r>
             <a:endParaRPr kumimoji="1" lang="zh-CN" altLang="en-US" dirty="0"/>
           </a:p>
         </p:txBody>
@@ -3391,18 +3633,12 @@
           <a:p>
             <a:fld id="{9D47ADAC-F727-DF42-84A1-53F383BC088E}" type="slidenum">
               <a:rPr kumimoji="1" lang="zh-CN" altLang="en-US" smtClean="0"/>
-              <a:t>3</a:t>
             </a:fld>
             <a:endParaRPr kumimoji="1" lang="zh-CN" altLang="en-US"/>
           </a:p>
         </p:txBody>
       </p:sp>
     </p:spTree>
-    <p:extLst>
-      <p:ext uri="{BB962C8B-B14F-4D97-AF65-F5344CB8AC3E}">
-        <p14:creationId xmlns:p14="http://schemas.microsoft.com/office/powerpoint/2010/main" val="2555426282"/>
-      </p:ext>
-    </p:extLst>
   </p:cSld>
   <p:clrMapOvr>
     <a:masterClrMapping/>
@@ -3468,7 +3704,6 @@
               <a:buSzTx/>
               <a:buFontTx/>
               <a:buNone/>
-              <a:tabLst/>
               <a:defRPr/>
             </a:pPr>
             <a:r>
@@ -3476,13 +3711,163 @@
               <a:t>影响： </a:t>
             </a:r>
             <a:r>
-              <a:rPr kumimoji="1" lang="en" altLang="zh-CN" dirty="0"/>
+              <a:rPr kumimoji="1" lang="en-GB" altLang="zh-CN" dirty="0"/>
               <a:t>App</a:t>
             </a:r>
             <a:r>
               <a:rPr kumimoji="1" lang="zh-CN" altLang="en-US" dirty="0"/>
               <a:t>获取玩家游戏数据的方式需要做大规模调整，造成了时间线整体后移，接口梳理不理想并未影响到项目进度。</a:t>
             </a:r>
+            <a:endParaRPr kumimoji="1" lang="zh-CN" altLang="en-US" dirty="0"/>
+          </a:p>
+          <a:p>
+            <a:pPr marL="0" marR="0" lvl="0" indent="0" algn="l" defTabSz="914400" rtl="0" eaLnBrk="1" fontAlgn="auto" latinLnBrk="0" hangingPunct="1">
+              <a:lnSpc>
+                <a:spcPct val="100000"/>
+              </a:lnSpc>
+              <a:spcBef>
+                <a:spcPts val="0"/>
+              </a:spcBef>
+              <a:spcAft>
+                <a:spcPts val="0"/>
+              </a:spcAft>
+              <a:buClrTx/>
+              <a:buSzTx/>
+              <a:buFontTx/>
+              <a:buNone/>
+              <a:defRPr/>
+            </a:pPr>
+            <a:endParaRPr kumimoji="1" lang="zh-CN" altLang="en-US" dirty="0"/>
+          </a:p>
+          <a:p>
+            <a:pPr marL="0" marR="0" lvl="0" indent="0" algn="l" defTabSz="914400" rtl="0" eaLnBrk="1" fontAlgn="auto" latinLnBrk="0" hangingPunct="1">
+              <a:lnSpc>
+                <a:spcPct val="100000"/>
+              </a:lnSpc>
+              <a:spcBef>
+                <a:spcPts val="0"/>
+              </a:spcBef>
+              <a:spcAft>
+                <a:spcPts val="0"/>
+              </a:spcAft>
+              <a:buClrTx/>
+              <a:buSzTx/>
+              <a:buFontTx/>
+              <a:buNone/>
+              <a:defRPr/>
+            </a:pPr>
+            <a:r>
+              <a:rPr kumimoji="1" lang="zh-CN" altLang="en-US" dirty="0"/>
+              <a:t>说一下既定的压测流程：</a:t>
+            </a:r>
+            <a:endParaRPr kumimoji="1" lang="zh-CN" altLang="en-US" dirty="0"/>
+          </a:p>
+          <a:p>
+            <a:pPr marL="0" marR="0" lvl="0" indent="0" algn="l" defTabSz="914400" rtl="0" eaLnBrk="1" fontAlgn="auto" latinLnBrk="0" hangingPunct="1">
+              <a:lnSpc>
+                <a:spcPct val="100000"/>
+              </a:lnSpc>
+              <a:spcBef>
+                <a:spcPts val="0"/>
+              </a:spcBef>
+              <a:spcAft>
+                <a:spcPts val="0"/>
+              </a:spcAft>
+              <a:buClrTx/>
+              <a:buSzTx/>
+              <a:buFontTx/>
+              <a:buNone/>
+              <a:defRPr/>
+            </a:pPr>
+            <a:r>
+              <a:rPr kumimoji="1" lang="zh-CN" altLang="en-US" dirty="0"/>
+              <a:t>先功能、再性能</a:t>
+            </a:r>
+            <a:endParaRPr kumimoji="1" lang="zh-CN" altLang="en-US" dirty="0"/>
+          </a:p>
+          <a:p>
+            <a:pPr marL="0" marR="0" lvl="0" indent="0" algn="l" defTabSz="914400" rtl="0" eaLnBrk="1" fontAlgn="auto" latinLnBrk="0" hangingPunct="1">
+              <a:lnSpc>
+                <a:spcPct val="100000"/>
+              </a:lnSpc>
+              <a:spcBef>
+                <a:spcPts val="0"/>
+              </a:spcBef>
+              <a:spcAft>
+                <a:spcPts val="0"/>
+              </a:spcAft>
+              <a:buClrTx/>
+              <a:buSzTx/>
+              <a:buFontTx/>
+              <a:buNone/>
+              <a:defRPr/>
+            </a:pPr>
+            <a:endParaRPr kumimoji="1" lang="zh-CN" altLang="en-US" dirty="0"/>
+          </a:p>
+          <a:p>
+            <a:pPr marL="0" marR="0" lvl="0" indent="0" algn="l" defTabSz="914400" rtl="0" eaLnBrk="1" fontAlgn="auto" latinLnBrk="0" hangingPunct="1">
+              <a:lnSpc>
+                <a:spcPct val="100000"/>
+              </a:lnSpc>
+              <a:spcBef>
+                <a:spcPts val="0"/>
+              </a:spcBef>
+              <a:spcAft>
+                <a:spcPts val="0"/>
+              </a:spcAft>
+              <a:buClrTx/>
+              <a:buSzTx/>
+              <a:buFontTx/>
+              <a:buNone/>
+              <a:defRPr/>
+            </a:pPr>
+            <a:r>
+              <a:rPr kumimoji="1" lang="zh-CN" altLang="en-US" dirty="0"/>
+              <a:t>业务逻辑调整</a:t>
+            </a:r>
+            <a:r>
+              <a:rPr kumimoji="1" lang="en-US" altLang="zh-CN" dirty="0"/>
+              <a:t>——</a:t>
+            </a:r>
+            <a:r>
+              <a:rPr kumimoji="1" lang="zh-CN" altLang="en-US" dirty="0"/>
+              <a:t>功能调整</a:t>
+            </a:r>
+            <a:r>
+              <a:rPr kumimoji="1" lang="en-US" altLang="zh-CN" dirty="0"/>
+              <a:t>——</a:t>
+            </a:r>
+            <a:r>
+              <a:rPr kumimoji="1" lang="zh-CN" altLang="en-US" dirty="0"/>
+              <a:t>功能重测</a:t>
+            </a:r>
+            <a:r>
+              <a:rPr kumimoji="1" lang="en-US" altLang="zh-CN" dirty="0"/>
+              <a:t>——</a:t>
+            </a:r>
+            <a:r>
+              <a:rPr kumimoji="1" lang="zh-CN" altLang="en-US" dirty="0"/>
+              <a:t>等待压测推迟了若干个月</a:t>
+            </a:r>
+            <a:endParaRPr kumimoji="1" lang="zh-CN" altLang="en-US" dirty="0"/>
+          </a:p>
+          <a:p>
+            <a:pPr marL="0" marR="0" lvl="0" indent="0" algn="l" defTabSz="914400" rtl="0" eaLnBrk="1" fontAlgn="auto" latinLnBrk="0" hangingPunct="1">
+              <a:lnSpc>
+                <a:spcPct val="100000"/>
+              </a:lnSpc>
+              <a:spcBef>
+                <a:spcPts val="0"/>
+              </a:spcBef>
+              <a:spcAft>
+                <a:spcPts val="0"/>
+              </a:spcAft>
+              <a:buClrTx/>
+              <a:buSzTx/>
+              <a:buFontTx/>
+              <a:buNone/>
+              <a:defRPr/>
+            </a:pPr>
             <a:br>
               <a:rPr kumimoji="1" lang="en-US" altLang="zh-CN" dirty="0"/>
             </a:br>
@@ -3493,8 +3878,14 @@
               <a:rPr kumimoji="1" lang="zh-CN" altLang="en-US" dirty="0"/>
               <a:t>后续：等待开发完成，功能测试结束，代码封版</a:t>
             </a:r>
-          </a:p>
-          <a:p>
+            <a:r>
+              <a:rPr kumimoji="1" lang="en-US" altLang="zh-CN" dirty="0"/>
+              <a:t> </a:t>
+            </a:r>
+            <a:r>
+              <a:rPr kumimoji="1" lang="zh-CN" altLang="en-US" dirty="0"/>
+              <a:t>提测</a:t>
+            </a:r>
             <a:endParaRPr kumimoji="1" lang="zh-CN" altLang="en-US" dirty="0"/>
           </a:p>
         </p:txBody>
@@ -3516,18 +3907,12 @@
           <a:p>
             <a:fld id="{9D47ADAC-F727-DF42-84A1-53F383BC088E}" type="slidenum">
               <a:rPr kumimoji="1" lang="zh-CN" altLang="en-US" smtClean="0"/>
-              <a:t>4</a:t>
             </a:fld>
             <a:endParaRPr kumimoji="1" lang="zh-CN" altLang="en-US"/>
           </a:p>
         </p:txBody>
       </p:sp>
     </p:spTree>
-    <p:extLst>
-      <p:ext uri="{BB962C8B-B14F-4D97-AF65-F5344CB8AC3E}">
-        <p14:creationId xmlns:p14="http://schemas.microsoft.com/office/powerpoint/2010/main" val="791836615"/>
-      </p:ext>
-    </p:extLst>
   </p:cSld>
   <p:clrMapOvr>
     <a:masterClrMapping/>
@@ -3580,6 +3965,50 @@
           <a:lstStyle/>
           <a:p>
             <a:r>
+              <a:rPr kumimoji="1" lang="en-US" altLang="zh-CN" dirty="0"/>
+              <a:t>d99</a:t>
+            </a:r>
+            <a:r>
+              <a:rPr kumimoji="1" lang="zh-CN" altLang="en-US" dirty="0"/>
+              <a:t>有了完整的接口文档</a:t>
+            </a:r>
+            <a:endParaRPr kumimoji="1" lang="zh-CN" altLang="en-US" dirty="0"/>
+          </a:p>
+          <a:p>
+            <a:endParaRPr kumimoji="1" lang="zh-CN" altLang="en-US" dirty="0"/>
+          </a:p>
+          <a:p>
+            <a:r>
+              <a:rPr kumimoji="1" lang="en-US" altLang="zh-CN" dirty="0"/>
+              <a:t>dmp</a:t>
+            </a:r>
+            <a:r>
+              <a:rPr kumimoji="1" lang="zh-CN" altLang="en-US" dirty="0"/>
+              <a:t>新增了查询接口（说一下作用）</a:t>
+            </a:r>
+            <a:r>
+              <a:rPr kumimoji="1" lang="en-US" altLang="zh-CN" dirty="0"/>
+              <a:t> </a:t>
+            </a:r>
+            <a:r>
+              <a:rPr kumimoji="1" lang="zh-CN" altLang="en-US" dirty="0"/>
+              <a:t>，</a:t>
+            </a:r>
+            <a:r>
+              <a:rPr kumimoji="1" lang="en-US" altLang="zh-CN" dirty="0"/>
+              <a:t>  </a:t>
+            </a:r>
+            <a:r>
+              <a:rPr kumimoji="1" lang="zh-CN" altLang="en-US" dirty="0"/>
+              <a:t>并提供了文档</a:t>
+            </a:r>
+            <a:endParaRPr kumimoji="1" lang="zh-CN" altLang="en-US" dirty="0"/>
+          </a:p>
+          <a:p>
+            <a:endParaRPr kumimoji="1" lang="zh-CN" altLang="en-US" dirty="0"/>
+          </a:p>
+          <a:p>
+            <a:r>
               <a:rPr kumimoji="1" lang="zh-CN" altLang="en-US" dirty="0"/>
               <a:t>接口数量太多，全部压测性价比低。</a:t>
             </a:r>
@@ -3623,6 +4052,7 @@
               <a:rPr kumimoji="1" lang="zh-CN" altLang="en-US" dirty="0"/>
               <a:t> 计划有限投放。</a:t>
             </a:r>
+            <a:endParaRPr kumimoji="1" lang="zh-CN" altLang="en-US" dirty="0"/>
           </a:p>
         </p:txBody>
       </p:sp>
@@ -3643,18 +4073,12 @@
           <a:p>
             <a:fld id="{9D47ADAC-F727-DF42-84A1-53F383BC088E}" type="slidenum">
               <a:rPr kumimoji="1" lang="zh-CN" altLang="en-US" smtClean="0"/>
-              <a:t>5</a:t>
             </a:fld>
             <a:endParaRPr kumimoji="1" lang="zh-CN" altLang="en-US"/>
           </a:p>
         </p:txBody>
       </p:sp>
     </p:spTree>
-    <p:extLst>
-      <p:ext uri="{BB962C8B-B14F-4D97-AF65-F5344CB8AC3E}">
-        <p14:creationId xmlns:p14="http://schemas.microsoft.com/office/powerpoint/2010/main" val="1257925684"/>
-      </p:ext>
-    </p:extLst>
   </p:cSld>
   <p:clrMapOvr>
     <a:masterClrMapping/>
@@ -3707,22 +4131,184 @@
           <a:lstStyle/>
           <a:p>
             <a:r>
+              <a:rPr kumimoji="1" lang="zh-CN" dirty="0"/>
+              <a:t>部分接口极易使</a:t>
+            </a:r>
+            <a:r>
+              <a:rPr kumimoji="1" lang="en-US" altLang="zh-CN" dirty="0"/>
+              <a:t>DB</a:t>
+            </a:r>
+            <a:r>
               <a:rPr kumimoji="1" lang="zh-CN" altLang="en-US" dirty="0"/>
-              <a:t>被压接口中，会对应用本身，数据库 都造成很大压力，甚至</a:t>
+              <a:t>的</a:t>
+            </a:r>
+            <a:r>
+              <a:rPr kumimoji="1" lang="en-US" altLang="zh-CN" dirty="0"/>
+              <a:t>cpu</a:t>
+            </a:r>
+            <a:r>
+              <a:rPr kumimoji="1" lang="zh-CN" altLang="en-US" dirty="0"/>
+              <a:t>使用激增至</a:t>
             </a:r>
             <a:r>
               <a:rPr kumimoji="1" lang="en-US" altLang="zh-CN" dirty="0"/>
               <a:t>100%</a:t>
             </a:r>
-          </a:p>
-          <a:p>
+            <a:r>
+              <a:rPr kumimoji="1" lang="zh-CN" altLang="en-US" dirty="0"/>
+              <a:t>，</a:t>
+            </a:r>
+            <a:r>
+              <a:rPr kumimoji="1" lang="en-US" altLang="zh-CN" dirty="0"/>
+              <a:t>     </a:t>
+            </a:r>
+            <a:r>
+              <a:rPr kumimoji="1" lang="zh-CN" altLang="en-US" dirty="0"/>
+              <a:t>应用本身也是</a:t>
+            </a:r>
+            <a:endParaRPr kumimoji="1" lang="zh-CN" altLang="en-US" dirty="0"/>
+          </a:p>
+          <a:p>
+            <a:endParaRPr kumimoji="1" lang="zh-CN" altLang="en-US" dirty="0"/>
+          </a:p>
+          <a:p>
+            <a:r>
+              <a:rPr kumimoji="1" lang="zh-CN" altLang="en-US" dirty="0"/>
+              <a:t>查找问题接口：</a:t>
+            </a:r>
+            <a:endParaRPr kumimoji="1" lang="zh-CN" altLang="en-US" dirty="0"/>
+          </a:p>
+          <a:p>
+            <a:r>
+              <a:rPr kumimoji="1" lang="zh-CN" altLang="en-US" dirty="0"/>
+              <a:t>分组，二分法，直到定位到</a:t>
+            </a:r>
             <a:endParaRPr kumimoji="1" lang="en-US" altLang="zh-CN" dirty="0"/>
           </a:p>
           <a:p>
+            <a:endParaRPr kumimoji="1" lang="en-US" altLang="zh-CN" dirty="0"/>
+          </a:p>
+          <a:p>
             <a:r>
               <a:rPr kumimoji="1" lang="zh-CN" altLang="en-US" dirty="0"/>
-              <a:t>筛选性能较差接口方法： 二分法</a:t>
-            </a:r>
+              <a:t>最后定位到：</a:t>
+            </a:r>
+            <a:r>
+              <a:rPr kumimoji="1" lang="en-US" altLang="zh-CN" dirty="0"/>
+              <a:t> </a:t>
+            </a:r>
+            <a:endParaRPr kumimoji="1" lang="en-US" altLang="zh-CN" dirty="0"/>
+          </a:p>
+          <a:p>
+            <a:r>
+              <a:rPr kumimoji="1" lang="en-US" altLang="zh-CN" dirty="0"/>
+              <a:t>D99</a:t>
+            </a:r>
+            <a:r>
+              <a:rPr kumimoji="1" lang="zh-CN" altLang="en-US" dirty="0"/>
+              <a:t>方</a:t>
+            </a:r>
+            <a:r>
+              <a:rPr kumimoji="1" lang="en-US" altLang="zh-CN" dirty="0"/>
+              <a:t>3</a:t>
+            </a:r>
+            <a:r>
+              <a:rPr kumimoji="1" lang="zh-CN" altLang="en-US" dirty="0"/>
+              <a:t>个极慢接口</a:t>
+            </a:r>
+            <a:r>
+              <a:rPr kumimoji="1" lang="en-US" altLang="zh-CN" dirty="0"/>
+              <a:t>     </a:t>
+            </a:r>
+            <a:endParaRPr kumimoji="1" lang="en-US" altLang="zh-CN" dirty="0"/>
+          </a:p>
+          <a:p>
+            <a:r>
+              <a:rPr kumimoji="1" lang="en-US" altLang="zh-CN" dirty="0"/>
+              <a:t>DMP</a:t>
+            </a:r>
+            <a:r>
+              <a:rPr kumimoji="1" lang="zh-CN" altLang="en-US" dirty="0"/>
+              <a:t>新研发的个别接口并发情况下有报错</a:t>
+            </a:r>
+            <a:endParaRPr kumimoji="1" lang="zh-CN" altLang="en-US" dirty="0"/>
+          </a:p>
+          <a:p>
+            <a:endParaRPr kumimoji="1" lang="zh-CN" altLang="en-US" dirty="0"/>
+          </a:p>
+          <a:p>
+            <a:r>
+              <a:rPr kumimoji="1" lang="zh-CN" altLang="en-US" dirty="0"/>
+              <a:t>反馈</a:t>
+            </a:r>
+            <a:r>
+              <a:rPr kumimoji="1" lang="en-US" altLang="zh-CN" dirty="0"/>
+              <a:t> </a:t>
+            </a:r>
+            <a:r>
+              <a:rPr kumimoji="1" lang="zh-CN" altLang="en-US" dirty="0"/>
+              <a:t>等待修改</a:t>
+            </a:r>
+            <a:endParaRPr kumimoji="1" lang="zh-CN" altLang="en-US" dirty="0"/>
+          </a:p>
+          <a:p>
+            <a:endParaRPr kumimoji="1" lang="zh-CN" altLang="en-US" dirty="0"/>
+          </a:p>
+          <a:p>
+            <a:r>
+              <a:rPr kumimoji="1" lang="zh-CN" altLang="en-US" dirty="0"/>
+              <a:t>一阶段压测结束。</a:t>
+            </a:r>
+            <a:endParaRPr kumimoji="1" lang="en-US" altLang="zh-CN" dirty="0"/>
+          </a:p>
+          <a:p>
+            <a:r>
+              <a:rPr kumimoji="1" lang="zh-CN" altLang="en-US" dirty="0"/>
+              <a:t>结论：</a:t>
+            </a:r>
+            <a:r>
+              <a:rPr kumimoji="1" lang="en-US" altLang="zh-CN" dirty="0"/>
+              <a:t> </a:t>
+            </a:r>
+            <a:r>
+              <a:rPr kumimoji="1" lang="zh-CN" altLang="en-US" dirty="0"/>
+              <a:t>接口性能不达标，没有达到预期，</a:t>
+            </a:r>
+            <a:r>
+              <a:rPr kumimoji="1" lang="en-US" altLang="zh-CN" dirty="0"/>
+              <a:t> </a:t>
+            </a:r>
+            <a:r>
+              <a:rPr kumimoji="1" lang="zh-CN" altLang="en-US" dirty="0"/>
+              <a:t>需优化</a:t>
+            </a:r>
+            <a:r>
+              <a:rPr kumimoji="1" lang="en-US" altLang="zh-CN" dirty="0"/>
+              <a:t>sql</a:t>
+            </a:r>
+            <a:r>
+              <a:rPr kumimoji="1" lang="zh-CN" altLang="en-US" dirty="0"/>
+              <a:t>部分逻辑。</a:t>
+            </a:r>
+            <a:endParaRPr kumimoji="1" lang="zh-CN" altLang="en-US" dirty="0"/>
+          </a:p>
+          <a:p>
+            <a:endParaRPr kumimoji="1" lang="zh-CN" altLang="en-US" dirty="0"/>
+          </a:p>
+          <a:p>
+            <a:r>
+              <a:rPr kumimoji="1" lang="zh-CN" altLang="en-US" dirty="0"/>
+              <a:t>若上线则极大几率造成</a:t>
+            </a:r>
+            <a:r>
+              <a:rPr kumimoji="1" lang="en-US" altLang="zh-CN" dirty="0"/>
+              <a:t>D99 app </a:t>
+            </a:r>
+            <a:r>
+              <a:rPr kumimoji="1" lang="zh-CN" altLang="en-US" dirty="0"/>
+              <a:t>工作异常。</a:t>
+            </a:r>
+            <a:endParaRPr kumimoji="1" lang="en-US" altLang="zh-CN" dirty="0"/>
           </a:p>
         </p:txBody>
       </p:sp>
@@ -3743,18 +4329,461 @@
           <a:p>
             <a:fld id="{9D47ADAC-F727-DF42-84A1-53F383BC088E}" type="slidenum">
               <a:rPr kumimoji="1" lang="zh-CN" altLang="en-US" smtClean="0"/>
-              <a:t>6</a:t>
             </a:fld>
             <a:endParaRPr kumimoji="1" lang="zh-CN" altLang="en-US"/>
           </a:p>
         </p:txBody>
       </p:sp>
     </p:spTree>
-    <p:extLst>
-      <p:ext uri="{BB962C8B-B14F-4D97-AF65-F5344CB8AC3E}">
-        <p14:creationId xmlns:p14="http://schemas.microsoft.com/office/powerpoint/2010/main" val="13270635"/>
-      </p:ext>
-    </p:extLst>
+  </p:cSld>
+  <p:clrMapOvr>
+    <a:masterClrMapping/>
+  </p:clrMapOvr>
+</p:notes>
+</file>
+
+<file path=ppt/notesSlides/notesSlide6.xml><?xml version="1.0" encoding="utf-8"?>
+<p:notes xmlns:a="http://schemas.openxmlformats.org/drawingml/2006/main" xmlns:r="http://schemas.openxmlformats.org/officeDocument/2006/relationships" xmlns:p="http://schemas.openxmlformats.org/presentationml/2006/main">
+  <p:cSld>
+    <p:spTree>
+      <p:nvGrpSpPr>
+        <p:cNvPr id="1" name=""/>
+        <p:cNvGrpSpPr/>
+        <p:nvPr/>
+      </p:nvGrpSpPr>
+      <p:grpSpPr/>
+      <p:sp>
+        <p:nvSpPr>
+          <p:cNvPr id="2" name="幻灯片图像占位符 1"/>
+          <p:cNvSpPr/>
+          <p:nvPr>
+            <p:ph type="sldImg" idx="2"/>
+          </p:nvPr>
+        </p:nvSpPr>
+        <p:spPr/>
+      </p:sp>
+      <p:sp>
+        <p:nvSpPr>
+          <p:cNvPr id="3" name="文本占位符 2"/>
+          <p:cNvSpPr/>
+          <p:nvPr>
+            <p:ph type="body" idx="3"/>
+          </p:nvPr>
+        </p:nvSpPr>
+        <p:spPr/>
+        <p:txBody>
+          <a:bodyPr/>
+          <a:p>
+            <a:r>
+              <a:rPr lang="zh-CN" altLang="en-US"/>
+              <a:t>根据压测结果，和客观情况评估，原</a:t>
+            </a:r>
+            <a:r>
+              <a:rPr lang="en-US" altLang="zh-CN"/>
+              <a:t>D99 app</a:t>
+            </a:r>
+            <a:r>
+              <a:rPr lang="zh-CN" altLang="en-US"/>
+              <a:t>方案达不到交付要求，废弃。</a:t>
+            </a:r>
+            <a:endParaRPr lang="zh-CN" altLang="en-US"/>
+          </a:p>
+          <a:p>
+            <a:endParaRPr lang="zh-CN" altLang="en-US"/>
+          </a:p>
+          <a:p>
+            <a:r>
+              <a:rPr lang="zh-CN" altLang="en-US"/>
+              <a:t>产品中心负责重新设计开发（阿正写的）</a:t>
+            </a:r>
+            <a:endParaRPr lang="zh-CN" altLang="en-US"/>
+          </a:p>
+          <a:p>
+            <a:endParaRPr lang="zh-CN" altLang="en-US"/>
+          </a:p>
+          <a:p>
+            <a:r>
+              <a:rPr lang="en-US" altLang="zh-CN"/>
+              <a:t>DMP</a:t>
+            </a:r>
+            <a:r>
+              <a:rPr lang="zh-CN" altLang="en-US"/>
+              <a:t>接口优化后等待接入</a:t>
+            </a:r>
+            <a:endParaRPr lang="zh-CN" altLang="en-US"/>
+          </a:p>
+          <a:p>
+            <a:endParaRPr lang="zh-CN" altLang="en-US"/>
+          </a:p>
+          <a:p>
+            <a:endParaRPr lang="zh-CN" altLang="en-US"/>
+          </a:p>
+          <a:p>
+            <a:r>
+              <a:rPr lang="zh-CN" altLang="en-US"/>
+              <a:t>检验目的；</a:t>
+            </a:r>
+            <a:br>
+              <a:rPr lang="zh-CN" altLang="en-US"/>
+            </a:br>
+            <a:r>
+              <a:rPr lang="en-US" altLang="zh-CN"/>
+              <a:t>DMP</a:t>
+            </a:r>
+            <a:r>
+              <a:rPr lang="zh-CN" altLang="en-US"/>
+              <a:t>报错接口是否存在</a:t>
+            </a:r>
+            <a:endParaRPr lang="zh-CN" altLang="en-US"/>
+          </a:p>
+          <a:p>
+            <a:r>
+              <a:rPr lang="zh-CN" altLang="en-US"/>
+              <a:t>是否有性能短板</a:t>
+            </a:r>
+            <a:endParaRPr lang="zh-CN" altLang="en-US"/>
+          </a:p>
+          <a:p>
+            <a:r>
+              <a:rPr lang="zh-CN" altLang="en-US"/>
+              <a:t>新增的缓存策略带来的性能提升</a:t>
+            </a:r>
+            <a:endParaRPr lang="zh-CN" altLang="en-US"/>
+          </a:p>
+          <a:p>
+            <a:r>
+              <a:rPr lang="zh-CN" altLang="en-US"/>
+              <a:t>为业务方提供决策数据支撑</a:t>
+            </a:r>
+            <a:endParaRPr lang="zh-CN" altLang="en-US"/>
+          </a:p>
+          <a:p>
+            <a:endParaRPr lang="zh-CN" altLang="en-US"/>
+          </a:p>
+          <a:p>
+            <a:endParaRPr lang="zh-CN" altLang="en-US"/>
+          </a:p>
+        </p:txBody>
+      </p:sp>
+    </p:spTree>
+  </p:cSld>
+  <p:clrMapOvr>
+    <a:masterClrMapping/>
+  </p:clrMapOvr>
+</p:notes>
+</file>
+
+<file path=ppt/notesSlides/notesSlide7.xml><?xml version="1.0" encoding="utf-8"?>
+<p:notes xmlns:a="http://schemas.openxmlformats.org/drawingml/2006/main" xmlns:r="http://schemas.openxmlformats.org/officeDocument/2006/relationships" xmlns:p="http://schemas.openxmlformats.org/presentationml/2006/main">
+  <p:cSld>
+    <p:spTree>
+      <p:nvGrpSpPr>
+        <p:cNvPr id="1" name=""/>
+        <p:cNvGrpSpPr/>
+        <p:nvPr/>
+      </p:nvGrpSpPr>
+      <p:grpSpPr/>
+      <p:sp>
+        <p:nvSpPr>
+          <p:cNvPr id="2" name="幻灯片图像占位符 1"/>
+          <p:cNvSpPr/>
+          <p:nvPr>
+            <p:ph type="sldImg" idx="2"/>
+          </p:nvPr>
+        </p:nvSpPr>
+        <p:spPr/>
+      </p:sp>
+      <p:sp>
+        <p:nvSpPr>
+          <p:cNvPr id="3" name="文本占位符 2"/>
+          <p:cNvSpPr/>
+          <p:nvPr>
+            <p:ph type="body" idx="3"/>
+          </p:nvPr>
+        </p:nvSpPr>
+        <p:spPr/>
+        <p:txBody>
+          <a:bodyPr/>
+          <a:p>
+            <a:r>
+              <a:rPr lang="zh-CN" altLang="en-US"/>
+              <a:t>为什么改流程：</a:t>
+            </a:r>
+            <a:endParaRPr lang="zh-CN" altLang="en-US"/>
+          </a:p>
+          <a:p>
+            <a:r>
+              <a:rPr lang="zh-CN" altLang="en-US"/>
+              <a:t>沟通成本相较之前降低很多，研发阶段已完成功能自测，前置压测可缩短工期</a:t>
+            </a:r>
+            <a:endParaRPr lang="zh-CN" altLang="en-US"/>
+          </a:p>
+          <a:p>
+            <a:endParaRPr lang="zh-CN" altLang="en-US"/>
+          </a:p>
+          <a:p>
+            <a:endParaRPr lang="zh-CN" altLang="en-US"/>
+          </a:p>
+          <a:p>
+            <a:r>
+              <a:rPr lang="en-US" altLang="zh-CN"/>
+              <a:t>DMP</a:t>
+            </a:r>
+            <a:r>
+              <a:rPr lang="zh-CN" altLang="en-US"/>
+              <a:t>使用的阿里服务存在</a:t>
+            </a:r>
+            <a:r>
+              <a:rPr lang="en-US" altLang="zh-CN"/>
+              <a:t>qps</a:t>
+            </a:r>
+            <a:r>
+              <a:rPr lang="zh-CN" altLang="en-US"/>
+              <a:t>上限，目前是</a:t>
+            </a:r>
+            <a:r>
+              <a:rPr lang="en-US" altLang="zh-CN"/>
+              <a:t>200</a:t>
+            </a:r>
+            <a:endParaRPr lang="en-US" altLang="zh-CN"/>
+          </a:p>
+          <a:p>
+            <a:endParaRPr lang="en-US" altLang="zh-CN"/>
+          </a:p>
+          <a:p>
+            <a:r>
+              <a:rPr lang="zh-CN" altLang="en-US"/>
+              <a:t>目标：评估优化结果，排查异常，检验现有服务是否够用</a:t>
+            </a:r>
+            <a:endParaRPr lang="en-US" altLang="zh-CN"/>
+          </a:p>
+        </p:txBody>
+      </p:sp>
+    </p:spTree>
+  </p:cSld>
+  <p:clrMapOvr>
+    <a:masterClrMapping/>
+  </p:clrMapOvr>
+</p:notes>
+</file>
+
+<file path=ppt/notesSlides/notesSlide8.xml><?xml version="1.0" encoding="utf-8"?>
+<p:notes xmlns:a="http://schemas.openxmlformats.org/drawingml/2006/main" xmlns:r="http://schemas.openxmlformats.org/officeDocument/2006/relationships" xmlns:p="http://schemas.openxmlformats.org/presentationml/2006/main">
+  <p:cSld>
+    <p:spTree>
+      <p:nvGrpSpPr>
+        <p:cNvPr id="1" name=""/>
+        <p:cNvGrpSpPr/>
+        <p:nvPr/>
+      </p:nvGrpSpPr>
+      <p:grpSpPr/>
+      <p:sp>
+        <p:nvSpPr>
+          <p:cNvPr id="2" name="幻灯片图像占位符 1"/>
+          <p:cNvSpPr/>
+          <p:nvPr>
+            <p:ph type="sldImg" idx="2"/>
+          </p:nvPr>
+        </p:nvSpPr>
+        <p:spPr/>
+      </p:sp>
+      <p:sp>
+        <p:nvSpPr>
+          <p:cNvPr id="3" name="文本占位符 2"/>
+          <p:cNvSpPr/>
+          <p:nvPr>
+            <p:ph type="body" idx="3"/>
+          </p:nvPr>
+        </p:nvSpPr>
+        <p:spPr/>
+        <p:txBody>
+          <a:bodyPr/>
+          <a:p>
+            <a:r>
+              <a:rPr lang="zh-CN" altLang="en-US"/>
+              <a:t>经过几次调整</a:t>
+            </a:r>
+            <a:endParaRPr lang="zh-CN" altLang="en-US"/>
+          </a:p>
+          <a:p>
+            <a:endParaRPr lang="zh-CN" altLang="en-US"/>
+          </a:p>
+          <a:p>
+            <a:r>
+              <a:rPr lang="zh-CN" altLang="en-US"/>
+              <a:t>测试结果：</a:t>
+            </a:r>
+            <a:endParaRPr lang="zh-CN" altLang="en-US"/>
+          </a:p>
+          <a:p>
+            <a:endParaRPr lang="zh-CN" altLang="en-US"/>
+          </a:p>
+          <a:p>
+            <a:r>
+              <a:rPr lang="zh-CN" altLang="en-US"/>
+              <a:t>无报错，</a:t>
+            </a:r>
+            <a:r>
+              <a:rPr lang="en-US" altLang="zh-CN"/>
+              <a:t>sql</a:t>
+            </a:r>
+            <a:r>
+              <a:rPr lang="zh-CN" altLang="en-US"/>
+              <a:t>优化结果达到需求，缓存策略有效，可作为需进一步改善性能的部署方案</a:t>
+            </a:r>
+            <a:endParaRPr lang="zh-CN" altLang="en-US"/>
+          </a:p>
+          <a:p>
+            <a:endParaRPr lang="zh-CN" altLang="en-US"/>
+          </a:p>
+          <a:p>
+            <a:endParaRPr lang="zh-CN" altLang="en-US"/>
+          </a:p>
+          <a:p>
+            <a:endParaRPr lang="zh-CN" altLang="en-US"/>
+          </a:p>
+        </p:txBody>
+      </p:sp>
+    </p:spTree>
+  </p:cSld>
+  <p:clrMapOvr>
+    <a:masterClrMapping/>
+  </p:clrMapOvr>
+</p:notes>
+</file>
+
+<file path=ppt/notesSlides/notesSlide9.xml><?xml version="1.0" encoding="utf-8"?>
+<p:notes xmlns:a="http://schemas.openxmlformats.org/drawingml/2006/main" xmlns:r="http://schemas.openxmlformats.org/officeDocument/2006/relationships" xmlns:p="http://schemas.openxmlformats.org/presentationml/2006/main">
+  <p:cSld>
+    <p:spTree>
+      <p:nvGrpSpPr>
+        <p:cNvPr id="1" name=""/>
+        <p:cNvGrpSpPr/>
+        <p:nvPr/>
+      </p:nvGrpSpPr>
+      <p:grpSpPr/>
+      <p:sp>
+        <p:nvSpPr>
+          <p:cNvPr id="2" name="幻灯片图像占位符 1"/>
+          <p:cNvSpPr/>
+          <p:nvPr>
+            <p:ph type="sldImg" idx="2"/>
+          </p:nvPr>
+        </p:nvSpPr>
+        <p:spPr/>
+      </p:sp>
+      <p:sp>
+        <p:nvSpPr>
+          <p:cNvPr id="3" name="文本占位符 2"/>
+          <p:cNvSpPr/>
+          <p:nvPr>
+            <p:ph type="body" idx="3"/>
+          </p:nvPr>
+        </p:nvSpPr>
+        <p:spPr/>
+        <p:txBody>
+          <a:bodyPr/>
+          <a:p>
+            <a:r>
+              <a:rPr lang="zh-CN" altLang="en-US"/>
+              <a:t>为什么说是性能无问题？</a:t>
+            </a:r>
+            <a:endParaRPr lang="zh-CN" altLang="en-US"/>
+          </a:p>
+          <a:p>
+            <a:endParaRPr lang="zh-CN" altLang="en-US"/>
+          </a:p>
+          <a:p>
+            <a:r>
+              <a:rPr lang="zh-CN" altLang="en-US"/>
+              <a:t>压测结果以</a:t>
+            </a:r>
+            <a:r>
+              <a:rPr lang="en-US" altLang="zh-CN"/>
+              <a:t> cpu</a:t>
+            </a:r>
+            <a:r>
+              <a:rPr lang="zh-CN" altLang="en-US"/>
+              <a:t>使用率</a:t>
+            </a:r>
+            <a:r>
+              <a:rPr lang="en-US" altLang="zh-CN"/>
+              <a:t>85%~90</a:t>
+            </a:r>
+            <a:r>
+              <a:rPr lang="zh-CN" altLang="en-US"/>
+              <a:t>分位时的表现为准比较合适。</a:t>
+            </a:r>
+            <a:endParaRPr lang="zh-CN" altLang="en-US"/>
+          </a:p>
+          <a:p>
+            <a:endParaRPr lang="zh-CN" altLang="en-US"/>
+          </a:p>
+          <a:p>
+            <a:r>
+              <a:rPr lang="zh-CN" altLang="en-US"/>
+              <a:t>目前</a:t>
+            </a:r>
+            <a:r>
+              <a:rPr lang="en-US" altLang="zh-CN"/>
+              <a:t>qps</a:t>
+            </a:r>
+            <a:r>
+              <a:rPr lang="zh-CN" altLang="en-US"/>
+              <a:t>上限还无法开放，目前仅能用来验证功能、逻辑无误。</a:t>
+            </a:r>
+            <a:endParaRPr lang="zh-CN" altLang="en-US"/>
+          </a:p>
+          <a:p>
+            <a:endParaRPr lang="zh-CN" altLang="en-US"/>
+          </a:p>
+          <a:p>
+            <a:r>
+              <a:rPr lang="zh-CN" altLang="en-US"/>
+              <a:t>并不能说性能就一定没问题了</a:t>
+            </a:r>
+            <a:endParaRPr lang="zh-CN" altLang="en-US"/>
+          </a:p>
+          <a:p>
+            <a:endParaRPr lang="zh-CN" altLang="en-US"/>
+          </a:p>
+          <a:p>
+            <a:r>
+              <a:rPr lang="zh-CN" altLang="en-US"/>
+              <a:t>因为</a:t>
+            </a:r>
+            <a:r>
+              <a:rPr lang="en-US" altLang="zh-CN"/>
+              <a:t>cpu</a:t>
+            </a:r>
+            <a:r>
+              <a:rPr lang="zh-CN" altLang="en-US"/>
+              <a:t>使用率上去以后的性能表现是未知的</a:t>
+            </a:r>
+            <a:endParaRPr lang="zh-CN" altLang="en-US"/>
+          </a:p>
+          <a:p>
+            <a:endParaRPr lang="zh-CN" altLang="en-US"/>
+          </a:p>
+          <a:p>
+            <a:r>
+              <a:rPr lang="zh-CN" altLang="en-US"/>
+              <a:t>需要开上限后验证</a:t>
+            </a:r>
+            <a:endParaRPr lang="zh-CN" altLang="en-US"/>
+          </a:p>
+          <a:p>
+            <a:endParaRPr lang="zh-CN" altLang="en-US"/>
+          </a:p>
+          <a:p>
+            <a:endParaRPr lang="zh-CN" altLang="en-US"/>
+          </a:p>
+          <a:p>
+            <a:endParaRPr lang="zh-CN" altLang="en-US"/>
+          </a:p>
+        </p:txBody>
+      </p:sp>
+    </p:spTree>
   </p:cSld>
   <p:clrMapOvr>
     <a:masterClrMapping/>
@@ -3781,13 +4810,7 @@
       </p:grpSpPr>
       <p:sp>
         <p:nvSpPr>
-          <p:cNvPr id="2" name="标题 1">
-            <a:extLst>
-              <a:ext uri="{FF2B5EF4-FFF2-40B4-BE49-F238E27FC236}">
-                <a16:creationId xmlns:a16="http://schemas.microsoft.com/office/drawing/2014/main" id="{E96A537A-6C6D-1947-8EFE-657B734F19CC}"/>
-              </a:ext>
-            </a:extLst>
-          </p:cNvPr>
+          <p:cNvPr id="2" name="标题 1"/>
           <p:cNvSpPr>
             <a:spLocks noGrp="1"/>
           </p:cNvSpPr>
@@ -3813,18 +4836,13 @@
               <a:rPr kumimoji="1" lang="zh-CN" altLang="en-US"/>
               <a:t>单击此处编辑母版标题样式</a:t>
             </a:r>
-          </a:p>
-        </p:txBody>
-      </p:sp>
-      <p:sp>
-        <p:nvSpPr>
-          <p:cNvPr id="3" name="副标题 2">
-            <a:extLst>
-              <a:ext uri="{FF2B5EF4-FFF2-40B4-BE49-F238E27FC236}">
-                <a16:creationId xmlns:a16="http://schemas.microsoft.com/office/drawing/2014/main" id="{FB318E28-110A-974F-8828-40672FDAE52B}"/>
-              </a:ext>
-            </a:extLst>
-          </p:cNvPr>
+            <a:endParaRPr kumimoji="1" lang="zh-CN" altLang="en-US"/>
+          </a:p>
+        </p:txBody>
+      </p:sp>
+      <p:sp>
+        <p:nvSpPr>
+          <p:cNvPr id="3" name="副标题 2"/>
           <p:cNvSpPr>
             <a:spLocks noGrp="1"/>
           </p:cNvSpPr>
@@ -3883,18 +4901,13 @@
               <a:rPr kumimoji="1" lang="zh-CN" altLang="en-US"/>
               <a:t>单击此处编辑母版副标题样式</a:t>
             </a:r>
-          </a:p>
-        </p:txBody>
-      </p:sp>
-      <p:sp>
-        <p:nvSpPr>
-          <p:cNvPr id="4" name="日期占位符 3">
-            <a:extLst>
-              <a:ext uri="{FF2B5EF4-FFF2-40B4-BE49-F238E27FC236}">
-                <a16:creationId xmlns:a16="http://schemas.microsoft.com/office/drawing/2014/main" id="{32B03CFD-88AE-AB4B-A159-6216206E89A5}"/>
-              </a:ext>
-            </a:extLst>
-          </p:cNvPr>
+            <a:endParaRPr kumimoji="1" lang="zh-CN" altLang="en-US"/>
+          </a:p>
+        </p:txBody>
+      </p:sp>
+      <p:sp>
+        <p:nvSpPr>
+          <p:cNvPr id="4" name="日期占位符 3"/>
           <p:cNvSpPr>
             <a:spLocks noGrp="1"/>
           </p:cNvSpPr>
@@ -3909,7 +4922,6 @@
           <a:p>
             <a:fld id="{C199C2B9-325A-9B4F-9553-DD502A202BFE}" type="datetimeFigureOut">
               <a:rPr kumimoji="1" lang="zh-CN" altLang="en-US" smtClean="0"/>
-              <a:t>2021/8/10</a:t>
             </a:fld>
             <a:endParaRPr kumimoji="1" lang="zh-CN" altLang="en-US"/>
           </a:p>
@@ -3917,13 +4929,7 @@
       </p:sp>
       <p:sp>
         <p:nvSpPr>
-          <p:cNvPr id="5" name="页脚占位符 4">
-            <a:extLst>
-              <a:ext uri="{FF2B5EF4-FFF2-40B4-BE49-F238E27FC236}">
-                <a16:creationId xmlns:a16="http://schemas.microsoft.com/office/drawing/2014/main" id="{2CA2254E-67A0-584F-A236-D1E1FE1E2EAD}"/>
-              </a:ext>
-            </a:extLst>
-          </p:cNvPr>
+          <p:cNvPr id="5" name="页脚占位符 4"/>
           <p:cNvSpPr>
             <a:spLocks noGrp="1"/>
           </p:cNvSpPr>
@@ -3942,13 +4948,7 @@
       </p:sp>
       <p:sp>
         <p:nvSpPr>
-          <p:cNvPr id="6" name="灯片编号占位符 5">
-            <a:extLst>
-              <a:ext uri="{FF2B5EF4-FFF2-40B4-BE49-F238E27FC236}">
-                <a16:creationId xmlns:a16="http://schemas.microsoft.com/office/drawing/2014/main" id="{84BF9D77-44D8-C945-9B12-21A8F98CBACD}"/>
-              </a:ext>
-            </a:extLst>
-          </p:cNvPr>
+          <p:cNvPr id="6" name="灯片编号占位符 5"/>
           <p:cNvSpPr>
             <a:spLocks noGrp="1"/>
           </p:cNvSpPr>
@@ -3963,18 +4963,12 @@
           <a:p>
             <a:fld id="{FF5D7191-1194-594D-8513-00080DD735E9}" type="slidenum">
               <a:rPr kumimoji="1" lang="zh-CN" altLang="en-US" smtClean="0"/>
-              <a:t>‹#›</a:t>
             </a:fld>
             <a:endParaRPr kumimoji="1" lang="zh-CN" altLang="en-US"/>
           </a:p>
         </p:txBody>
       </p:sp>
     </p:spTree>
-    <p:extLst>
-      <p:ext uri="{BB962C8B-B14F-4D97-AF65-F5344CB8AC3E}">
-        <p14:creationId xmlns:p14="http://schemas.microsoft.com/office/powerpoint/2010/main" val="215530877"/>
-      </p:ext>
-    </p:extLst>
   </p:cSld>
   <p:clrMapOvr>
     <a:masterClrMapping/>
@@ -4001,13 +4995,7 @@
       </p:grpSpPr>
       <p:sp>
         <p:nvSpPr>
-          <p:cNvPr id="2" name="标题 1">
-            <a:extLst>
-              <a:ext uri="{FF2B5EF4-FFF2-40B4-BE49-F238E27FC236}">
-                <a16:creationId xmlns:a16="http://schemas.microsoft.com/office/drawing/2014/main" id="{F3562829-49F8-E84B-BD6D-341476D1B885}"/>
-              </a:ext>
-            </a:extLst>
-          </p:cNvPr>
+          <p:cNvPr id="2" name="标题 1"/>
           <p:cNvSpPr>
             <a:spLocks noGrp="1"/>
           </p:cNvSpPr>
@@ -4024,18 +5012,13 @@
               <a:rPr kumimoji="1" lang="zh-CN" altLang="en-US"/>
               <a:t>单击此处编辑母版标题样式</a:t>
             </a:r>
-          </a:p>
-        </p:txBody>
-      </p:sp>
-      <p:sp>
-        <p:nvSpPr>
-          <p:cNvPr id="3" name="竖排文字占位符 2">
-            <a:extLst>
-              <a:ext uri="{FF2B5EF4-FFF2-40B4-BE49-F238E27FC236}">
-                <a16:creationId xmlns:a16="http://schemas.microsoft.com/office/drawing/2014/main" id="{7D40682A-3E67-E849-9502-25F25394F728}"/>
-              </a:ext>
-            </a:extLst>
-          </p:cNvPr>
+            <a:endParaRPr kumimoji="1" lang="zh-CN" altLang="en-US"/>
+          </a:p>
+        </p:txBody>
+      </p:sp>
+      <p:sp>
+        <p:nvSpPr>
+          <p:cNvPr id="3" name="竖排文字占位符 2"/>
           <p:cNvSpPr>
             <a:spLocks noGrp="1"/>
           </p:cNvSpPr>
@@ -4053,6 +5036,7 @@
               <a:rPr kumimoji="1" lang="zh-CN" altLang="en-US"/>
               <a:t>单击此处编辑母版文本样式</a:t>
             </a:r>
+            <a:endParaRPr kumimoji="1" lang="zh-CN" altLang="en-US"/>
           </a:p>
           <a:p>
             <a:pPr lvl="1"/>
@@ -4060,6 +5044,7 @@
               <a:rPr kumimoji="1" lang="zh-CN" altLang="en-US"/>
               <a:t>二级</a:t>
             </a:r>
+            <a:endParaRPr kumimoji="1" lang="zh-CN" altLang="en-US"/>
           </a:p>
           <a:p>
             <a:pPr lvl="2"/>
@@ -4067,6 +5052,7 @@
               <a:rPr kumimoji="1" lang="zh-CN" altLang="en-US"/>
               <a:t>三级</a:t>
             </a:r>
+            <a:endParaRPr kumimoji="1" lang="zh-CN" altLang="en-US"/>
           </a:p>
           <a:p>
             <a:pPr lvl="3"/>
@@ -4074,6 +5060,7 @@
               <a:rPr kumimoji="1" lang="zh-CN" altLang="en-US"/>
               <a:t>四级</a:t>
             </a:r>
+            <a:endParaRPr kumimoji="1" lang="zh-CN" altLang="en-US"/>
           </a:p>
           <a:p>
             <a:pPr lvl="4"/>
@@ -4081,18 +5068,13 @@
               <a:rPr kumimoji="1" lang="zh-CN" altLang="en-US"/>
               <a:t>五级</a:t>
             </a:r>
-          </a:p>
-        </p:txBody>
-      </p:sp>
-      <p:sp>
-        <p:nvSpPr>
-          <p:cNvPr id="4" name="日期占位符 3">
-            <a:extLst>
-              <a:ext uri="{FF2B5EF4-FFF2-40B4-BE49-F238E27FC236}">
-                <a16:creationId xmlns:a16="http://schemas.microsoft.com/office/drawing/2014/main" id="{8D4E1858-AB15-A04E-B0C3-17E44AC6E56D}"/>
-              </a:ext>
-            </a:extLst>
-          </p:cNvPr>
+            <a:endParaRPr kumimoji="1" lang="zh-CN" altLang="en-US"/>
+          </a:p>
+        </p:txBody>
+      </p:sp>
+      <p:sp>
+        <p:nvSpPr>
+          <p:cNvPr id="4" name="日期占位符 3"/>
           <p:cNvSpPr>
             <a:spLocks noGrp="1"/>
           </p:cNvSpPr>
@@ -4107,7 +5089,6 @@
           <a:p>
             <a:fld id="{C199C2B9-325A-9B4F-9553-DD502A202BFE}" type="datetimeFigureOut">
               <a:rPr kumimoji="1" lang="zh-CN" altLang="en-US" smtClean="0"/>
-              <a:t>2021/8/10</a:t>
             </a:fld>
             <a:endParaRPr kumimoji="1" lang="zh-CN" altLang="en-US"/>
           </a:p>
@@ -4115,13 +5096,7 @@
       </p:sp>
       <p:sp>
         <p:nvSpPr>
-          <p:cNvPr id="5" name="页脚占位符 4">
-            <a:extLst>
-              <a:ext uri="{FF2B5EF4-FFF2-40B4-BE49-F238E27FC236}">
-                <a16:creationId xmlns:a16="http://schemas.microsoft.com/office/drawing/2014/main" id="{E4E9B8D2-5D3C-3643-A25D-FD167D995960}"/>
-              </a:ext>
-            </a:extLst>
-          </p:cNvPr>
+          <p:cNvPr id="5" name="页脚占位符 4"/>
           <p:cNvSpPr>
             <a:spLocks noGrp="1"/>
           </p:cNvSpPr>
@@ -4140,13 +5115,7 @@
       </p:sp>
       <p:sp>
         <p:nvSpPr>
-          <p:cNvPr id="6" name="灯片编号占位符 5">
-            <a:extLst>
-              <a:ext uri="{FF2B5EF4-FFF2-40B4-BE49-F238E27FC236}">
-                <a16:creationId xmlns:a16="http://schemas.microsoft.com/office/drawing/2014/main" id="{58320909-F40B-2849-AACE-FF7DF588B87C}"/>
-              </a:ext>
-            </a:extLst>
-          </p:cNvPr>
+          <p:cNvPr id="6" name="灯片编号占位符 5"/>
           <p:cNvSpPr>
             <a:spLocks noGrp="1"/>
           </p:cNvSpPr>
@@ -4161,18 +5130,12 @@
           <a:p>
             <a:fld id="{FF5D7191-1194-594D-8513-00080DD735E9}" type="slidenum">
               <a:rPr kumimoji="1" lang="zh-CN" altLang="en-US" smtClean="0"/>
-              <a:t>‹#›</a:t>
             </a:fld>
             <a:endParaRPr kumimoji="1" lang="zh-CN" altLang="en-US"/>
           </a:p>
         </p:txBody>
       </p:sp>
     </p:spTree>
-    <p:extLst>
-      <p:ext uri="{BB962C8B-B14F-4D97-AF65-F5344CB8AC3E}">
-        <p14:creationId xmlns:p14="http://schemas.microsoft.com/office/powerpoint/2010/main" val="979803319"/>
-      </p:ext>
-    </p:extLst>
   </p:cSld>
   <p:clrMapOvr>
     <a:masterClrMapping/>
@@ -4199,13 +5162,7 @@
       </p:grpSpPr>
       <p:sp>
         <p:nvSpPr>
-          <p:cNvPr id="2" name="竖排标题 1">
-            <a:extLst>
-              <a:ext uri="{FF2B5EF4-FFF2-40B4-BE49-F238E27FC236}">
-                <a16:creationId xmlns:a16="http://schemas.microsoft.com/office/drawing/2014/main" id="{58E7E74D-5B8C-7A49-89B9-4C0D5881E6C2}"/>
-              </a:ext>
-            </a:extLst>
-          </p:cNvPr>
+          <p:cNvPr id="2" name="竖排标题 1"/>
           <p:cNvSpPr>
             <a:spLocks noGrp="1"/>
           </p:cNvSpPr>
@@ -4227,18 +5184,13 @@
               <a:rPr kumimoji="1" lang="zh-CN" altLang="en-US"/>
               <a:t>单击此处编辑母版标题样式</a:t>
             </a:r>
-          </a:p>
-        </p:txBody>
-      </p:sp>
-      <p:sp>
-        <p:nvSpPr>
-          <p:cNvPr id="3" name="竖排文字占位符 2">
-            <a:extLst>
-              <a:ext uri="{FF2B5EF4-FFF2-40B4-BE49-F238E27FC236}">
-                <a16:creationId xmlns:a16="http://schemas.microsoft.com/office/drawing/2014/main" id="{FBAA103C-1CFA-0444-87B4-75D6970CDD85}"/>
-              </a:ext>
-            </a:extLst>
-          </p:cNvPr>
+            <a:endParaRPr kumimoji="1" lang="zh-CN" altLang="en-US"/>
+          </a:p>
+        </p:txBody>
+      </p:sp>
+      <p:sp>
+        <p:nvSpPr>
+          <p:cNvPr id="3" name="竖排文字占位符 2"/>
           <p:cNvSpPr>
             <a:spLocks noGrp="1"/>
           </p:cNvSpPr>
@@ -4261,6 +5213,7 @@
               <a:rPr kumimoji="1" lang="zh-CN" altLang="en-US"/>
               <a:t>单击此处编辑母版文本样式</a:t>
             </a:r>
+            <a:endParaRPr kumimoji="1" lang="zh-CN" altLang="en-US"/>
           </a:p>
           <a:p>
             <a:pPr lvl="1"/>
@@ -4268,6 +5221,7 @@
               <a:rPr kumimoji="1" lang="zh-CN" altLang="en-US"/>
               <a:t>二级</a:t>
             </a:r>
+            <a:endParaRPr kumimoji="1" lang="zh-CN" altLang="en-US"/>
           </a:p>
           <a:p>
             <a:pPr lvl="2"/>
@@ -4275,6 +5229,7 @@
               <a:rPr kumimoji="1" lang="zh-CN" altLang="en-US"/>
               <a:t>三级</a:t>
             </a:r>
+            <a:endParaRPr kumimoji="1" lang="zh-CN" altLang="en-US"/>
           </a:p>
           <a:p>
             <a:pPr lvl="3"/>
@@ -4282,6 +5237,7 @@
               <a:rPr kumimoji="1" lang="zh-CN" altLang="en-US"/>
               <a:t>四级</a:t>
             </a:r>
+            <a:endParaRPr kumimoji="1" lang="zh-CN" altLang="en-US"/>
           </a:p>
           <a:p>
             <a:pPr lvl="4"/>
@@ -4289,18 +5245,13 @@
               <a:rPr kumimoji="1" lang="zh-CN" altLang="en-US"/>
               <a:t>五级</a:t>
             </a:r>
-          </a:p>
-        </p:txBody>
-      </p:sp>
-      <p:sp>
-        <p:nvSpPr>
-          <p:cNvPr id="4" name="日期占位符 3">
-            <a:extLst>
-              <a:ext uri="{FF2B5EF4-FFF2-40B4-BE49-F238E27FC236}">
-                <a16:creationId xmlns:a16="http://schemas.microsoft.com/office/drawing/2014/main" id="{8751E1BB-5D03-3B44-8CAD-4842C1C906F4}"/>
-              </a:ext>
-            </a:extLst>
-          </p:cNvPr>
+            <a:endParaRPr kumimoji="1" lang="zh-CN" altLang="en-US"/>
+          </a:p>
+        </p:txBody>
+      </p:sp>
+      <p:sp>
+        <p:nvSpPr>
+          <p:cNvPr id="4" name="日期占位符 3"/>
           <p:cNvSpPr>
             <a:spLocks noGrp="1"/>
           </p:cNvSpPr>
@@ -4315,7 +5266,6 @@
           <a:p>
             <a:fld id="{C199C2B9-325A-9B4F-9553-DD502A202BFE}" type="datetimeFigureOut">
               <a:rPr kumimoji="1" lang="zh-CN" altLang="en-US" smtClean="0"/>
-              <a:t>2021/8/10</a:t>
             </a:fld>
             <a:endParaRPr kumimoji="1" lang="zh-CN" altLang="en-US"/>
           </a:p>
@@ -4323,13 +5273,7 @@
       </p:sp>
       <p:sp>
         <p:nvSpPr>
-          <p:cNvPr id="5" name="页脚占位符 4">
-            <a:extLst>
-              <a:ext uri="{FF2B5EF4-FFF2-40B4-BE49-F238E27FC236}">
-                <a16:creationId xmlns:a16="http://schemas.microsoft.com/office/drawing/2014/main" id="{38F66A0C-5CE2-424E-B4B3-7BB68D8E2308}"/>
-              </a:ext>
-            </a:extLst>
-          </p:cNvPr>
+          <p:cNvPr id="5" name="页脚占位符 4"/>
           <p:cNvSpPr>
             <a:spLocks noGrp="1"/>
           </p:cNvSpPr>
@@ -4348,13 +5292,7 @@
       </p:sp>
       <p:sp>
         <p:nvSpPr>
-          <p:cNvPr id="6" name="灯片编号占位符 5">
-            <a:extLst>
-              <a:ext uri="{FF2B5EF4-FFF2-40B4-BE49-F238E27FC236}">
-                <a16:creationId xmlns:a16="http://schemas.microsoft.com/office/drawing/2014/main" id="{B9FD4F93-FEB9-5046-8A0E-483432D5D01E}"/>
-              </a:ext>
-            </a:extLst>
-          </p:cNvPr>
+          <p:cNvPr id="6" name="灯片编号占位符 5"/>
           <p:cNvSpPr>
             <a:spLocks noGrp="1"/>
           </p:cNvSpPr>
@@ -4369,18 +5307,12 @@
           <a:p>
             <a:fld id="{FF5D7191-1194-594D-8513-00080DD735E9}" type="slidenum">
               <a:rPr kumimoji="1" lang="zh-CN" altLang="en-US" smtClean="0"/>
-              <a:t>‹#›</a:t>
             </a:fld>
             <a:endParaRPr kumimoji="1" lang="zh-CN" altLang="en-US"/>
           </a:p>
         </p:txBody>
       </p:sp>
     </p:spTree>
-    <p:extLst>
-      <p:ext uri="{BB962C8B-B14F-4D97-AF65-F5344CB8AC3E}">
-        <p14:creationId xmlns:p14="http://schemas.microsoft.com/office/powerpoint/2010/main" val="3118588717"/>
-      </p:ext>
-    </p:extLst>
   </p:cSld>
   <p:clrMapOvr>
     <a:masterClrMapping/>
@@ -4407,13 +5339,7 @@
       </p:grpSpPr>
       <p:sp>
         <p:nvSpPr>
-          <p:cNvPr id="2" name="标题 1">
-            <a:extLst>
-              <a:ext uri="{FF2B5EF4-FFF2-40B4-BE49-F238E27FC236}">
-                <a16:creationId xmlns:a16="http://schemas.microsoft.com/office/drawing/2014/main" id="{2517C449-2958-A34C-B253-2905B6625756}"/>
-              </a:ext>
-            </a:extLst>
-          </p:cNvPr>
+          <p:cNvPr id="2" name="标题 1"/>
           <p:cNvSpPr>
             <a:spLocks noGrp="1"/>
           </p:cNvSpPr>
@@ -4430,18 +5356,13 @@
               <a:rPr kumimoji="1" lang="zh-CN" altLang="en-US"/>
               <a:t>单击此处编辑母版标题样式</a:t>
             </a:r>
-          </a:p>
-        </p:txBody>
-      </p:sp>
-      <p:sp>
-        <p:nvSpPr>
-          <p:cNvPr id="3" name="内容占位符 2">
-            <a:extLst>
-              <a:ext uri="{FF2B5EF4-FFF2-40B4-BE49-F238E27FC236}">
-                <a16:creationId xmlns:a16="http://schemas.microsoft.com/office/drawing/2014/main" id="{AAADE63E-D8D6-F148-85E8-C297DA5689D4}"/>
-              </a:ext>
-            </a:extLst>
-          </p:cNvPr>
+            <a:endParaRPr kumimoji="1" lang="zh-CN" altLang="en-US"/>
+          </a:p>
+        </p:txBody>
+      </p:sp>
+      <p:sp>
+        <p:nvSpPr>
+          <p:cNvPr id="3" name="内容占位符 2"/>
           <p:cNvSpPr>
             <a:spLocks noGrp="1"/>
           </p:cNvSpPr>
@@ -4459,6 +5380,7 @@
               <a:rPr kumimoji="1" lang="zh-CN" altLang="en-US"/>
               <a:t>单击此处编辑母版文本样式</a:t>
             </a:r>
+            <a:endParaRPr kumimoji="1" lang="zh-CN" altLang="en-US"/>
           </a:p>
           <a:p>
             <a:pPr lvl="1"/>
@@ -4466,6 +5388,7 @@
               <a:rPr kumimoji="1" lang="zh-CN" altLang="en-US"/>
               <a:t>二级</a:t>
             </a:r>
+            <a:endParaRPr kumimoji="1" lang="zh-CN" altLang="en-US"/>
           </a:p>
           <a:p>
             <a:pPr lvl="2"/>
@@ -4473,6 +5396,7 @@
               <a:rPr kumimoji="1" lang="zh-CN" altLang="en-US"/>
               <a:t>三级</a:t>
             </a:r>
+            <a:endParaRPr kumimoji="1" lang="zh-CN" altLang="en-US"/>
           </a:p>
           <a:p>
             <a:pPr lvl="3"/>
@@ -4480,6 +5404,7 @@
               <a:rPr kumimoji="1" lang="zh-CN" altLang="en-US"/>
               <a:t>四级</a:t>
             </a:r>
+            <a:endParaRPr kumimoji="1" lang="zh-CN" altLang="en-US"/>
           </a:p>
           <a:p>
             <a:pPr lvl="4"/>
@@ -4487,18 +5412,13 @@
               <a:rPr kumimoji="1" lang="zh-CN" altLang="en-US"/>
               <a:t>五级</a:t>
             </a:r>
-          </a:p>
-        </p:txBody>
-      </p:sp>
-      <p:sp>
-        <p:nvSpPr>
-          <p:cNvPr id="4" name="日期占位符 3">
-            <a:extLst>
-              <a:ext uri="{FF2B5EF4-FFF2-40B4-BE49-F238E27FC236}">
-                <a16:creationId xmlns:a16="http://schemas.microsoft.com/office/drawing/2014/main" id="{6A5C7F6C-28AF-564D-973B-B0826A574A6B}"/>
-              </a:ext>
-            </a:extLst>
-          </p:cNvPr>
+            <a:endParaRPr kumimoji="1" lang="zh-CN" altLang="en-US"/>
+          </a:p>
+        </p:txBody>
+      </p:sp>
+      <p:sp>
+        <p:nvSpPr>
+          <p:cNvPr id="4" name="日期占位符 3"/>
           <p:cNvSpPr>
             <a:spLocks noGrp="1"/>
           </p:cNvSpPr>
@@ -4513,7 +5433,6 @@
           <a:p>
             <a:fld id="{C199C2B9-325A-9B4F-9553-DD502A202BFE}" type="datetimeFigureOut">
               <a:rPr kumimoji="1" lang="zh-CN" altLang="en-US" smtClean="0"/>
-              <a:t>2021/8/10</a:t>
             </a:fld>
             <a:endParaRPr kumimoji="1" lang="zh-CN" altLang="en-US"/>
           </a:p>
@@ -4521,13 +5440,7 @@
       </p:sp>
       <p:sp>
         <p:nvSpPr>
-          <p:cNvPr id="5" name="页脚占位符 4">
-            <a:extLst>
-              <a:ext uri="{FF2B5EF4-FFF2-40B4-BE49-F238E27FC236}">
-                <a16:creationId xmlns:a16="http://schemas.microsoft.com/office/drawing/2014/main" id="{67F8C094-8BC2-F640-9D0D-DE44CCD30340}"/>
-              </a:ext>
-            </a:extLst>
-          </p:cNvPr>
+          <p:cNvPr id="5" name="页脚占位符 4"/>
           <p:cNvSpPr>
             <a:spLocks noGrp="1"/>
           </p:cNvSpPr>
@@ -4546,13 +5459,7 @@
       </p:sp>
       <p:sp>
         <p:nvSpPr>
-          <p:cNvPr id="6" name="灯片编号占位符 5">
-            <a:extLst>
-              <a:ext uri="{FF2B5EF4-FFF2-40B4-BE49-F238E27FC236}">
-                <a16:creationId xmlns:a16="http://schemas.microsoft.com/office/drawing/2014/main" id="{B6757354-4A68-274D-9B33-3CDEB3315870}"/>
-              </a:ext>
-            </a:extLst>
-          </p:cNvPr>
+          <p:cNvPr id="6" name="灯片编号占位符 5"/>
           <p:cNvSpPr>
             <a:spLocks noGrp="1"/>
           </p:cNvSpPr>
@@ -4567,18 +5474,12 @@
           <a:p>
             <a:fld id="{FF5D7191-1194-594D-8513-00080DD735E9}" type="slidenum">
               <a:rPr kumimoji="1" lang="zh-CN" altLang="en-US" smtClean="0"/>
-              <a:t>‹#›</a:t>
             </a:fld>
             <a:endParaRPr kumimoji="1" lang="zh-CN" altLang="en-US"/>
           </a:p>
         </p:txBody>
       </p:sp>
     </p:spTree>
-    <p:extLst>
-      <p:ext uri="{BB962C8B-B14F-4D97-AF65-F5344CB8AC3E}">
-        <p14:creationId xmlns:p14="http://schemas.microsoft.com/office/powerpoint/2010/main" val="1247430454"/>
-      </p:ext>
-    </p:extLst>
   </p:cSld>
   <p:clrMapOvr>
     <a:masterClrMapping/>
@@ -4605,13 +5506,7 @@
       </p:grpSpPr>
       <p:sp>
         <p:nvSpPr>
-          <p:cNvPr id="2" name="标题 1">
-            <a:extLst>
-              <a:ext uri="{FF2B5EF4-FFF2-40B4-BE49-F238E27FC236}">
-                <a16:creationId xmlns:a16="http://schemas.microsoft.com/office/drawing/2014/main" id="{110D47C1-B2F4-B447-8E8D-2B7A0F53364E}"/>
-              </a:ext>
-            </a:extLst>
-          </p:cNvPr>
+          <p:cNvPr id="2" name="标题 1"/>
           <p:cNvSpPr>
             <a:spLocks noGrp="1"/>
           </p:cNvSpPr>
@@ -4637,18 +5532,13 @@
               <a:rPr kumimoji="1" lang="zh-CN" altLang="en-US"/>
               <a:t>单击此处编辑母版标题样式</a:t>
             </a:r>
-          </a:p>
-        </p:txBody>
-      </p:sp>
-      <p:sp>
-        <p:nvSpPr>
-          <p:cNvPr id="3" name="文本占位符 2">
-            <a:extLst>
-              <a:ext uri="{FF2B5EF4-FFF2-40B4-BE49-F238E27FC236}">
-                <a16:creationId xmlns:a16="http://schemas.microsoft.com/office/drawing/2014/main" id="{393F89A6-EAED-4748-97C9-51E33B6D1BB4}"/>
-              </a:ext>
-            </a:extLst>
-          </p:cNvPr>
+            <a:endParaRPr kumimoji="1" lang="zh-CN" altLang="en-US"/>
+          </a:p>
+        </p:txBody>
+      </p:sp>
+      <p:sp>
+        <p:nvSpPr>
+          <p:cNvPr id="3" name="文本占位符 2"/>
           <p:cNvSpPr>
             <a:spLocks noGrp="1"/>
           </p:cNvSpPr>
@@ -4762,18 +5652,13 @@
               <a:rPr kumimoji="1" lang="zh-CN" altLang="en-US"/>
               <a:t>单击此处编辑母版文本样式</a:t>
             </a:r>
-          </a:p>
-        </p:txBody>
-      </p:sp>
-      <p:sp>
-        <p:nvSpPr>
-          <p:cNvPr id="4" name="日期占位符 3">
-            <a:extLst>
-              <a:ext uri="{FF2B5EF4-FFF2-40B4-BE49-F238E27FC236}">
-                <a16:creationId xmlns:a16="http://schemas.microsoft.com/office/drawing/2014/main" id="{75EBDEDA-E442-0F42-AE55-C5493FF3C216}"/>
-              </a:ext>
-            </a:extLst>
-          </p:cNvPr>
+            <a:endParaRPr kumimoji="1" lang="zh-CN" altLang="en-US"/>
+          </a:p>
+        </p:txBody>
+      </p:sp>
+      <p:sp>
+        <p:nvSpPr>
+          <p:cNvPr id="4" name="日期占位符 3"/>
           <p:cNvSpPr>
             <a:spLocks noGrp="1"/>
           </p:cNvSpPr>
@@ -4788,7 +5673,6 @@
           <a:p>
             <a:fld id="{C199C2B9-325A-9B4F-9553-DD502A202BFE}" type="datetimeFigureOut">
               <a:rPr kumimoji="1" lang="zh-CN" altLang="en-US" smtClean="0"/>
-              <a:t>2021/8/10</a:t>
             </a:fld>
             <a:endParaRPr kumimoji="1" lang="zh-CN" altLang="en-US"/>
           </a:p>
@@ -4796,13 +5680,7 @@
       </p:sp>
       <p:sp>
         <p:nvSpPr>
-          <p:cNvPr id="5" name="页脚占位符 4">
-            <a:extLst>
-              <a:ext uri="{FF2B5EF4-FFF2-40B4-BE49-F238E27FC236}">
-                <a16:creationId xmlns:a16="http://schemas.microsoft.com/office/drawing/2014/main" id="{F06F12DC-C2D7-0A4D-AEA9-42ACA21DF585}"/>
-              </a:ext>
-            </a:extLst>
-          </p:cNvPr>
+          <p:cNvPr id="5" name="页脚占位符 4"/>
           <p:cNvSpPr>
             <a:spLocks noGrp="1"/>
           </p:cNvSpPr>
@@ -4821,13 +5699,7 @@
       </p:sp>
       <p:sp>
         <p:nvSpPr>
-          <p:cNvPr id="6" name="灯片编号占位符 5">
-            <a:extLst>
-              <a:ext uri="{FF2B5EF4-FFF2-40B4-BE49-F238E27FC236}">
-                <a16:creationId xmlns:a16="http://schemas.microsoft.com/office/drawing/2014/main" id="{1603EA2B-5FA5-1945-AD26-C153B5BED4A8}"/>
-              </a:ext>
-            </a:extLst>
-          </p:cNvPr>
+          <p:cNvPr id="6" name="灯片编号占位符 5"/>
           <p:cNvSpPr>
             <a:spLocks noGrp="1"/>
           </p:cNvSpPr>
@@ -4842,18 +5714,12 @@
           <a:p>
             <a:fld id="{FF5D7191-1194-594D-8513-00080DD735E9}" type="slidenum">
               <a:rPr kumimoji="1" lang="zh-CN" altLang="en-US" smtClean="0"/>
-              <a:t>‹#›</a:t>
             </a:fld>
             <a:endParaRPr kumimoji="1" lang="zh-CN" altLang="en-US"/>
           </a:p>
         </p:txBody>
       </p:sp>
     </p:spTree>
-    <p:extLst>
-      <p:ext uri="{BB962C8B-B14F-4D97-AF65-F5344CB8AC3E}">
-        <p14:creationId xmlns:p14="http://schemas.microsoft.com/office/powerpoint/2010/main" val="3854178185"/>
-      </p:ext>
-    </p:extLst>
   </p:cSld>
   <p:clrMapOvr>
     <a:masterClrMapping/>
@@ -4880,13 +5746,7 @@
       </p:grpSpPr>
       <p:sp>
         <p:nvSpPr>
-          <p:cNvPr id="2" name="标题 1">
-            <a:extLst>
-              <a:ext uri="{FF2B5EF4-FFF2-40B4-BE49-F238E27FC236}">
-                <a16:creationId xmlns:a16="http://schemas.microsoft.com/office/drawing/2014/main" id="{975B6067-8CE1-3645-AAEF-AE7C726FEF98}"/>
-              </a:ext>
-            </a:extLst>
-          </p:cNvPr>
+          <p:cNvPr id="2" name="标题 1"/>
           <p:cNvSpPr>
             <a:spLocks noGrp="1"/>
           </p:cNvSpPr>
@@ -4903,18 +5763,13 @@
               <a:rPr kumimoji="1" lang="zh-CN" altLang="en-US"/>
               <a:t>单击此处编辑母版标题样式</a:t>
             </a:r>
-          </a:p>
-        </p:txBody>
-      </p:sp>
-      <p:sp>
-        <p:nvSpPr>
-          <p:cNvPr id="3" name="内容占位符 2">
-            <a:extLst>
-              <a:ext uri="{FF2B5EF4-FFF2-40B4-BE49-F238E27FC236}">
-                <a16:creationId xmlns:a16="http://schemas.microsoft.com/office/drawing/2014/main" id="{06A31309-B830-844B-8119-1B7A986659A0}"/>
-              </a:ext>
-            </a:extLst>
-          </p:cNvPr>
+            <a:endParaRPr kumimoji="1" lang="zh-CN" altLang="en-US"/>
+          </a:p>
+        </p:txBody>
+      </p:sp>
+      <p:sp>
+        <p:nvSpPr>
+          <p:cNvPr id="3" name="内容占位符 2"/>
           <p:cNvSpPr>
             <a:spLocks noGrp="1"/>
           </p:cNvSpPr>
@@ -4937,6 +5792,7 @@
               <a:rPr kumimoji="1" lang="zh-CN" altLang="en-US"/>
               <a:t>单击此处编辑母版文本样式</a:t>
             </a:r>
+            <a:endParaRPr kumimoji="1" lang="zh-CN" altLang="en-US"/>
           </a:p>
           <a:p>
             <a:pPr lvl="1"/>
@@ -4944,6 +5800,7 @@
               <a:rPr kumimoji="1" lang="zh-CN" altLang="en-US"/>
               <a:t>二级</a:t>
             </a:r>
+            <a:endParaRPr kumimoji="1" lang="zh-CN" altLang="en-US"/>
           </a:p>
           <a:p>
             <a:pPr lvl="2"/>
@@ -4951,6 +5808,7 @@
               <a:rPr kumimoji="1" lang="zh-CN" altLang="en-US"/>
               <a:t>三级</a:t>
             </a:r>
+            <a:endParaRPr kumimoji="1" lang="zh-CN" altLang="en-US"/>
           </a:p>
           <a:p>
             <a:pPr lvl="3"/>
@@ -4958,6 +5816,7 @@
               <a:rPr kumimoji="1" lang="zh-CN" altLang="en-US"/>
               <a:t>四级</a:t>
             </a:r>
+            <a:endParaRPr kumimoji="1" lang="zh-CN" altLang="en-US"/>
           </a:p>
           <a:p>
             <a:pPr lvl="4"/>
@@ -4965,18 +5824,13 @@
               <a:rPr kumimoji="1" lang="zh-CN" altLang="en-US"/>
               <a:t>五级</a:t>
             </a:r>
-          </a:p>
-        </p:txBody>
-      </p:sp>
-      <p:sp>
-        <p:nvSpPr>
-          <p:cNvPr id="4" name="内容占位符 3">
-            <a:extLst>
-              <a:ext uri="{FF2B5EF4-FFF2-40B4-BE49-F238E27FC236}">
-                <a16:creationId xmlns:a16="http://schemas.microsoft.com/office/drawing/2014/main" id="{4C64F33A-4BBC-4942-859B-8400E991A33D}"/>
-              </a:ext>
-            </a:extLst>
-          </p:cNvPr>
+            <a:endParaRPr kumimoji="1" lang="zh-CN" altLang="en-US"/>
+          </a:p>
+        </p:txBody>
+      </p:sp>
+      <p:sp>
+        <p:nvSpPr>
+          <p:cNvPr id="4" name="内容占位符 3"/>
           <p:cNvSpPr>
             <a:spLocks noGrp="1"/>
           </p:cNvSpPr>
@@ -4999,6 +5853,7 @@
               <a:rPr kumimoji="1" lang="zh-CN" altLang="en-US"/>
               <a:t>单击此处编辑母版文本样式</a:t>
             </a:r>
+            <a:endParaRPr kumimoji="1" lang="zh-CN" altLang="en-US"/>
           </a:p>
           <a:p>
             <a:pPr lvl="1"/>
@@ -5006,6 +5861,7 @@
               <a:rPr kumimoji="1" lang="zh-CN" altLang="en-US"/>
               <a:t>二级</a:t>
             </a:r>
+            <a:endParaRPr kumimoji="1" lang="zh-CN" altLang="en-US"/>
           </a:p>
           <a:p>
             <a:pPr lvl="2"/>
@@ -5013,6 +5869,7 @@
               <a:rPr kumimoji="1" lang="zh-CN" altLang="en-US"/>
               <a:t>三级</a:t>
             </a:r>
+            <a:endParaRPr kumimoji="1" lang="zh-CN" altLang="en-US"/>
           </a:p>
           <a:p>
             <a:pPr lvl="3"/>
@@ -5020,6 +5877,7 @@
               <a:rPr kumimoji="1" lang="zh-CN" altLang="en-US"/>
               <a:t>四级</a:t>
             </a:r>
+            <a:endParaRPr kumimoji="1" lang="zh-CN" altLang="en-US"/>
           </a:p>
           <a:p>
             <a:pPr lvl="4"/>
@@ -5027,18 +5885,13 @@
               <a:rPr kumimoji="1" lang="zh-CN" altLang="en-US"/>
               <a:t>五级</a:t>
             </a:r>
-          </a:p>
-        </p:txBody>
-      </p:sp>
-      <p:sp>
-        <p:nvSpPr>
-          <p:cNvPr id="5" name="日期占位符 4">
-            <a:extLst>
-              <a:ext uri="{FF2B5EF4-FFF2-40B4-BE49-F238E27FC236}">
-                <a16:creationId xmlns:a16="http://schemas.microsoft.com/office/drawing/2014/main" id="{4E878451-BF64-6F48-B33D-788170F80EC9}"/>
-              </a:ext>
-            </a:extLst>
-          </p:cNvPr>
+            <a:endParaRPr kumimoji="1" lang="zh-CN" altLang="en-US"/>
+          </a:p>
+        </p:txBody>
+      </p:sp>
+      <p:sp>
+        <p:nvSpPr>
+          <p:cNvPr id="5" name="日期占位符 4"/>
           <p:cNvSpPr>
             <a:spLocks noGrp="1"/>
           </p:cNvSpPr>
@@ -5053,7 +5906,6 @@
           <a:p>
             <a:fld id="{C199C2B9-325A-9B4F-9553-DD502A202BFE}" type="datetimeFigureOut">
               <a:rPr kumimoji="1" lang="zh-CN" altLang="en-US" smtClean="0"/>
-              <a:t>2021/8/10</a:t>
             </a:fld>
             <a:endParaRPr kumimoji="1" lang="zh-CN" altLang="en-US"/>
           </a:p>
@@ -5061,13 +5913,7 @@
       </p:sp>
       <p:sp>
         <p:nvSpPr>
-          <p:cNvPr id="6" name="页脚占位符 5">
-            <a:extLst>
-              <a:ext uri="{FF2B5EF4-FFF2-40B4-BE49-F238E27FC236}">
-                <a16:creationId xmlns:a16="http://schemas.microsoft.com/office/drawing/2014/main" id="{F820D605-C8DB-8C47-B6B7-E5BC55455EBE}"/>
-              </a:ext>
-            </a:extLst>
-          </p:cNvPr>
+          <p:cNvPr id="6" name="页脚占位符 5"/>
           <p:cNvSpPr>
             <a:spLocks noGrp="1"/>
           </p:cNvSpPr>
@@ -5086,13 +5932,7 @@
       </p:sp>
       <p:sp>
         <p:nvSpPr>
-          <p:cNvPr id="7" name="灯片编号占位符 6">
-            <a:extLst>
-              <a:ext uri="{FF2B5EF4-FFF2-40B4-BE49-F238E27FC236}">
-                <a16:creationId xmlns:a16="http://schemas.microsoft.com/office/drawing/2014/main" id="{5CF98EF0-1307-2F43-947C-5EDCEEFFA248}"/>
-              </a:ext>
-            </a:extLst>
-          </p:cNvPr>
+          <p:cNvPr id="7" name="灯片编号占位符 6"/>
           <p:cNvSpPr>
             <a:spLocks noGrp="1"/>
           </p:cNvSpPr>
@@ -5107,18 +5947,12 @@
           <a:p>
             <a:fld id="{FF5D7191-1194-594D-8513-00080DD735E9}" type="slidenum">
               <a:rPr kumimoji="1" lang="zh-CN" altLang="en-US" smtClean="0"/>
-              <a:t>‹#›</a:t>
             </a:fld>
             <a:endParaRPr kumimoji="1" lang="zh-CN" altLang="en-US"/>
           </a:p>
         </p:txBody>
       </p:sp>
     </p:spTree>
-    <p:extLst>
-      <p:ext uri="{BB962C8B-B14F-4D97-AF65-F5344CB8AC3E}">
-        <p14:creationId xmlns:p14="http://schemas.microsoft.com/office/powerpoint/2010/main" val="755062618"/>
-      </p:ext>
-    </p:extLst>
   </p:cSld>
   <p:clrMapOvr>
     <a:masterClrMapping/>
@@ -5145,13 +5979,7 @@
       </p:grpSpPr>
       <p:sp>
         <p:nvSpPr>
-          <p:cNvPr id="2" name="标题 1">
-            <a:extLst>
-              <a:ext uri="{FF2B5EF4-FFF2-40B4-BE49-F238E27FC236}">
-                <a16:creationId xmlns:a16="http://schemas.microsoft.com/office/drawing/2014/main" id="{7F4DF018-5E07-644D-8526-996EB1550618}"/>
-              </a:ext>
-            </a:extLst>
-          </p:cNvPr>
+          <p:cNvPr id="2" name="标题 1"/>
           <p:cNvSpPr>
             <a:spLocks noGrp="1"/>
           </p:cNvSpPr>
@@ -5173,18 +6001,13 @@
               <a:rPr kumimoji="1" lang="zh-CN" altLang="en-US"/>
               <a:t>单击此处编辑母版标题样式</a:t>
             </a:r>
-          </a:p>
-        </p:txBody>
-      </p:sp>
-      <p:sp>
-        <p:nvSpPr>
-          <p:cNvPr id="3" name="文本占位符 2">
-            <a:extLst>
-              <a:ext uri="{FF2B5EF4-FFF2-40B4-BE49-F238E27FC236}">
-                <a16:creationId xmlns:a16="http://schemas.microsoft.com/office/drawing/2014/main" id="{A0989B0B-24C9-2C43-8E38-598A3DBB4785}"/>
-              </a:ext>
-            </a:extLst>
-          </p:cNvPr>
+            <a:endParaRPr kumimoji="1" lang="zh-CN" altLang="en-US"/>
+          </a:p>
+        </p:txBody>
+      </p:sp>
+      <p:sp>
+        <p:nvSpPr>
+          <p:cNvPr id="3" name="文本占位符 2"/>
           <p:cNvSpPr>
             <a:spLocks noGrp="1"/>
           </p:cNvSpPr>
@@ -5244,18 +6067,13 @@
               <a:rPr kumimoji="1" lang="zh-CN" altLang="en-US"/>
               <a:t>单击此处编辑母版文本样式</a:t>
             </a:r>
-          </a:p>
-        </p:txBody>
-      </p:sp>
-      <p:sp>
-        <p:nvSpPr>
-          <p:cNvPr id="4" name="内容占位符 3">
-            <a:extLst>
-              <a:ext uri="{FF2B5EF4-FFF2-40B4-BE49-F238E27FC236}">
-                <a16:creationId xmlns:a16="http://schemas.microsoft.com/office/drawing/2014/main" id="{8683BCCB-95CA-0E40-B65E-E5B8AA70E076}"/>
-              </a:ext>
-            </a:extLst>
-          </p:cNvPr>
+            <a:endParaRPr kumimoji="1" lang="zh-CN" altLang="en-US"/>
+          </a:p>
+        </p:txBody>
+      </p:sp>
+      <p:sp>
+        <p:nvSpPr>
+          <p:cNvPr id="4" name="内容占位符 3"/>
           <p:cNvSpPr>
             <a:spLocks noGrp="1"/>
           </p:cNvSpPr>
@@ -5278,6 +6096,7 @@
               <a:rPr kumimoji="1" lang="zh-CN" altLang="en-US"/>
               <a:t>单击此处编辑母版文本样式</a:t>
             </a:r>
+            <a:endParaRPr kumimoji="1" lang="zh-CN" altLang="en-US"/>
           </a:p>
           <a:p>
             <a:pPr lvl="1"/>
@@ -5285,6 +6104,7 @@
               <a:rPr kumimoji="1" lang="zh-CN" altLang="en-US"/>
               <a:t>二级</a:t>
             </a:r>
+            <a:endParaRPr kumimoji="1" lang="zh-CN" altLang="en-US"/>
           </a:p>
           <a:p>
             <a:pPr lvl="2"/>
@@ -5292,6 +6112,7 @@
               <a:rPr kumimoji="1" lang="zh-CN" altLang="en-US"/>
               <a:t>三级</a:t>
             </a:r>
+            <a:endParaRPr kumimoji="1" lang="zh-CN" altLang="en-US"/>
           </a:p>
           <a:p>
             <a:pPr lvl="3"/>
@@ -5299,6 +6120,7 @@
               <a:rPr kumimoji="1" lang="zh-CN" altLang="en-US"/>
               <a:t>四级</a:t>
             </a:r>
+            <a:endParaRPr kumimoji="1" lang="zh-CN" altLang="en-US"/>
           </a:p>
           <a:p>
             <a:pPr lvl="4"/>
@@ -5306,18 +6128,13 @@
               <a:rPr kumimoji="1" lang="zh-CN" altLang="en-US"/>
               <a:t>五级</a:t>
             </a:r>
-          </a:p>
-        </p:txBody>
-      </p:sp>
-      <p:sp>
-        <p:nvSpPr>
-          <p:cNvPr id="5" name="文本占位符 4">
-            <a:extLst>
-              <a:ext uri="{FF2B5EF4-FFF2-40B4-BE49-F238E27FC236}">
-                <a16:creationId xmlns:a16="http://schemas.microsoft.com/office/drawing/2014/main" id="{344B3781-258E-4844-8A5C-6342D41AE53F}"/>
-              </a:ext>
-            </a:extLst>
-          </p:cNvPr>
+            <a:endParaRPr kumimoji="1" lang="zh-CN" altLang="en-US"/>
+          </a:p>
+        </p:txBody>
+      </p:sp>
+      <p:sp>
+        <p:nvSpPr>
+          <p:cNvPr id="5" name="文本占位符 4"/>
           <p:cNvSpPr>
             <a:spLocks noGrp="1"/>
           </p:cNvSpPr>
@@ -5377,18 +6194,13 @@
               <a:rPr kumimoji="1" lang="zh-CN" altLang="en-US"/>
               <a:t>单击此处编辑母版文本样式</a:t>
             </a:r>
-          </a:p>
-        </p:txBody>
-      </p:sp>
-      <p:sp>
-        <p:nvSpPr>
-          <p:cNvPr id="6" name="内容占位符 5">
-            <a:extLst>
-              <a:ext uri="{FF2B5EF4-FFF2-40B4-BE49-F238E27FC236}">
-                <a16:creationId xmlns:a16="http://schemas.microsoft.com/office/drawing/2014/main" id="{C3215E27-9972-534C-BBD0-4CCBDFBD0575}"/>
-              </a:ext>
-            </a:extLst>
-          </p:cNvPr>
+            <a:endParaRPr kumimoji="1" lang="zh-CN" altLang="en-US"/>
+          </a:p>
+        </p:txBody>
+      </p:sp>
+      <p:sp>
+        <p:nvSpPr>
+          <p:cNvPr id="6" name="内容占位符 5"/>
           <p:cNvSpPr>
             <a:spLocks noGrp="1"/>
           </p:cNvSpPr>
@@ -5411,6 +6223,7 @@
               <a:rPr kumimoji="1" lang="zh-CN" altLang="en-US"/>
               <a:t>单击此处编辑母版文本样式</a:t>
             </a:r>
+            <a:endParaRPr kumimoji="1" lang="zh-CN" altLang="en-US"/>
           </a:p>
           <a:p>
             <a:pPr lvl="1"/>
@@ -5418,6 +6231,7 @@
               <a:rPr kumimoji="1" lang="zh-CN" altLang="en-US"/>
               <a:t>二级</a:t>
             </a:r>
+            <a:endParaRPr kumimoji="1" lang="zh-CN" altLang="en-US"/>
           </a:p>
           <a:p>
             <a:pPr lvl="2"/>
@@ -5425,6 +6239,7 @@
               <a:rPr kumimoji="1" lang="zh-CN" altLang="en-US"/>
               <a:t>三级</a:t>
             </a:r>
+            <a:endParaRPr kumimoji="1" lang="zh-CN" altLang="en-US"/>
           </a:p>
           <a:p>
             <a:pPr lvl="3"/>
@@ -5432,6 +6247,7 @@
               <a:rPr kumimoji="1" lang="zh-CN" altLang="en-US"/>
               <a:t>四级</a:t>
             </a:r>
+            <a:endParaRPr kumimoji="1" lang="zh-CN" altLang="en-US"/>
           </a:p>
           <a:p>
             <a:pPr lvl="4"/>
@@ -5439,18 +6255,13 @@
               <a:rPr kumimoji="1" lang="zh-CN" altLang="en-US"/>
               <a:t>五级</a:t>
             </a:r>
-          </a:p>
-        </p:txBody>
-      </p:sp>
-      <p:sp>
-        <p:nvSpPr>
-          <p:cNvPr id="7" name="日期占位符 6">
-            <a:extLst>
-              <a:ext uri="{FF2B5EF4-FFF2-40B4-BE49-F238E27FC236}">
-                <a16:creationId xmlns:a16="http://schemas.microsoft.com/office/drawing/2014/main" id="{6248907D-DB82-E849-8A8F-3892E088F39D}"/>
-              </a:ext>
-            </a:extLst>
-          </p:cNvPr>
+            <a:endParaRPr kumimoji="1" lang="zh-CN" altLang="en-US"/>
+          </a:p>
+        </p:txBody>
+      </p:sp>
+      <p:sp>
+        <p:nvSpPr>
+          <p:cNvPr id="7" name="日期占位符 6"/>
           <p:cNvSpPr>
             <a:spLocks noGrp="1"/>
           </p:cNvSpPr>
@@ -5465,7 +6276,6 @@
           <a:p>
             <a:fld id="{C199C2B9-325A-9B4F-9553-DD502A202BFE}" type="datetimeFigureOut">
               <a:rPr kumimoji="1" lang="zh-CN" altLang="en-US" smtClean="0"/>
-              <a:t>2021/8/10</a:t>
             </a:fld>
             <a:endParaRPr kumimoji="1" lang="zh-CN" altLang="en-US"/>
           </a:p>
@@ -5473,13 +6283,7 @@
       </p:sp>
       <p:sp>
         <p:nvSpPr>
-          <p:cNvPr id="8" name="页脚占位符 7">
-            <a:extLst>
-              <a:ext uri="{FF2B5EF4-FFF2-40B4-BE49-F238E27FC236}">
-                <a16:creationId xmlns:a16="http://schemas.microsoft.com/office/drawing/2014/main" id="{F1215117-7DDA-F748-A308-24500DD12500}"/>
-              </a:ext>
-            </a:extLst>
-          </p:cNvPr>
+          <p:cNvPr id="8" name="页脚占位符 7"/>
           <p:cNvSpPr>
             <a:spLocks noGrp="1"/>
           </p:cNvSpPr>
@@ -5498,13 +6302,7 @@
       </p:sp>
       <p:sp>
         <p:nvSpPr>
-          <p:cNvPr id="9" name="灯片编号占位符 8">
-            <a:extLst>
-              <a:ext uri="{FF2B5EF4-FFF2-40B4-BE49-F238E27FC236}">
-                <a16:creationId xmlns:a16="http://schemas.microsoft.com/office/drawing/2014/main" id="{A58F06AC-0EDE-A144-AB6C-CB490D2C4875}"/>
-              </a:ext>
-            </a:extLst>
-          </p:cNvPr>
+          <p:cNvPr id="9" name="灯片编号占位符 8"/>
           <p:cNvSpPr>
             <a:spLocks noGrp="1"/>
           </p:cNvSpPr>
@@ -5519,18 +6317,12 @@
           <a:p>
             <a:fld id="{FF5D7191-1194-594D-8513-00080DD735E9}" type="slidenum">
               <a:rPr kumimoji="1" lang="zh-CN" altLang="en-US" smtClean="0"/>
-              <a:t>‹#›</a:t>
             </a:fld>
             <a:endParaRPr kumimoji="1" lang="zh-CN" altLang="en-US"/>
           </a:p>
         </p:txBody>
       </p:sp>
     </p:spTree>
-    <p:extLst>
-      <p:ext uri="{BB962C8B-B14F-4D97-AF65-F5344CB8AC3E}">
-        <p14:creationId xmlns:p14="http://schemas.microsoft.com/office/powerpoint/2010/main" val="1072357761"/>
-      </p:ext>
-    </p:extLst>
   </p:cSld>
   <p:clrMapOvr>
     <a:masterClrMapping/>
@@ -5557,13 +6349,7 @@
       </p:grpSpPr>
       <p:sp>
         <p:nvSpPr>
-          <p:cNvPr id="2" name="标题 1">
-            <a:extLst>
-              <a:ext uri="{FF2B5EF4-FFF2-40B4-BE49-F238E27FC236}">
-                <a16:creationId xmlns:a16="http://schemas.microsoft.com/office/drawing/2014/main" id="{89869334-F1A8-E047-B74D-7BDC2E9BC14D}"/>
-              </a:ext>
-            </a:extLst>
-          </p:cNvPr>
+          <p:cNvPr id="2" name="标题 1"/>
           <p:cNvSpPr>
             <a:spLocks noGrp="1"/>
           </p:cNvSpPr>
@@ -5580,18 +6366,13 @@
               <a:rPr kumimoji="1" lang="zh-CN" altLang="en-US"/>
               <a:t>单击此处编辑母版标题样式</a:t>
             </a:r>
-          </a:p>
-        </p:txBody>
-      </p:sp>
-      <p:sp>
-        <p:nvSpPr>
-          <p:cNvPr id="3" name="日期占位符 2">
-            <a:extLst>
-              <a:ext uri="{FF2B5EF4-FFF2-40B4-BE49-F238E27FC236}">
-                <a16:creationId xmlns:a16="http://schemas.microsoft.com/office/drawing/2014/main" id="{4664EDFC-D902-3540-A686-CD330EFDD86B}"/>
-              </a:ext>
-            </a:extLst>
-          </p:cNvPr>
+            <a:endParaRPr kumimoji="1" lang="zh-CN" altLang="en-US"/>
+          </a:p>
+        </p:txBody>
+      </p:sp>
+      <p:sp>
+        <p:nvSpPr>
+          <p:cNvPr id="3" name="日期占位符 2"/>
           <p:cNvSpPr>
             <a:spLocks noGrp="1"/>
           </p:cNvSpPr>
@@ -5606,7 +6387,6 @@
           <a:p>
             <a:fld id="{C199C2B9-325A-9B4F-9553-DD502A202BFE}" type="datetimeFigureOut">
               <a:rPr kumimoji="1" lang="zh-CN" altLang="en-US" smtClean="0"/>
-              <a:t>2021/8/10</a:t>
             </a:fld>
             <a:endParaRPr kumimoji="1" lang="zh-CN" altLang="en-US"/>
           </a:p>
@@ -5614,13 +6394,7 @@
       </p:sp>
       <p:sp>
         <p:nvSpPr>
-          <p:cNvPr id="4" name="页脚占位符 3">
-            <a:extLst>
-              <a:ext uri="{FF2B5EF4-FFF2-40B4-BE49-F238E27FC236}">
-                <a16:creationId xmlns:a16="http://schemas.microsoft.com/office/drawing/2014/main" id="{82FCAE8C-0B2F-EB47-B445-87FE81ABC77D}"/>
-              </a:ext>
-            </a:extLst>
-          </p:cNvPr>
+          <p:cNvPr id="4" name="页脚占位符 3"/>
           <p:cNvSpPr>
             <a:spLocks noGrp="1"/>
           </p:cNvSpPr>
@@ -5639,13 +6413,7 @@
       </p:sp>
       <p:sp>
         <p:nvSpPr>
-          <p:cNvPr id="5" name="灯片编号占位符 4">
-            <a:extLst>
-              <a:ext uri="{FF2B5EF4-FFF2-40B4-BE49-F238E27FC236}">
-                <a16:creationId xmlns:a16="http://schemas.microsoft.com/office/drawing/2014/main" id="{48C3E417-3A51-F249-854C-72C39D561ACE}"/>
-              </a:ext>
-            </a:extLst>
-          </p:cNvPr>
+          <p:cNvPr id="5" name="灯片编号占位符 4"/>
           <p:cNvSpPr>
             <a:spLocks noGrp="1"/>
           </p:cNvSpPr>
@@ -5660,18 +6428,12 @@
           <a:p>
             <a:fld id="{FF5D7191-1194-594D-8513-00080DD735E9}" type="slidenum">
               <a:rPr kumimoji="1" lang="zh-CN" altLang="en-US" smtClean="0"/>
-              <a:t>‹#›</a:t>
             </a:fld>
             <a:endParaRPr kumimoji="1" lang="zh-CN" altLang="en-US"/>
           </a:p>
         </p:txBody>
       </p:sp>
     </p:spTree>
-    <p:extLst>
-      <p:ext uri="{BB962C8B-B14F-4D97-AF65-F5344CB8AC3E}">
-        <p14:creationId xmlns:p14="http://schemas.microsoft.com/office/powerpoint/2010/main" val="53398303"/>
-      </p:ext>
-    </p:extLst>
   </p:cSld>
   <p:clrMapOvr>
     <a:masterClrMapping/>
@@ -5698,13 +6460,7 @@
       </p:grpSpPr>
       <p:sp>
         <p:nvSpPr>
-          <p:cNvPr id="2" name="日期占位符 1">
-            <a:extLst>
-              <a:ext uri="{FF2B5EF4-FFF2-40B4-BE49-F238E27FC236}">
-                <a16:creationId xmlns:a16="http://schemas.microsoft.com/office/drawing/2014/main" id="{83E53F1E-2B3D-2344-A02F-FCF2170A9EF7}"/>
-              </a:ext>
-            </a:extLst>
-          </p:cNvPr>
+          <p:cNvPr id="2" name="日期占位符 1"/>
           <p:cNvSpPr>
             <a:spLocks noGrp="1"/>
           </p:cNvSpPr>
@@ -5719,7 +6475,6 @@
           <a:p>
             <a:fld id="{C199C2B9-325A-9B4F-9553-DD502A202BFE}" type="datetimeFigureOut">
               <a:rPr kumimoji="1" lang="zh-CN" altLang="en-US" smtClean="0"/>
-              <a:t>2021/8/10</a:t>
             </a:fld>
             <a:endParaRPr kumimoji="1" lang="zh-CN" altLang="en-US"/>
           </a:p>
@@ -5727,13 +6482,7 @@
       </p:sp>
       <p:sp>
         <p:nvSpPr>
-          <p:cNvPr id="3" name="页脚占位符 2">
-            <a:extLst>
-              <a:ext uri="{FF2B5EF4-FFF2-40B4-BE49-F238E27FC236}">
-                <a16:creationId xmlns:a16="http://schemas.microsoft.com/office/drawing/2014/main" id="{BE1EE7C9-82F1-9E45-811D-6A498820C080}"/>
-              </a:ext>
-            </a:extLst>
-          </p:cNvPr>
+          <p:cNvPr id="3" name="页脚占位符 2"/>
           <p:cNvSpPr>
             <a:spLocks noGrp="1"/>
           </p:cNvSpPr>
@@ -5752,13 +6501,7 @@
       </p:sp>
       <p:sp>
         <p:nvSpPr>
-          <p:cNvPr id="4" name="灯片编号占位符 3">
-            <a:extLst>
-              <a:ext uri="{FF2B5EF4-FFF2-40B4-BE49-F238E27FC236}">
-                <a16:creationId xmlns:a16="http://schemas.microsoft.com/office/drawing/2014/main" id="{7DE4ADD9-8071-834D-80BE-20B25AD9B8BC}"/>
-              </a:ext>
-            </a:extLst>
-          </p:cNvPr>
+          <p:cNvPr id="4" name="灯片编号占位符 3"/>
           <p:cNvSpPr>
             <a:spLocks noGrp="1"/>
           </p:cNvSpPr>
@@ -5773,18 +6516,12 @@
           <a:p>
             <a:fld id="{FF5D7191-1194-594D-8513-00080DD735E9}" type="slidenum">
               <a:rPr kumimoji="1" lang="zh-CN" altLang="en-US" smtClean="0"/>
-              <a:t>‹#›</a:t>
             </a:fld>
             <a:endParaRPr kumimoji="1" lang="zh-CN" altLang="en-US"/>
           </a:p>
         </p:txBody>
       </p:sp>
     </p:spTree>
-    <p:extLst>
-      <p:ext uri="{BB962C8B-B14F-4D97-AF65-F5344CB8AC3E}">
-        <p14:creationId xmlns:p14="http://schemas.microsoft.com/office/powerpoint/2010/main" val="3928784741"/>
-      </p:ext>
-    </p:extLst>
   </p:cSld>
   <p:clrMapOvr>
     <a:masterClrMapping/>
@@ -5811,13 +6548,7 @@
       </p:grpSpPr>
       <p:sp>
         <p:nvSpPr>
-          <p:cNvPr id="2" name="标题 1">
-            <a:extLst>
-              <a:ext uri="{FF2B5EF4-FFF2-40B4-BE49-F238E27FC236}">
-                <a16:creationId xmlns:a16="http://schemas.microsoft.com/office/drawing/2014/main" id="{05472561-3F4E-1E41-860B-7DD93710BDA7}"/>
-              </a:ext>
-            </a:extLst>
-          </p:cNvPr>
+          <p:cNvPr id="2" name="标题 1"/>
           <p:cNvSpPr>
             <a:spLocks noGrp="1"/>
           </p:cNvSpPr>
@@ -5843,18 +6574,13 @@
               <a:rPr kumimoji="1" lang="zh-CN" altLang="en-US"/>
               <a:t>单击此处编辑母版标题样式</a:t>
             </a:r>
-          </a:p>
-        </p:txBody>
-      </p:sp>
-      <p:sp>
-        <p:nvSpPr>
-          <p:cNvPr id="3" name="内容占位符 2">
-            <a:extLst>
-              <a:ext uri="{FF2B5EF4-FFF2-40B4-BE49-F238E27FC236}">
-                <a16:creationId xmlns:a16="http://schemas.microsoft.com/office/drawing/2014/main" id="{BFBD8A7C-3D3E-C84E-9FA5-1B8FC4959FC0}"/>
-              </a:ext>
-            </a:extLst>
-          </p:cNvPr>
+            <a:endParaRPr kumimoji="1" lang="zh-CN" altLang="en-US"/>
+          </a:p>
+        </p:txBody>
+      </p:sp>
+      <p:sp>
+        <p:nvSpPr>
+          <p:cNvPr id="3" name="内容占位符 2"/>
           <p:cNvSpPr>
             <a:spLocks noGrp="1"/>
           </p:cNvSpPr>
@@ -5905,6 +6631,7 @@
               <a:rPr kumimoji="1" lang="zh-CN" altLang="en-US"/>
               <a:t>单击此处编辑母版文本样式</a:t>
             </a:r>
+            <a:endParaRPr kumimoji="1" lang="zh-CN" altLang="en-US"/>
           </a:p>
           <a:p>
             <a:pPr lvl="1"/>
@@ -5912,6 +6639,7 @@
               <a:rPr kumimoji="1" lang="zh-CN" altLang="en-US"/>
               <a:t>二级</a:t>
             </a:r>
+            <a:endParaRPr kumimoji="1" lang="zh-CN" altLang="en-US"/>
           </a:p>
           <a:p>
             <a:pPr lvl="2"/>
@@ -5919,6 +6647,7 @@
               <a:rPr kumimoji="1" lang="zh-CN" altLang="en-US"/>
               <a:t>三级</a:t>
             </a:r>
+            <a:endParaRPr kumimoji="1" lang="zh-CN" altLang="en-US"/>
           </a:p>
           <a:p>
             <a:pPr lvl="3"/>
@@ -5926,6 +6655,7 @@
               <a:rPr kumimoji="1" lang="zh-CN" altLang="en-US"/>
               <a:t>四级</a:t>
             </a:r>
+            <a:endParaRPr kumimoji="1" lang="zh-CN" altLang="en-US"/>
           </a:p>
           <a:p>
             <a:pPr lvl="4"/>
@@ -5933,18 +6663,13 @@
               <a:rPr kumimoji="1" lang="zh-CN" altLang="en-US"/>
               <a:t>五级</a:t>
             </a:r>
-          </a:p>
-        </p:txBody>
-      </p:sp>
-      <p:sp>
-        <p:nvSpPr>
-          <p:cNvPr id="4" name="文本占位符 3">
-            <a:extLst>
-              <a:ext uri="{FF2B5EF4-FFF2-40B4-BE49-F238E27FC236}">
-                <a16:creationId xmlns:a16="http://schemas.microsoft.com/office/drawing/2014/main" id="{43A25727-7B03-E549-A54C-1DA04FC1EB6F}"/>
-              </a:ext>
-            </a:extLst>
-          </p:cNvPr>
+            <a:endParaRPr kumimoji="1" lang="zh-CN" altLang="en-US"/>
+          </a:p>
+        </p:txBody>
+      </p:sp>
+      <p:sp>
+        <p:nvSpPr>
+          <p:cNvPr id="4" name="文本占位符 3"/>
           <p:cNvSpPr>
             <a:spLocks noGrp="1"/>
           </p:cNvSpPr>
@@ -6004,18 +6729,13 @@
               <a:rPr kumimoji="1" lang="zh-CN" altLang="en-US"/>
               <a:t>单击此处编辑母版文本样式</a:t>
             </a:r>
-          </a:p>
-        </p:txBody>
-      </p:sp>
-      <p:sp>
-        <p:nvSpPr>
-          <p:cNvPr id="5" name="日期占位符 4">
-            <a:extLst>
-              <a:ext uri="{FF2B5EF4-FFF2-40B4-BE49-F238E27FC236}">
-                <a16:creationId xmlns:a16="http://schemas.microsoft.com/office/drawing/2014/main" id="{2CBF0E38-D756-9A4D-A909-BAD5FBBF1A54}"/>
-              </a:ext>
-            </a:extLst>
-          </p:cNvPr>
+            <a:endParaRPr kumimoji="1" lang="zh-CN" altLang="en-US"/>
+          </a:p>
+        </p:txBody>
+      </p:sp>
+      <p:sp>
+        <p:nvSpPr>
+          <p:cNvPr id="5" name="日期占位符 4"/>
           <p:cNvSpPr>
             <a:spLocks noGrp="1"/>
           </p:cNvSpPr>
@@ -6030,7 +6750,6 @@
           <a:p>
             <a:fld id="{C199C2B9-325A-9B4F-9553-DD502A202BFE}" type="datetimeFigureOut">
               <a:rPr kumimoji="1" lang="zh-CN" altLang="en-US" smtClean="0"/>
-              <a:t>2021/8/10</a:t>
             </a:fld>
             <a:endParaRPr kumimoji="1" lang="zh-CN" altLang="en-US"/>
           </a:p>
@@ -6038,13 +6757,7 @@
       </p:sp>
       <p:sp>
         <p:nvSpPr>
-          <p:cNvPr id="6" name="页脚占位符 5">
-            <a:extLst>
-              <a:ext uri="{FF2B5EF4-FFF2-40B4-BE49-F238E27FC236}">
-                <a16:creationId xmlns:a16="http://schemas.microsoft.com/office/drawing/2014/main" id="{C16524EF-5FDC-1D43-8478-70A0237ECEA6}"/>
-              </a:ext>
-            </a:extLst>
-          </p:cNvPr>
+          <p:cNvPr id="6" name="页脚占位符 5"/>
           <p:cNvSpPr>
             <a:spLocks noGrp="1"/>
           </p:cNvSpPr>
@@ -6063,13 +6776,7 @@
       </p:sp>
       <p:sp>
         <p:nvSpPr>
-          <p:cNvPr id="7" name="灯片编号占位符 6">
-            <a:extLst>
-              <a:ext uri="{FF2B5EF4-FFF2-40B4-BE49-F238E27FC236}">
-                <a16:creationId xmlns:a16="http://schemas.microsoft.com/office/drawing/2014/main" id="{FE7F396D-6153-F54C-B9C3-9813A192C749}"/>
-              </a:ext>
-            </a:extLst>
-          </p:cNvPr>
+          <p:cNvPr id="7" name="灯片编号占位符 6"/>
           <p:cNvSpPr>
             <a:spLocks noGrp="1"/>
           </p:cNvSpPr>
@@ -6084,18 +6791,12 @@
           <a:p>
             <a:fld id="{FF5D7191-1194-594D-8513-00080DD735E9}" type="slidenum">
               <a:rPr kumimoji="1" lang="zh-CN" altLang="en-US" smtClean="0"/>
-              <a:t>‹#›</a:t>
             </a:fld>
             <a:endParaRPr kumimoji="1" lang="zh-CN" altLang="en-US"/>
           </a:p>
         </p:txBody>
       </p:sp>
     </p:spTree>
-    <p:extLst>
-      <p:ext uri="{BB962C8B-B14F-4D97-AF65-F5344CB8AC3E}">
-        <p14:creationId xmlns:p14="http://schemas.microsoft.com/office/powerpoint/2010/main" val="2754450128"/>
-      </p:ext>
-    </p:extLst>
   </p:cSld>
   <p:clrMapOvr>
     <a:masterClrMapping/>
@@ -6122,13 +6823,7 @@
       </p:grpSpPr>
       <p:sp>
         <p:nvSpPr>
-          <p:cNvPr id="2" name="标题 1">
-            <a:extLst>
-              <a:ext uri="{FF2B5EF4-FFF2-40B4-BE49-F238E27FC236}">
-                <a16:creationId xmlns:a16="http://schemas.microsoft.com/office/drawing/2014/main" id="{BF184C13-7B9D-4F49-B67D-0E9EFFA31A7A}"/>
-              </a:ext>
-            </a:extLst>
-          </p:cNvPr>
+          <p:cNvPr id="2" name="标题 1"/>
           <p:cNvSpPr>
             <a:spLocks noGrp="1"/>
           </p:cNvSpPr>
@@ -6154,18 +6849,13 @@
               <a:rPr kumimoji="1" lang="zh-CN" altLang="en-US"/>
               <a:t>单击此处编辑母版标题样式</a:t>
             </a:r>
-          </a:p>
-        </p:txBody>
-      </p:sp>
-      <p:sp>
-        <p:nvSpPr>
-          <p:cNvPr id="3" name="图片占位符 2">
-            <a:extLst>
-              <a:ext uri="{FF2B5EF4-FFF2-40B4-BE49-F238E27FC236}">
-                <a16:creationId xmlns:a16="http://schemas.microsoft.com/office/drawing/2014/main" id="{9D50D34B-A7C8-8347-813B-3A2DFAFB1123}"/>
-              </a:ext>
-            </a:extLst>
-          </p:cNvPr>
+            <a:endParaRPr kumimoji="1" lang="zh-CN" altLang="en-US"/>
+          </a:p>
+        </p:txBody>
+      </p:sp>
+      <p:sp>
+        <p:nvSpPr>
+          <p:cNvPr id="3" name="图片占位符 2"/>
           <p:cNvSpPr>
             <a:spLocks noGrp="1"/>
           </p:cNvSpPr>
@@ -6226,13 +6916,7 @@
       </p:sp>
       <p:sp>
         <p:nvSpPr>
-          <p:cNvPr id="4" name="文本占位符 3">
-            <a:extLst>
-              <a:ext uri="{FF2B5EF4-FFF2-40B4-BE49-F238E27FC236}">
-                <a16:creationId xmlns:a16="http://schemas.microsoft.com/office/drawing/2014/main" id="{B7933170-1832-8C44-9CF2-93E47EAF373B}"/>
-              </a:ext>
-            </a:extLst>
-          </p:cNvPr>
+          <p:cNvPr id="4" name="文本占位符 3"/>
           <p:cNvSpPr>
             <a:spLocks noGrp="1"/>
           </p:cNvSpPr>
@@ -6292,18 +6976,13 @@
               <a:rPr kumimoji="1" lang="zh-CN" altLang="en-US"/>
               <a:t>单击此处编辑母版文本样式</a:t>
             </a:r>
-          </a:p>
-        </p:txBody>
-      </p:sp>
-      <p:sp>
-        <p:nvSpPr>
-          <p:cNvPr id="5" name="日期占位符 4">
-            <a:extLst>
-              <a:ext uri="{FF2B5EF4-FFF2-40B4-BE49-F238E27FC236}">
-                <a16:creationId xmlns:a16="http://schemas.microsoft.com/office/drawing/2014/main" id="{984F4662-D3F2-AA44-AD55-0A00B96CCEB7}"/>
-              </a:ext>
-            </a:extLst>
-          </p:cNvPr>
+            <a:endParaRPr kumimoji="1" lang="zh-CN" altLang="en-US"/>
+          </a:p>
+        </p:txBody>
+      </p:sp>
+      <p:sp>
+        <p:nvSpPr>
+          <p:cNvPr id="5" name="日期占位符 4"/>
           <p:cNvSpPr>
             <a:spLocks noGrp="1"/>
           </p:cNvSpPr>
@@ -6318,7 +6997,6 @@
           <a:p>
             <a:fld id="{C199C2B9-325A-9B4F-9553-DD502A202BFE}" type="datetimeFigureOut">
               <a:rPr kumimoji="1" lang="zh-CN" altLang="en-US" smtClean="0"/>
-              <a:t>2021/8/10</a:t>
             </a:fld>
             <a:endParaRPr kumimoji="1" lang="zh-CN" altLang="en-US"/>
           </a:p>
@@ -6326,13 +7004,7 @@
       </p:sp>
       <p:sp>
         <p:nvSpPr>
-          <p:cNvPr id="6" name="页脚占位符 5">
-            <a:extLst>
-              <a:ext uri="{FF2B5EF4-FFF2-40B4-BE49-F238E27FC236}">
-                <a16:creationId xmlns:a16="http://schemas.microsoft.com/office/drawing/2014/main" id="{4373105F-63E5-9940-8D4A-BC786842C0CB}"/>
-              </a:ext>
-            </a:extLst>
-          </p:cNvPr>
+          <p:cNvPr id="6" name="页脚占位符 5"/>
           <p:cNvSpPr>
             <a:spLocks noGrp="1"/>
           </p:cNvSpPr>
@@ -6351,13 +7023,7 @@
       </p:sp>
       <p:sp>
         <p:nvSpPr>
-          <p:cNvPr id="7" name="灯片编号占位符 6">
-            <a:extLst>
-              <a:ext uri="{FF2B5EF4-FFF2-40B4-BE49-F238E27FC236}">
-                <a16:creationId xmlns:a16="http://schemas.microsoft.com/office/drawing/2014/main" id="{74374790-2E53-2943-8C63-D69989291B3B}"/>
-              </a:ext>
-            </a:extLst>
-          </p:cNvPr>
+          <p:cNvPr id="7" name="灯片编号占位符 6"/>
           <p:cNvSpPr>
             <a:spLocks noGrp="1"/>
           </p:cNvSpPr>
@@ -6372,18 +7038,12 @@
           <a:p>
             <a:fld id="{FF5D7191-1194-594D-8513-00080DD735E9}" type="slidenum">
               <a:rPr kumimoji="1" lang="zh-CN" altLang="en-US" smtClean="0"/>
-              <a:t>‹#›</a:t>
             </a:fld>
             <a:endParaRPr kumimoji="1" lang="zh-CN" altLang="en-US"/>
           </a:p>
         </p:txBody>
       </p:sp>
     </p:spTree>
-    <p:extLst>
-      <p:ext uri="{BB962C8B-B14F-4D97-AF65-F5344CB8AC3E}">
-        <p14:creationId xmlns:p14="http://schemas.microsoft.com/office/powerpoint/2010/main" val="3785587485"/>
-      </p:ext>
-    </p:extLst>
   </p:cSld>
   <p:clrMapOvr>
     <a:masterClrMapping/>
@@ -6415,13 +7075,7 @@
       </p:grpSpPr>
       <p:sp>
         <p:nvSpPr>
-          <p:cNvPr id="2" name="标题占位符 1">
-            <a:extLst>
-              <a:ext uri="{FF2B5EF4-FFF2-40B4-BE49-F238E27FC236}">
-                <a16:creationId xmlns:a16="http://schemas.microsoft.com/office/drawing/2014/main" id="{D7D077FE-8E4E-EB47-B2E6-041A70B7306A}"/>
-              </a:ext>
-            </a:extLst>
-          </p:cNvPr>
+          <p:cNvPr id="2" name="标题占位符 1"/>
           <p:cNvSpPr>
             <a:spLocks noGrp="1"/>
           </p:cNvSpPr>
@@ -6448,18 +7102,13 @@
               <a:rPr kumimoji="1" lang="zh-CN" altLang="en-US"/>
               <a:t>单击此处编辑母版标题样式</a:t>
             </a:r>
-          </a:p>
-        </p:txBody>
-      </p:sp>
-      <p:sp>
-        <p:nvSpPr>
-          <p:cNvPr id="3" name="文本占位符 2">
-            <a:extLst>
-              <a:ext uri="{FF2B5EF4-FFF2-40B4-BE49-F238E27FC236}">
-                <a16:creationId xmlns:a16="http://schemas.microsoft.com/office/drawing/2014/main" id="{40A0E511-28F9-C64D-904C-7064AED5694D}"/>
-              </a:ext>
-            </a:extLst>
-          </p:cNvPr>
+            <a:endParaRPr kumimoji="1" lang="zh-CN" altLang="en-US"/>
+          </a:p>
+        </p:txBody>
+      </p:sp>
+      <p:sp>
+        <p:nvSpPr>
+          <p:cNvPr id="3" name="文本占位符 2"/>
           <p:cNvSpPr>
             <a:spLocks noGrp="1"/>
           </p:cNvSpPr>
@@ -6487,6 +7136,7 @@
               <a:rPr kumimoji="1" lang="zh-CN" altLang="en-US"/>
               <a:t>单击此处编辑母版文本样式</a:t>
             </a:r>
+            <a:endParaRPr kumimoji="1" lang="zh-CN" altLang="en-US"/>
           </a:p>
           <a:p>
             <a:pPr lvl="1"/>
@@ -6494,6 +7144,7 @@
               <a:rPr kumimoji="1" lang="zh-CN" altLang="en-US"/>
               <a:t>二级</a:t>
             </a:r>
+            <a:endParaRPr kumimoji="1" lang="zh-CN" altLang="en-US"/>
           </a:p>
           <a:p>
             <a:pPr lvl="2"/>
@@ -6501,6 +7152,7 @@
               <a:rPr kumimoji="1" lang="zh-CN" altLang="en-US"/>
               <a:t>三级</a:t>
             </a:r>
+            <a:endParaRPr kumimoji="1" lang="zh-CN" altLang="en-US"/>
           </a:p>
           <a:p>
             <a:pPr lvl="3"/>
@@ -6508,6 +7160,7 @@
               <a:rPr kumimoji="1" lang="zh-CN" altLang="en-US"/>
               <a:t>四级</a:t>
             </a:r>
+            <a:endParaRPr kumimoji="1" lang="zh-CN" altLang="en-US"/>
           </a:p>
           <a:p>
             <a:pPr lvl="4"/>
@@ -6515,18 +7168,13 @@
               <a:rPr kumimoji="1" lang="zh-CN" altLang="en-US"/>
               <a:t>五级</a:t>
             </a:r>
-          </a:p>
-        </p:txBody>
-      </p:sp>
-      <p:sp>
-        <p:nvSpPr>
-          <p:cNvPr id="4" name="日期占位符 3">
-            <a:extLst>
-              <a:ext uri="{FF2B5EF4-FFF2-40B4-BE49-F238E27FC236}">
-                <a16:creationId xmlns:a16="http://schemas.microsoft.com/office/drawing/2014/main" id="{2CF9B4C2-C334-B147-97AB-B93D3B633129}"/>
-              </a:ext>
-            </a:extLst>
-          </p:cNvPr>
+            <a:endParaRPr kumimoji="1" lang="zh-CN" altLang="en-US"/>
+          </a:p>
+        </p:txBody>
+      </p:sp>
+      <p:sp>
+        <p:nvSpPr>
+          <p:cNvPr id="4" name="日期占位符 3"/>
           <p:cNvSpPr>
             <a:spLocks noGrp="1"/>
           </p:cNvSpPr>
@@ -6559,7 +7207,6 @@
           <a:p>
             <a:fld id="{C199C2B9-325A-9B4F-9553-DD502A202BFE}" type="datetimeFigureOut">
               <a:rPr kumimoji="1" lang="zh-CN" altLang="en-US" smtClean="0"/>
-              <a:t>2021/8/10</a:t>
             </a:fld>
             <a:endParaRPr kumimoji="1" lang="zh-CN" altLang="en-US"/>
           </a:p>
@@ -6567,13 +7214,7 @@
       </p:sp>
       <p:sp>
         <p:nvSpPr>
-          <p:cNvPr id="5" name="页脚占位符 4">
-            <a:extLst>
-              <a:ext uri="{FF2B5EF4-FFF2-40B4-BE49-F238E27FC236}">
-                <a16:creationId xmlns:a16="http://schemas.microsoft.com/office/drawing/2014/main" id="{D4712281-00BD-4A40-9E96-7F78E4E2DB7F}"/>
-              </a:ext>
-            </a:extLst>
-          </p:cNvPr>
+          <p:cNvPr id="5" name="页脚占位符 4"/>
           <p:cNvSpPr>
             <a:spLocks noGrp="1"/>
           </p:cNvSpPr>
@@ -6610,13 +7251,7 @@
       </p:sp>
       <p:sp>
         <p:nvSpPr>
-          <p:cNvPr id="6" name="灯片编号占位符 5">
-            <a:extLst>
-              <a:ext uri="{FF2B5EF4-FFF2-40B4-BE49-F238E27FC236}">
-                <a16:creationId xmlns:a16="http://schemas.microsoft.com/office/drawing/2014/main" id="{D9427937-55E3-1749-9180-A4100AD7057A}"/>
-              </a:ext>
-            </a:extLst>
-          </p:cNvPr>
+          <p:cNvPr id="6" name="灯片编号占位符 5"/>
           <p:cNvSpPr>
             <a:spLocks noGrp="1"/>
           </p:cNvSpPr>
@@ -6649,18 +7284,12 @@
           <a:p>
             <a:fld id="{FF5D7191-1194-594D-8513-00080DD735E9}" type="slidenum">
               <a:rPr kumimoji="1" lang="zh-CN" altLang="en-US" smtClean="0"/>
-              <a:t>‹#›</a:t>
             </a:fld>
             <a:endParaRPr kumimoji="1" lang="zh-CN" altLang="en-US"/>
           </a:p>
         </p:txBody>
       </p:sp>
     </p:spTree>
-    <p:extLst>
-      <p:ext uri="{BB962C8B-B14F-4D97-AF65-F5344CB8AC3E}">
-        <p14:creationId xmlns:p14="http://schemas.microsoft.com/office/powerpoint/2010/main" val="700343068"/>
-      </p:ext>
-    </p:extLst>
   </p:cSld>
   <p:clrMap bg1="lt1" tx1="dk1" bg2="lt2" tx2="dk2" accent1="accent1" accent2="accent2" accent3="accent3" accent4="accent4" accent5="accent5" accent6="accent6" hlink="hlink" folHlink="folHlink"/>
   <p:sldLayoutIdLst>
@@ -6978,13 +7607,7 @@
       </p:grpSpPr>
       <p:sp>
         <p:nvSpPr>
-          <p:cNvPr id="2" name="标题 1">
-            <a:extLst>
-              <a:ext uri="{FF2B5EF4-FFF2-40B4-BE49-F238E27FC236}">
-                <a16:creationId xmlns:a16="http://schemas.microsoft.com/office/drawing/2014/main" id="{D7DAF61A-FE5C-C74F-A637-76A4A16444E4}"/>
-              </a:ext>
-            </a:extLst>
-          </p:cNvPr>
+          <p:cNvPr id="2" name="标题 1"/>
           <p:cNvSpPr>
             <a:spLocks noGrp="1"/>
           </p:cNvSpPr>
@@ -7012,15 +7635,463 @@
               <a:rPr kumimoji="1" lang="zh-CN" altLang="en-US" dirty="0"/>
               <a:t>心得分享</a:t>
             </a:r>
+            <a:endParaRPr kumimoji="1" lang="zh-CN" altLang="en-US" dirty="0"/>
           </a:p>
         </p:txBody>
       </p:sp>
     </p:spTree>
-    <p:extLst>
-      <p:ext uri="{BB962C8B-B14F-4D97-AF65-F5344CB8AC3E}">
-        <p14:creationId xmlns:p14="http://schemas.microsoft.com/office/powerpoint/2010/main" val="1693910786"/>
-      </p:ext>
-    </p:extLst>
+  </p:cSld>
+  <p:clrMapOvr>
+    <a:masterClrMapping/>
+  </p:clrMapOvr>
+</p:sld>
+</file>
+
+<file path=ppt/slides/slide10.xml><?xml version="1.0" encoding="utf-8"?>
+<p:sld xmlns:a="http://schemas.openxmlformats.org/drawingml/2006/main" xmlns:r="http://schemas.openxmlformats.org/officeDocument/2006/relationships" xmlns:p="http://schemas.openxmlformats.org/presentationml/2006/main">
+  <p:cSld>
+    <p:spTree>
+      <p:nvGrpSpPr>
+        <p:cNvPr id="1" name=""/>
+        <p:cNvGrpSpPr/>
+        <p:nvPr/>
+      </p:nvGrpSpPr>
+      <p:grpSpPr/>
+      <p:sp>
+        <p:nvSpPr>
+          <p:cNvPr id="2" name="标题 1"/>
+          <p:cNvSpPr>
+            <a:spLocks noGrp="1"/>
+          </p:cNvSpPr>
+          <p:nvPr>
+            <p:ph type="title"/>
+          </p:nvPr>
+        </p:nvSpPr>
+        <p:spPr/>
+        <p:txBody>
+          <a:bodyPr/>
+          <a:p>
+            <a:r>
+              <a:rPr lang="zh-CN" altLang="en-US"/>
+              <a:t>性能测试结论</a:t>
+            </a:r>
+            <a:endParaRPr lang="zh-CN" altLang="en-US"/>
+          </a:p>
+        </p:txBody>
+      </p:sp>
+      <p:sp>
+        <p:nvSpPr>
+          <p:cNvPr id="3" name="内容占位符 2"/>
+          <p:cNvSpPr>
+            <a:spLocks noGrp="1"/>
+          </p:cNvSpPr>
+          <p:nvPr>
+            <p:ph idx="1"/>
+          </p:nvPr>
+        </p:nvSpPr>
+        <p:spPr/>
+        <p:txBody>
+          <a:bodyPr/>
+          <a:p>
+            <a:r>
+              <a:rPr lang="zh-CN" altLang="en-US"/>
+              <a:t>在当前</a:t>
+            </a:r>
+            <a:r>
+              <a:rPr lang="en-US" altLang="zh-CN"/>
+              <a:t>qps</a:t>
+            </a:r>
+            <a:r>
+              <a:rPr lang="zh-CN" altLang="en-US"/>
+              <a:t>限制配置下，被压服务无明显功能问题。</a:t>
+            </a:r>
+            <a:endParaRPr lang="zh-CN" altLang="en-US"/>
+          </a:p>
+          <a:p>
+            <a:r>
+              <a:rPr lang="zh-CN" altLang="en-US"/>
+              <a:t>新增的缓存策略对原有接口性能有所提升</a:t>
+            </a:r>
+            <a:endParaRPr lang="zh-CN" altLang="en-US"/>
+          </a:p>
+          <a:p>
+            <a:endParaRPr lang="zh-CN" altLang="en-US"/>
+          </a:p>
+          <a:p>
+            <a:r>
+              <a:rPr lang="zh-CN" altLang="en-US"/>
+              <a:t>盲点：</a:t>
+            </a:r>
+            <a:endParaRPr lang="zh-CN" altLang="en-US"/>
+          </a:p>
+          <a:p>
+            <a:pPr lvl="1"/>
+            <a:r>
+              <a:rPr lang="zh-CN" altLang="en-US"/>
+              <a:t>压测期间，服务的</a:t>
+            </a:r>
+            <a:r>
+              <a:rPr lang="en-US" altLang="zh-CN"/>
+              <a:t>cpu</a:t>
+            </a:r>
+            <a:r>
+              <a:rPr lang="zh-CN" altLang="en-US"/>
+              <a:t>使用率保持在</a:t>
+            </a:r>
+            <a:r>
+              <a:rPr lang="en-US" altLang="zh-CN">
+                <a:solidFill>
+                  <a:srgbClr val="FF0000"/>
+                </a:solidFill>
+              </a:rPr>
+              <a:t>30%</a:t>
+            </a:r>
+            <a:r>
+              <a:rPr lang="zh-CN" altLang="en-US"/>
+              <a:t>，上浮后的表现未知。</a:t>
+            </a:r>
+            <a:endParaRPr lang="zh-CN" altLang="en-US"/>
+          </a:p>
+          <a:p>
+            <a:pPr lvl="1"/>
+            <a:endParaRPr lang="zh-CN" altLang="en-US"/>
+          </a:p>
+          <a:p>
+            <a:pPr lvl="0"/>
+            <a:r>
+              <a:rPr lang="en-US" altLang="zh-CN"/>
+              <a:t>To do</a:t>
+            </a:r>
+            <a:r>
+              <a:rPr lang="zh-CN" altLang="en-US"/>
+              <a:t>：</a:t>
+            </a:r>
+            <a:endParaRPr lang="zh-CN" altLang="en-US"/>
+          </a:p>
+          <a:p>
+            <a:pPr lvl="1"/>
+            <a:r>
+              <a:rPr lang="zh-CN" altLang="en-US"/>
+              <a:t>开放上限后，找出性能极限，评估性能表现。</a:t>
+            </a:r>
+            <a:endParaRPr lang="zh-CN" altLang="en-US"/>
+          </a:p>
+        </p:txBody>
+      </p:sp>
+    </p:spTree>
+  </p:cSld>
+  <p:clrMapOvr>
+    <a:masterClrMapping/>
+  </p:clrMapOvr>
+</p:sld>
+</file>
+
+<file path=ppt/slides/slide11.xml><?xml version="1.0" encoding="utf-8"?>
+<p:sld xmlns:a="http://schemas.openxmlformats.org/drawingml/2006/main" xmlns:r="http://schemas.openxmlformats.org/officeDocument/2006/relationships" xmlns:p="http://schemas.openxmlformats.org/presentationml/2006/main">
+  <p:cSld>
+    <p:spTree>
+      <p:nvGrpSpPr>
+        <p:cNvPr id="1" name=""/>
+        <p:cNvGrpSpPr/>
+        <p:nvPr/>
+      </p:nvGrpSpPr>
+      <p:grpSpPr/>
+      <p:sp>
+        <p:nvSpPr>
+          <p:cNvPr id="2" name="标题 1"/>
+          <p:cNvSpPr>
+            <a:spLocks noGrp="1"/>
+          </p:cNvSpPr>
+          <p:nvPr>
+            <p:ph type="title"/>
+          </p:nvPr>
+        </p:nvSpPr>
+        <p:spPr/>
+        <p:txBody>
+          <a:bodyPr/>
+          <a:p>
+            <a:r>
+              <a:rPr lang="zh-CN" altLang="en-US"/>
+              <a:t>这些技能提升了！</a:t>
+            </a:r>
+            <a:endParaRPr lang="zh-CN" altLang="en-US"/>
+          </a:p>
+        </p:txBody>
+      </p:sp>
+      <p:sp>
+        <p:nvSpPr>
+          <p:cNvPr id="3" name="内容占位符 2"/>
+          <p:cNvSpPr>
+            <a:spLocks noGrp="1"/>
+          </p:cNvSpPr>
+          <p:nvPr>
+            <p:ph idx="1"/>
+          </p:nvPr>
+        </p:nvSpPr>
+        <p:spPr/>
+        <p:txBody>
+          <a:bodyPr/>
+          <a:p>
+            <a:pPr lvl="0"/>
+            <a:r>
+              <a:rPr lang="en-US" altLang="zh-CN"/>
+              <a:t> </a:t>
+            </a:r>
+            <a:r>
+              <a:rPr lang="zh-CN" altLang="en-US"/>
+              <a:t>独立负责一个相对比较完整的项目的压测</a:t>
+            </a:r>
+            <a:endParaRPr lang="zh-CN" altLang="en-US"/>
+          </a:p>
+          <a:p>
+            <a:pPr lvl="1"/>
+            <a:r>
+              <a:rPr lang="zh-CN" altLang="en-US"/>
+              <a:t>信心增长了</a:t>
+            </a:r>
+            <a:endParaRPr lang="zh-CN" altLang="en-US"/>
+          </a:p>
+          <a:p>
+            <a:pPr lvl="1"/>
+            <a:r>
+              <a:rPr lang="zh-CN" altLang="en-US"/>
+              <a:t>说话硬气了</a:t>
+            </a:r>
+            <a:endParaRPr lang="zh-CN" altLang="en-US"/>
+          </a:p>
+          <a:p>
+            <a:pPr lvl="1"/>
+            <a:endParaRPr lang="zh-CN" altLang="en-US"/>
+          </a:p>
+          <a:p>
+            <a:pPr lvl="0"/>
+            <a:r>
+              <a:rPr lang="zh-CN" altLang="en-US"/>
+              <a:t>关注重心明确了</a:t>
+            </a:r>
+            <a:endParaRPr lang="zh-CN" altLang="en-US"/>
+          </a:p>
+          <a:p>
+            <a:pPr lvl="1"/>
+            <a:r>
+              <a:rPr lang="zh-CN" altLang="en-US"/>
+              <a:t>前期：需求背景，业务链路，测试范围，影响范围，数据来源，测试目标</a:t>
+            </a:r>
+            <a:endParaRPr lang="zh-CN" altLang="en-US"/>
+          </a:p>
+          <a:p>
+            <a:pPr lvl="2"/>
+            <a:r>
+              <a:rPr lang="zh-CN" altLang="en-US"/>
+              <a:t>对</a:t>
+            </a:r>
+            <a:r>
+              <a:rPr lang="en-US" altLang="zh-CN"/>
+              <a:t>“</a:t>
+            </a:r>
+            <a:r>
+              <a:rPr lang="zh-CN" altLang="en-US"/>
+              <a:t>将</a:t>
+            </a:r>
+            <a:r>
+              <a:rPr lang="en-US" altLang="zh-CN"/>
+              <a:t>80%</a:t>
+            </a:r>
+            <a:r>
+              <a:rPr lang="zh-CN" altLang="en-US"/>
+              <a:t>的注意力放在压测前的调研和目标制定上所带来的效果提升</a:t>
+            </a:r>
+            <a:r>
+              <a:rPr lang="en-US" altLang="zh-CN"/>
+              <a:t>”</a:t>
+            </a:r>
+            <a:r>
+              <a:rPr lang="zh-CN" altLang="en-US"/>
+              <a:t>有了更直观的感受</a:t>
+            </a:r>
+            <a:endParaRPr lang="zh-CN" altLang="en-US"/>
+          </a:p>
+        </p:txBody>
+      </p:sp>
+    </p:spTree>
+  </p:cSld>
+  <p:clrMapOvr>
+    <a:masterClrMapping/>
+  </p:clrMapOvr>
+</p:sld>
+</file>
+
+<file path=ppt/slides/slide12.xml><?xml version="1.0" encoding="utf-8"?>
+<p:sld xmlns:a="http://schemas.openxmlformats.org/drawingml/2006/main" xmlns:r="http://schemas.openxmlformats.org/officeDocument/2006/relationships" xmlns:p="http://schemas.openxmlformats.org/presentationml/2006/main">
+  <p:cSld>
+    <p:spTree>
+      <p:nvGrpSpPr>
+        <p:cNvPr id="1" name=""/>
+        <p:cNvGrpSpPr/>
+        <p:nvPr/>
+      </p:nvGrpSpPr>
+      <p:grpSpPr/>
+      <p:sp>
+        <p:nvSpPr>
+          <p:cNvPr id="3" name="内容占位符 2"/>
+          <p:cNvSpPr>
+            <a:spLocks noGrp="1"/>
+          </p:cNvSpPr>
+          <p:nvPr>
+            <p:ph idx="1"/>
+          </p:nvPr>
+        </p:nvSpPr>
+        <p:spPr>
+          <a:xfrm>
+            <a:off x="838200" y="1252855"/>
+            <a:ext cx="10515600" cy="4351338"/>
+          </a:xfrm>
+        </p:spPr>
+        <p:txBody>
+          <a:bodyPr/>
+          <a:p>
+            <a:pPr lvl="1"/>
+            <a:r>
+              <a:rPr lang="zh-CN" altLang="en-US" sz="2800">
+                <a:sym typeface="+mn-ea"/>
+              </a:rPr>
+              <a:t>中期：独立部署测试集群和可视化监控，设计评审测试脚本，协同</a:t>
+            </a:r>
+            <a:r>
+              <a:rPr lang="en-US" altLang="zh-CN" sz="2800">
+                <a:sym typeface="+mn-ea"/>
+              </a:rPr>
+              <a:t>infra</a:t>
+            </a:r>
+            <a:r>
+              <a:rPr lang="zh-CN" altLang="en-US" sz="2800">
+                <a:sym typeface="+mn-ea"/>
+              </a:rPr>
+              <a:t>准备测试环境，根据链路分析性能瓶颈，及时准确反馈问题范围</a:t>
+            </a:r>
+            <a:endParaRPr lang="zh-CN" altLang="en-US" sz="2800">
+              <a:sym typeface="+mn-ea"/>
+            </a:endParaRPr>
+          </a:p>
+          <a:p>
+            <a:pPr lvl="1"/>
+            <a:endParaRPr lang="zh-CN" altLang="en-US" sz="2800"/>
+          </a:p>
+          <a:p>
+            <a:pPr lvl="1"/>
+            <a:r>
+              <a:rPr lang="zh-CN" altLang="en-US" sz="2795"/>
+              <a:t>部署环境和脚本调试以往压测耗费时间最长的环节</a:t>
+            </a:r>
+            <a:endParaRPr lang="zh-CN" altLang="en-US" sz="2795"/>
+          </a:p>
+          <a:p>
+            <a:pPr lvl="2"/>
+            <a:endParaRPr lang="zh-CN" altLang="en-US" sz="2330"/>
+          </a:p>
+          <a:p>
+            <a:pPr lvl="1"/>
+            <a:r>
+              <a:rPr lang="zh-CN" altLang="en-US"/>
+              <a:t>不要过于拘泥于工具上的细节而忽略更重要的问题</a:t>
+            </a:r>
+            <a:endParaRPr lang="zh-CN" altLang="en-US"/>
+          </a:p>
+          <a:p>
+            <a:pPr lvl="2"/>
+            <a:endParaRPr lang="zh-CN" altLang="en-US"/>
+          </a:p>
+          <a:p>
+            <a:pPr lvl="1"/>
+            <a:r>
+              <a:rPr lang="zh-CN" altLang="en-US"/>
+              <a:t>部署和操作基于前期分析链路而制定的目标，不应成为性能测试耗时源头</a:t>
+            </a:r>
+            <a:endParaRPr lang="zh-CN" altLang="en-US"/>
+          </a:p>
+          <a:p>
+            <a:pPr lvl="2"/>
+            <a:endParaRPr lang="zh-CN" altLang="en-US"/>
+          </a:p>
+          <a:p>
+            <a:pPr lvl="2"/>
+            <a:endParaRPr lang="zh-CN" altLang="en-US"/>
+          </a:p>
+        </p:txBody>
+      </p:sp>
+    </p:spTree>
+  </p:cSld>
+  <p:clrMapOvr>
+    <a:masterClrMapping/>
+  </p:clrMapOvr>
+</p:sld>
+</file>
+
+<file path=ppt/slides/slide13.xml><?xml version="1.0" encoding="utf-8"?>
+<p:sld xmlns:a="http://schemas.openxmlformats.org/drawingml/2006/main" xmlns:r="http://schemas.openxmlformats.org/officeDocument/2006/relationships" xmlns:p="http://schemas.openxmlformats.org/presentationml/2006/main">
+  <p:cSld>
+    <p:spTree>
+      <p:nvGrpSpPr>
+        <p:cNvPr id="1" name=""/>
+        <p:cNvGrpSpPr/>
+        <p:nvPr/>
+      </p:nvGrpSpPr>
+      <p:grpSpPr/>
+      <p:sp>
+        <p:nvSpPr>
+          <p:cNvPr id="3" name="内容占位符 2"/>
+          <p:cNvSpPr>
+            <a:spLocks noGrp="1"/>
+          </p:cNvSpPr>
+          <p:nvPr>
+            <p:ph idx="1"/>
+          </p:nvPr>
+        </p:nvSpPr>
+        <p:spPr>
+          <a:xfrm>
+            <a:off x="838200" y="1253490"/>
+            <a:ext cx="10515600" cy="4351338"/>
+          </a:xfrm>
+        </p:spPr>
+        <p:txBody>
+          <a:bodyPr/>
+          <a:p>
+            <a:pPr marL="0" lvl="1"/>
+            <a:r>
+              <a:rPr lang="zh-CN" altLang="en-US" sz="2800">
+                <a:sym typeface="+mn-ea"/>
+              </a:rPr>
+              <a:t>后期：撰写测试报告，评估风险，提出改进意见，组织复盘</a:t>
+            </a:r>
+            <a:endParaRPr lang="zh-CN" altLang="en-US" sz="2800">
+              <a:sym typeface="+mn-ea"/>
+            </a:endParaRPr>
+          </a:p>
+          <a:p>
+            <a:pPr marL="0" lvl="1"/>
+            <a:endParaRPr lang="zh-CN" altLang="en-US" sz="2800">
+              <a:sym typeface="+mn-ea"/>
+            </a:endParaRPr>
+          </a:p>
+          <a:p>
+            <a:pPr marL="0" lvl="1"/>
+            <a:r>
+              <a:rPr lang="zh-CN" altLang="en-US" sz="2795"/>
+              <a:t>除了产出报告，还需总结在前期制定策略的方法</a:t>
+            </a:r>
+            <a:endParaRPr lang="zh-CN" altLang="en-US" sz="2795"/>
+          </a:p>
+          <a:p>
+            <a:pPr marL="914400" lvl="3"/>
+            <a:r>
+              <a:rPr lang="zh-CN" altLang="en-US"/>
+              <a:t>例如这次测试前期调研过程中，按照用户使用的最短路径来确立压测范围的思路</a:t>
+            </a:r>
+            <a:endParaRPr lang="zh-CN" altLang="en-US"/>
+          </a:p>
+        </p:txBody>
+      </p:sp>
+    </p:spTree>
   </p:cSld>
   <p:clrMapOvr>
     <a:masterClrMapping/>
@@ -7058,26 +8129,11 @@
       </p:grpSpPr>
       <p:sp>
         <p:nvSpPr>
-          <p:cNvPr id="8" name="Rectangle 7">
-            <a:extLst>
-              <a:ext uri="{FF2B5EF4-FFF2-40B4-BE49-F238E27FC236}">
-                <a16:creationId xmlns:a16="http://schemas.microsoft.com/office/drawing/2014/main" id="{9264D464-898B-4908-88FD-33A83D6ED64E}"/>
-              </a:ext>
-              <a:ext uri="{C183D7F6-B498-43B3-948B-1728B52AA6E4}">
-                <adec:decorative xmlns:adec="http://schemas.microsoft.com/office/drawing/2017/decorative" val="1"/>
-              </a:ext>
-            </a:extLst>
-          </p:cNvPr>
+          <p:cNvPr id="8" name="Rectangle 7"/>
           <p:cNvSpPr>
             <a:spLocks noGrp="1" noRot="1" noChangeAspect="1" noMove="1" noResize="1" noEditPoints="1" noAdjustHandles="1" noChangeArrowheads="1" noChangeShapeType="1" noTextEdit="1"/>
           </p:cNvSpPr>
-          <p:nvPr>
-            <p:extLst>
-              <p:ext uri="{386F3935-93C4-4BCD-93E2-E3B085C9AB24}">
-                <p16:designElem xmlns:p16="http://schemas.microsoft.com/office/powerpoint/2015/main" val="1"/>
-              </p:ext>
-            </p:extLst>
-          </p:nvPr>
+          <p:nvPr/>
         </p:nvSpPr>
         <p:spPr>
           <a:xfrm>
@@ -7121,26 +8177,11 @@
       </p:sp>
       <p:sp>
         <p:nvSpPr>
-          <p:cNvPr id="10" name="Freeform: Shape 9">
-            <a:extLst>
-              <a:ext uri="{FF2B5EF4-FFF2-40B4-BE49-F238E27FC236}">
-                <a16:creationId xmlns:a16="http://schemas.microsoft.com/office/drawing/2014/main" id="{F0BC1D9E-4401-4EC0-88FD-ED103CB570EA}"/>
-              </a:ext>
-              <a:ext uri="{C183D7F6-B498-43B3-948B-1728B52AA6E4}">
-                <adec:decorative xmlns:adec="http://schemas.microsoft.com/office/drawing/2017/decorative" val="1"/>
-              </a:ext>
-            </a:extLst>
-          </p:cNvPr>
+          <p:cNvPr id="10" name="Freeform: Shape 9"/>
           <p:cNvSpPr>
             <a:spLocks noGrp="1" noRot="1" noChangeAspect="1" noMove="1" noResize="1" noEditPoints="1" noAdjustHandles="1" noChangeArrowheads="1" noChangeShapeType="1" noTextEdit="1"/>
           </p:cNvSpPr>
-          <p:nvPr>
-            <p:extLst>
-              <p:ext uri="{386F3935-93C4-4BCD-93E2-E3B085C9AB24}">
-                <p16:designElem xmlns:p16="http://schemas.microsoft.com/office/powerpoint/2015/main" val="1"/>
-              </p:ext>
-            </p:extLst>
-          </p:nvPr>
+          <p:nvPr/>
         </p:nvSpPr>
         <p:spPr>
           <a:xfrm>
@@ -7229,26 +8270,11 @@
       </p:sp>
       <p:sp useBgFill="1">
         <p:nvSpPr>
-          <p:cNvPr id="12" name="Freeform: Shape 11">
-            <a:extLst>
-              <a:ext uri="{FF2B5EF4-FFF2-40B4-BE49-F238E27FC236}">
-                <a16:creationId xmlns:a16="http://schemas.microsoft.com/office/drawing/2014/main" id="{B0AAF7C9-094E-400C-A428-F6C2262F6527}"/>
-              </a:ext>
-              <a:ext uri="{C183D7F6-B498-43B3-948B-1728B52AA6E4}">
-                <adec:decorative xmlns:adec="http://schemas.microsoft.com/office/drawing/2017/decorative" val="1"/>
-              </a:ext>
-            </a:extLst>
-          </p:cNvPr>
+          <p:cNvPr id="12" name="Freeform: Shape 11"/>
           <p:cNvSpPr>
             <a:spLocks noGrp="1" noRot="1" noChangeAspect="1" noMove="1" noResize="1" noEditPoints="1" noAdjustHandles="1" noChangeArrowheads="1" noChangeShapeType="1" noTextEdit="1"/>
           </p:cNvSpPr>
-          <p:nvPr>
-            <p:extLst>
-              <p:ext uri="{386F3935-93C4-4BCD-93E2-E3B085C9AB24}">
-                <p16:designElem xmlns:p16="http://schemas.microsoft.com/office/powerpoint/2015/main" val="1"/>
-              </p:ext>
-            </p:extLst>
-          </p:nvPr>
+          <p:nvPr/>
         </p:nvSpPr>
         <p:spPr>
           <a:xfrm>
@@ -7366,13 +8392,7 @@
       </p:sp>
       <p:sp>
         <p:nvSpPr>
-          <p:cNvPr id="3" name="内容占位符 2">
-            <a:extLst>
-              <a:ext uri="{FF2B5EF4-FFF2-40B4-BE49-F238E27FC236}">
-                <a16:creationId xmlns:a16="http://schemas.microsoft.com/office/drawing/2014/main" id="{F7A97EF4-3F0D-4C41-BB38-BAD17BCD3B8D}"/>
-              </a:ext>
-            </a:extLst>
-          </p:cNvPr>
+          <p:cNvPr id="3" name="内容占位符 2"/>
           <p:cNvSpPr>
             <a:spLocks noGrp="1"/>
           </p:cNvSpPr>
@@ -7408,6 +8428,7 @@
               <a:rPr kumimoji="1" lang="en-US" altLang="zh-CN" sz="2200"/>
               <a:t>?</a:t>
             </a:r>
+            <a:endParaRPr kumimoji="1" lang="en-US" altLang="zh-CN" sz="2200"/>
           </a:p>
           <a:p>
             <a:pPr lvl="1"/>
@@ -7435,12 +8456,8 @@
           </a:p>
           <a:p>
             <a:r>
-              <a:rPr kumimoji="1" lang="en-US" altLang="zh-CN" sz="2200"/>
-              <a:t>D99</a:t>
-            </a:r>
-            <a:r>
               <a:rPr kumimoji="1" lang="zh-CN" altLang="en-US" sz="2200"/>
-              <a:t>初期压测任务概况</a:t>
+              <a:t>压测准备阶段</a:t>
             </a:r>
             <a:endParaRPr kumimoji="1" lang="en-US" altLang="zh-CN" sz="2200"/>
           </a:p>
@@ -7475,26 +8492,11 @@
       </p:sp>
       <p:sp>
         <p:nvSpPr>
-          <p:cNvPr id="14" name="Freeform: Shape 13">
-            <a:extLst>
-              <a:ext uri="{FF2B5EF4-FFF2-40B4-BE49-F238E27FC236}">
-                <a16:creationId xmlns:a16="http://schemas.microsoft.com/office/drawing/2014/main" id="{6200B311-3585-4069-AAC6-CD443FA5B8AD}"/>
-              </a:ext>
-              <a:ext uri="{C183D7F6-B498-43B3-948B-1728B52AA6E4}">
-                <adec:decorative xmlns:adec="http://schemas.microsoft.com/office/drawing/2017/decorative" val="1"/>
-              </a:ext>
-            </a:extLst>
-          </p:cNvPr>
+          <p:cNvPr id="14" name="Freeform: Shape 13"/>
           <p:cNvSpPr>
             <a:spLocks noGrp="1" noRot="1" noChangeAspect="1" noMove="1" noResize="1" noEditPoints="1" noAdjustHandles="1" noChangeArrowheads="1" noChangeShapeType="1" noTextEdit="1"/>
           </p:cNvSpPr>
-          <p:nvPr>
-            <p:extLst>
-              <p:ext uri="{386F3935-93C4-4BCD-93E2-E3B085C9AB24}">
-                <p16:designElem xmlns:p16="http://schemas.microsoft.com/office/powerpoint/2015/main" val="1"/>
-              </p:ext>
-            </p:extLst>
-          </p:nvPr>
+          <p:nvPr/>
         </p:nvSpPr>
         <p:spPr>
           <a:xfrm>
@@ -7601,13 +8603,7 @@
       </p:sp>
       <p:sp>
         <p:nvSpPr>
-          <p:cNvPr id="2" name="文本框 1">
-            <a:extLst>
-              <a:ext uri="{FF2B5EF4-FFF2-40B4-BE49-F238E27FC236}">
-                <a16:creationId xmlns:a16="http://schemas.microsoft.com/office/drawing/2014/main" id="{43F325F0-56D0-8C44-AB7D-8BDF93647E0E}"/>
-              </a:ext>
-            </a:extLst>
-          </p:cNvPr>
+          <p:cNvPr id="2" name="文本框 1"/>
           <p:cNvSpPr txBox="1"/>
           <p:nvPr/>
         </p:nvSpPr>
@@ -7635,15 +8631,15 @@
               </a:rPr>
               <a:t>测试背景</a:t>
             </a:r>
+            <a:endParaRPr kumimoji="1" lang="zh-CN" altLang="en-US" sz="2800" dirty="0">
+              <a:solidFill>
+                <a:schemeClr val="bg1"/>
+              </a:solidFill>
+            </a:endParaRPr>
           </a:p>
         </p:txBody>
       </p:sp>
     </p:spTree>
-    <p:extLst>
-      <p:ext uri="{BB962C8B-B14F-4D97-AF65-F5344CB8AC3E}">
-        <p14:creationId xmlns:p14="http://schemas.microsoft.com/office/powerpoint/2010/main" val="1188152615"/>
-      </p:ext>
-    </p:extLst>
   </p:cSld>
   <p:clrMapOvr>
     <a:overrideClrMapping bg1="dk1" tx1="lt1" bg2="dk2" tx2="lt2" accent1="accent1" accent2="accent2" accent3="accent3" accent4="accent4" accent5="accent5" accent6="accent6" hlink="hlink" folHlink="folHlink"/>
@@ -7678,26 +8674,11 @@
       </p:grpSpPr>
       <p:sp useBgFill="1">
         <p:nvSpPr>
-          <p:cNvPr id="27" name="Rectangle 21">
-            <a:extLst>
-              <a:ext uri="{FF2B5EF4-FFF2-40B4-BE49-F238E27FC236}">
-                <a16:creationId xmlns:a16="http://schemas.microsoft.com/office/drawing/2014/main" id="{7264F718-7FAC-4056-9FA9-A603EC682FE7}"/>
-              </a:ext>
-              <a:ext uri="{C183D7F6-B498-43B3-948B-1728B52AA6E4}">
-                <adec:decorative xmlns:adec="http://schemas.microsoft.com/office/drawing/2017/decorative" val="1"/>
-              </a:ext>
-            </a:extLst>
-          </p:cNvPr>
+          <p:cNvPr id="27" name="Rectangle 21"/>
           <p:cNvSpPr>
             <a:spLocks noGrp="1" noRot="1" noChangeAspect="1" noMove="1" noResize="1" noEditPoints="1" noAdjustHandles="1" noChangeArrowheads="1" noChangeShapeType="1" noTextEdit="1"/>
           </p:cNvSpPr>
-          <p:nvPr>
-            <p:extLst>
-              <p:ext uri="{386F3935-93C4-4BCD-93E2-E3B085C9AB24}">
-                <p16:designElem xmlns:p16="http://schemas.microsoft.com/office/powerpoint/2015/main" val="1"/>
-              </p:ext>
-            </p:extLst>
-          </p:nvPr>
+          <p:nvPr/>
         </p:nvSpPr>
         <p:spPr>
           <a:xfrm>
@@ -7738,26 +8719,11 @@
       </p:sp>
       <p:sp>
         <p:nvSpPr>
-          <p:cNvPr id="28" name="Freeform: Shape 23">
-            <a:extLst>
-              <a:ext uri="{FF2B5EF4-FFF2-40B4-BE49-F238E27FC236}">
-                <a16:creationId xmlns:a16="http://schemas.microsoft.com/office/drawing/2014/main" id="{F74639F7-E3C7-4165-A83E-6386A86BA1DA}"/>
-              </a:ext>
-              <a:ext uri="{C183D7F6-B498-43B3-948B-1728B52AA6E4}">
-                <adec:decorative xmlns:adec="http://schemas.microsoft.com/office/drawing/2017/decorative" val="1"/>
-              </a:ext>
-            </a:extLst>
-          </p:cNvPr>
+          <p:cNvPr id="28" name="Freeform: Shape 23"/>
           <p:cNvSpPr>
             <a:spLocks noGrp="1" noRot="1" noChangeAspect="1" noMove="1" noResize="1" noEditPoints="1" noAdjustHandles="1" noChangeArrowheads="1" noChangeShapeType="1" noTextEdit="1"/>
           </p:cNvSpPr>
-          <p:nvPr>
-            <p:extLst>
-              <p:ext uri="{386F3935-93C4-4BCD-93E2-E3B085C9AB24}">
-                <p16:designElem xmlns:p16="http://schemas.microsoft.com/office/powerpoint/2015/main" val="1"/>
-              </p:ext>
-            </p:extLst>
-          </p:nvPr>
+          <p:nvPr/>
         </p:nvSpPr>
         <p:spPr>
           <a:xfrm flipV="1">
@@ -7848,26 +8814,11 @@
       </p:sp>
       <p:sp>
         <p:nvSpPr>
-          <p:cNvPr id="26" name="Freeform: Shape 25">
-            <a:extLst>
-              <a:ext uri="{FF2B5EF4-FFF2-40B4-BE49-F238E27FC236}">
-                <a16:creationId xmlns:a16="http://schemas.microsoft.com/office/drawing/2014/main" id="{8B3AF0F1-707A-463E-B5EE-33C63A40CFC9}"/>
-              </a:ext>
-              <a:ext uri="{C183D7F6-B498-43B3-948B-1728B52AA6E4}">
-                <adec:decorative xmlns:adec="http://schemas.microsoft.com/office/drawing/2017/decorative" val="1"/>
-              </a:ext>
-            </a:extLst>
-          </p:cNvPr>
+          <p:cNvPr id="26" name="Freeform: Shape 25"/>
           <p:cNvSpPr>
             <a:spLocks noGrp="1" noRot="1" noChangeAspect="1" noMove="1" noResize="1" noEditPoints="1" noAdjustHandles="1" noChangeArrowheads="1" noChangeShapeType="1" noTextEdit="1"/>
           </p:cNvSpPr>
-          <p:nvPr>
-            <p:extLst>
-              <p:ext uri="{386F3935-93C4-4BCD-93E2-E3B085C9AB24}">
-                <p16:designElem xmlns:p16="http://schemas.microsoft.com/office/powerpoint/2015/main" val="1"/>
-              </p:ext>
-            </p:extLst>
-          </p:nvPr>
+          <p:nvPr/>
         </p:nvSpPr>
         <p:spPr>
           <a:xfrm flipV="1">
@@ -7956,13 +8907,7 @@
       </p:sp>
       <p:graphicFrame>
         <p:nvGraphicFramePr>
-          <p:cNvPr id="30" name="内容占位符 2">
-            <a:extLst>
-              <a:ext uri="{FF2B5EF4-FFF2-40B4-BE49-F238E27FC236}">
-                <a16:creationId xmlns:a16="http://schemas.microsoft.com/office/drawing/2014/main" id="{E0C96553-A67A-4C1C-96DB-030CD9DF5927}"/>
-              </a:ext>
-            </a:extLst>
-          </p:cNvPr>
+          <p:cNvPr id="30" name="内容占位符 2"/>
           <p:cNvGraphicFramePr>
             <a:graphicFrameLocks noGrp="1"/>
           </p:cNvGraphicFramePr>
@@ -7976,19 +8921,13 @@
         </p:xfrm>
         <a:graphic>
           <a:graphicData uri="http://schemas.openxmlformats.org/drawingml/2006/diagram">
-            <dgm:relIds xmlns:dgm="http://schemas.openxmlformats.org/drawingml/2006/diagram" xmlns:r="http://schemas.openxmlformats.org/officeDocument/2006/relationships" r:dm="rId3" r:lo="rId4" r:qs="rId5" r:cs="rId6"/>
+            <dgm:relIds xmlns:dgm="http://schemas.openxmlformats.org/drawingml/2006/diagram" xmlns:r="http://schemas.openxmlformats.org/officeDocument/2006/relationships" r:dm="rId1" r:lo="rId2" r:qs="rId3" r:cs="rId4"/>
           </a:graphicData>
         </a:graphic>
       </p:graphicFrame>
       <p:sp>
         <p:nvSpPr>
-          <p:cNvPr id="19" name="文本框 18">
-            <a:extLst>
-              <a:ext uri="{FF2B5EF4-FFF2-40B4-BE49-F238E27FC236}">
-                <a16:creationId xmlns:a16="http://schemas.microsoft.com/office/drawing/2014/main" id="{B5DCFD79-91E4-754B-84A0-3F54DD645C23}"/>
-              </a:ext>
-            </a:extLst>
-          </p:cNvPr>
+          <p:cNvPr id="19" name="文本框 18"/>
           <p:cNvSpPr txBox="1"/>
           <p:nvPr/>
         </p:nvSpPr>
@@ -8017,15 +8956,15 @@
               </a:rPr>
               <a:t>调研结果</a:t>
             </a:r>
+            <a:endParaRPr kumimoji="1" lang="zh-CN" altLang="en-US" sz="3600" dirty="0">
+              <a:solidFill>
+                <a:schemeClr val="bg1"/>
+              </a:solidFill>
+            </a:endParaRPr>
           </a:p>
         </p:txBody>
       </p:sp>
     </p:spTree>
-    <p:extLst>
-      <p:ext uri="{BB962C8B-B14F-4D97-AF65-F5344CB8AC3E}">
-        <p14:creationId xmlns:p14="http://schemas.microsoft.com/office/powerpoint/2010/main" val="6352349"/>
-      </p:ext>
-    </p:extLst>
   </p:cSld>
   <p:clrMapOvr>
     <a:masterClrMapping/>
@@ -8052,13 +8991,7 @@
       </p:grpSpPr>
       <p:sp>
         <p:nvSpPr>
-          <p:cNvPr id="3" name="内容占位符 2">
-            <a:extLst>
-              <a:ext uri="{FF2B5EF4-FFF2-40B4-BE49-F238E27FC236}">
-                <a16:creationId xmlns:a16="http://schemas.microsoft.com/office/drawing/2014/main" id="{32497DF1-A188-484C-BEFE-FAC7E7EB5EBC}"/>
-              </a:ext>
-            </a:extLst>
-          </p:cNvPr>
+          <p:cNvPr id="3" name="内容占位符 2"/>
           <p:cNvSpPr>
             <a:spLocks noGrp="1"/>
           </p:cNvSpPr>
@@ -8080,7 +9013,7 @@
           <a:p>
             <a:r>
               <a:rPr kumimoji="1" lang="zh-CN" altLang="en-US" dirty="0"/>
-              <a:t>中期业务调整</a:t>
+              <a:t>业务调整</a:t>
             </a:r>
             <a:endParaRPr kumimoji="1" lang="en-US" altLang="zh-CN" dirty="0"/>
           </a:p>
@@ -8115,7 +9048,7 @@
             <a:pPr lvl="1"/>
             <a:r>
               <a:rPr kumimoji="1" lang="zh-CN" altLang="en-US" dirty="0"/>
-              <a:t>风险：第三方应用直接请求游戏正服获取线上数据，对生产环境的稳定性以及数据安全性有极大隐患。</a:t>
+              <a:t>识别风险：第三方应用直接请求游戏正服获取线上数据，对生产环境的稳定性以及数据安全性有极大隐患。</a:t>
             </a:r>
             <a:endParaRPr kumimoji="1" lang="en-US" altLang="zh-CN" dirty="0"/>
           </a:p>
@@ -8127,7 +9060,7 @@
             <a:pPr lvl="1"/>
             <a:r>
               <a:rPr kumimoji="1" lang="zh-CN" altLang="en-US" dirty="0"/>
-              <a:t>改动目标：</a:t>
+              <a:t>业务改动点：</a:t>
             </a:r>
             <a:r>
               <a:rPr kumimoji="1" lang="en-US" altLang="zh-CN" dirty="0"/>
@@ -8183,13 +9116,7 @@
       </p:sp>
       <p:sp>
         <p:nvSpPr>
-          <p:cNvPr id="4" name="圆角矩形 3">
-            <a:extLst>
-              <a:ext uri="{FF2B5EF4-FFF2-40B4-BE49-F238E27FC236}">
-                <a16:creationId xmlns:a16="http://schemas.microsoft.com/office/drawing/2014/main" id="{75F726E2-E4AE-9B4C-8E7B-E94B16841DE0}"/>
-              </a:ext>
-            </a:extLst>
-          </p:cNvPr>
+          <p:cNvPr id="4" name="圆角矩形 3"/>
           <p:cNvSpPr/>
           <p:nvPr/>
         </p:nvSpPr>
@@ -8233,13 +9160,7 @@
       </p:sp>
       <p:sp>
         <p:nvSpPr>
-          <p:cNvPr id="5" name="圆角矩形 4">
-            <a:extLst>
-              <a:ext uri="{FF2B5EF4-FFF2-40B4-BE49-F238E27FC236}">
-                <a16:creationId xmlns:a16="http://schemas.microsoft.com/office/drawing/2014/main" id="{B1E1B5FB-4DBA-EB46-8FC5-069AE7524857}"/>
-              </a:ext>
-            </a:extLst>
-          </p:cNvPr>
+          <p:cNvPr id="5" name="圆角矩形 4"/>
           <p:cNvSpPr/>
           <p:nvPr/>
         </p:nvSpPr>
@@ -8283,13 +9204,7 @@
       </p:sp>
       <p:sp>
         <p:nvSpPr>
-          <p:cNvPr id="6" name="圆角矩形 5">
-            <a:extLst>
-              <a:ext uri="{FF2B5EF4-FFF2-40B4-BE49-F238E27FC236}">
-                <a16:creationId xmlns:a16="http://schemas.microsoft.com/office/drawing/2014/main" id="{A15FA174-105F-044E-B95F-C979B2398217}"/>
-              </a:ext>
-            </a:extLst>
-          </p:cNvPr>
+          <p:cNvPr id="6" name="圆角矩形 5"/>
           <p:cNvSpPr/>
           <p:nvPr/>
         </p:nvSpPr>
@@ -8333,13 +9248,7 @@
       </p:sp>
       <p:sp>
         <p:nvSpPr>
-          <p:cNvPr id="7" name="圆角矩形 6">
-            <a:extLst>
-              <a:ext uri="{FF2B5EF4-FFF2-40B4-BE49-F238E27FC236}">
-                <a16:creationId xmlns:a16="http://schemas.microsoft.com/office/drawing/2014/main" id="{0D03A50A-4731-7544-AE57-EC05225A7D40}"/>
-              </a:ext>
-            </a:extLst>
-          </p:cNvPr>
+          <p:cNvPr id="7" name="圆角矩形 6"/>
           <p:cNvSpPr/>
           <p:nvPr/>
         </p:nvSpPr>
@@ -8383,16 +9292,8 @@
       </p:sp>
       <p:cxnSp>
         <p:nvCxnSpPr>
-          <p:cNvPr id="9" name="直线箭头连接符 8">
-            <a:extLst>
-              <a:ext uri="{FF2B5EF4-FFF2-40B4-BE49-F238E27FC236}">
-                <a16:creationId xmlns:a16="http://schemas.microsoft.com/office/drawing/2014/main" id="{A28EB572-8555-3D43-9869-F953124EA2AF}"/>
-              </a:ext>
-            </a:extLst>
-          </p:cNvPr>
-          <p:cNvCxnSpPr>
-            <a:cxnSpLocks/>
-          </p:cNvCxnSpPr>
+          <p:cNvPr id="9" name="直线箭头连接符 8"/>
+          <p:cNvCxnSpPr/>
           <p:nvPr/>
         </p:nvCxnSpPr>
         <p:spPr>
@@ -8424,16 +9325,8 @@
       </p:cxnSp>
       <p:cxnSp>
         <p:nvCxnSpPr>
-          <p:cNvPr id="10" name="直线箭头连接符 9">
-            <a:extLst>
-              <a:ext uri="{FF2B5EF4-FFF2-40B4-BE49-F238E27FC236}">
-                <a16:creationId xmlns:a16="http://schemas.microsoft.com/office/drawing/2014/main" id="{2C78179F-1FDF-5546-B8B2-EB812AC77C5D}"/>
-              </a:ext>
-            </a:extLst>
-          </p:cNvPr>
-          <p:cNvCxnSpPr>
-            <a:cxnSpLocks/>
-          </p:cNvCxnSpPr>
+          <p:cNvPr id="10" name="直线箭头连接符 9"/>
+          <p:cNvCxnSpPr/>
           <p:nvPr/>
         </p:nvCxnSpPr>
         <p:spPr>
@@ -8465,16 +9358,8 @@
       </p:cxnSp>
       <p:cxnSp>
         <p:nvCxnSpPr>
-          <p:cNvPr id="13" name="直线箭头连接符 12">
-            <a:extLst>
-              <a:ext uri="{FF2B5EF4-FFF2-40B4-BE49-F238E27FC236}">
-                <a16:creationId xmlns:a16="http://schemas.microsoft.com/office/drawing/2014/main" id="{D78590F6-E1EB-F049-A39F-0CE7DD5DA315}"/>
-              </a:ext>
-            </a:extLst>
-          </p:cNvPr>
-          <p:cNvCxnSpPr>
-            <a:cxnSpLocks/>
-          </p:cNvCxnSpPr>
+          <p:cNvPr id="13" name="直线箭头连接符 12"/>
+          <p:cNvCxnSpPr/>
           <p:nvPr/>
         </p:nvCxnSpPr>
         <p:spPr>
@@ -8506,16 +9391,8 @@
       </p:cxnSp>
       <p:cxnSp>
         <p:nvCxnSpPr>
-          <p:cNvPr id="17" name="直线箭头连接符 16">
-            <a:extLst>
-              <a:ext uri="{FF2B5EF4-FFF2-40B4-BE49-F238E27FC236}">
-                <a16:creationId xmlns:a16="http://schemas.microsoft.com/office/drawing/2014/main" id="{1C88AF54-B102-4C42-ACBD-3745A895265B}"/>
-              </a:ext>
-            </a:extLst>
-          </p:cNvPr>
-          <p:cNvCxnSpPr>
-            <a:cxnSpLocks/>
-          </p:cNvCxnSpPr>
+          <p:cNvPr id="17" name="直线箭头连接符 16"/>
+          <p:cNvCxnSpPr/>
           <p:nvPr/>
         </p:nvCxnSpPr>
         <p:spPr>
@@ -8547,16 +9424,8 @@
       </p:cxnSp>
       <p:cxnSp>
         <p:nvCxnSpPr>
-          <p:cNvPr id="19" name="直线箭头连接符 18">
-            <a:extLst>
-              <a:ext uri="{FF2B5EF4-FFF2-40B4-BE49-F238E27FC236}">
-                <a16:creationId xmlns:a16="http://schemas.microsoft.com/office/drawing/2014/main" id="{CA93BBB9-4566-3D4D-80E4-4808B8FC24C5}"/>
-              </a:ext>
-            </a:extLst>
-          </p:cNvPr>
-          <p:cNvCxnSpPr>
-            <a:cxnSpLocks/>
-          </p:cNvCxnSpPr>
+          <p:cNvPr id="19" name="直线箭头连接符 18"/>
+          <p:cNvCxnSpPr/>
           <p:nvPr/>
         </p:nvCxnSpPr>
         <p:spPr>
@@ -8587,11 +9456,6 @@
         </p:style>
       </p:cxnSp>
     </p:spTree>
-    <p:extLst>
-      <p:ext uri="{BB962C8B-B14F-4D97-AF65-F5344CB8AC3E}">
-        <p14:creationId xmlns:p14="http://schemas.microsoft.com/office/powerpoint/2010/main" val="989685051"/>
-      </p:ext>
-    </p:extLst>
   </p:cSld>
   <p:clrMapOvr>
     <a:masterClrMapping/>
@@ -8626,26 +9490,11 @@
       </p:grpSpPr>
       <p:sp>
         <p:nvSpPr>
-          <p:cNvPr id="8" name="Freeform: Shape 7">
-            <a:extLst>
-              <a:ext uri="{FF2B5EF4-FFF2-40B4-BE49-F238E27FC236}">
-                <a16:creationId xmlns:a16="http://schemas.microsoft.com/office/drawing/2014/main" id="{7CB4857B-ED7C-444D-9F04-2F885114A1C2}"/>
-              </a:ext>
-              <a:ext uri="{C183D7F6-B498-43B3-948B-1728B52AA6E4}">
-                <adec:decorative xmlns:adec="http://schemas.microsoft.com/office/drawing/2017/decorative" val="1"/>
-              </a:ext>
-            </a:extLst>
-          </p:cNvPr>
+          <p:cNvPr id="8" name="Freeform: Shape 7"/>
           <p:cNvSpPr>
             <a:spLocks noGrp="1" noRot="1" noChangeAspect="1" noMove="1" noResize="1" noEditPoints="1" noAdjustHandles="1" noChangeArrowheads="1" noChangeShapeType="1" noTextEdit="1"/>
           </p:cNvSpPr>
-          <p:nvPr>
-            <p:extLst>
-              <p:ext uri="{386F3935-93C4-4BCD-93E2-E3B085C9AB24}">
-                <p16:designElem xmlns:p16="http://schemas.microsoft.com/office/powerpoint/2015/main" val="1"/>
-              </p:ext>
-            </p:extLst>
-          </p:nvPr>
+          <p:nvPr/>
         </p:nvSpPr>
         <p:spPr>
           <a:xfrm>
@@ -8734,26 +9583,11 @@
       </p:sp>
       <p:sp>
         <p:nvSpPr>
-          <p:cNvPr id="10" name="Freeform: Shape 9">
-            <a:extLst>
-              <a:ext uri="{FF2B5EF4-FFF2-40B4-BE49-F238E27FC236}">
-                <a16:creationId xmlns:a16="http://schemas.microsoft.com/office/drawing/2014/main" id="{D18046FB-44EA-4FD8-A585-EA09A319B2D0}"/>
-              </a:ext>
-              <a:ext uri="{C183D7F6-B498-43B3-948B-1728B52AA6E4}">
-                <adec:decorative xmlns:adec="http://schemas.microsoft.com/office/drawing/2017/decorative" val="1"/>
-              </a:ext>
-            </a:extLst>
-          </p:cNvPr>
+          <p:cNvPr id="10" name="Freeform: Shape 9"/>
           <p:cNvSpPr>
             <a:spLocks noGrp="1" noRot="1" noChangeAspect="1" noMove="1" noResize="1" noEditPoints="1" noAdjustHandles="1" noChangeArrowheads="1" noChangeShapeType="1" noTextEdit="1"/>
           </p:cNvSpPr>
-          <p:nvPr>
-            <p:extLst>
-              <p:ext uri="{386F3935-93C4-4BCD-93E2-E3B085C9AB24}">
-                <p16:designElem xmlns:p16="http://schemas.microsoft.com/office/powerpoint/2015/main" val="1"/>
-              </p:ext>
-            </p:extLst>
-          </p:nvPr>
+          <p:nvPr/>
         </p:nvSpPr>
         <p:spPr>
           <a:xfrm>
@@ -8996,26 +9830,11 @@
       </p:sp>
       <p:sp>
         <p:nvSpPr>
-          <p:cNvPr id="12" name="Freeform: Shape 11">
-            <a:extLst>
-              <a:ext uri="{FF2B5EF4-FFF2-40B4-BE49-F238E27FC236}">
-                <a16:creationId xmlns:a16="http://schemas.microsoft.com/office/drawing/2014/main" id="{479F5F2B-8B58-4140-AE6A-51F6C67B18D9}"/>
-              </a:ext>
-              <a:ext uri="{C183D7F6-B498-43B3-948B-1728B52AA6E4}">
-                <adec:decorative xmlns:adec="http://schemas.microsoft.com/office/drawing/2017/decorative" val="1"/>
-              </a:ext>
-            </a:extLst>
-          </p:cNvPr>
+          <p:cNvPr id="12" name="Freeform: Shape 11"/>
           <p:cNvSpPr>
             <a:spLocks noGrp="1" noRot="1" noChangeAspect="1" noMove="1" noResize="1" noEditPoints="1" noAdjustHandles="1" noChangeArrowheads="1" noChangeShapeType="1" noTextEdit="1"/>
           </p:cNvSpPr>
-          <p:nvPr>
-            <p:extLst>
-              <p:ext uri="{386F3935-93C4-4BCD-93E2-E3B085C9AB24}">
-                <p16:designElem xmlns:p16="http://schemas.microsoft.com/office/powerpoint/2015/main" val="1"/>
-              </p:ext>
-            </p:extLst>
-          </p:nvPr>
+          <p:nvPr/>
         </p:nvSpPr>
         <p:spPr>
           <a:xfrm>
@@ -9096,13 +9915,7 @@
       </p:sp>
       <p:sp>
         <p:nvSpPr>
-          <p:cNvPr id="3" name="内容占位符 2">
-            <a:extLst>
-              <a:ext uri="{FF2B5EF4-FFF2-40B4-BE49-F238E27FC236}">
-                <a16:creationId xmlns:a16="http://schemas.microsoft.com/office/drawing/2014/main" id="{5A04DA39-0E5A-424C-940C-687B6C8FFCE3}"/>
-              </a:ext>
-            </a:extLst>
-          </p:cNvPr>
+          <p:cNvPr id="3" name="内容占位符 2"/>
           <p:cNvSpPr>
             <a:spLocks noGrp="1"/>
           </p:cNvSpPr>
@@ -9118,13 +9931,13 @@
         </p:spPr>
         <p:txBody>
           <a:bodyPr anchor="t">
-            <a:normAutofit/>
+            <a:normAutofit lnSpcReduction="20000"/>
           </a:bodyPr>
           <a:lstStyle/>
           <a:p>
             <a:r>
               <a:rPr kumimoji="1" lang="zh-CN" altLang="en-US" sz="2400" dirty="0"/>
-              <a:t>再次提测：</a:t>
+              <a:t>正式提测：</a:t>
             </a:r>
             <a:endParaRPr kumimoji="1" lang="en-US" altLang="zh-CN" sz="2400" dirty="0"/>
           </a:p>
@@ -9163,15 +9976,7 @@
             <a:pPr lvl="1"/>
             <a:r>
               <a:rPr kumimoji="1" lang="zh-CN" altLang="en-US" dirty="0"/>
-              <a:t>圈画压测接口范围：用户操作路径短、使用频繁、产生高并发请求几率   </a:t>
-            </a:r>
-            <a:r>
-              <a:rPr kumimoji="1" lang="en-US" altLang="zh-CN" dirty="0"/>
-              <a:t>			</a:t>
-            </a:r>
-            <a:r>
-              <a:rPr kumimoji="1" lang="zh-CN" altLang="en-US" dirty="0"/>
-              <a:t>       高的接口</a:t>
+              <a:t>圈画压测接口范围：用户操作路径短、使用频繁、产生高并发请求几率高的接口</a:t>
             </a:r>
             <a:endParaRPr kumimoji="1" lang="en-US" altLang="zh-CN" dirty="0"/>
           </a:p>
@@ -9183,7 +9988,7 @@
             <a:pPr lvl="1"/>
             <a:r>
               <a:rPr kumimoji="1" lang="zh-CN" altLang="en-US" dirty="0"/>
-              <a:t>确定压测目标：单接口</a:t>
+              <a:t>制定压测目标：单接口</a:t>
             </a:r>
             <a:r>
               <a:rPr kumimoji="1" lang="en-US" altLang="zh-CN" dirty="0"/>
@@ -9199,7 +10004,19 @@
             </a:r>
             <a:r>
               <a:rPr kumimoji="1" lang="zh-CN" altLang="en-US" dirty="0"/>
-              <a:t>（依据需求方评估上线承载量）</a:t>
+              <a:t>（上线后将限量邀请方式开放使用）</a:t>
+            </a:r>
+            <a:endParaRPr kumimoji="1" lang="zh-CN" altLang="en-US" dirty="0"/>
+          </a:p>
+          <a:p>
+            <a:pPr lvl="1"/>
+            <a:endParaRPr kumimoji="1" lang="zh-CN" altLang="en-US" dirty="0"/>
+          </a:p>
+          <a:p>
+            <a:pPr lvl="1"/>
+            <a:r>
+              <a:rPr kumimoji="1" lang="zh-CN" altLang="en-US" dirty="0"/>
+              <a:t>搭建可视化监控服务，设计并评审测试脚本，协同运维人员搭建压测环境。</a:t>
             </a:r>
             <a:endParaRPr kumimoji="1" lang="en-US" altLang="zh-CN" dirty="0"/>
           </a:p>
@@ -9209,11 +10026,6 @@
         </p:txBody>
       </p:sp>
     </p:spTree>
-    <p:extLst>
-      <p:ext uri="{BB962C8B-B14F-4D97-AF65-F5344CB8AC3E}">
-        <p14:creationId xmlns:p14="http://schemas.microsoft.com/office/powerpoint/2010/main" val="3098800421"/>
-      </p:ext>
-    </p:extLst>
   </p:cSld>
   <p:clrMapOvr>
     <a:masterClrMapping/>
@@ -9248,26 +10060,11 @@
       </p:grpSpPr>
       <p:sp>
         <p:nvSpPr>
-          <p:cNvPr id="28" name="Rectangle 27">
-            <a:extLst>
-              <a:ext uri="{FF2B5EF4-FFF2-40B4-BE49-F238E27FC236}">
-                <a16:creationId xmlns:a16="http://schemas.microsoft.com/office/drawing/2014/main" id="{9A5D6D04-32E9-4AF7-BB82-DB2D0C0B478B}"/>
-              </a:ext>
-              <a:ext uri="{C183D7F6-B498-43B3-948B-1728B52AA6E4}">
-                <adec:decorative xmlns:adec="http://schemas.microsoft.com/office/drawing/2017/decorative" val="1"/>
-              </a:ext>
-            </a:extLst>
-          </p:cNvPr>
+          <p:cNvPr id="28" name="Rectangle 27"/>
           <p:cNvSpPr>
             <a:spLocks noGrp="1" noRot="1" noChangeAspect="1" noMove="1" noResize="1" noEditPoints="1" noAdjustHandles="1" noChangeArrowheads="1" noChangeShapeType="1" noTextEdit="1"/>
           </p:cNvSpPr>
-          <p:nvPr>
-            <p:extLst>
-              <p:ext uri="{386F3935-93C4-4BCD-93E2-E3B085C9AB24}">
-                <p16:designElem xmlns:p16="http://schemas.microsoft.com/office/powerpoint/2015/main" val="1"/>
-              </p:ext>
-            </p:extLst>
-          </p:nvPr>
+          <p:nvPr/>
         </p:nvSpPr>
         <p:spPr>
           <a:xfrm>
@@ -9311,13 +10108,7 @@
       </p:sp>
       <p:pic>
         <p:nvPicPr>
-          <p:cNvPr id="5" name="内容占位符 4">
-            <a:extLst>
-              <a:ext uri="{FF2B5EF4-FFF2-40B4-BE49-F238E27FC236}">
-                <a16:creationId xmlns:a16="http://schemas.microsoft.com/office/drawing/2014/main" id="{53628FDE-E2B6-4A4E-892A-5C5E31328D25}"/>
-              </a:ext>
-            </a:extLst>
-          </p:cNvPr>
+          <p:cNvPr id="5" name="内容占位符 4"/>
           <p:cNvPicPr>
             <a:picLocks noGrp="1" noChangeAspect="1"/>
           </p:cNvPicPr>
@@ -9326,7 +10117,7 @@
           </p:nvPr>
         </p:nvPicPr>
         <p:blipFill>
-          <a:blip r:embed="rId3"/>
+          <a:blip r:embed="rId1"/>
           <a:stretch>
             <a:fillRect/>
           </a:stretch>
@@ -9364,20 +10155,14 @@
       </p:pic>
       <p:pic>
         <p:nvPicPr>
-          <p:cNvPr id="7" name="图片 6">
-            <a:extLst>
-              <a:ext uri="{FF2B5EF4-FFF2-40B4-BE49-F238E27FC236}">
-                <a16:creationId xmlns:a16="http://schemas.microsoft.com/office/drawing/2014/main" id="{F103DA25-8449-B740-B15E-596AC87A808A}"/>
-              </a:ext>
-            </a:extLst>
-          </p:cNvPr>
+          <p:cNvPr id="7" name="图片 6"/>
           <p:cNvPicPr>
             <a:picLocks noChangeAspect="1"/>
           </p:cNvPicPr>
           <p:nvPr/>
         </p:nvPicPr>
         <p:blipFill>
-          <a:blip r:embed="rId4"/>
+          <a:blip r:embed="rId2"/>
           <a:stretch>
             <a:fillRect/>
           </a:stretch>
@@ -9415,26 +10200,11 @@
       </p:pic>
       <p:sp>
         <p:nvSpPr>
-          <p:cNvPr id="30" name="Freeform: Shape 29">
-            <a:extLst>
-              <a:ext uri="{FF2B5EF4-FFF2-40B4-BE49-F238E27FC236}">
-                <a16:creationId xmlns:a16="http://schemas.microsoft.com/office/drawing/2014/main" id="{787CFBC5-FC0C-4C1E-BAFB-689E9866B5D2}"/>
-              </a:ext>
-              <a:ext uri="{C183D7F6-B498-43B3-948B-1728B52AA6E4}">
-                <adec:decorative xmlns:adec="http://schemas.microsoft.com/office/drawing/2017/decorative" val="1"/>
-              </a:ext>
-            </a:extLst>
-          </p:cNvPr>
+          <p:cNvPr id="30" name="Freeform: Shape 29"/>
           <p:cNvSpPr>
             <a:spLocks noGrp="1" noRot="1" noChangeAspect="1" noMove="1" noResize="1" noEditPoints="1" noAdjustHandles="1" noChangeArrowheads="1" noChangeShapeType="1" noTextEdit="1"/>
           </p:cNvSpPr>
-          <p:nvPr>
-            <p:extLst>
-              <p:ext uri="{386F3935-93C4-4BCD-93E2-E3B085C9AB24}">
-                <p16:designElem xmlns:p16="http://schemas.microsoft.com/office/powerpoint/2015/main" val="1"/>
-              </p:ext>
-            </p:extLst>
-          </p:nvPr>
+          <p:nvPr/>
         </p:nvSpPr>
         <p:spPr>
           <a:xfrm>
@@ -9529,13 +10299,7 @@
       </p:sp>
       <p:sp>
         <p:nvSpPr>
-          <p:cNvPr id="2" name="标题 1">
-            <a:extLst>
-              <a:ext uri="{FF2B5EF4-FFF2-40B4-BE49-F238E27FC236}">
-                <a16:creationId xmlns:a16="http://schemas.microsoft.com/office/drawing/2014/main" id="{970F9EF3-0D8F-5C46-AD8D-76BD7D0CF341}"/>
-              </a:ext>
-            </a:extLst>
-          </p:cNvPr>
+          <p:cNvPr id="2" name="标题 1"/>
           <p:cNvSpPr>
             <a:spLocks noGrp="1"/>
           </p:cNvSpPr>
@@ -9563,18 +10327,17 @@
               </a:rPr>
               <a:t>首轮压测结果</a:t>
             </a:r>
-          </a:p>
-        </p:txBody>
-      </p:sp>
-      <p:sp>
-        <p:nvSpPr>
-          <p:cNvPr id="4" name="文本占位符 3">
-            <a:extLst>
-              <a:ext uri="{FF2B5EF4-FFF2-40B4-BE49-F238E27FC236}">
-                <a16:creationId xmlns:a16="http://schemas.microsoft.com/office/drawing/2014/main" id="{04441A87-EF84-D94E-9453-FEA336772815}"/>
-              </a:ext>
-            </a:extLst>
-          </p:cNvPr>
+            <a:endParaRPr kumimoji="1" lang="zh-CN" altLang="en-US" sz="4400">
+              <a:solidFill>
+                <a:schemeClr val="bg1"/>
+              </a:solidFill>
+            </a:endParaRPr>
+          </a:p>
+        </p:txBody>
+      </p:sp>
+      <p:sp>
+        <p:nvSpPr>
+          <p:cNvPr id="4" name="文本占位符 3"/>
           <p:cNvSpPr>
             <a:spLocks noGrp="1"/>
           </p:cNvSpPr>
@@ -9740,11 +10503,6 @@
         </p:txBody>
       </p:sp>
     </p:spTree>
-    <p:extLst>
-      <p:ext uri="{BB962C8B-B14F-4D97-AF65-F5344CB8AC3E}">
-        <p14:creationId xmlns:p14="http://schemas.microsoft.com/office/powerpoint/2010/main" val="1062035927"/>
-      </p:ext>
-    </p:extLst>
   </p:cSld>
   <p:clrMapOvr>
     <a:masterClrMapping/>
@@ -9761,23 +10519,125 @@
         <p:cNvGrpSpPr/>
         <p:nvPr/>
       </p:nvGrpSpPr>
-      <p:grpSpPr>
-        <a:xfrm>
-          <a:off x="0" y="0"/>
-          <a:ext cx="0" cy="0"/>
-          <a:chOff x="0" y="0"/>
-          <a:chExt cx="0" cy="0"/>
-        </a:xfrm>
-      </p:grpSpPr>
-      <p:sp>
-        <p:nvSpPr>
-          <p:cNvPr id="2" name="标题 1">
-            <a:extLst>
-              <a:ext uri="{FF2B5EF4-FFF2-40B4-BE49-F238E27FC236}">
-                <a16:creationId xmlns:a16="http://schemas.microsoft.com/office/drawing/2014/main" id="{63DCE558-8BCB-E74D-B122-31B45E137D5D}"/>
-              </a:ext>
-            </a:extLst>
-          </p:cNvPr>
+      <p:grpSpPr/>
+      <p:sp>
+        <p:nvSpPr>
+          <p:cNvPr id="3" name="内容占位符 2"/>
+          <p:cNvSpPr>
+            <a:spLocks noGrp="1"/>
+          </p:cNvSpPr>
+          <p:nvPr>
+            <p:ph idx="1"/>
+          </p:nvPr>
+        </p:nvSpPr>
+        <p:spPr>
+          <a:xfrm>
+            <a:off x="838200" y="1253490"/>
+            <a:ext cx="10515600" cy="4351338"/>
+          </a:xfrm>
+        </p:spPr>
+        <p:txBody>
+          <a:bodyPr/>
+          <a:p>
+            <a:r>
+              <a:rPr lang="zh-CN"/>
+              <a:t>变化：</a:t>
+            </a:r>
+            <a:endParaRPr lang="zh-CN"/>
+          </a:p>
+          <a:p>
+            <a:pPr lvl="1"/>
+            <a:r>
+              <a:rPr lang="zh-CN"/>
+              <a:t>不再使用原有</a:t>
+            </a:r>
+            <a:r>
+              <a:rPr lang="en-US" altLang="zh-CN"/>
+              <a:t>D99 app</a:t>
+            </a:r>
+            <a:endParaRPr lang="zh-CN" altLang="en-US"/>
+          </a:p>
+          <a:p>
+            <a:pPr lvl="1"/>
+            <a:r>
+              <a:rPr lang="en-US" altLang="zh-CN"/>
+              <a:t>DMP</a:t>
+            </a:r>
+            <a:r>
+              <a:rPr lang="zh-CN" altLang="en-US"/>
+              <a:t>新研发接口保持不变，并为其增加缓存策略（编码由产品中心阿正负责）</a:t>
+            </a:r>
+            <a:endParaRPr lang="zh-CN" altLang="en-US"/>
+          </a:p>
+          <a:p>
+            <a:pPr marL="457200" lvl="1" indent="0">
+              <a:buNone/>
+            </a:pPr>
+            <a:endParaRPr lang="en-US" altLang="zh-CN"/>
+          </a:p>
+          <a:p>
+            <a:pPr lvl="0"/>
+            <a:r>
+              <a:rPr lang="zh-CN" altLang="en-US"/>
+              <a:t>再次提测目的：</a:t>
+            </a:r>
+            <a:endParaRPr lang="zh-CN" altLang="en-US"/>
+          </a:p>
+          <a:p>
+            <a:pPr lvl="1"/>
+            <a:r>
+              <a:rPr lang="en-US" altLang="zh-CN"/>
+              <a:t>DMP</a:t>
+            </a:r>
+            <a:r>
+              <a:rPr lang="zh-CN" altLang="en-US"/>
+              <a:t>接口优化后表现。</a:t>
+            </a:r>
+            <a:endParaRPr lang="zh-CN" altLang="en-US"/>
+          </a:p>
+          <a:p>
+            <a:pPr lvl="1"/>
+            <a:r>
+              <a:rPr lang="zh-CN" altLang="en-US"/>
+              <a:t>缓存策略效果。</a:t>
+            </a:r>
+            <a:endParaRPr lang="zh-CN" altLang="en-US"/>
+          </a:p>
+          <a:p>
+            <a:pPr lvl="1"/>
+            <a:r>
+              <a:rPr lang="zh-CN" altLang="en-US"/>
+              <a:t>对比两种方案。</a:t>
+            </a:r>
+            <a:endParaRPr lang="zh-CN" altLang="en-US"/>
+          </a:p>
+          <a:p>
+            <a:pPr lvl="1"/>
+            <a:endParaRPr lang="zh-CN" altLang="en-US"/>
+          </a:p>
+        </p:txBody>
+      </p:sp>
+    </p:spTree>
+  </p:cSld>
+  <p:clrMapOvr>
+    <a:masterClrMapping/>
+  </p:clrMapOvr>
+</p:sld>
+</file>
+
+<file path=ppt/slides/slide8.xml><?xml version="1.0" encoding="utf-8"?>
+<p:sld xmlns:a="http://schemas.openxmlformats.org/drawingml/2006/main" xmlns:r="http://schemas.openxmlformats.org/officeDocument/2006/relationships" xmlns:p="http://schemas.openxmlformats.org/presentationml/2006/main">
+  <p:cSld>
+    <p:spTree>
+      <p:nvGrpSpPr>
+        <p:cNvPr id="1" name=""/>
+        <p:cNvGrpSpPr/>
+        <p:nvPr/>
+      </p:nvGrpSpPr>
+      <p:grpSpPr/>
+      <p:sp>
+        <p:nvSpPr>
+          <p:cNvPr id="2" name="标题 1"/>
           <p:cNvSpPr>
             <a:spLocks noGrp="1"/>
           </p:cNvSpPr>
@@ -9788,21 +10648,18 @@
         <p:spPr/>
         <p:txBody>
           <a:bodyPr/>
-          <a:lstStyle/>
-          <a:p>
-            <a:endParaRPr kumimoji="1" lang="zh-CN" altLang="en-US"/>
-          </a:p>
-        </p:txBody>
-      </p:sp>
-      <p:sp>
-        <p:nvSpPr>
-          <p:cNvPr id="3" name="内容占位符 2">
-            <a:extLst>
-              <a:ext uri="{FF2B5EF4-FFF2-40B4-BE49-F238E27FC236}">
-                <a16:creationId xmlns:a16="http://schemas.microsoft.com/office/drawing/2014/main" id="{EA034DCC-4739-7E46-9657-05C0B832748C}"/>
-              </a:ext>
-            </a:extLst>
-          </p:cNvPr>
+          <a:p>
+            <a:r>
+              <a:rPr lang="zh-CN" altLang="en-US"/>
+              <a:t>测试准备工作调整</a:t>
+            </a:r>
+            <a:endParaRPr lang="zh-CN" altLang="en-US"/>
+          </a:p>
+        </p:txBody>
+      </p:sp>
+      <p:sp>
+        <p:nvSpPr>
+          <p:cNvPr id="3" name="内容占位符 2"/>
           <p:cNvSpPr>
             <a:spLocks noGrp="1"/>
           </p:cNvSpPr>
@@ -9813,18 +10670,158 @@
         <p:spPr/>
         <p:txBody>
           <a:bodyPr/>
-          <a:lstStyle/>
-          <a:p>
-            <a:endParaRPr kumimoji="1" lang="zh-CN" altLang="en-US"/>
+          <a:p>
+            <a:r>
+              <a:rPr lang="zh-CN" altLang="en-US"/>
+              <a:t>流程：</a:t>
+            </a:r>
+            <a:endParaRPr lang="zh-CN" altLang="en-US"/>
+          </a:p>
+          <a:p>
+            <a:pPr lvl="1"/>
+            <a:r>
+              <a:rPr lang="zh-CN" altLang="en-US"/>
+              <a:t>简化原有测试流程，将性能测试工作前置之于功能测试</a:t>
+            </a:r>
+            <a:endParaRPr lang="zh-CN" altLang="en-US"/>
+          </a:p>
+          <a:p>
+            <a:pPr lvl="1"/>
+            <a:endParaRPr lang="zh-CN" altLang="en-US"/>
+          </a:p>
+          <a:p>
+            <a:pPr lvl="0"/>
+            <a:r>
+              <a:rPr lang="zh-CN" altLang="en-US"/>
+              <a:t>压测目标：</a:t>
+            </a:r>
+            <a:endParaRPr lang="zh-CN" altLang="en-US"/>
+          </a:p>
+          <a:p>
+            <a:pPr lvl="1"/>
+            <a:r>
+              <a:rPr lang="zh-CN" altLang="en-US"/>
+              <a:t>目标</a:t>
+            </a:r>
+            <a:r>
+              <a:rPr lang="en-US" altLang="zh-CN"/>
+              <a:t>qps</a:t>
+            </a:r>
+            <a:r>
+              <a:rPr lang="zh-CN" altLang="en-US"/>
+              <a:t>为</a:t>
+            </a:r>
+            <a:r>
+              <a:rPr lang="en-US" altLang="zh-CN"/>
+              <a:t>190</a:t>
+            </a:r>
+            <a:r>
+              <a:rPr lang="zh-CN" altLang="en-US"/>
+              <a:t>，同时：</a:t>
+            </a:r>
+            <a:endParaRPr lang="zh-CN" altLang="en-US"/>
+          </a:p>
+          <a:p>
+            <a:pPr lvl="2"/>
+            <a:r>
+              <a:rPr lang="zh-CN" altLang="en-US"/>
+              <a:t>接口平均延迟</a:t>
+            </a:r>
+            <a:r>
+              <a:rPr lang="en-US" altLang="zh-CN"/>
+              <a:t>400ms</a:t>
+            </a:r>
+            <a:r>
+              <a:rPr lang="zh-CN" altLang="en-US"/>
+              <a:t>以下</a:t>
+            </a:r>
+            <a:endParaRPr lang="zh-CN" altLang="en-US"/>
+          </a:p>
+          <a:p>
+            <a:pPr lvl="2"/>
+            <a:r>
+              <a:rPr lang="zh-CN" altLang="en-US"/>
+              <a:t>并发请求接口无报错</a:t>
+            </a:r>
+            <a:endParaRPr lang="zh-CN" altLang="en-US"/>
+          </a:p>
+          <a:p>
+            <a:pPr lvl="2"/>
+            <a:r>
+              <a:rPr lang="zh-CN" altLang="en-US"/>
+              <a:t>应用缓存策略后性能表现</a:t>
+            </a:r>
+            <a:endParaRPr lang="zh-CN" altLang="en-US"/>
+          </a:p>
+          <a:p>
+            <a:pPr lvl="1"/>
+            <a:endParaRPr lang="zh-CN" altLang="en-US"/>
           </a:p>
         </p:txBody>
       </p:sp>
     </p:spTree>
-    <p:extLst>
-      <p:ext uri="{BB962C8B-B14F-4D97-AF65-F5344CB8AC3E}">
-        <p14:creationId xmlns:p14="http://schemas.microsoft.com/office/powerpoint/2010/main" val="1325894347"/>
-      </p:ext>
-    </p:extLst>
+  </p:cSld>
+  <p:clrMapOvr>
+    <a:masterClrMapping/>
+  </p:clrMapOvr>
+</p:sld>
+</file>
+
+<file path=ppt/slides/slide9.xml><?xml version="1.0" encoding="utf-8"?>
+<p:sld xmlns:a="http://schemas.openxmlformats.org/drawingml/2006/main" xmlns:r="http://schemas.openxmlformats.org/officeDocument/2006/relationships" xmlns:p="http://schemas.openxmlformats.org/presentationml/2006/main">
+  <p:cSld>
+    <p:spTree>
+      <p:nvGrpSpPr>
+        <p:cNvPr id="1" name=""/>
+        <p:cNvGrpSpPr/>
+        <p:nvPr/>
+      </p:nvGrpSpPr>
+      <p:grpSpPr/>
+      <p:sp>
+        <p:nvSpPr>
+          <p:cNvPr id="2" name="标题 1"/>
+          <p:cNvSpPr>
+            <a:spLocks noGrp="1"/>
+          </p:cNvSpPr>
+          <p:nvPr>
+            <p:ph type="title"/>
+          </p:nvPr>
+        </p:nvSpPr>
+        <p:spPr/>
+        <p:txBody>
+          <a:bodyPr/>
+          <a:p>
+            <a:r>
+              <a:rPr lang="zh-CN" altLang="en-US"/>
+              <a:t>压测结果</a:t>
+            </a:r>
+            <a:endParaRPr lang="zh-CN" altLang="en-US"/>
+          </a:p>
+        </p:txBody>
+      </p:sp>
+      <p:sp>
+        <p:nvSpPr>
+          <p:cNvPr id="3" name="内容占位符 2"/>
+          <p:cNvSpPr>
+            <a:spLocks noGrp="1"/>
+          </p:cNvSpPr>
+          <p:nvPr>
+            <p:ph idx="1"/>
+          </p:nvPr>
+        </p:nvSpPr>
+        <p:spPr/>
+        <p:txBody>
+          <a:bodyPr/>
+          <a:p>
+            <a:r>
+              <a:rPr lang="zh-CN" altLang="en-US"/>
+              <a:t>压测报告截图</a:t>
+            </a:r>
+            <a:endParaRPr lang="zh-CN" altLang="en-US"/>
+          </a:p>
+        </p:txBody>
+      </p:sp>
+    </p:spTree>
   </p:cSld>
   <p:clrMapOvr>
     <a:masterClrMapping/>
@@ -9875,7 +10872,7 @@
     </a:clrScheme>
     <a:fontScheme name="Office">
       <a:majorFont>
-        <a:latin typeface="等线 Light" panose="020F0302020204030204"/>
+        <a:latin typeface="等线 Light"/>
         <a:ea typeface=""/>
         <a:cs typeface=""/>
         <a:font script="Jpan" typeface="游ゴシック Light"/>
@@ -9908,26 +10905,9 @@
         <a:font script="Viet" typeface="Times New Roman"/>
         <a:font script="Uigh" typeface="Microsoft Uighur"/>
         <a:font script="Geor" typeface="Sylfaen"/>
-        <a:font script="Armn" typeface="Arial"/>
-        <a:font script="Bugi" typeface="Leelawadee UI"/>
-        <a:font script="Bopo" typeface="Microsoft JhengHei"/>
-        <a:font script="Java" typeface="Javanese Text"/>
-        <a:font script="Lisu" typeface="Segoe UI"/>
-        <a:font script="Mymr" typeface="Myanmar Text"/>
-        <a:font script="Nkoo" typeface="Ebrima"/>
-        <a:font script="Olck" typeface="Nirmala UI"/>
-        <a:font script="Osma" typeface="Ebrima"/>
-        <a:font script="Phag" typeface="Phagspa"/>
-        <a:font script="Syrn" typeface="Estrangelo Edessa"/>
-        <a:font script="Syrj" typeface="Estrangelo Edessa"/>
-        <a:font script="Syre" typeface="Estrangelo Edessa"/>
-        <a:font script="Sora" typeface="Nirmala UI"/>
-        <a:font script="Tale" typeface="Microsoft Tai Le"/>
-        <a:font script="Talu" typeface="Microsoft New Tai Lue"/>
-        <a:font script="Tfng" typeface="Ebrima"/>
       </a:majorFont>
       <a:minorFont>
-        <a:latin typeface="等线" panose="020F0502020204030204"/>
+        <a:latin typeface="等线"/>
         <a:ea typeface=""/>
         <a:cs typeface=""/>
         <a:font script="Jpan" typeface="游ゴシック"/>
@@ -9960,23 +10940,6 @@
         <a:font script="Viet" typeface="Arial"/>
         <a:font script="Uigh" typeface="Microsoft Uighur"/>
         <a:font script="Geor" typeface="Sylfaen"/>
-        <a:font script="Armn" typeface="Arial"/>
-        <a:font script="Bugi" typeface="Leelawadee UI"/>
-        <a:font script="Bopo" typeface="Microsoft JhengHei"/>
-        <a:font script="Java" typeface="Javanese Text"/>
-        <a:font script="Lisu" typeface="Segoe UI"/>
-        <a:font script="Mymr" typeface="Myanmar Text"/>
-        <a:font script="Nkoo" typeface="Ebrima"/>
-        <a:font script="Olck" typeface="Nirmala UI"/>
-        <a:font script="Osma" typeface="Ebrima"/>
-        <a:font script="Phag" typeface="Phagspa"/>
-        <a:font script="Syrn" typeface="Estrangelo Edessa"/>
-        <a:font script="Syrj" typeface="Estrangelo Edessa"/>
-        <a:font script="Syre" typeface="Estrangelo Edessa"/>
-        <a:font script="Sora" typeface="Nirmala UI"/>
-        <a:font script="Tale" typeface="Microsoft Tai Le"/>
-        <a:font script="Talu" typeface="Microsoft New Tai Lue"/>
-        <a:font script="Tfng" typeface="Ebrima"/>
       </a:minorFont>
     </a:fontScheme>
     <a:fmtScheme name="Office">
@@ -10117,8 +11080,6 @@
       </a:bgFillStyleLst>
     </a:fmtScheme>
   </a:themeElements>
-  <a:objectDefaults/>
-  <a:extraClrSchemeLst/>
   <a:extLst>
     <a:ext uri="{05A4C25C-085E-4340-85A3-A5531E510DB2}">
       <thm15:themeFamily xmlns:thm15="http://schemas.microsoft.com/office/thememl/2012/main" name="Office Theme" id="{62F939B6-93AF-4DB8-9C6B-D6C7DFDC589F}" vid="{4A3C46E8-61CC-4603-A589-7422A47A8E4A}"/>
@@ -10170,7 +11131,7 @@
     </a:clrScheme>
     <a:fontScheme name="Office">
       <a:majorFont>
-        <a:latin typeface="等线 Light" panose="020F0302020204030204"/>
+        <a:latin typeface="等线 Light"/>
         <a:ea typeface=""/>
         <a:cs typeface=""/>
         <a:font script="Jpan" typeface="游ゴシック Light"/>
@@ -10203,26 +11164,9 @@
         <a:font script="Viet" typeface="Times New Roman"/>
         <a:font script="Uigh" typeface="Microsoft Uighur"/>
         <a:font script="Geor" typeface="Sylfaen"/>
-        <a:font script="Armn" typeface="Arial"/>
-        <a:font script="Bugi" typeface="Leelawadee UI"/>
-        <a:font script="Bopo" typeface="Microsoft JhengHei"/>
-        <a:font script="Java" typeface="Javanese Text"/>
-        <a:font script="Lisu" typeface="Segoe UI"/>
-        <a:font script="Mymr" typeface="Myanmar Text"/>
-        <a:font script="Nkoo" typeface="Ebrima"/>
-        <a:font script="Olck" typeface="Nirmala UI"/>
-        <a:font script="Osma" typeface="Ebrima"/>
-        <a:font script="Phag" typeface="Phagspa"/>
-        <a:font script="Syrn" typeface="Estrangelo Edessa"/>
-        <a:font script="Syrj" typeface="Estrangelo Edessa"/>
-        <a:font script="Syre" typeface="Estrangelo Edessa"/>
-        <a:font script="Sora" typeface="Nirmala UI"/>
-        <a:font script="Tale" typeface="Microsoft Tai Le"/>
-        <a:font script="Talu" typeface="Microsoft New Tai Lue"/>
-        <a:font script="Tfng" typeface="Ebrima"/>
       </a:majorFont>
       <a:minorFont>
-        <a:latin typeface="等线" panose="020F0502020204030204"/>
+        <a:latin typeface="等线"/>
         <a:ea typeface=""/>
         <a:cs typeface=""/>
         <a:font script="Jpan" typeface="游ゴシック"/>
@@ -10255,23 +11199,6 @@
         <a:font script="Viet" typeface="Arial"/>
         <a:font script="Uigh" typeface="Microsoft Uighur"/>
         <a:font script="Geor" typeface="Sylfaen"/>
-        <a:font script="Armn" typeface="Arial"/>
-        <a:font script="Bugi" typeface="Leelawadee UI"/>
-        <a:font script="Bopo" typeface="Microsoft JhengHei"/>
-        <a:font script="Java" typeface="Javanese Text"/>
-        <a:font script="Lisu" typeface="Segoe UI"/>
-        <a:font script="Mymr" typeface="Myanmar Text"/>
-        <a:font script="Nkoo" typeface="Ebrima"/>
-        <a:font script="Olck" typeface="Nirmala UI"/>
-        <a:font script="Osma" typeface="Ebrima"/>
-        <a:font script="Phag" typeface="Phagspa"/>
-        <a:font script="Syrn" typeface="Estrangelo Edessa"/>
-        <a:font script="Syrj" typeface="Estrangelo Edessa"/>
-        <a:font script="Syre" typeface="Estrangelo Edessa"/>
-        <a:font script="Sora" typeface="Nirmala UI"/>
-        <a:font script="Tale" typeface="Microsoft Tai Le"/>
-        <a:font script="Talu" typeface="Microsoft New Tai Lue"/>
-        <a:font script="Tfng" typeface="Ebrima"/>
       </a:minorFont>
     </a:fontScheme>
     <a:fmtScheme name="Office">
@@ -10412,8 +11339,6 @@
       </a:bgFillStyleLst>
     </a:fmtScheme>
   </a:themeElements>
-  <a:objectDefaults/>
-  <a:extraClrSchemeLst/>
   <a:extLst>
     <a:ext uri="{05A4C25C-085E-4340-85A3-A5531E510DB2}">
       <thm15:themeFamily xmlns:thm15="http://schemas.microsoft.com/office/thememl/2012/main" name="Office Theme" id="{62F939B6-93AF-4DB8-9C6B-D6C7DFDC589F}" vid="{4A3C46E8-61CC-4603-A589-7422A47A8E4A}"/>

--- a/D99压测分享会.pptx
+++ b/D99压测分享会.pptx
@@ -5,7 +5,7 @@
     <p:sldMasterId id="2147483708" r:id="rId1"/>
   </p:sldMasterIdLst>
   <p:notesMasterIdLst>
-    <p:notesMasterId r:id="rId15"/>
+    <p:notesMasterId r:id="rId17"/>
   </p:notesMasterIdLst>
   <p:sldIdLst>
     <p:sldId id="256" r:id="rId2"/>
@@ -19,8 +19,10 @@
     <p:sldId id="265" r:id="rId10"/>
     <p:sldId id="266" r:id="rId11"/>
     <p:sldId id="267" r:id="rId12"/>
-    <p:sldId id="268" r:id="rId13"/>
-    <p:sldId id="269" r:id="rId14"/>
+    <p:sldId id="273" r:id="rId13"/>
+    <p:sldId id="268" r:id="rId14"/>
+    <p:sldId id="269" r:id="rId15"/>
+    <p:sldId id="274" r:id="rId16"/>
   </p:sldIdLst>
   <p:sldSz cx="12192000" cy="6858000"/>
   <p:notesSz cx="6858000" cy="9144000"/>
@@ -215,7 +217,7 @@
           <a:p>
             <a:fld id="{D9A3BA49-6A69-CE49-AA12-691E61A9F13F}" type="datetimeFigureOut">
               <a:rPr kumimoji="1" lang="zh-CN" altLang="en-US" smtClean="0"/>
-              <a:t>2021/8/16</a:t>
+              <a:t>2021/8/17</a:t>
             </a:fld>
             <a:endParaRPr kumimoji="1" lang="zh-CN" altLang="en-US"/>
           </a:p>
@@ -585,6 +587,180 @@
             <a:spLocks noGrp="1" noRot="1" noChangeAspect="1"/>
           </p:cNvSpPr>
           <p:nvPr>
+            <p:ph type="sldImg" idx="2"/>
+          </p:nvPr>
+        </p:nvSpPr>
+        <p:spPr/>
+      </p:sp>
+      <p:sp>
+        <p:nvSpPr>
+          <p:cNvPr id="3" name="文本占位符 2"/>
+          <p:cNvSpPr>
+            <a:spLocks noGrp="1"/>
+          </p:cNvSpPr>
+          <p:nvPr>
+            <p:ph type="body" idx="3"/>
+          </p:nvPr>
+        </p:nvSpPr>
+        <p:spPr/>
+        <p:txBody>
+          <a:bodyPr/>
+          <a:lstStyle/>
+          <a:p>
+            <a:r>
+              <a:rPr lang="zh-CN" altLang="en-US" dirty="0"/>
+              <a:t>之前压测都是零散的小项目</a:t>
+            </a:r>
+          </a:p>
+          <a:p>
+            <a:r>
+              <a:rPr lang="zh-CN" altLang="en-US" dirty="0"/>
+              <a:t>机会少</a:t>
+            </a:r>
+            <a:endParaRPr lang="en-US" altLang="zh-CN" dirty="0"/>
+          </a:p>
+          <a:p>
+            <a:endParaRPr lang="zh-CN" altLang="en-US" dirty="0"/>
+          </a:p>
+          <a:p>
+            <a:r>
+              <a:rPr lang="zh-CN" altLang="en-US" dirty="0"/>
+              <a:t>这次负责一个完整的</a:t>
+            </a:r>
+            <a:r>
+              <a:rPr lang="en-US" altLang="zh-CN" dirty="0"/>
+              <a:t>web</a:t>
+            </a:r>
+            <a:r>
+              <a:rPr lang="zh-CN" altLang="en-US" dirty="0"/>
+              <a:t> </a:t>
+            </a:r>
+            <a:r>
+              <a:rPr lang="en-US" altLang="zh-CN" dirty="0"/>
+              <a:t>application</a:t>
+            </a:r>
+            <a:r>
+              <a:rPr lang="zh-CN" altLang="en-US" dirty="0"/>
+              <a:t>的压测</a:t>
+            </a:r>
+            <a:endParaRPr lang="en-US" altLang="zh-CN" dirty="0"/>
+          </a:p>
+          <a:p>
+            <a:r>
+              <a:rPr lang="zh-CN" altLang="en-US" dirty="0"/>
+              <a:t>涉及理论技术点更宽</a:t>
+            </a:r>
+            <a:endParaRPr lang="en-US" altLang="zh-CN" dirty="0"/>
+          </a:p>
+          <a:p>
+            <a:endParaRPr lang="en-US" altLang="zh-CN" dirty="0"/>
+          </a:p>
+          <a:p>
+            <a:r>
+              <a:rPr lang="zh-CN" altLang="en-US" dirty="0"/>
+              <a:t>对自身经验宝贵</a:t>
+            </a:r>
+            <a:endParaRPr lang="en-US" altLang="zh-CN" dirty="0"/>
+          </a:p>
+          <a:p>
+            <a:endParaRPr lang="en-US" altLang="zh-CN" dirty="0"/>
+          </a:p>
+          <a:p>
+            <a:r>
+              <a:rPr lang="zh-CN" altLang="en-US" dirty="0"/>
+              <a:t>重点了增强了信心</a:t>
+            </a:r>
+            <a:endParaRPr lang="en-US" altLang="zh-CN" dirty="0"/>
+          </a:p>
+          <a:p>
+            <a:endParaRPr lang="en-US" altLang="zh-CN" dirty="0"/>
+          </a:p>
+          <a:p>
+            <a:r>
+              <a:rPr lang="zh-CN" altLang="en-US" dirty="0"/>
+              <a:t>能输出更多有效建议</a:t>
+            </a:r>
+            <a:endParaRPr lang="en-US" altLang="zh-CN" dirty="0"/>
+          </a:p>
+          <a:p>
+            <a:endParaRPr lang="en-US" altLang="zh-CN" dirty="0"/>
+          </a:p>
+          <a:p>
+            <a:endParaRPr lang="en-US" altLang="zh-CN" dirty="0"/>
+          </a:p>
+          <a:p>
+            <a:r>
+              <a:rPr lang="zh-CN" altLang="en-US" dirty="0"/>
+              <a:t>提出意见</a:t>
+            </a:r>
+            <a:r>
+              <a:rPr lang="en-US" altLang="zh-CN" dirty="0"/>
+              <a:t>——</a:t>
+            </a:r>
+            <a:r>
+              <a:rPr lang="zh-CN" altLang="en-US" dirty="0"/>
+              <a:t>起到作用</a:t>
+            </a:r>
+            <a:r>
+              <a:rPr lang="en-US" altLang="zh-CN" dirty="0"/>
+              <a:t>——</a:t>
+            </a:r>
+            <a:r>
+              <a:rPr lang="zh-CN" altLang="en-US" dirty="0"/>
+              <a:t>提升质量</a:t>
+            </a:r>
+            <a:r>
+              <a:rPr lang="en-US" altLang="zh-CN" dirty="0"/>
+              <a:t>——</a:t>
+            </a:r>
+            <a:r>
+              <a:rPr lang="zh-CN" altLang="en-US" dirty="0"/>
+              <a:t>增强心里暗示</a:t>
+            </a:r>
+            <a:r>
+              <a:rPr lang="en-US" altLang="zh-CN" dirty="0"/>
+              <a:t>——</a:t>
+            </a:r>
+            <a:r>
+              <a:rPr lang="zh-CN" altLang="en-US" dirty="0"/>
+              <a:t>提出更多有效意见</a:t>
+            </a:r>
+            <a:endParaRPr lang="en-US" altLang="zh-CN" dirty="0"/>
+          </a:p>
+        </p:txBody>
+      </p:sp>
+    </p:spTree>
+  </p:cSld>
+  <p:clrMapOvr>
+    <a:masterClrMapping/>
+  </p:clrMapOvr>
+</p:notes>
+</file>
+
+<file path=ppt/notesSlides/notesSlide11.xml><?xml version="1.0" encoding="utf-8"?>
+<p:notes xmlns:a="http://schemas.openxmlformats.org/drawingml/2006/main" xmlns:r="http://schemas.openxmlformats.org/officeDocument/2006/relationships" xmlns:p="http://schemas.openxmlformats.org/presentationml/2006/main">
+  <p:cSld>
+    <p:spTree>
+      <p:nvGrpSpPr>
+        <p:cNvPr id="1" name=""/>
+        <p:cNvGrpSpPr/>
+        <p:nvPr/>
+      </p:nvGrpSpPr>
+      <p:grpSpPr>
+        <a:xfrm>
+          <a:off x="0" y="0"/>
+          <a:ext cx="0" cy="0"/>
+          <a:chOff x="0" y="0"/>
+          <a:chExt cx="0" cy="0"/>
+        </a:xfrm>
+      </p:grpSpPr>
+      <p:sp>
+        <p:nvSpPr>
+          <p:cNvPr id="2" name="幻灯片图像占位符 1"/>
+          <p:cNvSpPr>
+            <a:spLocks noGrp="1" noRot="1" noChangeAspect="1"/>
+          </p:cNvSpPr>
+          <p:nvPr>
             <p:ph type="sldImg"/>
           </p:nvPr>
         </p:nvSpPr>
@@ -605,65 +781,195 @@
           <a:bodyPr/>
           <a:lstStyle/>
           <a:p>
-            <a:r>
-              <a:rPr kumimoji="1" lang="zh-CN" altLang="en-US" dirty="0"/>
-              <a:t>思路：   比如     用户最短路径</a:t>
-            </a:r>
-            <a:endParaRPr kumimoji="1" lang="en-US" altLang="zh-CN" dirty="0"/>
-          </a:p>
-          <a:p>
-            <a:endParaRPr kumimoji="1" lang="en-US" altLang="zh-CN" dirty="0"/>
-          </a:p>
-          <a:p>
-            <a:r>
-              <a:rPr kumimoji="1" lang="zh-CN" altLang="en-US" dirty="0"/>
-              <a:t>方法：  </a:t>
-            </a:r>
-            <a:r>
-              <a:rPr kumimoji="1" lang="en-US" altLang="zh-CN" dirty="0"/>
-              <a:t>API</a:t>
-            </a:r>
-            <a:r>
-              <a:rPr kumimoji="1" lang="zh-CN" altLang="en-US" dirty="0"/>
-              <a:t>文档描述  </a:t>
-            </a:r>
-            <a:r>
-              <a:rPr kumimoji="1" lang="en-US" altLang="zh-CN" dirty="0"/>
-              <a:t>+</a:t>
-            </a:r>
-            <a:r>
-              <a:rPr kumimoji="1" lang="zh-CN" altLang="en-US" dirty="0"/>
-              <a:t> </a:t>
-            </a:r>
-            <a:r>
-              <a:rPr kumimoji="1" lang="en-US" altLang="zh-CN" dirty="0"/>
-              <a:t>app</a:t>
-            </a:r>
-            <a:r>
-              <a:rPr kumimoji="1" lang="zh-CN" altLang="en-US" dirty="0"/>
-              <a:t>实际场景</a:t>
-            </a:r>
-            <a:endParaRPr kumimoji="1" lang="en-US" altLang="zh-CN" dirty="0"/>
-          </a:p>
-          <a:p>
-            <a:endParaRPr kumimoji="1" lang="en-US" altLang="zh-CN" dirty="0"/>
-          </a:p>
-          <a:p>
-            <a:r>
-              <a:rPr kumimoji="1" lang="zh-CN" altLang="en-US" dirty="0"/>
-              <a:t>范围选取：   有侧重点，   关注   性能开销大    使用频率高      用户访问路径短      并发量大</a:t>
-            </a:r>
-            <a:endParaRPr kumimoji="1" lang="en-US" altLang="zh-CN" dirty="0"/>
-          </a:p>
-          <a:p>
-            <a:endParaRPr kumimoji="1" lang="en-US" altLang="zh-CN" dirty="0"/>
-          </a:p>
-          <a:p>
-            <a:r>
-              <a:rPr kumimoji="1" lang="zh-CN" altLang="en-US" dirty="0"/>
-              <a:t>记录这次出问题的点和原因，今后每次测试都需注意</a:t>
-            </a:r>
-            <a:endParaRPr kumimoji="1" lang="en-US" altLang="zh-CN" dirty="0"/>
+            <a:pPr marL="0" marR="0" lvl="0" indent="0" algn="l" defTabSz="914400" rtl="0" eaLnBrk="1" fontAlgn="auto" latinLnBrk="0" hangingPunct="1">
+              <a:lnSpc>
+                <a:spcPct val="100000"/>
+              </a:lnSpc>
+              <a:spcBef>
+                <a:spcPts val="0"/>
+              </a:spcBef>
+              <a:spcAft>
+                <a:spcPts val="0"/>
+              </a:spcAft>
+              <a:buClrTx/>
+              <a:buSzTx/>
+              <a:buFontTx/>
+              <a:buNone/>
+              <a:tabLst/>
+              <a:defRPr/>
+            </a:pPr>
+            <a:endParaRPr lang="en-US" altLang="zh-CN" sz="1200" dirty="0"/>
+          </a:p>
+          <a:p>
+            <a:pPr marL="0" marR="0" lvl="0" indent="0" algn="l" defTabSz="914400" rtl="0" eaLnBrk="1" fontAlgn="auto" latinLnBrk="0" hangingPunct="1">
+              <a:lnSpc>
+                <a:spcPct val="100000"/>
+              </a:lnSpc>
+              <a:spcBef>
+                <a:spcPts val="0"/>
+              </a:spcBef>
+              <a:spcAft>
+                <a:spcPts val="0"/>
+              </a:spcAft>
+              <a:buClrTx/>
+              <a:buSzTx/>
+              <a:buFontTx/>
+              <a:buNone/>
+              <a:tabLst/>
+              <a:defRPr/>
+            </a:pPr>
+            <a:endParaRPr lang="en-US" altLang="zh-CN" sz="1200" dirty="0"/>
+          </a:p>
+          <a:p>
+            <a:pPr marL="0" marR="0" lvl="0" indent="0" algn="l" defTabSz="914400" rtl="0" eaLnBrk="1" fontAlgn="auto" latinLnBrk="0" hangingPunct="1">
+              <a:lnSpc>
+                <a:spcPct val="100000"/>
+              </a:lnSpc>
+              <a:spcBef>
+                <a:spcPts val="0"/>
+              </a:spcBef>
+              <a:spcAft>
+                <a:spcPts val="0"/>
+              </a:spcAft>
+              <a:buClrTx/>
+              <a:buSzTx/>
+              <a:buFontTx/>
+              <a:buNone/>
+              <a:tabLst/>
+              <a:defRPr/>
+            </a:pPr>
+            <a:r>
+              <a:rPr lang="zh-CN" altLang="en-US" sz="1200" dirty="0"/>
+              <a:t>尽量记录每一次测试的数据，前后有对照 才有用</a:t>
+            </a:r>
+            <a:endParaRPr lang="en-US" altLang="zh-CN" sz="1200" dirty="0"/>
+          </a:p>
+          <a:p>
+            <a:pPr marL="0" marR="0" lvl="0" indent="0" algn="l" defTabSz="914400" rtl="0" eaLnBrk="1" fontAlgn="auto" latinLnBrk="0" hangingPunct="1">
+              <a:lnSpc>
+                <a:spcPct val="100000"/>
+              </a:lnSpc>
+              <a:spcBef>
+                <a:spcPts val="0"/>
+              </a:spcBef>
+              <a:spcAft>
+                <a:spcPts val="0"/>
+              </a:spcAft>
+              <a:buClrTx/>
+              <a:buSzTx/>
+              <a:buFontTx/>
+              <a:buNone/>
+              <a:tabLst/>
+              <a:defRPr/>
+            </a:pPr>
+            <a:endParaRPr lang="en-US" altLang="zh-CN" sz="1200" dirty="0"/>
+          </a:p>
+          <a:p>
+            <a:pPr marL="0" marR="0" lvl="0" indent="0" algn="l" defTabSz="914400" rtl="0" eaLnBrk="1" fontAlgn="auto" latinLnBrk="0" hangingPunct="1">
+              <a:lnSpc>
+                <a:spcPct val="100000"/>
+              </a:lnSpc>
+              <a:spcBef>
+                <a:spcPts val="0"/>
+              </a:spcBef>
+              <a:spcAft>
+                <a:spcPts val="0"/>
+              </a:spcAft>
+              <a:buClrTx/>
+              <a:buSzTx/>
+              <a:buFontTx/>
+              <a:buNone/>
+              <a:tabLst/>
+              <a:defRPr/>
+            </a:pPr>
+            <a:r>
+              <a:rPr lang="zh-CN" altLang="en-US" sz="1200" dirty="0"/>
+              <a:t>需要把更多时间投入到对测试结果的分析和理论知识的补充上</a:t>
+            </a:r>
+            <a:endParaRPr lang="en-US" altLang="zh-CN" sz="1200" dirty="0"/>
+          </a:p>
+          <a:p>
+            <a:pPr marL="0" marR="0" lvl="0" indent="0" algn="l" defTabSz="914400" rtl="0" eaLnBrk="1" fontAlgn="auto" latinLnBrk="0" hangingPunct="1">
+              <a:lnSpc>
+                <a:spcPct val="100000"/>
+              </a:lnSpc>
+              <a:spcBef>
+                <a:spcPts val="0"/>
+              </a:spcBef>
+              <a:spcAft>
+                <a:spcPts val="0"/>
+              </a:spcAft>
+              <a:buClrTx/>
+              <a:buSzTx/>
+              <a:buFontTx/>
+              <a:buNone/>
+              <a:tabLst/>
+              <a:defRPr/>
+            </a:pPr>
+            <a:endParaRPr lang="en-US" altLang="zh-CN" sz="1200" dirty="0"/>
+          </a:p>
+          <a:p>
+            <a:pPr marL="0" marR="0" lvl="0" indent="0" algn="l" defTabSz="914400" rtl="0" eaLnBrk="1" fontAlgn="auto" latinLnBrk="0" hangingPunct="1">
+              <a:lnSpc>
+                <a:spcPct val="100000"/>
+              </a:lnSpc>
+              <a:spcBef>
+                <a:spcPts val="0"/>
+              </a:spcBef>
+              <a:spcAft>
+                <a:spcPts val="0"/>
+              </a:spcAft>
+              <a:buClrTx/>
+              <a:buSzTx/>
+              <a:buFontTx/>
+              <a:buNone/>
+              <a:tabLst/>
+              <a:defRPr/>
+            </a:pPr>
+            <a:endParaRPr lang="en-US" altLang="zh-CN" sz="1200" dirty="0"/>
+          </a:p>
+          <a:p>
+            <a:pPr marL="0" marR="0" lvl="0" indent="0" algn="l" defTabSz="914400" rtl="0" eaLnBrk="1" fontAlgn="auto" latinLnBrk="0" hangingPunct="1">
+              <a:lnSpc>
+                <a:spcPct val="100000"/>
+              </a:lnSpc>
+              <a:spcBef>
+                <a:spcPts val="0"/>
+              </a:spcBef>
+              <a:spcAft>
+                <a:spcPts val="0"/>
+              </a:spcAft>
+              <a:buClrTx/>
+              <a:buSzTx/>
+              <a:buFontTx/>
+              <a:buNone/>
+              <a:tabLst/>
+              <a:defRPr/>
+            </a:pPr>
+            <a:endParaRPr lang="en-US" altLang="zh-CN" sz="1200" dirty="0"/>
+          </a:p>
+          <a:p>
+            <a:pPr marL="0" marR="0" lvl="0" indent="0" algn="l" defTabSz="914400" rtl="0" eaLnBrk="1" fontAlgn="auto" latinLnBrk="0" hangingPunct="1">
+              <a:lnSpc>
+                <a:spcPct val="100000"/>
+              </a:lnSpc>
+              <a:spcBef>
+                <a:spcPts val="0"/>
+              </a:spcBef>
+              <a:spcAft>
+                <a:spcPts val="0"/>
+              </a:spcAft>
+              <a:buClrTx/>
+              <a:buSzTx/>
+              <a:buFontTx/>
+              <a:buNone/>
+              <a:tabLst/>
+              <a:defRPr/>
+            </a:pPr>
+            <a:endParaRPr lang="zh-CN" altLang="en-US" sz="1200" dirty="0"/>
+          </a:p>
+          <a:p>
+            <a:endParaRPr kumimoji="1" lang="zh-CN" altLang="en-US" dirty="0"/>
           </a:p>
         </p:txBody>
       </p:sp>
@@ -685,6 +991,314 @@
             <a:fld id="{9D47ADAC-F727-DF42-84A1-53F383BC088E}" type="slidenum">
               <a:rPr kumimoji="1" lang="zh-CN" altLang="en-US" smtClean="0"/>
               <a:t>13</a:t>
+            </a:fld>
+            <a:endParaRPr kumimoji="1" lang="zh-CN" altLang="en-US"/>
+          </a:p>
+        </p:txBody>
+      </p:sp>
+    </p:spTree>
+    <p:extLst>
+      <p:ext uri="{BB962C8B-B14F-4D97-AF65-F5344CB8AC3E}">
+        <p14:creationId xmlns:p14="http://schemas.microsoft.com/office/powerpoint/2010/main" val="1035589374"/>
+      </p:ext>
+    </p:extLst>
+  </p:cSld>
+  <p:clrMapOvr>
+    <a:masterClrMapping/>
+  </p:clrMapOvr>
+</p:notes>
+</file>
+
+<file path=ppt/notesSlides/notesSlide12.xml><?xml version="1.0" encoding="utf-8"?>
+<p:notes xmlns:a="http://schemas.openxmlformats.org/drawingml/2006/main" xmlns:r="http://schemas.openxmlformats.org/officeDocument/2006/relationships" xmlns:p="http://schemas.openxmlformats.org/presentationml/2006/main">
+  <p:cSld>
+    <p:spTree>
+      <p:nvGrpSpPr>
+        <p:cNvPr id="1" name=""/>
+        <p:cNvGrpSpPr/>
+        <p:nvPr/>
+      </p:nvGrpSpPr>
+      <p:grpSpPr>
+        <a:xfrm>
+          <a:off x="0" y="0"/>
+          <a:ext cx="0" cy="0"/>
+          <a:chOff x="0" y="0"/>
+          <a:chExt cx="0" cy="0"/>
+        </a:xfrm>
+      </p:grpSpPr>
+      <p:sp>
+        <p:nvSpPr>
+          <p:cNvPr id="2" name="幻灯片图像占位符 1"/>
+          <p:cNvSpPr>
+            <a:spLocks noGrp="1" noRot="1" noChangeAspect="1"/>
+          </p:cNvSpPr>
+          <p:nvPr>
+            <p:ph type="sldImg"/>
+          </p:nvPr>
+        </p:nvSpPr>
+        <p:spPr/>
+      </p:sp>
+      <p:sp>
+        <p:nvSpPr>
+          <p:cNvPr id="3" name="备注占位符 2"/>
+          <p:cNvSpPr>
+            <a:spLocks noGrp="1"/>
+          </p:cNvSpPr>
+          <p:nvPr>
+            <p:ph type="body" idx="1"/>
+          </p:nvPr>
+        </p:nvSpPr>
+        <p:spPr/>
+        <p:txBody>
+          <a:bodyPr/>
+          <a:lstStyle/>
+          <a:p>
+            <a:pPr marL="0" marR="0" lvl="0" indent="0" algn="l" defTabSz="914400" rtl="0" eaLnBrk="1" fontAlgn="auto" latinLnBrk="0" hangingPunct="1">
+              <a:lnSpc>
+                <a:spcPct val="100000"/>
+              </a:lnSpc>
+              <a:spcBef>
+                <a:spcPts val="0"/>
+              </a:spcBef>
+              <a:spcAft>
+                <a:spcPts val="0"/>
+              </a:spcAft>
+              <a:buClrTx/>
+              <a:buSzTx/>
+              <a:buFontTx/>
+              <a:buNone/>
+              <a:tabLst/>
+              <a:defRPr/>
+            </a:pPr>
+            <a:r>
+              <a:rPr lang="zh-CN" altLang="en-US" dirty="0"/>
+              <a:t>准确阐述结果，</a:t>
+            </a:r>
+            <a:r>
+              <a:rPr lang="en-US" altLang="zh-CN" dirty="0"/>
+              <a:t> </a:t>
+            </a:r>
+            <a:r>
+              <a:rPr lang="zh-CN" altLang="en-US" dirty="0"/>
+              <a:t>并提供评估意见，</a:t>
+            </a:r>
+            <a:r>
+              <a:rPr lang="en-US" altLang="zh-CN" dirty="0"/>
+              <a:t>  </a:t>
+            </a:r>
+            <a:r>
+              <a:rPr lang="zh-CN" altLang="en-US" dirty="0"/>
+              <a:t>才使压测结果有意义</a:t>
+            </a:r>
+            <a:endParaRPr lang="en-US" altLang="zh-CN" dirty="0"/>
+          </a:p>
+          <a:p>
+            <a:pPr marL="0" marR="0" lvl="0" indent="0" algn="l" defTabSz="914400" rtl="0" eaLnBrk="1" fontAlgn="auto" latinLnBrk="0" hangingPunct="1">
+              <a:lnSpc>
+                <a:spcPct val="100000"/>
+              </a:lnSpc>
+              <a:spcBef>
+                <a:spcPts val="0"/>
+              </a:spcBef>
+              <a:spcAft>
+                <a:spcPts val="0"/>
+              </a:spcAft>
+              <a:buClrTx/>
+              <a:buSzTx/>
+              <a:buFontTx/>
+              <a:buNone/>
+              <a:tabLst/>
+              <a:defRPr/>
+            </a:pPr>
+            <a:r>
+              <a:rPr kumimoji="1" lang="zh-CN" altLang="en-US" dirty="0"/>
+              <a:t>测完就完，对反馈意见没有把控等于没测。</a:t>
+            </a:r>
+            <a:endParaRPr kumimoji="1" lang="en-US" altLang="zh-CN" dirty="0"/>
+          </a:p>
+          <a:p>
+            <a:pPr marL="0" marR="0" lvl="0" indent="0" algn="l" defTabSz="914400" rtl="0" eaLnBrk="1" fontAlgn="auto" latinLnBrk="0" hangingPunct="1">
+              <a:lnSpc>
+                <a:spcPct val="100000"/>
+              </a:lnSpc>
+              <a:spcBef>
+                <a:spcPts val="0"/>
+              </a:spcBef>
+              <a:spcAft>
+                <a:spcPts val="0"/>
+              </a:spcAft>
+              <a:buClrTx/>
+              <a:buSzTx/>
+              <a:buFontTx/>
+              <a:buNone/>
+              <a:tabLst/>
+              <a:defRPr/>
+            </a:pPr>
+            <a:endParaRPr kumimoji="1" lang="en-US" altLang="zh-CN" dirty="0"/>
+          </a:p>
+          <a:p>
+            <a:pPr marL="0" marR="0" lvl="0" indent="0" algn="l" defTabSz="914400" rtl="0" eaLnBrk="1" fontAlgn="auto" latinLnBrk="0" hangingPunct="1">
+              <a:lnSpc>
+                <a:spcPct val="100000"/>
+              </a:lnSpc>
+              <a:spcBef>
+                <a:spcPts val="0"/>
+              </a:spcBef>
+              <a:spcAft>
+                <a:spcPts val="0"/>
+              </a:spcAft>
+              <a:buClrTx/>
+              <a:buSzTx/>
+              <a:buFontTx/>
+              <a:buNone/>
+              <a:tabLst/>
+              <a:defRPr/>
+            </a:pPr>
+            <a:r>
+              <a:rPr kumimoji="1" lang="zh-CN" altLang="en-US" dirty="0"/>
+              <a:t>识别线上风险点 </a:t>
+            </a:r>
+            <a:endParaRPr kumimoji="1" lang="en-US" altLang="zh-CN" dirty="0"/>
+          </a:p>
+          <a:p>
+            <a:pPr marL="0" marR="0" lvl="0" indent="0" algn="l" defTabSz="914400" rtl="0" eaLnBrk="1" fontAlgn="auto" latinLnBrk="0" hangingPunct="1">
+              <a:lnSpc>
+                <a:spcPct val="100000"/>
+              </a:lnSpc>
+              <a:spcBef>
+                <a:spcPts val="0"/>
+              </a:spcBef>
+              <a:spcAft>
+                <a:spcPts val="0"/>
+              </a:spcAft>
+              <a:buClrTx/>
+              <a:buSzTx/>
+              <a:buFontTx/>
+              <a:buNone/>
+              <a:tabLst/>
+              <a:defRPr/>
+            </a:pPr>
+            <a:endParaRPr kumimoji="1" lang="en-US" altLang="zh-CN" dirty="0"/>
+          </a:p>
+          <a:p>
+            <a:endParaRPr kumimoji="1" lang="en-US" altLang="zh-CN" dirty="0"/>
+          </a:p>
+          <a:p>
+            <a:r>
+              <a:rPr kumimoji="1" lang="zh-CN" altLang="en-US" dirty="0"/>
+              <a:t>思路：   比如     用户最短路径   是一个比较常见的思路， 类似的</a:t>
+            </a:r>
+            <a:r>
+              <a:rPr kumimoji="1" lang="en-US" altLang="zh-CN" dirty="0"/>
+              <a:t>web</a:t>
+            </a:r>
+            <a:r>
+              <a:rPr kumimoji="1" lang="zh-CN" altLang="en-US" dirty="0"/>
+              <a:t> </a:t>
+            </a:r>
+            <a:r>
+              <a:rPr kumimoji="1" lang="en-US" altLang="zh-CN" dirty="0"/>
+              <a:t>application</a:t>
+            </a:r>
+            <a:r>
+              <a:rPr kumimoji="1" lang="zh-CN" altLang="en-US" dirty="0"/>
+              <a:t>都可复用</a:t>
+            </a:r>
+            <a:endParaRPr kumimoji="1" lang="en-US" altLang="zh-CN" dirty="0"/>
+          </a:p>
+          <a:p>
+            <a:endParaRPr kumimoji="1" lang="en-US" altLang="zh-CN" dirty="0"/>
+          </a:p>
+          <a:p>
+            <a:r>
+              <a:rPr kumimoji="1" lang="zh-CN" altLang="en-US" dirty="0"/>
+              <a:t>方法：  </a:t>
+            </a:r>
+            <a:r>
+              <a:rPr kumimoji="1" lang="en-US" altLang="zh-CN" dirty="0"/>
+              <a:t>API</a:t>
+            </a:r>
+            <a:r>
+              <a:rPr kumimoji="1" lang="zh-CN" altLang="en-US" dirty="0"/>
+              <a:t>文档描述  </a:t>
+            </a:r>
+            <a:r>
+              <a:rPr kumimoji="1" lang="en-US" altLang="zh-CN" dirty="0"/>
+              <a:t>+</a:t>
+            </a:r>
+            <a:r>
+              <a:rPr kumimoji="1" lang="zh-CN" altLang="en-US" dirty="0"/>
+              <a:t> </a:t>
+            </a:r>
+            <a:r>
+              <a:rPr kumimoji="1" lang="en-US" altLang="zh-CN" dirty="0"/>
+              <a:t>app</a:t>
+            </a:r>
+            <a:r>
+              <a:rPr kumimoji="1" lang="zh-CN" altLang="en-US" dirty="0"/>
+              <a:t>实际场景</a:t>
+            </a:r>
+            <a:endParaRPr kumimoji="1" lang="en-US" altLang="zh-CN" dirty="0"/>
+          </a:p>
+          <a:p>
+            <a:endParaRPr kumimoji="1" lang="en-US" altLang="zh-CN" dirty="0"/>
+          </a:p>
+          <a:p>
+            <a:r>
+              <a:rPr kumimoji="1" lang="zh-CN" altLang="en-US" dirty="0"/>
+              <a:t>范围选取：   有侧重点，   </a:t>
+            </a:r>
+            <a:endParaRPr kumimoji="1" lang="en-US" altLang="zh-CN" dirty="0"/>
+          </a:p>
+          <a:p>
+            <a:r>
+              <a:rPr kumimoji="1" lang="zh-CN" altLang="en-US" dirty="0"/>
+              <a:t>关注   性能开销大    使用频率高      用户访问路径短      并发量大 的</a:t>
+            </a:r>
+            <a:r>
+              <a:rPr kumimoji="1" lang="en-US" altLang="zh-CN" dirty="0"/>
+              <a:t>API</a:t>
+            </a:r>
+          </a:p>
+          <a:p>
+            <a:endParaRPr kumimoji="1" lang="en-US" altLang="zh-CN" dirty="0"/>
+          </a:p>
+          <a:p>
+            <a:endParaRPr kumimoji="1" lang="en-US" altLang="zh-CN" dirty="0"/>
+          </a:p>
+          <a:p>
+            <a:r>
+              <a:rPr kumimoji="1" lang="zh-CN" altLang="en-US" dirty="0"/>
+              <a:t>为长期维护的应用或服务建立性能基准库，有利于提升性能测试效率</a:t>
+            </a:r>
+            <a:endParaRPr kumimoji="1" lang="en-US" altLang="zh-CN" dirty="0"/>
+          </a:p>
+          <a:p>
+            <a:endParaRPr kumimoji="1" lang="en-US" altLang="zh-CN" dirty="0"/>
+          </a:p>
+          <a:p>
+            <a:endParaRPr kumimoji="1" lang="en-US" altLang="zh-CN" dirty="0"/>
+          </a:p>
+        </p:txBody>
+      </p:sp>
+      <p:sp>
+        <p:nvSpPr>
+          <p:cNvPr id="4" name="灯片编号占位符 3"/>
+          <p:cNvSpPr>
+            <a:spLocks noGrp="1"/>
+          </p:cNvSpPr>
+          <p:nvPr>
+            <p:ph type="sldNum" sz="quarter" idx="5"/>
+          </p:nvPr>
+        </p:nvSpPr>
+        <p:spPr/>
+        <p:txBody>
+          <a:bodyPr/>
+          <a:lstStyle/>
+          <a:p>
+            <a:fld id="{9D47ADAC-F727-DF42-84A1-53F383BC088E}" type="slidenum">
+              <a:rPr kumimoji="1" lang="zh-CN" altLang="en-US" smtClean="0"/>
+              <a:t>14</a:t>
             </a:fld>
             <a:endParaRPr kumimoji="1" lang="zh-CN" altLang="en-US"/>
           </a:p>
@@ -1101,178 +1715,7 @@
           <a:bodyPr/>
           <a:lstStyle/>
           <a:p>
-            <a:r>
-              <a:rPr kumimoji="1" lang="zh-CN" dirty="0"/>
-              <a:t>部分接口极易使</a:t>
-            </a:r>
-            <a:r>
-              <a:rPr kumimoji="1" lang="en-US" altLang="zh-CN" dirty="0"/>
-              <a:t>DB</a:t>
-            </a:r>
-            <a:r>
-              <a:rPr kumimoji="1" lang="zh-CN" altLang="en-US" dirty="0"/>
-              <a:t>的</a:t>
-            </a:r>
-            <a:r>
-              <a:rPr kumimoji="1" lang="en-US" altLang="zh-CN" dirty="0"/>
-              <a:t>cpu</a:t>
-            </a:r>
-            <a:r>
-              <a:rPr kumimoji="1" lang="zh-CN" altLang="en-US" dirty="0"/>
-              <a:t>使用激增至</a:t>
-            </a:r>
-            <a:r>
-              <a:rPr kumimoji="1" lang="en-US" altLang="zh-CN" dirty="0"/>
-              <a:t>100%</a:t>
-            </a:r>
-            <a:r>
-              <a:rPr kumimoji="1" lang="zh-CN" altLang="en-US" dirty="0"/>
-              <a:t>，</a:t>
-            </a:r>
-            <a:r>
-              <a:rPr kumimoji="1" lang="en-US" altLang="zh-CN" dirty="0"/>
-              <a:t>     </a:t>
-            </a:r>
-            <a:r>
-              <a:rPr kumimoji="1" lang="zh-CN" altLang="en-US" dirty="0"/>
-              <a:t>应用本身也是</a:t>
-            </a:r>
-          </a:p>
-          <a:p>
             <a:endParaRPr kumimoji="1" lang="zh-CN" altLang="en-US" dirty="0"/>
-          </a:p>
-          <a:p>
-            <a:r>
-              <a:rPr kumimoji="1" lang="zh-CN" altLang="en-US" dirty="0"/>
-              <a:t>查找问题接口：</a:t>
-            </a:r>
-          </a:p>
-          <a:p>
-            <a:r>
-              <a:rPr kumimoji="1" lang="zh-CN" altLang="en-US" dirty="0"/>
-              <a:t>分组，二分法，直到定位到</a:t>
-            </a:r>
-            <a:endParaRPr kumimoji="1" lang="en-US" altLang="zh-CN" dirty="0"/>
-          </a:p>
-          <a:p>
-            <a:endParaRPr kumimoji="1" lang="en-US" altLang="zh-CN" dirty="0"/>
-          </a:p>
-          <a:p>
-            <a:r>
-              <a:rPr kumimoji="1" lang="zh-CN" altLang="en-US" dirty="0"/>
-              <a:t>最后定位到：</a:t>
-            </a:r>
-            <a:r>
-              <a:rPr kumimoji="1" lang="en-US" altLang="zh-CN" dirty="0"/>
-              <a:t> </a:t>
-            </a:r>
-          </a:p>
-          <a:p>
-            <a:r>
-              <a:rPr kumimoji="1" lang="en-US" altLang="zh-CN" dirty="0"/>
-              <a:t>D99</a:t>
-            </a:r>
-            <a:r>
-              <a:rPr kumimoji="1" lang="zh-CN" altLang="en-US" dirty="0"/>
-              <a:t>方</a:t>
-            </a:r>
-            <a:r>
-              <a:rPr kumimoji="1" lang="en-US" altLang="zh-CN" dirty="0"/>
-              <a:t>3</a:t>
-            </a:r>
-            <a:r>
-              <a:rPr kumimoji="1" lang="zh-CN" altLang="en-US" dirty="0"/>
-              <a:t>个极慢接口</a:t>
-            </a:r>
-            <a:r>
-              <a:rPr kumimoji="1" lang="en-US" altLang="zh-CN" dirty="0"/>
-              <a:t>     </a:t>
-            </a:r>
-          </a:p>
-          <a:p>
-            <a:r>
-              <a:rPr kumimoji="1" lang="en-US" altLang="zh-CN" dirty="0"/>
-              <a:t>DMP</a:t>
-            </a:r>
-            <a:r>
-              <a:rPr kumimoji="1" lang="zh-CN" altLang="en-US" dirty="0"/>
-              <a:t>新研发的个别接口并发情况下有报错</a:t>
-            </a:r>
-          </a:p>
-          <a:p>
-            <a:endParaRPr kumimoji="1" lang="zh-CN" altLang="en-US" dirty="0"/>
-          </a:p>
-          <a:p>
-            <a:r>
-              <a:rPr kumimoji="1" lang="zh-CN" altLang="en-US" dirty="0"/>
-              <a:t>反馈</a:t>
-            </a:r>
-            <a:r>
-              <a:rPr kumimoji="1" lang="en-US" altLang="zh-CN" dirty="0"/>
-              <a:t> </a:t>
-            </a:r>
-            <a:r>
-              <a:rPr kumimoji="1" lang="zh-CN" altLang="en-US" dirty="0"/>
-              <a:t>等待修改</a:t>
-            </a:r>
-          </a:p>
-          <a:p>
-            <a:endParaRPr kumimoji="1" lang="zh-CN" altLang="en-US" dirty="0"/>
-          </a:p>
-          <a:p>
-            <a:r>
-              <a:rPr kumimoji="1" lang="zh-CN" altLang="en-US" dirty="0"/>
-              <a:t>一阶段压测结束。</a:t>
-            </a:r>
-            <a:endParaRPr kumimoji="1" lang="en-US" altLang="zh-CN" dirty="0"/>
-          </a:p>
-          <a:p>
-            <a:r>
-              <a:rPr kumimoji="1" lang="zh-CN" altLang="en-US" dirty="0"/>
-              <a:t>结论：</a:t>
-            </a:r>
-            <a:r>
-              <a:rPr kumimoji="1" lang="en-US" altLang="zh-CN" dirty="0"/>
-              <a:t> </a:t>
-            </a:r>
-            <a:r>
-              <a:rPr kumimoji="1" lang="zh-CN" altLang="en-US" dirty="0"/>
-              <a:t>接口性能不达标，没有达到预期，</a:t>
-            </a:r>
-            <a:r>
-              <a:rPr kumimoji="1" lang="en-US" altLang="zh-CN" dirty="0"/>
-              <a:t> </a:t>
-            </a:r>
-            <a:r>
-              <a:rPr kumimoji="1" lang="zh-CN" altLang="en-US" dirty="0"/>
-              <a:t>需优化</a:t>
-            </a:r>
-            <a:r>
-              <a:rPr kumimoji="1" lang="en-US" altLang="zh-CN" dirty="0"/>
-              <a:t>sql</a:t>
-            </a:r>
-            <a:r>
-              <a:rPr kumimoji="1" lang="zh-CN" altLang="en-US" dirty="0"/>
-              <a:t>部分逻辑。</a:t>
-            </a:r>
-          </a:p>
-          <a:p>
-            <a:endParaRPr kumimoji="1" lang="zh-CN" altLang="en-US" dirty="0"/>
-          </a:p>
-          <a:p>
-            <a:r>
-              <a:rPr kumimoji="1" lang="zh-CN" altLang="en-US" dirty="0"/>
-              <a:t>若上线则极大几率造成</a:t>
-            </a:r>
-            <a:r>
-              <a:rPr kumimoji="1" lang="en-US" altLang="zh-CN" dirty="0"/>
-              <a:t>D99 app </a:t>
-            </a:r>
-            <a:r>
-              <a:rPr kumimoji="1" lang="zh-CN" altLang="en-US" dirty="0"/>
-              <a:t>工作异常。</a:t>
-            </a:r>
-            <a:endParaRPr kumimoji="1" lang="en-US" altLang="zh-CN" dirty="0"/>
           </a:p>
         </p:txBody>
       </p:sp>
@@ -1293,13 +1736,18 @@
           <a:p>
             <a:fld id="{9D47ADAC-F727-DF42-84A1-53F383BC088E}" type="slidenum">
               <a:rPr kumimoji="1" lang="zh-CN" altLang="en-US" smtClean="0"/>
-              <a:t>6</a:t>
+              <a:t>5</a:t>
             </a:fld>
             <a:endParaRPr kumimoji="1" lang="zh-CN" altLang="en-US"/>
           </a:p>
         </p:txBody>
       </p:sp>
     </p:spTree>
+    <p:extLst>
+      <p:ext uri="{BB962C8B-B14F-4D97-AF65-F5344CB8AC3E}">
+        <p14:creationId xmlns:p14="http://schemas.microsoft.com/office/powerpoint/2010/main" val="3236684024"/>
+      </p:ext>
+    </p:extLst>
   </p:cSld>
   <p:clrMapOvr>
     <a:masterClrMapping/>
@@ -1331,19 +1779,19 @@
             <a:spLocks noGrp="1" noRot="1" noChangeAspect="1"/>
           </p:cNvSpPr>
           <p:nvPr>
-            <p:ph type="sldImg" idx="2"/>
+            <p:ph type="sldImg"/>
           </p:nvPr>
         </p:nvSpPr>
         <p:spPr/>
       </p:sp>
       <p:sp>
         <p:nvSpPr>
-          <p:cNvPr id="3" name="文本占位符 2"/>
+          <p:cNvPr id="3" name="备注占位符 2"/>
           <p:cNvSpPr>
             <a:spLocks noGrp="1"/>
           </p:cNvSpPr>
           <p:nvPr>
-            <p:ph type="body" idx="3"/>
+            <p:ph type="body" idx="1"/>
           </p:nvPr>
         </p:nvSpPr>
         <p:spPr/>
@@ -1352,86 +1800,200 @@
           <a:lstStyle/>
           <a:p>
             <a:r>
-              <a:rPr lang="zh-CN" altLang="en-US" dirty="0"/>
-              <a:t>根据压测结果，和客观情况评估，原</a:t>
-            </a:r>
-            <a:r>
-              <a:rPr lang="en-US" altLang="zh-CN" dirty="0"/>
-              <a:t>D99 app</a:t>
-            </a:r>
-            <a:r>
-              <a:rPr lang="zh-CN" altLang="en-US" dirty="0"/>
-              <a:t>方案达不到交付要求，废弃。</a:t>
-            </a:r>
-          </a:p>
-          <a:p>
-            <a:endParaRPr lang="zh-CN" altLang="en-US" dirty="0"/>
-          </a:p>
-          <a:p>
-            <a:r>
-              <a:rPr lang="zh-CN" altLang="en-US" dirty="0"/>
-              <a:t>产品中心负责重新设计开发（阿正写的）</a:t>
-            </a:r>
-          </a:p>
-          <a:p>
-            <a:endParaRPr lang="zh-CN" altLang="en-US" dirty="0"/>
-          </a:p>
-          <a:p>
-            <a:r>
-              <a:rPr lang="en-US" altLang="zh-CN" dirty="0"/>
+              <a:rPr kumimoji="1" lang="zh-CN" dirty="0"/>
+              <a:t>部分接口极易使</a:t>
+            </a:r>
+            <a:r>
+              <a:rPr kumimoji="1" lang="en-US" altLang="zh-CN" dirty="0"/>
+              <a:t>DB</a:t>
+            </a:r>
+            <a:r>
+              <a:rPr kumimoji="1" lang="zh-CN" altLang="en-US" dirty="0"/>
+              <a:t>的</a:t>
+            </a:r>
+            <a:r>
+              <a:rPr kumimoji="1" lang="en-US" altLang="zh-CN" dirty="0"/>
+              <a:t>cpu</a:t>
+            </a:r>
+            <a:r>
+              <a:rPr kumimoji="1" lang="zh-CN" altLang="en-US" dirty="0"/>
+              <a:t>使用激增至</a:t>
+            </a:r>
+            <a:r>
+              <a:rPr kumimoji="1" lang="en-US" altLang="zh-CN" dirty="0"/>
+              <a:t>100%</a:t>
+            </a:r>
+            <a:r>
+              <a:rPr kumimoji="1" lang="zh-CN" altLang="en-US" dirty="0"/>
+              <a:t>，</a:t>
+            </a:r>
+            <a:r>
+              <a:rPr kumimoji="1" lang="en-US" altLang="zh-CN" dirty="0"/>
+              <a:t>     </a:t>
+            </a:r>
+            <a:r>
+              <a:rPr kumimoji="1" lang="zh-CN" altLang="en-US" dirty="0"/>
+              <a:t>应用本身也是</a:t>
+            </a:r>
+          </a:p>
+          <a:p>
+            <a:endParaRPr kumimoji="1" lang="zh-CN" altLang="en-US" dirty="0"/>
+          </a:p>
+          <a:p>
+            <a:r>
+              <a:rPr kumimoji="1" lang="zh-CN" altLang="en-US" dirty="0"/>
+              <a:t>查找问题接口：</a:t>
+            </a:r>
+          </a:p>
+          <a:p>
+            <a:r>
+              <a:rPr kumimoji="1" lang="zh-CN" altLang="en-US" dirty="0"/>
+              <a:t>分组，二分法，直到定位到</a:t>
+            </a:r>
+            <a:endParaRPr kumimoji="1" lang="en-US" altLang="zh-CN" dirty="0"/>
+          </a:p>
+          <a:p>
+            <a:endParaRPr kumimoji="1" lang="en-US" altLang="zh-CN" dirty="0"/>
+          </a:p>
+          <a:p>
+            <a:r>
+              <a:rPr kumimoji="1" lang="zh-CN" altLang="en-US" dirty="0"/>
+              <a:t>最后定位到：</a:t>
+            </a:r>
+            <a:r>
+              <a:rPr kumimoji="1" lang="en-US" altLang="zh-CN" dirty="0"/>
+              <a:t> </a:t>
+            </a:r>
+          </a:p>
+          <a:p>
+            <a:r>
+              <a:rPr kumimoji="1" lang="en-US" altLang="zh-CN" dirty="0"/>
+              <a:t>D99</a:t>
+            </a:r>
+            <a:r>
+              <a:rPr kumimoji="1" lang="zh-CN" altLang="en-US" dirty="0"/>
+              <a:t>方</a:t>
+            </a:r>
+            <a:r>
+              <a:rPr kumimoji="1" lang="en-US" altLang="zh-CN" dirty="0"/>
+              <a:t>3</a:t>
+            </a:r>
+            <a:r>
+              <a:rPr kumimoji="1" lang="zh-CN" altLang="en-US" dirty="0"/>
+              <a:t>个极慢接口</a:t>
+            </a:r>
+            <a:r>
+              <a:rPr kumimoji="1" lang="en-US" altLang="zh-CN" dirty="0"/>
+              <a:t>     </a:t>
+            </a:r>
+          </a:p>
+          <a:p>
+            <a:r>
+              <a:rPr kumimoji="1" lang="en-US" altLang="zh-CN" dirty="0"/>
               <a:t>DMP</a:t>
             </a:r>
             <a:r>
-              <a:rPr lang="zh-CN" altLang="en-US" dirty="0"/>
-              <a:t>接口优化后等待接入</a:t>
-            </a:r>
-          </a:p>
-          <a:p>
-            <a:endParaRPr lang="zh-CN" altLang="en-US" dirty="0"/>
-          </a:p>
-          <a:p>
-            <a:endParaRPr lang="zh-CN" altLang="en-US" dirty="0"/>
-          </a:p>
-          <a:p>
-            <a:r>
-              <a:rPr lang="zh-CN" altLang="en-US" dirty="0"/>
-              <a:t>检验目的；</a:t>
-            </a:r>
-            <a:br>
-              <a:rPr lang="zh-CN" altLang="en-US" dirty="0"/>
-            </a:br>
-            <a:r>
-              <a:rPr lang="en-US" altLang="zh-CN" dirty="0"/>
-              <a:t>DMP</a:t>
-            </a:r>
-            <a:r>
-              <a:rPr lang="zh-CN" altLang="en-US" dirty="0"/>
-              <a:t>报错接口是否存在</a:t>
-            </a:r>
-          </a:p>
-          <a:p>
-            <a:r>
-              <a:rPr lang="zh-CN" altLang="en-US" dirty="0"/>
-              <a:t>是否有性能短板</a:t>
-            </a:r>
-          </a:p>
-          <a:p>
-            <a:r>
-              <a:rPr lang="zh-CN" altLang="en-US" dirty="0"/>
-              <a:t>新增的缓存策略带来的性能提升</a:t>
-            </a:r>
-          </a:p>
-          <a:p>
-            <a:r>
-              <a:rPr lang="zh-CN" altLang="en-US" dirty="0"/>
-              <a:t>为业务方提供决策数据支撑</a:t>
-            </a:r>
-          </a:p>
-          <a:p>
-            <a:endParaRPr lang="zh-CN" altLang="en-US" dirty="0"/>
-          </a:p>
-          <a:p>
-            <a:endParaRPr lang="zh-CN" altLang="en-US" dirty="0"/>
+              <a:rPr kumimoji="1" lang="zh-CN" altLang="en-US" dirty="0"/>
+              <a:t>新研发的个别接口并发情况下有报错</a:t>
+            </a:r>
+          </a:p>
+          <a:p>
+            <a:endParaRPr kumimoji="1" lang="zh-CN" altLang="en-US" dirty="0"/>
+          </a:p>
+          <a:p>
+            <a:r>
+              <a:rPr kumimoji="1" lang="zh-CN" altLang="en-US" dirty="0"/>
+              <a:t>反馈</a:t>
+            </a:r>
+            <a:r>
+              <a:rPr kumimoji="1" lang="en-US" altLang="zh-CN" dirty="0"/>
+              <a:t> </a:t>
+            </a:r>
+            <a:r>
+              <a:rPr kumimoji="1" lang="zh-CN" altLang="en-US" dirty="0"/>
+              <a:t>等待修改</a:t>
+            </a:r>
+          </a:p>
+          <a:p>
+            <a:endParaRPr kumimoji="1" lang="zh-CN" altLang="en-US" dirty="0"/>
+          </a:p>
+          <a:p>
+            <a:r>
+              <a:rPr kumimoji="1" lang="zh-CN" altLang="en-US" dirty="0"/>
+              <a:t>一阶段压测结束。</a:t>
+            </a:r>
+            <a:endParaRPr kumimoji="1" lang="en-US" altLang="zh-CN" dirty="0"/>
+          </a:p>
+          <a:p>
+            <a:r>
+              <a:rPr kumimoji="1" lang="zh-CN" altLang="en-US" dirty="0"/>
+              <a:t>结论：</a:t>
+            </a:r>
+            <a:r>
+              <a:rPr kumimoji="1" lang="en-US" altLang="zh-CN" dirty="0"/>
+              <a:t> </a:t>
+            </a:r>
+            <a:r>
+              <a:rPr kumimoji="1" lang="zh-CN" altLang="en-US" dirty="0"/>
+              <a:t>接口性能不达标，没有达到预期，</a:t>
+            </a:r>
+            <a:r>
+              <a:rPr kumimoji="1" lang="en-US" altLang="zh-CN" dirty="0"/>
+              <a:t> </a:t>
+            </a:r>
+            <a:r>
+              <a:rPr kumimoji="1" lang="zh-CN" altLang="en-US" dirty="0"/>
+              <a:t>需优化</a:t>
+            </a:r>
+            <a:r>
+              <a:rPr kumimoji="1" lang="en-US" altLang="zh-CN" dirty="0"/>
+              <a:t>sql</a:t>
+            </a:r>
+            <a:r>
+              <a:rPr kumimoji="1" lang="zh-CN" altLang="en-US" dirty="0"/>
+              <a:t>部分逻辑。</a:t>
+            </a:r>
+          </a:p>
+          <a:p>
+            <a:endParaRPr kumimoji="1" lang="zh-CN" altLang="en-US" dirty="0"/>
+          </a:p>
+          <a:p>
+            <a:r>
+              <a:rPr kumimoji="1" lang="zh-CN" altLang="en-US" dirty="0"/>
+              <a:t>若上线则极大几率造成</a:t>
+            </a:r>
+            <a:r>
+              <a:rPr kumimoji="1" lang="en-US" altLang="zh-CN" dirty="0"/>
+              <a:t>D99 app </a:t>
+            </a:r>
+            <a:r>
+              <a:rPr kumimoji="1" lang="zh-CN" altLang="en-US" dirty="0"/>
+              <a:t>工作异常。</a:t>
+            </a:r>
+            <a:endParaRPr kumimoji="1" lang="en-US" altLang="zh-CN" dirty="0"/>
+          </a:p>
+        </p:txBody>
+      </p:sp>
+      <p:sp>
+        <p:nvSpPr>
+          <p:cNvPr id="4" name="灯片编号占位符 3"/>
+          <p:cNvSpPr>
+            <a:spLocks noGrp="1"/>
+          </p:cNvSpPr>
+          <p:nvPr>
+            <p:ph type="sldNum" sz="quarter" idx="5"/>
+          </p:nvPr>
+        </p:nvSpPr>
+        <p:spPr/>
+        <p:txBody>
+          <a:bodyPr/>
+          <a:lstStyle/>
+          <a:p>
+            <a:fld id="{9D47ADAC-F727-DF42-84A1-53F383BC088E}" type="slidenum">
+              <a:rPr kumimoji="1" lang="zh-CN" altLang="en-US" smtClean="0"/>
+              <a:t>6</a:t>
+            </a:fld>
+            <a:endParaRPr kumimoji="1" lang="zh-CN" altLang="en-US"/>
           </a:p>
         </p:txBody>
       </p:sp>
@@ -1488,53 +2050,86 @@
           <a:lstStyle/>
           <a:p>
             <a:r>
-              <a:rPr lang="zh-CN" altLang="en-US"/>
-              <a:t>为什么改流程：</a:t>
-            </a:r>
-          </a:p>
-          <a:p>
-            <a:r>
-              <a:rPr lang="zh-CN" altLang="en-US"/>
-              <a:t>沟通成本相较之前降低很多，研发阶段已完成功能自测，前置压测可缩短工期</a:t>
-            </a:r>
-          </a:p>
-          <a:p>
-            <a:endParaRPr lang="zh-CN" altLang="en-US"/>
-          </a:p>
-          <a:p>
-            <a:endParaRPr lang="zh-CN" altLang="en-US"/>
-          </a:p>
-          <a:p>
-            <a:r>
-              <a:rPr lang="en-US" altLang="zh-CN"/>
+              <a:rPr lang="zh-CN" altLang="en-US" dirty="0"/>
+              <a:t>根据压测结果，和客观情况评估，原</a:t>
+            </a:r>
+            <a:r>
+              <a:rPr lang="en-US" altLang="zh-CN" dirty="0"/>
+              <a:t>D99 app</a:t>
+            </a:r>
+            <a:r>
+              <a:rPr lang="zh-CN" altLang="en-US" dirty="0"/>
+              <a:t>方案达不到交付要求，废弃。</a:t>
+            </a:r>
+          </a:p>
+          <a:p>
+            <a:endParaRPr lang="zh-CN" altLang="en-US" dirty="0"/>
+          </a:p>
+          <a:p>
+            <a:r>
+              <a:rPr lang="zh-CN" altLang="en-US" dirty="0"/>
+              <a:t>产品中心负责重新设计开发（阿正写的）</a:t>
+            </a:r>
+          </a:p>
+          <a:p>
+            <a:endParaRPr lang="zh-CN" altLang="en-US" dirty="0"/>
+          </a:p>
+          <a:p>
+            <a:r>
+              <a:rPr lang="en-US" altLang="zh-CN" dirty="0"/>
               <a:t>DMP</a:t>
             </a:r>
             <a:r>
-              <a:rPr lang="zh-CN" altLang="en-US"/>
-              <a:t>使用的阿里服务存在</a:t>
-            </a:r>
-            <a:r>
-              <a:rPr lang="en-US" altLang="zh-CN"/>
-              <a:t>qps</a:t>
-            </a:r>
-            <a:r>
-              <a:rPr lang="zh-CN" altLang="en-US"/>
-              <a:t>上限，目前是</a:t>
-            </a:r>
-            <a:r>
-              <a:rPr lang="en-US" altLang="zh-CN"/>
-              <a:t>200</a:t>
-            </a:r>
-          </a:p>
-          <a:p>
-            <a:endParaRPr lang="en-US" altLang="zh-CN"/>
-          </a:p>
-          <a:p>
-            <a:r>
-              <a:rPr lang="zh-CN" altLang="en-US"/>
-              <a:t>目标：评估优化结果，排查异常，检验现有服务是否够用</a:t>
-            </a:r>
-            <a:endParaRPr lang="en-US" altLang="zh-CN"/>
+              <a:rPr lang="zh-CN" altLang="en-US" dirty="0"/>
+              <a:t>接口优化后等待接入</a:t>
+            </a:r>
+          </a:p>
+          <a:p>
+            <a:endParaRPr lang="zh-CN" altLang="en-US" dirty="0"/>
+          </a:p>
+          <a:p>
+            <a:endParaRPr lang="zh-CN" altLang="en-US" dirty="0"/>
+          </a:p>
+          <a:p>
+            <a:r>
+              <a:rPr lang="zh-CN" altLang="en-US" dirty="0"/>
+              <a:t>检验目的；</a:t>
+            </a:r>
+            <a:br>
+              <a:rPr lang="zh-CN" altLang="en-US" dirty="0"/>
+            </a:br>
+            <a:r>
+              <a:rPr lang="en-US" altLang="zh-CN" dirty="0"/>
+              <a:t>DMP</a:t>
+            </a:r>
+            <a:r>
+              <a:rPr lang="zh-CN" altLang="en-US" dirty="0"/>
+              <a:t>报错接口是否存在</a:t>
+            </a:r>
+          </a:p>
+          <a:p>
+            <a:r>
+              <a:rPr lang="zh-CN" altLang="en-US" dirty="0"/>
+              <a:t>是否有性能短板</a:t>
+            </a:r>
+          </a:p>
+          <a:p>
+            <a:r>
+              <a:rPr lang="zh-CN" altLang="en-US" dirty="0"/>
+              <a:t>新增的缓存策略带来的性能提升</a:t>
+            </a:r>
+          </a:p>
+          <a:p>
+            <a:r>
+              <a:rPr lang="zh-CN" altLang="en-US" dirty="0"/>
+              <a:t>为业务方提供决策数据支撑</a:t>
+            </a:r>
+          </a:p>
+          <a:p>
+            <a:endParaRPr lang="zh-CN" altLang="en-US" dirty="0"/>
+          </a:p>
+          <a:p>
+            <a:endParaRPr lang="zh-CN" altLang="en-US" dirty="0"/>
           </a:p>
         </p:txBody>
       </p:sp>
@@ -1591,44 +2186,53 @@
           <a:lstStyle/>
           <a:p>
             <a:r>
-              <a:rPr lang="zh-CN" altLang="en-US" dirty="0"/>
-              <a:t>经过几次调整</a:t>
-            </a:r>
-          </a:p>
-          <a:p>
-            <a:endParaRPr lang="zh-CN" altLang="en-US" dirty="0"/>
-          </a:p>
-          <a:p>
-            <a:r>
-              <a:rPr lang="zh-CN" altLang="en-US" dirty="0"/>
-              <a:t>测试结果：</a:t>
-            </a:r>
-          </a:p>
-          <a:p>
-            <a:endParaRPr lang="zh-CN" altLang="en-US" dirty="0"/>
-          </a:p>
-          <a:p>
-            <a:r>
-              <a:rPr lang="zh-CN" altLang="en-US" dirty="0"/>
-              <a:t>无报错，</a:t>
-            </a:r>
-            <a:r>
-              <a:rPr lang="en-US" altLang="zh-CN" dirty="0" err="1"/>
-              <a:t>sql</a:t>
-            </a:r>
-            <a:r>
-              <a:rPr lang="zh-CN" altLang="en-US" dirty="0"/>
-              <a:t>优化结果达到需求，缓存策略有效，可作为需进一步改善性能的部署方案</a:t>
-            </a:r>
-          </a:p>
-          <a:p>
-            <a:endParaRPr lang="zh-CN" altLang="en-US" dirty="0"/>
-          </a:p>
-          <a:p>
-            <a:endParaRPr lang="zh-CN" altLang="en-US" dirty="0"/>
-          </a:p>
-          <a:p>
-            <a:endParaRPr lang="zh-CN" altLang="en-US" dirty="0"/>
+              <a:rPr lang="zh-CN" altLang="en-US"/>
+              <a:t>为什么改流程：</a:t>
+            </a:r>
+          </a:p>
+          <a:p>
+            <a:r>
+              <a:rPr lang="zh-CN" altLang="en-US"/>
+              <a:t>沟通成本相较之前降低很多，研发阶段已完成功能自测，前置压测可缩短工期</a:t>
+            </a:r>
+          </a:p>
+          <a:p>
+            <a:endParaRPr lang="zh-CN" altLang="en-US"/>
+          </a:p>
+          <a:p>
+            <a:endParaRPr lang="zh-CN" altLang="en-US"/>
+          </a:p>
+          <a:p>
+            <a:r>
+              <a:rPr lang="en-US" altLang="zh-CN"/>
+              <a:t>DMP</a:t>
+            </a:r>
+            <a:r>
+              <a:rPr lang="zh-CN" altLang="en-US"/>
+              <a:t>使用的阿里服务存在</a:t>
+            </a:r>
+            <a:r>
+              <a:rPr lang="en-US" altLang="zh-CN"/>
+              <a:t>qps</a:t>
+            </a:r>
+            <a:r>
+              <a:rPr lang="zh-CN" altLang="en-US"/>
+              <a:t>上限，目前是</a:t>
+            </a:r>
+            <a:r>
+              <a:rPr lang="en-US" altLang="zh-CN"/>
+              <a:t>200</a:t>
+            </a:r>
+          </a:p>
+          <a:p>
+            <a:endParaRPr lang="en-US" altLang="zh-CN"/>
+          </a:p>
+          <a:p>
+            <a:r>
+              <a:rPr lang="zh-CN" altLang="en-US"/>
+              <a:t>目标：评估优化结果，排查异常，检验现有服务是否够用</a:t>
+            </a:r>
+            <a:endParaRPr lang="en-US" altLang="zh-CN"/>
           </a:p>
         </p:txBody>
       </p:sp>
@@ -1686,7 +2290,7 @@
           <a:p>
             <a:r>
               <a:rPr lang="zh-CN" altLang="en-US" dirty="0"/>
-              <a:t>为什么说是性能无问题？</a:t>
+              <a:t>经过几次调整</a:t>
             </a:r>
           </a:p>
           <a:p>
@@ -1695,79 +2299,24 @@
           <a:p>
             <a:r>
               <a:rPr lang="zh-CN" altLang="en-US" dirty="0"/>
-              <a:t>压测结果以</a:t>
-            </a:r>
-            <a:r>
-              <a:rPr lang="en-US" altLang="zh-CN" dirty="0"/>
-              <a:t> </a:t>
+              <a:t>测试结果：</a:t>
+            </a:r>
+          </a:p>
+          <a:p>
+            <a:endParaRPr lang="zh-CN" altLang="en-US" dirty="0"/>
+          </a:p>
+          <a:p>
+            <a:r>
+              <a:rPr lang="zh-CN" altLang="en-US" dirty="0"/>
+              <a:t>无报错，</a:t>
             </a:r>
             <a:r>
               <a:rPr lang="en-US" altLang="zh-CN" dirty="0" err="1"/>
-              <a:t>cpu</a:t>
+              <a:t>sql</a:t>
             </a:r>
             <a:r>
               <a:rPr lang="zh-CN" altLang="en-US" dirty="0"/>
-              <a:t>使用率</a:t>
-            </a:r>
-            <a:r>
-              <a:rPr lang="en-US" altLang="zh-CN" dirty="0"/>
-              <a:t>85%~90</a:t>
-            </a:r>
-            <a:r>
-              <a:rPr lang="zh-CN" altLang="en-US" dirty="0"/>
-              <a:t>分位时的表现为准比较合适。</a:t>
-            </a:r>
-          </a:p>
-          <a:p>
-            <a:endParaRPr lang="zh-CN" altLang="en-US" dirty="0"/>
-          </a:p>
-          <a:p>
-            <a:r>
-              <a:rPr lang="zh-CN" altLang="en-US" dirty="0"/>
-              <a:t>目前</a:t>
-            </a:r>
-            <a:r>
-              <a:rPr lang="en-US" altLang="zh-CN" dirty="0" err="1"/>
-              <a:t>qps</a:t>
-            </a:r>
-            <a:r>
-              <a:rPr lang="zh-CN" altLang="en-US" dirty="0"/>
-              <a:t>上限还无法开放，目前仅能用来验证功能、逻辑无误。</a:t>
-            </a:r>
-          </a:p>
-          <a:p>
-            <a:endParaRPr lang="zh-CN" altLang="en-US" dirty="0"/>
-          </a:p>
-          <a:p>
-            <a:r>
-              <a:rPr lang="zh-CN" altLang="en-US" dirty="0"/>
-              <a:t>并不能说性能就一定没问题了</a:t>
-            </a:r>
-          </a:p>
-          <a:p>
-            <a:endParaRPr lang="zh-CN" altLang="en-US" dirty="0"/>
-          </a:p>
-          <a:p>
-            <a:r>
-              <a:rPr lang="zh-CN" altLang="en-US" dirty="0"/>
-              <a:t>因为</a:t>
-            </a:r>
-            <a:r>
-              <a:rPr lang="en-US" altLang="zh-CN" dirty="0" err="1"/>
-              <a:t>cpu</a:t>
-            </a:r>
-            <a:r>
-              <a:rPr lang="zh-CN" altLang="en-US" dirty="0"/>
-              <a:t>使用率上去以后的性能表现是未知的</a:t>
-            </a:r>
-          </a:p>
-          <a:p>
-            <a:endParaRPr lang="zh-CN" altLang="en-US" dirty="0"/>
-          </a:p>
-          <a:p>
-            <a:r>
-              <a:rPr lang="zh-CN" altLang="en-US" dirty="0"/>
-              <a:t>需要开上限后验证</a:t>
+              <a:t>优化结果达到需求，缓存策略有效，可作为需进一步改善性能的部署方案</a:t>
             </a:r>
           </a:p>
           <a:p>
@@ -1834,143 +2383,99 @@
           <a:lstStyle/>
           <a:p>
             <a:r>
-              <a:rPr lang="zh-CN" altLang="en-US"/>
-              <a:t>之前压测都是零散的小项目</a:t>
-            </a:r>
-          </a:p>
-          <a:p>
-            <a:endParaRPr lang="zh-CN" altLang="en-US"/>
-          </a:p>
-          <a:p>
-            <a:r>
-              <a:rPr lang="zh-CN" altLang="en-US"/>
-              <a:t>首次独立负责完整项目的压测</a:t>
-            </a:r>
-          </a:p>
-          <a:p>
-            <a:endParaRPr lang="zh-CN" altLang="en-US"/>
-          </a:p>
-          <a:p>
-            <a:r>
-              <a:rPr lang="zh-CN" altLang="en-US"/>
-              <a:t>前期：</a:t>
-            </a:r>
-            <a:r>
-              <a:rPr lang="en-US" altLang="zh-CN"/>
+              <a:rPr lang="zh-CN" altLang="en-US" dirty="0"/>
+              <a:t>为什么说是性能无问题？</a:t>
+            </a:r>
+          </a:p>
+          <a:p>
+            <a:endParaRPr lang="zh-CN" altLang="en-US" dirty="0"/>
+          </a:p>
+          <a:p>
+            <a:r>
+              <a:rPr lang="zh-CN" altLang="en-US" dirty="0"/>
+              <a:t>压测结果以</a:t>
+            </a:r>
+            <a:r>
+              <a:rPr lang="en-US" altLang="zh-CN" dirty="0"/>
               <a:t> </a:t>
             </a:r>
             <a:r>
-              <a:rPr lang="zh-CN" altLang="en-US"/>
-              <a:t>知道要干什么</a:t>
-            </a:r>
-            <a:r>
-              <a:rPr lang="en-US" altLang="zh-CN"/>
-              <a:t>  </a:t>
-            </a:r>
-            <a:r>
-              <a:rPr lang="zh-CN" altLang="en-US"/>
-              <a:t>怎么干</a:t>
-            </a:r>
-            <a:r>
-              <a:rPr lang="en-US" altLang="zh-CN"/>
-              <a:t>    </a:t>
-            </a:r>
-            <a:r>
-              <a:rPr lang="zh-CN" altLang="en-US"/>
-              <a:t>干成什么样，</a:t>
-            </a:r>
-            <a:r>
-              <a:rPr lang="en-US" altLang="zh-CN"/>
-              <a:t>  </a:t>
-            </a:r>
-            <a:r>
-              <a:rPr lang="zh-CN" altLang="en-US"/>
-              <a:t>应花最多时间在分析业务链路和制定压测目标</a:t>
-            </a:r>
-          </a:p>
-          <a:p>
-            <a:r>
-              <a:rPr lang="zh-CN" altLang="en-US"/>
-              <a:t>理清链路有助</a:t>
-            </a:r>
-            <a:r>
-              <a:rPr lang="en-US" altLang="zh-CN"/>
-              <a:t> </a:t>
-            </a:r>
-            <a:r>
-              <a:rPr lang="zh-CN" altLang="en-US"/>
-              <a:t>定位问题；制定目标</a:t>
-            </a:r>
-            <a:r>
-              <a:rPr lang="en-US" altLang="zh-CN"/>
-              <a:t>   </a:t>
-            </a:r>
-            <a:r>
-              <a:rPr lang="zh-CN" altLang="en-US"/>
-              <a:t>使结果有实际价值</a:t>
-            </a:r>
-          </a:p>
-          <a:p>
-            <a:endParaRPr lang="zh-CN" altLang="en-US"/>
-          </a:p>
-          <a:p>
-            <a:r>
-              <a:rPr lang="zh-CN" altLang="en-US"/>
-              <a:t>中期：按部就班</a:t>
-            </a:r>
-            <a:r>
-              <a:rPr lang="en-US" altLang="zh-CN"/>
-              <a:t> </a:t>
-            </a:r>
-            <a:r>
-              <a:rPr lang="zh-CN" altLang="en-US"/>
-              <a:t>，</a:t>
-            </a:r>
-            <a:r>
-              <a:rPr lang="en-US" altLang="zh-CN"/>
-              <a:t> </a:t>
-            </a:r>
-            <a:r>
-              <a:rPr lang="zh-CN" altLang="en-US"/>
-              <a:t>实际在前期工作基础上进行操作</a:t>
-            </a:r>
-          </a:p>
-          <a:p>
-            <a:endParaRPr lang="zh-CN" altLang="en-US"/>
-          </a:p>
-          <a:p>
-            <a:r>
-              <a:rPr lang="zh-CN" altLang="en-US"/>
-              <a:t>后期：准确阐述结果，</a:t>
-            </a:r>
-            <a:r>
-              <a:rPr lang="en-US" altLang="zh-CN"/>
-              <a:t> </a:t>
-            </a:r>
-            <a:r>
-              <a:rPr lang="zh-CN" altLang="en-US"/>
-              <a:t>并提供评估意见，</a:t>
-            </a:r>
-            <a:r>
-              <a:rPr lang="en-US" altLang="zh-CN"/>
-              <a:t>  </a:t>
-            </a:r>
-            <a:r>
-              <a:rPr lang="zh-CN" altLang="en-US"/>
-              <a:t>才使压测结果有意义</a:t>
-            </a:r>
-          </a:p>
-          <a:p>
-            <a:endParaRPr lang="zh-CN" altLang="en-US"/>
-          </a:p>
-          <a:p>
-            <a:endParaRPr lang="zh-CN" altLang="en-US"/>
-          </a:p>
-          <a:p>
-            <a:endParaRPr lang="zh-CN" altLang="en-US"/>
-          </a:p>
-          <a:p>
-            <a:endParaRPr lang="zh-CN" altLang="en-US"/>
+              <a:rPr lang="en-US" altLang="zh-CN" dirty="0" err="1"/>
+              <a:t>cpu</a:t>
+            </a:r>
+            <a:r>
+              <a:rPr lang="zh-CN" altLang="en-US" dirty="0"/>
+              <a:t>使用率</a:t>
+            </a:r>
+            <a:r>
+              <a:rPr lang="en-US" altLang="zh-CN" dirty="0"/>
+              <a:t>85%~90</a:t>
+            </a:r>
+            <a:r>
+              <a:rPr lang="zh-CN" altLang="en-US" dirty="0"/>
+              <a:t>分位时的表现为准比较合适。</a:t>
+            </a:r>
+          </a:p>
+          <a:p>
+            <a:endParaRPr lang="zh-CN" altLang="en-US" dirty="0"/>
+          </a:p>
+          <a:p>
+            <a:r>
+              <a:rPr lang="zh-CN" altLang="en-US" dirty="0"/>
+              <a:t>目前</a:t>
+            </a:r>
+            <a:r>
+              <a:rPr lang="en-US" altLang="zh-CN" dirty="0" err="1"/>
+              <a:t>qps</a:t>
+            </a:r>
+            <a:r>
+              <a:rPr lang="zh-CN" altLang="en-US" dirty="0"/>
+              <a:t>上限还无法开放，目前仅能用来验证功能、逻辑无误。</a:t>
+            </a:r>
+          </a:p>
+          <a:p>
+            <a:endParaRPr lang="zh-CN" altLang="en-US" dirty="0"/>
+          </a:p>
+          <a:p>
+            <a:r>
+              <a:rPr lang="zh-CN" altLang="en-US" dirty="0"/>
+              <a:t>并不能说性能就一定没问题了</a:t>
+            </a:r>
+          </a:p>
+          <a:p>
+            <a:endParaRPr lang="zh-CN" altLang="en-US" dirty="0"/>
+          </a:p>
+          <a:p>
+            <a:r>
+              <a:rPr lang="zh-CN" altLang="en-US" dirty="0"/>
+              <a:t>因为</a:t>
+            </a:r>
+            <a:r>
+              <a:rPr lang="en-US" altLang="zh-CN" dirty="0" err="1"/>
+              <a:t>cpu</a:t>
+            </a:r>
+            <a:r>
+              <a:rPr lang="zh-CN" altLang="en-US" dirty="0"/>
+              <a:t>使用率上去以后的性能表现是未知的</a:t>
+            </a:r>
+          </a:p>
+          <a:p>
+            <a:endParaRPr lang="zh-CN" altLang="en-US" dirty="0"/>
+          </a:p>
+          <a:p>
+            <a:r>
+              <a:rPr lang="zh-CN" altLang="en-US" dirty="0"/>
+              <a:t>需要开上限后验证</a:t>
+            </a:r>
+          </a:p>
+          <a:p>
+            <a:endParaRPr lang="zh-CN" altLang="en-US" dirty="0"/>
+          </a:p>
+          <a:p>
+            <a:endParaRPr lang="zh-CN" altLang="en-US" dirty="0"/>
+          </a:p>
+          <a:p>
+            <a:endParaRPr lang="zh-CN" altLang="en-US" dirty="0"/>
           </a:p>
         </p:txBody>
       </p:sp>
@@ -2129,7 +2634,7 @@
           <a:p>
             <a:fld id="{C199C2B9-325A-9B4F-9553-DD502A202BFE}" type="datetimeFigureOut">
               <a:rPr kumimoji="1" lang="zh-CN" altLang="en-US" smtClean="0"/>
-              <a:t>2021/8/16</a:t>
+              <a:t>2021/8/17</a:t>
             </a:fld>
             <a:endParaRPr kumimoji="1" lang="zh-CN" altLang="en-US"/>
           </a:p>
@@ -2327,7 +2832,7 @@
           <a:p>
             <a:fld id="{C199C2B9-325A-9B4F-9553-DD502A202BFE}" type="datetimeFigureOut">
               <a:rPr kumimoji="1" lang="zh-CN" altLang="en-US" smtClean="0"/>
-              <a:t>2021/8/16</a:t>
+              <a:t>2021/8/17</a:t>
             </a:fld>
             <a:endParaRPr kumimoji="1" lang="zh-CN" altLang="en-US"/>
           </a:p>
@@ -2535,7 +3040,7 @@
           <a:p>
             <a:fld id="{C199C2B9-325A-9B4F-9553-DD502A202BFE}" type="datetimeFigureOut">
               <a:rPr kumimoji="1" lang="zh-CN" altLang="en-US" smtClean="0"/>
-              <a:t>2021/8/16</a:t>
+              <a:t>2021/8/17</a:t>
             </a:fld>
             <a:endParaRPr kumimoji="1" lang="zh-CN" altLang="en-US"/>
           </a:p>
@@ -2733,7 +3238,7 @@
           <a:p>
             <a:fld id="{C199C2B9-325A-9B4F-9553-DD502A202BFE}" type="datetimeFigureOut">
               <a:rPr kumimoji="1" lang="zh-CN" altLang="en-US" smtClean="0"/>
-              <a:t>2021/8/16</a:t>
+              <a:t>2021/8/17</a:t>
             </a:fld>
             <a:endParaRPr kumimoji="1" lang="zh-CN" altLang="en-US"/>
           </a:p>
@@ -3008,7 +3513,7 @@
           <a:p>
             <a:fld id="{C199C2B9-325A-9B4F-9553-DD502A202BFE}" type="datetimeFigureOut">
               <a:rPr kumimoji="1" lang="zh-CN" altLang="en-US" smtClean="0"/>
-              <a:t>2021/8/16</a:t>
+              <a:t>2021/8/17</a:t>
             </a:fld>
             <a:endParaRPr kumimoji="1" lang="zh-CN" altLang="en-US"/>
           </a:p>
@@ -3273,7 +3778,7 @@
           <a:p>
             <a:fld id="{C199C2B9-325A-9B4F-9553-DD502A202BFE}" type="datetimeFigureOut">
               <a:rPr kumimoji="1" lang="zh-CN" altLang="en-US" smtClean="0"/>
-              <a:t>2021/8/16</a:t>
+              <a:t>2021/8/17</a:t>
             </a:fld>
             <a:endParaRPr kumimoji="1" lang="zh-CN" altLang="en-US"/>
           </a:p>
@@ -3685,7 +4190,7 @@
           <a:p>
             <a:fld id="{C199C2B9-325A-9B4F-9553-DD502A202BFE}" type="datetimeFigureOut">
               <a:rPr kumimoji="1" lang="zh-CN" altLang="en-US" smtClean="0"/>
-              <a:t>2021/8/16</a:t>
+              <a:t>2021/8/17</a:t>
             </a:fld>
             <a:endParaRPr kumimoji="1" lang="zh-CN" altLang="en-US"/>
           </a:p>
@@ -3826,7 +4331,7 @@
           <a:p>
             <a:fld id="{C199C2B9-325A-9B4F-9553-DD502A202BFE}" type="datetimeFigureOut">
               <a:rPr kumimoji="1" lang="zh-CN" altLang="en-US" smtClean="0"/>
-              <a:t>2021/8/16</a:t>
+              <a:t>2021/8/17</a:t>
             </a:fld>
             <a:endParaRPr kumimoji="1" lang="zh-CN" altLang="en-US"/>
           </a:p>
@@ -3939,7 +4444,7 @@
           <a:p>
             <a:fld id="{C199C2B9-325A-9B4F-9553-DD502A202BFE}" type="datetimeFigureOut">
               <a:rPr kumimoji="1" lang="zh-CN" altLang="en-US" smtClean="0"/>
-              <a:t>2021/8/16</a:t>
+              <a:t>2021/8/17</a:t>
             </a:fld>
             <a:endParaRPr kumimoji="1" lang="zh-CN" altLang="en-US"/>
           </a:p>
@@ -4250,7 +4755,7 @@
           <a:p>
             <a:fld id="{C199C2B9-325A-9B4F-9553-DD502A202BFE}" type="datetimeFigureOut">
               <a:rPr kumimoji="1" lang="zh-CN" altLang="en-US" smtClean="0"/>
-              <a:t>2021/8/16</a:t>
+              <a:t>2021/8/17</a:t>
             </a:fld>
             <a:endParaRPr kumimoji="1" lang="zh-CN" altLang="en-US"/>
           </a:p>
@@ -4538,7 +5043,7 @@
           <a:p>
             <a:fld id="{C199C2B9-325A-9B4F-9553-DD502A202BFE}" type="datetimeFigureOut">
               <a:rPr kumimoji="1" lang="zh-CN" altLang="en-US" smtClean="0"/>
-              <a:t>2021/8/16</a:t>
+              <a:t>2021/8/17</a:t>
             </a:fld>
             <a:endParaRPr kumimoji="1" lang="zh-CN" altLang="en-US"/>
           </a:p>
@@ -4779,7 +5284,7 @@
           <a:p>
             <a:fld id="{C199C2B9-325A-9B4F-9553-DD502A202BFE}" type="datetimeFigureOut">
               <a:rPr kumimoji="1" lang="zh-CN" altLang="en-US" smtClean="0"/>
-              <a:t>2021/8/16</a:t>
+              <a:t>2021/8/17</a:t>
             </a:fld>
             <a:endParaRPr kumimoji="1" lang="zh-CN" altLang="en-US"/>
           </a:p>
@@ -6325,6 +6830,10 @@
           <a:p>
             <a:pPr lvl="1"/>
             <a:r>
+              <a:rPr lang="zh-CN" altLang="en-US" sz="2800" dirty="0"/>
+              <a:t>使</a:t>
+            </a:r>
+            <a:r>
               <a:rPr lang="zh-CN" altLang="en-US" sz="2000" dirty="0"/>
               <a:t>信心增长了</a:t>
             </a:r>
@@ -6332,6 +6841,10 @@
           <a:p>
             <a:pPr lvl="1"/>
             <a:r>
+              <a:rPr lang="zh-CN" altLang="en-US" sz="2800" dirty="0"/>
+              <a:t>使</a:t>
+            </a:r>
+            <a:r>
               <a:rPr lang="zh-CN" altLang="en-US" sz="2000" dirty="0"/>
               <a:t>说话硬气了</a:t>
             </a:r>
@@ -6351,7 +6864,15 @@
             <a:pPr lvl="1"/>
             <a:r>
               <a:rPr lang="zh-CN" altLang="en-US" sz="2000" dirty="0"/>
-              <a:t>前期：需求背景，业务链路，测试范围，影响范围，数据来源，测试目标</a:t>
+              <a:t>前期关注重点</a:t>
+            </a:r>
+            <a:r>
+              <a:rPr lang="en-US" altLang="zh-CN" sz="2000" dirty="0"/>
+              <a:t>——</a:t>
+            </a:r>
+            <a:r>
+              <a:rPr lang="zh-CN" altLang="en-US" sz="2000" dirty="0"/>
+              <a:t>需求背景，业务链路，测试范围，影响范围，数据来源，测试目标，线上压力预估</a:t>
             </a:r>
             <a:endParaRPr lang="en-US" altLang="zh-CN" sz="2000" dirty="0"/>
           </a:p>
@@ -6537,6 +7058,210 @@
 <file path=ppt/slides/slide12.xml><?xml version="1.0" encoding="utf-8"?>
 <p:sld xmlns:a="http://schemas.openxmlformats.org/drawingml/2006/main" xmlns:r="http://schemas.openxmlformats.org/officeDocument/2006/relationships" xmlns:p="http://schemas.openxmlformats.org/presentationml/2006/main">
   <p:cSld>
+    <p:spTree>
+      <p:nvGrpSpPr>
+        <p:cNvPr id="1" name=""/>
+        <p:cNvGrpSpPr/>
+        <p:nvPr/>
+      </p:nvGrpSpPr>
+      <p:grpSpPr>
+        <a:xfrm>
+          <a:off x="0" y="0"/>
+          <a:ext cx="0" cy="0"/>
+          <a:chOff x="0" y="0"/>
+          <a:chExt cx="0" cy="0"/>
+        </a:xfrm>
+      </p:grpSpPr>
+      <p:sp>
+        <p:nvSpPr>
+          <p:cNvPr id="4" name="标题 3">
+            <a:extLst>
+              <a:ext uri="{FF2B5EF4-FFF2-40B4-BE49-F238E27FC236}">
+                <a16:creationId xmlns:a16="http://schemas.microsoft.com/office/drawing/2014/main" id="{A5DA4060-2188-7D45-BD05-44D9D0796CD0}"/>
+              </a:ext>
+            </a:extLst>
+          </p:cNvPr>
+          <p:cNvSpPr>
+            <a:spLocks noGrp="1"/>
+          </p:cNvSpPr>
+          <p:nvPr>
+            <p:ph type="title"/>
+          </p:nvPr>
+        </p:nvSpPr>
+        <p:spPr/>
+        <p:txBody>
+          <a:bodyPr/>
+          <a:lstStyle/>
+          <a:p>
+            <a:r>
+              <a:rPr lang="zh-CN" altLang="en-US" dirty="0"/>
+              <a:t>做什么怎么做为什么这样做</a:t>
+            </a:r>
+          </a:p>
+        </p:txBody>
+      </p:sp>
+      <p:sp>
+        <p:nvSpPr>
+          <p:cNvPr id="5" name="内容占位符 4">
+            <a:extLst>
+              <a:ext uri="{FF2B5EF4-FFF2-40B4-BE49-F238E27FC236}">
+                <a16:creationId xmlns:a16="http://schemas.microsoft.com/office/drawing/2014/main" id="{A13425A1-1536-C243-86D3-5DA68661D873}"/>
+              </a:ext>
+            </a:extLst>
+          </p:cNvPr>
+          <p:cNvSpPr>
+            <a:spLocks noGrp="1"/>
+          </p:cNvSpPr>
+          <p:nvPr>
+            <p:ph sz="half" idx="1"/>
+          </p:nvPr>
+        </p:nvSpPr>
+        <p:spPr/>
+        <p:txBody>
+          <a:bodyPr/>
+          <a:lstStyle/>
+          <a:p>
+            <a:r>
+              <a:rPr lang="zh-CN" altLang="en-US" dirty="0"/>
+              <a:t>梳理链路</a:t>
+            </a:r>
+            <a:endParaRPr lang="en-US" altLang="zh-CN" dirty="0"/>
+          </a:p>
+          <a:p>
+            <a:pPr lvl="1"/>
+            <a:r>
+              <a:rPr lang="zh-CN" altLang="en-US" dirty="0"/>
+              <a:t>评估影响性能的环节</a:t>
+            </a:r>
+            <a:endParaRPr lang="en-US" altLang="zh-CN" dirty="0"/>
+          </a:p>
+          <a:p>
+            <a:pPr lvl="1"/>
+            <a:r>
+              <a:rPr lang="zh-CN" altLang="en-US" dirty="0"/>
+              <a:t>节约排查问题时间</a:t>
+            </a:r>
+            <a:endParaRPr lang="en-US" altLang="zh-CN" dirty="0"/>
+          </a:p>
+          <a:p>
+            <a:pPr lvl="1"/>
+            <a:r>
+              <a:rPr lang="zh-CN" altLang="en-US" dirty="0"/>
+              <a:t>了解压测的影响范围</a:t>
+            </a:r>
+            <a:endParaRPr lang="en-US" altLang="zh-CN" dirty="0"/>
+          </a:p>
+          <a:p>
+            <a:pPr lvl="1"/>
+            <a:r>
+              <a:rPr lang="zh-CN" altLang="en-US" dirty="0"/>
+              <a:t>辅助制定测试范围</a:t>
+            </a:r>
+            <a:endParaRPr lang="en-US" altLang="zh-CN" dirty="0"/>
+          </a:p>
+          <a:p>
+            <a:pPr lvl="1"/>
+            <a:r>
+              <a:rPr lang="zh-CN" altLang="en-US" dirty="0"/>
+              <a:t>了解被压服务的工作方式</a:t>
+            </a:r>
+            <a:endParaRPr lang="en-US" altLang="zh-CN" dirty="0"/>
+          </a:p>
+          <a:p>
+            <a:pPr lvl="1"/>
+            <a:endParaRPr lang="en-US" altLang="zh-CN" dirty="0"/>
+          </a:p>
+          <a:p>
+            <a:pPr lvl="1"/>
+            <a:endParaRPr lang="en-US" altLang="zh-CN" dirty="0"/>
+          </a:p>
+        </p:txBody>
+      </p:sp>
+      <p:sp>
+        <p:nvSpPr>
+          <p:cNvPr id="6" name="内容占位符 5">
+            <a:extLst>
+              <a:ext uri="{FF2B5EF4-FFF2-40B4-BE49-F238E27FC236}">
+                <a16:creationId xmlns:a16="http://schemas.microsoft.com/office/drawing/2014/main" id="{766154C9-119C-F046-B960-25EB8F2E35D6}"/>
+              </a:ext>
+            </a:extLst>
+          </p:cNvPr>
+          <p:cNvSpPr>
+            <a:spLocks noGrp="1"/>
+          </p:cNvSpPr>
+          <p:nvPr>
+            <p:ph sz="half" idx="2"/>
+          </p:nvPr>
+        </p:nvSpPr>
+        <p:spPr/>
+        <p:txBody>
+          <a:bodyPr/>
+          <a:lstStyle/>
+          <a:p>
+            <a:r>
+              <a:rPr lang="zh-CN" altLang="en-US" dirty="0"/>
+              <a:t>制定合理目标</a:t>
+            </a:r>
+            <a:endParaRPr lang="en-US" altLang="zh-CN" dirty="0"/>
+          </a:p>
+          <a:p>
+            <a:pPr lvl="1"/>
+            <a:r>
+              <a:rPr lang="zh-CN" altLang="en-US" dirty="0"/>
+              <a:t>使测试方向贴合需求预期</a:t>
+            </a:r>
+            <a:endParaRPr lang="en-US" altLang="zh-CN" dirty="0"/>
+          </a:p>
+          <a:p>
+            <a:pPr lvl="1"/>
+            <a:r>
+              <a:rPr lang="zh-CN" altLang="en-US" dirty="0"/>
+              <a:t>使测试结果有参考性</a:t>
+            </a:r>
+            <a:endParaRPr lang="en-US" altLang="zh-CN" dirty="0"/>
+          </a:p>
+          <a:p>
+            <a:pPr lvl="1"/>
+            <a:r>
+              <a:rPr lang="zh-CN" altLang="en-US" dirty="0"/>
+              <a:t>有效识别风险</a:t>
+            </a:r>
+            <a:endParaRPr lang="en-US" altLang="zh-CN" dirty="0"/>
+          </a:p>
+          <a:p>
+            <a:pPr lvl="1"/>
+            <a:r>
+              <a:rPr lang="zh-CN" altLang="en-US" dirty="0"/>
+              <a:t>降低上线性能翻车概率</a:t>
+            </a:r>
+            <a:endParaRPr lang="en-US" altLang="zh-CN" dirty="0"/>
+          </a:p>
+          <a:p>
+            <a:pPr lvl="1"/>
+            <a:r>
+              <a:rPr lang="zh-CN" altLang="en-US" dirty="0"/>
+              <a:t>质量保障</a:t>
+            </a:r>
+            <a:endParaRPr lang="en-US" altLang="zh-CN" dirty="0"/>
+          </a:p>
+        </p:txBody>
+      </p:sp>
+    </p:spTree>
+    <p:extLst>
+      <p:ext uri="{BB962C8B-B14F-4D97-AF65-F5344CB8AC3E}">
+        <p14:creationId xmlns:p14="http://schemas.microsoft.com/office/powerpoint/2010/main" val="1552022527"/>
+      </p:ext>
+    </p:extLst>
+  </p:cSld>
+  <p:clrMapOvr>
+    <a:masterClrMapping/>
+  </p:clrMapOvr>
+</p:sld>
+</file>
+
+<file path=ppt/slides/slide13.xml><?xml version="1.0" encoding="utf-8"?>
+<p:sld xmlns:a="http://schemas.openxmlformats.org/drawingml/2006/main" xmlns:r="http://schemas.openxmlformats.org/officeDocument/2006/relationships" xmlns:p="http://schemas.openxmlformats.org/presentationml/2006/main">
+  <p:cSld>
     <p:bg>
       <p:bgPr>
         <a:solidFill>
@@ -6636,20 +7361,20 @@
         </p:nvSpPr>
         <p:spPr>
           <a:xfrm>
-            <a:off x="643468" y="621792"/>
-            <a:ext cx="4989890" cy="5413248"/>
+            <a:off x="948695" y="2368075"/>
+            <a:ext cx="2882066" cy="898502"/>
           </a:xfrm>
           <a:prstGeom prst="rect">
             <a:avLst/>
           </a:prstGeom>
         </p:spPr>
         <p:txBody>
-          <a:bodyPr vert="horz" lIns="91440" tIns="45720" rIns="91440" bIns="45720" rtlCol="0" anchor="ctr">
+          <a:bodyPr vert="horz" lIns="91440" tIns="45720" rIns="91440" bIns="45720" rtlCol="0" anchor="t">
             <a:normAutofit/>
           </a:bodyPr>
           <a:lstStyle/>
           <a:p>
-            <a:pPr>
+            <a:pPr algn="ctr">
               <a:lnSpc>
                 <a:spcPct val="90000"/>
               </a:lnSpc>
@@ -6661,7 +7386,7 @@
               </a:spcAft>
             </a:pPr>
             <a:r>
-              <a:rPr lang="zh-CN" altLang="en-US" sz="3600" kern="1200">
+              <a:rPr lang="zh-CN" altLang="en-US" sz="3600" kern="1200" dirty="0">
                 <a:solidFill>
                   <a:schemeClr val="tx1"/>
                 </a:solidFill>
@@ -7139,61 +7864,41 @@
           <a:lstStyle/>
           <a:p>
             <a:r>
-              <a:rPr lang="zh-CN" altLang="en-US" sz="2000">
+              <a:rPr lang="zh-CN" altLang="en-US" sz="2000" dirty="0">
                 <a:sym typeface="+mn-ea"/>
               </a:rPr>
-              <a:t>独立部署测试集群和可视化监控，设计评审测试脚本，协同</a:t>
-            </a:r>
-            <a:r>
-              <a:rPr lang="en-US" altLang="zh-CN" sz="2000">
-                <a:sym typeface="+mn-ea"/>
-              </a:rPr>
-              <a:t>infra</a:t>
-            </a:r>
-            <a:r>
-              <a:rPr lang="zh-CN" altLang="en-US" sz="2000">
-                <a:sym typeface="+mn-ea"/>
-              </a:rPr>
-              <a:t>准备测试环境，根据链路分析性能瓶颈，及时准确反馈问题范围</a:t>
-            </a:r>
-          </a:p>
-          <a:p>
-            <a:pPr marL="0"/>
-            <a:endParaRPr lang="en-US" altLang="zh-CN" sz="2000"/>
-          </a:p>
-          <a:p>
-            <a:r>
-              <a:rPr lang="zh-CN" altLang="en-US" sz="2000"/>
-              <a:t>部署环境和脚本调试以往压测耗费时间最长的环节</a:t>
-            </a:r>
+              <a:t>部署环境，脚本调试的要符合用户场景</a:t>
+            </a:r>
+            <a:endParaRPr lang="en-US" altLang="zh-CN" sz="2000" dirty="0">
+              <a:sym typeface="+mn-ea"/>
+            </a:endParaRPr>
+          </a:p>
+          <a:p>
+            <a:endParaRPr lang="en-US" altLang="zh-CN" sz="2000" dirty="0"/>
+          </a:p>
+          <a:p>
+            <a:r>
+              <a:rPr lang="zh-CN" altLang="en-US" sz="2000" dirty="0"/>
+              <a:t>记录测试数据，根据链路逻辑分析性能阻塞点，即使准确反馈</a:t>
+            </a:r>
+            <a:endParaRPr lang="en-US" altLang="zh-CN" sz="2000" dirty="0"/>
+          </a:p>
+          <a:p>
+            <a:pPr marL="914400" lvl="2" indent="0">
+              <a:buNone/>
+            </a:pPr>
+            <a:endParaRPr lang="en-US" altLang="zh-CN" dirty="0"/>
+          </a:p>
+          <a:p>
+            <a:r>
+              <a:rPr lang="zh-CN" altLang="en-US" sz="2000" dirty="0"/>
+              <a:t>部署和操作基于前期分析链路而制定的目标，不应成为性能测试耗时源头</a:t>
+            </a:r>
+            <a:endParaRPr lang="en-US" altLang="zh-CN" dirty="0"/>
           </a:p>
           <a:p>
             <a:pPr lvl="2"/>
-            <a:endParaRPr lang="en-US" altLang="zh-CN"/>
-          </a:p>
-          <a:p>
-            <a:r>
-              <a:rPr lang="zh-CN" altLang="en-US" sz="2000"/>
-              <a:t>不要过于拘泥于工具上的细节而忽略更重要的问题</a:t>
-            </a:r>
-          </a:p>
-          <a:p>
-            <a:pPr lvl="2"/>
-            <a:endParaRPr lang="en-US" altLang="zh-CN"/>
-          </a:p>
-          <a:p>
-            <a:r>
-              <a:rPr lang="zh-CN" altLang="en-US" sz="2000"/>
-              <a:t>部署和操作基于前期分析链路而制定的目标，不应成为性能测试耗时源头</a:t>
-            </a:r>
-          </a:p>
-          <a:p>
-            <a:pPr lvl="2"/>
-            <a:endParaRPr lang="en-US" altLang="zh-CN"/>
-          </a:p>
-          <a:p>
-            <a:pPr lvl="2"/>
-            <a:endParaRPr lang="en-US" altLang="zh-CN"/>
+            <a:endParaRPr lang="en-US" altLang="zh-CN" dirty="0"/>
           </a:p>
         </p:txBody>
       </p:sp>
@@ -7205,7 +7910,7 @@
 </p:sld>
 </file>
 
-<file path=ppt/slides/slide13.xml><?xml version="1.0" encoding="utf-8"?>
+<file path=ppt/slides/slide14.xml><?xml version="1.0" encoding="utf-8"?>
 <p:sld xmlns:a="http://schemas.openxmlformats.org/drawingml/2006/main" xmlns:r="http://schemas.openxmlformats.org/officeDocument/2006/relationships" xmlns:p="http://schemas.openxmlformats.org/presentationml/2006/main">
   <p:cSld>
     <p:bg>
@@ -7307,20 +8012,20 @@
         </p:nvSpPr>
         <p:spPr>
           <a:xfrm>
-            <a:off x="643468" y="621792"/>
-            <a:ext cx="4989890" cy="5413248"/>
+            <a:off x="1275755" y="3428998"/>
+            <a:ext cx="2728317" cy="697210"/>
           </a:xfrm>
           <a:prstGeom prst="rect">
             <a:avLst/>
           </a:prstGeom>
         </p:spPr>
         <p:txBody>
-          <a:bodyPr vert="horz" lIns="91440" tIns="45720" rIns="91440" bIns="45720" rtlCol="0" anchor="ctr">
+          <a:bodyPr vert="horz" lIns="91440" tIns="45720" rIns="91440" bIns="45720" rtlCol="0" anchor="t">
             <a:normAutofit/>
           </a:bodyPr>
           <a:lstStyle/>
           <a:p>
-            <a:pPr>
+            <a:pPr algn="ctr">
               <a:lnSpc>
                 <a:spcPct val="90000"/>
               </a:lnSpc>
@@ -7332,7 +8037,7 @@
               </a:spcAft>
             </a:pPr>
             <a:r>
-              <a:rPr kumimoji="1" lang="zh-CN" altLang="en-US" sz="3600" kern="1200">
+              <a:rPr kumimoji="1" lang="zh-CN" altLang="en-US" sz="3600" kern="1200" dirty="0">
                 <a:solidFill>
                   <a:schemeClr val="tx1"/>
                 </a:solidFill>
@@ -7342,14 +8047,6 @@
               </a:rPr>
               <a:t>后期关注点</a:t>
             </a:r>
-            <a:endParaRPr kumimoji="1" lang="zh-CN" altLang="en-US" sz="3600" kern="1200" dirty="0">
-              <a:solidFill>
-                <a:schemeClr val="tx1"/>
-              </a:solidFill>
-              <a:latin typeface="+mj-lt"/>
-              <a:ea typeface="+mj-ea"/>
-              <a:cs typeface="+mj-cs"/>
-            </a:endParaRPr>
           </a:p>
         </p:txBody>
       </p:sp>
@@ -7808,23 +8505,17 @@
           <a:lstStyle/>
           <a:p>
             <a:pPr marL="0" lvl="1"/>
-            <a:endParaRPr lang="en-US" altLang="zh-CN" sz="2000">
+            <a:endParaRPr lang="en-US" altLang="zh-CN" sz="2000" dirty="0">
               <a:sym typeface="+mn-ea"/>
             </a:endParaRPr>
           </a:p>
           <a:p>
             <a:pPr marL="0" lvl="1"/>
-            <a:r>
-              <a:rPr lang="zh-CN" altLang="en-US" sz="2000">
-                <a:sym typeface="+mn-ea"/>
-              </a:rPr>
-              <a:t>撰写</a:t>
-            </a:r>
             <a:r>
               <a:rPr lang="zh-CN" altLang="en-US" sz="2000" dirty="0">
                 <a:sym typeface="+mn-ea"/>
               </a:rPr>
-              <a:t>测试报告，评估风险，提出改进意见，组织复盘</a:t>
+              <a:t>撰写测试报告，评估风险，提出改进意见</a:t>
             </a:r>
           </a:p>
           <a:p>
@@ -7855,6 +8546,119 @@
         </p:txBody>
       </p:sp>
     </p:spTree>
+  </p:cSld>
+  <p:clrMapOvr>
+    <a:masterClrMapping/>
+  </p:clrMapOvr>
+</p:sld>
+</file>
+
+<file path=ppt/slides/slide15.xml><?xml version="1.0" encoding="utf-8"?>
+<p:sld xmlns:a="http://schemas.openxmlformats.org/drawingml/2006/main" xmlns:r="http://schemas.openxmlformats.org/officeDocument/2006/relationships" xmlns:p="http://schemas.openxmlformats.org/presentationml/2006/main">
+  <p:cSld>
+    <p:spTree>
+      <p:nvGrpSpPr>
+        <p:cNvPr id="1" name=""/>
+        <p:cNvGrpSpPr/>
+        <p:nvPr/>
+      </p:nvGrpSpPr>
+      <p:grpSpPr>
+        <a:xfrm>
+          <a:off x="0" y="0"/>
+          <a:ext cx="0" cy="0"/>
+          <a:chOff x="0" y="0"/>
+          <a:chExt cx="0" cy="0"/>
+        </a:xfrm>
+      </p:grpSpPr>
+      <p:sp>
+        <p:nvSpPr>
+          <p:cNvPr id="2" name="标题 1">
+            <a:extLst>
+              <a:ext uri="{FF2B5EF4-FFF2-40B4-BE49-F238E27FC236}">
+                <a16:creationId xmlns:a16="http://schemas.microsoft.com/office/drawing/2014/main" id="{48820B31-5D62-6E43-A5AE-96DF64223941}"/>
+              </a:ext>
+            </a:extLst>
+          </p:cNvPr>
+          <p:cNvSpPr>
+            <a:spLocks noGrp="1"/>
+          </p:cNvSpPr>
+          <p:nvPr>
+            <p:ph type="title"/>
+          </p:nvPr>
+        </p:nvSpPr>
+        <p:spPr/>
+        <p:txBody>
+          <a:bodyPr/>
+          <a:lstStyle/>
+          <a:p>
+            <a:r>
+              <a:rPr kumimoji="1" lang="zh-CN" altLang="en-US" dirty="0"/>
+              <a:t>其它总结</a:t>
+            </a:r>
+          </a:p>
+        </p:txBody>
+      </p:sp>
+      <p:sp>
+        <p:nvSpPr>
+          <p:cNvPr id="3" name="内容占位符 2">
+            <a:extLst>
+              <a:ext uri="{FF2B5EF4-FFF2-40B4-BE49-F238E27FC236}">
+                <a16:creationId xmlns:a16="http://schemas.microsoft.com/office/drawing/2014/main" id="{EF53C6E3-4076-494E-8095-800AD41FB819}"/>
+              </a:ext>
+            </a:extLst>
+          </p:cNvPr>
+          <p:cNvSpPr>
+            <a:spLocks noGrp="1"/>
+          </p:cNvSpPr>
+          <p:nvPr>
+            <p:ph idx="1"/>
+          </p:nvPr>
+        </p:nvSpPr>
+        <p:spPr/>
+        <p:txBody>
+          <a:bodyPr/>
+          <a:lstStyle/>
+          <a:p>
+            <a:r>
+              <a:rPr kumimoji="1" lang="zh-CN" altLang="en-US" dirty="0"/>
+              <a:t>减少消耗在调整环境、脚本、工具的时间</a:t>
+            </a:r>
+            <a:endParaRPr kumimoji="1" lang="en-US" altLang="zh-CN" dirty="0"/>
+          </a:p>
+          <a:p>
+            <a:endParaRPr kumimoji="1" lang="en-US" altLang="zh-CN" dirty="0"/>
+          </a:p>
+          <a:p>
+            <a:r>
+              <a:rPr kumimoji="1" lang="zh-CN" altLang="en-US" dirty="0"/>
+              <a:t>将测试工作重心放在测试前期，其次是后期</a:t>
+            </a:r>
+            <a:endParaRPr kumimoji="1" lang="en-US" altLang="zh-CN" dirty="0"/>
+          </a:p>
+          <a:p>
+            <a:endParaRPr kumimoji="1" lang="en-US" altLang="zh-CN" dirty="0"/>
+          </a:p>
+          <a:p>
+            <a:r>
+              <a:rPr kumimoji="1" lang="zh-CN" altLang="en-US" dirty="0"/>
+              <a:t>待补充</a:t>
+            </a:r>
+            <a:endParaRPr kumimoji="1" lang="en-US" altLang="zh-CN" dirty="0"/>
+          </a:p>
+          <a:p>
+            <a:endParaRPr kumimoji="1" lang="en-US" altLang="zh-CN" dirty="0"/>
+          </a:p>
+          <a:p>
+            <a:endParaRPr kumimoji="1" lang="zh-CN" altLang="en-US" dirty="0"/>
+          </a:p>
+        </p:txBody>
+      </p:sp>
+    </p:spTree>
+    <p:extLst>
+      <p:ext uri="{BB962C8B-B14F-4D97-AF65-F5344CB8AC3E}">
+        <p14:creationId xmlns:p14="http://schemas.microsoft.com/office/powerpoint/2010/main" val="2006934759"/>
+      </p:ext>
+    </p:extLst>
   </p:cSld>
   <p:clrMapOvr>
     <a:masterClrMapping/>
@@ -9042,8 +9846,8 @@
           <a:lstStyle/>
           <a:p>
             <a:r>
-              <a:rPr kumimoji="1" lang="zh-CN" altLang="en-US" sz="4000"/>
-              <a:t>调研结果</a:t>
+              <a:rPr kumimoji="1" lang="zh-CN" altLang="en-US" sz="4000" dirty="0"/>
+              <a:t>前期调研</a:t>
             </a:r>
           </a:p>
         </p:txBody>
@@ -9145,72 +9949,72 @@
           <a:lstStyle/>
           <a:p>
             <a:r>
-              <a:rPr kumimoji="1" lang="zh-CN" altLang="zh-CN" sz="2200"/>
+              <a:rPr kumimoji="1" lang="zh-CN" altLang="zh-CN" sz="2200" dirty="0"/>
               <a:t>接口梳理方案</a:t>
             </a:r>
-            <a:endParaRPr kumimoji="1" lang="en-US" altLang="zh-CN" sz="2200"/>
+            <a:endParaRPr kumimoji="1" lang="en-US" altLang="zh-CN" sz="2200" dirty="0"/>
           </a:p>
           <a:p>
             <a:pPr lvl="1"/>
             <a:r>
-              <a:rPr kumimoji="1" lang="zh-CN" altLang="zh-CN" sz="2200"/>
+              <a:rPr kumimoji="1" lang="zh-CN" altLang="zh-CN" sz="2200" dirty="0"/>
               <a:t>通过抓包，整理用户角度触发路径较短的接口，并与开发方核对。</a:t>
             </a:r>
-            <a:endParaRPr lang="en-US" altLang="zh-CN" sz="2200"/>
+            <a:endParaRPr lang="en-US" altLang="zh-CN" sz="2200" dirty="0"/>
           </a:p>
           <a:p>
             <a:pPr lvl="1"/>
             <a:r>
-              <a:rPr kumimoji="1" lang="zh-CN" altLang="zh-CN" sz="2200"/>
+              <a:rPr kumimoji="1" lang="zh-CN" altLang="zh-CN" sz="2200" dirty="0"/>
               <a:t>梳理结果：抓包准确性不理想。</a:t>
             </a:r>
-            <a:endParaRPr kumimoji="1" lang="en-US" altLang="zh-CN" sz="2200"/>
+            <a:endParaRPr kumimoji="1" lang="en-US" altLang="zh-CN" sz="2200" dirty="0"/>
           </a:p>
           <a:p>
             <a:pPr lvl="1"/>
-            <a:endParaRPr kumimoji="1" lang="en-US" altLang="zh-CN" sz="2200"/>
-          </a:p>
-          <a:p>
-            <a:r>
-              <a:rPr kumimoji="1" lang="zh-CN" altLang="zh-CN" sz="2200"/>
+            <a:endParaRPr kumimoji="1" lang="en-US" altLang="zh-CN" sz="2200" dirty="0"/>
+          </a:p>
+          <a:p>
+            <a:r>
+              <a:rPr kumimoji="1" lang="zh-CN" altLang="zh-CN" sz="2200" dirty="0"/>
               <a:t>定位原因</a:t>
             </a:r>
-            <a:endParaRPr lang="en-US" altLang="zh-CN" sz="2200"/>
+            <a:endParaRPr lang="en-US" altLang="zh-CN" sz="2200" dirty="0"/>
           </a:p>
           <a:p>
             <a:pPr lvl="1"/>
             <a:r>
-              <a:rPr kumimoji="1" lang="zh-CN" altLang="zh-CN" sz="2200"/>
+              <a:rPr kumimoji="1" lang="zh-CN" altLang="zh-CN" sz="2200" dirty="0"/>
               <a:t>原因</a:t>
             </a:r>
             <a:r>
-              <a:rPr kumimoji="1" lang="en-US" altLang="zh-CN" sz="2200"/>
+              <a:rPr kumimoji="1" lang="en-US" altLang="zh-CN" sz="2200" dirty="0"/>
               <a:t>:</a:t>
             </a:r>
             <a:r>
-              <a:rPr kumimoji="1" lang="zh-CN" altLang="zh-CN" sz="2200"/>
+              <a:rPr kumimoji="1" lang="zh-CN" altLang="zh-CN" sz="2200" dirty="0"/>
               <a:t>  </a:t>
             </a:r>
             <a:r>
-              <a:rPr kumimoji="1" lang="en-US" altLang="zh-CN" sz="2200"/>
+              <a:rPr kumimoji="1" lang="en-US" altLang="zh-CN" sz="2200" dirty="0"/>
               <a:t>app</a:t>
             </a:r>
             <a:r>
-              <a:rPr kumimoji="1" lang="zh-CN" altLang="zh-CN" sz="2200"/>
+              <a:rPr kumimoji="1" lang="zh-CN" altLang="zh-CN" sz="2200" dirty="0"/>
               <a:t>做过防代理抓包处理，没有暴露的接口可被抓取</a:t>
             </a:r>
-            <a:endParaRPr kumimoji="1" lang="zh-CN" altLang="en-US" sz="2200"/>
+            <a:endParaRPr kumimoji="1" lang="zh-CN" altLang="en-US" sz="2200" dirty="0"/>
           </a:p>
           <a:p>
             <a:pPr lvl="1"/>
-            <a:endParaRPr lang="en-US" altLang="zh-CN" sz="2200"/>
+            <a:endParaRPr lang="en-US" altLang="zh-CN" sz="2200" dirty="0"/>
           </a:p>
           <a:p>
             <a:pPr lvl="1"/>
-            <a:endParaRPr lang="en-US" altLang="zh-CN" sz="2200"/>
-          </a:p>
-          <a:p>
-            <a:endParaRPr kumimoji="1" lang="zh-CN" altLang="en-US" sz="2200"/>
+            <a:endParaRPr lang="en-US" altLang="zh-CN" sz="2200" dirty="0"/>
+          </a:p>
+          <a:p>
+            <a:endParaRPr kumimoji="1" lang="zh-CN" altLang="en-US" sz="2200" dirty="0"/>
           </a:p>
         </p:txBody>
       </p:sp>
@@ -9268,7 +10072,7 @@
           <a:p>
             <a:r>
               <a:rPr kumimoji="1" lang="zh-CN" altLang="en-US" dirty="0"/>
-              <a:t>业务调整</a:t>
+              <a:t>业务变更</a:t>
             </a:r>
             <a:endParaRPr kumimoji="1" lang="en-US" altLang="zh-CN" dirty="0"/>
           </a:p>
@@ -9835,7 +10639,7 @@
           <a:lstStyle/>
           <a:p>
             <a:r>
-              <a:rPr kumimoji="1" lang="zh-CN" altLang="en-US" sz="3600"/>
+              <a:rPr kumimoji="1" lang="zh-CN" altLang="en-US" sz="3600" dirty="0"/>
               <a:t>首次提测</a:t>
             </a:r>
           </a:p>
@@ -9870,74 +10674,74 @@
           <a:lstStyle/>
           <a:p>
             <a:r>
-              <a:rPr kumimoji="1" lang="zh-CN" altLang="en-US" sz="2000"/>
+              <a:rPr kumimoji="1" lang="zh-CN" altLang="en-US" sz="2000" dirty="0"/>
               <a:t>梳理</a:t>
             </a:r>
             <a:r>
-              <a:rPr kumimoji="1" lang="en-US" altLang="zh-CN" sz="2000"/>
+              <a:rPr kumimoji="1" lang="en-US" altLang="zh-CN" sz="2000" dirty="0"/>
               <a:t>API</a:t>
             </a:r>
             <a:r>
-              <a:rPr kumimoji="1" lang="zh-CN" altLang="en-US" sz="2000"/>
+              <a:rPr kumimoji="1" lang="zh-CN" altLang="en-US" sz="2000" dirty="0"/>
               <a:t>调用逻辑：文档描述</a:t>
             </a:r>
             <a:r>
-              <a:rPr kumimoji="1" lang="en-US" altLang="zh-CN" sz="2000"/>
+              <a:rPr kumimoji="1" lang="en-US" altLang="zh-CN" sz="2000" dirty="0"/>
               <a:t>+app</a:t>
             </a:r>
             <a:r>
-              <a:rPr kumimoji="1" lang="zh-CN" altLang="en-US" sz="2000"/>
+              <a:rPr kumimoji="1" lang="zh-CN" altLang="en-US" sz="2000" dirty="0"/>
               <a:t>黑盒对照</a:t>
             </a:r>
-            <a:endParaRPr kumimoji="1" lang="en-US" altLang="zh-CN" sz="2000"/>
+            <a:endParaRPr kumimoji="1" lang="en-US" altLang="zh-CN" sz="2000" dirty="0"/>
           </a:p>
           <a:p>
             <a:pPr lvl="1"/>
-            <a:endParaRPr kumimoji="1" lang="en-US" altLang="zh-CN" sz="2000"/>
-          </a:p>
-          <a:p>
-            <a:r>
-              <a:rPr kumimoji="1" lang="zh-CN" altLang="en-US" sz="2000"/>
+            <a:endParaRPr kumimoji="1" lang="en-US" altLang="zh-CN" sz="2000" dirty="0"/>
+          </a:p>
+          <a:p>
+            <a:r>
+              <a:rPr kumimoji="1" lang="zh-CN" altLang="en-US" sz="2000" dirty="0"/>
               <a:t>圈画压测接口范围：用户操作路径短、使用频繁、产生高并发请求几率高的接口</a:t>
             </a:r>
-            <a:endParaRPr kumimoji="1" lang="en-US" altLang="zh-CN" sz="2000"/>
+            <a:endParaRPr kumimoji="1" lang="en-US" altLang="zh-CN" sz="2000" dirty="0"/>
           </a:p>
           <a:p>
             <a:pPr lvl="1"/>
-            <a:endParaRPr kumimoji="1" lang="en-US" altLang="zh-CN" sz="2000"/>
-          </a:p>
-          <a:p>
-            <a:r>
-              <a:rPr kumimoji="1" lang="zh-CN" altLang="en-US" sz="2000"/>
+            <a:endParaRPr kumimoji="1" lang="en-US" altLang="zh-CN" sz="2000" dirty="0"/>
+          </a:p>
+          <a:p>
+            <a:r>
+              <a:rPr kumimoji="1" lang="zh-CN" altLang="en-US" sz="2000" dirty="0"/>
               <a:t>制定压测目标：单接口</a:t>
             </a:r>
             <a:r>
-              <a:rPr kumimoji="1" lang="en-US" altLang="zh-CN" sz="2000"/>
+              <a:rPr kumimoji="1" lang="en-US" altLang="zh-CN" sz="2000" dirty="0"/>
               <a:t>QPS</a:t>
             </a:r>
             <a:r>
-              <a:rPr kumimoji="1" lang="zh-CN" altLang="en-US" sz="2000"/>
+              <a:rPr kumimoji="1" lang="zh-CN" altLang="en-US" sz="2000" dirty="0"/>
               <a:t>：</a:t>
             </a:r>
             <a:r>
-              <a:rPr kumimoji="1" lang="en-US" altLang="zh-CN" sz="2000"/>
+              <a:rPr kumimoji="1" lang="en-US" altLang="zh-CN" sz="2000" dirty="0"/>
               <a:t>50</a:t>
             </a:r>
             <a:r>
-              <a:rPr kumimoji="1" lang="zh-CN" altLang="en-US" sz="2000"/>
+              <a:rPr kumimoji="1" lang="zh-CN" altLang="en-US" sz="2000" dirty="0"/>
               <a:t>（上线后将限量邀请方式开放使用）</a:t>
             </a:r>
           </a:p>
           <a:p>
             <a:pPr lvl="1"/>
-            <a:endParaRPr kumimoji="1" lang="zh-CN" altLang="en-US" sz="2000"/>
-          </a:p>
-          <a:p>
-            <a:r>
-              <a:rPr kumimoji="1" lang="zh-CN" altLang="en-US" sz="2000"/>
+            <a:endParaRPr kumimoji="1" lang="zh-CN" altLang="en-US" sz="2000" dirty="0"/>
+          </a:p>
+          <a:p>
+            <a:r>
+              <a:rPr kumimoji="1" lang="zh-CN" altLang="en-US" sz="2000" dirty="0"/>
               <a:t>搭建可视化监控服务，设计并评审测试脚本，协同运维人员搭建压测环境。</a:t>
             </a:r>
-            <a:endParaRPr kumimoji="1" lang="en-US" altLang="zh-CN" sz="2000"/>
+            <a:endParaRPr kumimoji="1" lang="en-US" altLang="zh-CN" sz="2000" dirty="0"/>
           </a:p>
         </p:txBody>
       </p:sp>
@@ -10633,8 +11437,8 @@
         </p:nvSpPr>
         <p:spPr>
           <a:xfrm>
-            <a:off x="643467" y="1698171"/>
-            <a:ext cx="3962061" cy="4516360"/>
+            <a:off x="886333" y="1698170"/>
+            <a:ext cx="3297354" cy="1480838"/>
           </a:xfrm>
           <a:prstGeom prst="rect">
             <a:avLst/>
@@ -10658,7 +11462,15 @@
               </a:spcAft>
             </a:pPr>
             <a:r>
-              <a:rPr kumimoji="1" lang="zh-CN" altLang="en-US" sz="3600" kern="1200">
+              <a:rPr kumimoji="1" lang="zh-CN" altLang="en-US" sz="3600" dirty="0">
+                <a:latin typeface="+mj-lt"/>
+                <a:ea typeface="+mj-ea"/>
+                <a:cs typeface="+mj-cs"/>
+              </a:rPr>
+              <a:t>期望</a:t>
+            </a:r>
+            <a:r>
+              <a:rPr kumimoji="1" lang="zh-CN" altLang="en-US" sz="3600" kern="1200" dirty="0">
                 <a:solidFill>
                   <a:schemeClr val="tx1"/>
                 </a:solidFill>
@@ -10666,9 +11478,9 @@
                 <a:ea typeface="+mj-ea"/>
                 <a:cs typeface="+mj-cs"/>
               </a:rPr>
-              <a:t>下轮压测目标</a:t>
-            </a:r>
-            <a:endParaRPr kumimoji="1" lang="en-US" altLang="zh-CN" sz="3600" kern="1200">
+              <a:t>压测目标</a:t>
+            </a:r>
+            <a:endParaRPr kumimoji="1" lang="en-US" altLang="zh-CN" sz="3600" kern="1200" dirty="0">
               <a:solidFill>
                 <a:schemeClr val="tx1"/>
               </a:solidFill>
@@ -11376,8 +12188,8 @@
         </p:nvSpPr>
         <p:spPr>
           <a:xfrm>
-            <a:off x="643467" y="1698171"/>
-            <a:ext cx="3962061" cy="4516360"/>
+            <a:off x="759171" y="1698170"/>
+            <a:ext cx="3962061" cy="907464"/>
           </a:xfrm>
         </p:spPr>
         <p:txBody>
@@ -11388,7 +12200,15 @@
           <a:p>
             <a:r>
               <a:rPr lang="zh-CN" altLang="en-US" sz="3600" dirty="0"/>
-              <a:t>测试准备工作调整</a:t>
+              <a:t>流程 </a:t>
+            </a:r>
+            <a:r>
+              <a:rPr lang="en-US" altLang="zh-CN" sz="3600" dirty="0"/>
+              <a:t>&amp;</a:t>
+            </a:r>
+            <a:r>
+              <a:rPr lang="zh-CN" altLang="en-US" sz="3600" dirty="0"/>
+              <a:t> 目标调整</a:t>
             </a:r>
           </a:p>
         </p:txBody>
@@ -12054,7 +12874,7 @@
                 <a:ea typeface="+mj-ea"/>
                 <a:cs typeface="+mj-cs"/>
               </a:rPr>
-              <a:t>压测结果</a:t>
+              <a:t>本轮压测结果</a:t>
             </a:r>
           </a:p>
         </p:txBody>
